--- a/css教案（修改版）.pptx
+++ b/css教案（修改版）.pptx
@@ -5,14 +5,21 @@
     <p:sldMasterId id="2147483648" r:id="rId1"/>
   </p:sldMasterIdLst>
   <p:handoutMasterIdLst>
-    <p:handoutMasterId r:id="rId8"/>
+    <p:handoutMasterId r:id="rId14"/>
   </p:handoutMasterIdLst>
   <p:sldIdLst>
-    <p:sldId id="256" r:id="rId3"/>
+    <p:sldId id="256" r:id="rId2"/>
+    <p:sldId id="372" r:id="rId3"/>
     <p:sldId id="257" r:id="rId4"/>
     <p:sldId id="370" r:id="rId5"/>
     <p:sldId id="371" r:id="rId6"/>
-    <p:sldId id="369" r:id="rId7"/>
+    <p:sldId id="373" r:id="rId7"/>
+    <p:sldId id="374" r:id="rId8"/>
+    <p:sldId id="375" r:id="rId9"/>
+    <p:sldId id="378" r:id="rId10"/>
+    <p:sldId id="376" r:id="rId11"/>
+    <p:sldId id="377" r:id="rId12"/>
+    <p:sldId id="369" r:id="rId13"/>
   </p:sldIdLst>
   <p:sldSz cx="9144000" cy="6858000" type="screen4x3"/>
   <p:notesSz cx="6858000" cy="9144000"/>
@@ -111,6 +118,36 @@
       </a:defRPr>
     </a:lvl9pPr>
   </p:defaultTextStyle>
+  <p:extLst>
+    <p:ext uri="{EFAFB233-063F-42B5-8137-9DF3F51BA10A}">
+      <p15:sldGuideLst xmlns:p15="http://schemas.microsoft.com/office/powerpoint/2012/main">
+        <p15:guide id="1" orient="horz" pos="2160">
+          <p15:clr>
+            <a:srgbClr val="A4A3A4"/>
+          </p15:clr>
+        </p15:guide>
+        <p15:guide id="2" pos="2880">
+          <p15:clr>
+            <a:srgbClr val="A4A3A4"/>
+          </p15:clr>
+        </p15:guide>
+      </p15:sldGuideLst>
+    </p:ext>
+    <p:ext uri="{2D200454-40CA-4A62-9FC3-DE9A4176ACB9}">
+      <p15:notesGuideLst xmlns:p15="http://schemas.microsoft.com/office/powerpoint/2012/main">
+        <p15:guide id="1" orient="horz" pos="2880">
+          <p15:clr>
+            <a:srgbClr val="A4A3A4"/>
+          </p15:clr>
+        </p15:guide>
+        <p15:guide id="2" pos="2160">
+          <p15:clr>
+            <a:srgbClr val="A4A3A4"/>
+          </p15:clr>
+        </p15:guide>
+      </p15:notesGuideLst>
+    </p:ext>
+  </p:extLst>
 </p:presentation>
 </file>
 
@@ -196,6 +233,7 @@
           <a:p>
             <a:fld id="{E9AD6EE2-A988-47A8-A809-1DCAB739DC56}" type="datetimeFigureOut">
               <a:rPr lang="zh-CN" altLang="en-US" smtClean="0"/>
+              <a:t>2020/8/9</a:t>
             </a:fld>
             <a:endParaRPr lang="zh-CN" altLang="en-US"/>
           </a:p>
@@ -261,6 +299,7 @@
           <a:p>
             <a:fld id="{4676D468-BFB8-4705-8090-839A8D9B8E38}" type="slidenum">
               <a:rPr lang="zh-CN" altLang="en-US" smtClean="0"/>
+              <a:t>‹#›</a:t>
             </a:fld>
             <a:endParaRPr lang="zh-CN" altLang="en-US"/>
           </a:p>
@@ -273,7 +312,7 @@
 </file>
 
 <file path=ppt/slideLayouts/slideLayout1.xml><?xml version="1.0" encoding="utf-8"?>
-<p:sldLayout xmlns:a="http://schemas.openxmlformats.org/drawingml/2006/main" xmlns:r="http://schemas.openxmlformats.org/officeDocument/2006/relationships" xmlns:p="http://schemas.openxmlformats.org/presentationml/2006/main" preserve="1" showMasterSp="0" userDrawn="1">
+<p:sldLayout xmlns:a="http://schemas.openxmlformats.org/drawingml/2006/main" xmlns:r="http://schemas.openxmlformats.org/officeDocument/2006/relationships" xmlns:p="http://schemas.openxmlformats.org/presentationml/2006/main" showMasterSp="0" preserve="1" userDrawn="1">
   <p:cSld name="标题幻灯片">
     <p:spTree>
       <p:nvGrpSpPr>
@@ -505,7 +544,7 @@
           </a:lstStyle>
           <a:p>
             <a:r>
-              <a:rPr lang="zh-CN" altLang="en-US" smtClean="0"/>
+              <a:rPr lang="zh-CN" altLang="en-US"/>
               <a:t>单击此处编辑母版标题样式</a:t>
             </a:r>
             <a:endParaRPr lang="zh-CN" altLang="en-US" dirty="0"/>
@@ -536,6 +575,7 @@
           <a:p>
             <a:fld id="{CD81A037-8D57-41A5-A253-A9E887D684E4}" type="datetime1">
               <a:rPr lang="zh-CN" altLang="en-US" smtClean="0"/>
+              <a:t>2020/8/9</a:t>
             </a:fld>
             <a:endParaRPr lang="zh-CN" altLang="en-US" dirty="0"/>
           </a:p>
@@ -584,6 +624,7 @@
           <a:p>
             <a:fld id="{5C794E63-F2AF-49E2-AE37-43481CC587E5}" type="slidenum">
               <a:rPr lang="zh-CN" altLang="en-US" smtClean="0"/>
+              <a:t>‹#›</a:t>
             </a:fld>
             <a:endParaRPr lang="zh-CN" altLang="en-US" dirty="0"/>
           </a:p>
@@ -806,7 +847,7 @@
               <a:defRPr/>
             </a:pPr>
             <a:r>
-              <a:rPr lang="en-US" altLang="zh-CN" sz="1100" dirty="0" smtClean="0">
+              <a:rPr lang="en-US" altLang="zh-CN" sz="1100" dirty="0">
                 <a:solidFill>
                   <a:srgbClr val="0068B7"/>
                 </a:solidFill>
@@ -815,7 +856,7 @@
               </a:rPr>
               <a:t>www.thunisoft.com</a:t>
             </a:r>
-            <a:endParaRPr lang="zh-CN" altLang="en-US" sz="1100" dirty="0" smtClean="0">
+            <a:endParaRPr lang="zh-CN" altLang="en-US" sz="1100" dirty="0">
               <a:solidFill>
                 <a:srgbClr val="0068B7"/>
               </a:solidFill>
@@ -873,7 +914,7 @@
           <a:p>
             <a:pPr defTabSz="821055"/>
             <a:r>
-              <a:rPr lang="zh-CN" altLang="en-US" sz="1000" dirty="0" smtClean="0">
+              <a:rPr lang="zh-CN" altLang="en-US" sz="1000" dirty="0">
                 <a:solidFill>
                   <a:schemeClr val="bg1"/>
                 </a:solidFill>
@@ -883,7 +924,7 @@
               <a:t>华宇</a:t>
             </a:r>
             <a:r>
-              <a:rPr lang="en-US" altLang="zh-CN" sz="1000" dirty="0" smtClean="0">
+              <a:rPr lang="en-US" altLang="zh-CN" sz="1000" dirty="0">
                 <a:solidFill>
                   <a:schemeClr val="bg1"/>
                 </a:solidFill>
@@ -893,7 +934,7 @@
               <a:t>(</a:t>
             </a:r>
             <a:r>
-              <a:rPr lang="zh-CN" altLang="en-US" sz="1000" dirty="0" smtClean="0">
+              <a:rPr lang="zh-CN" altLang="en-US" sz="1000" dirty="0">
                 <a:solidFill>
                   <a:schemeClr val="bg1"/>
                 </a:solidFill>
@@ -903,7 +944,7 @@
               <a:t>大连</a:t>
             </a:r>
             <a:r>
-              <a:rPr lang="en-US" altLang="zh-CN" sz="1000" dirty="0" smtClean="0">
+              <a:rPr lang="en-US" altLang="zh-CN" sz="1000" dirty="0">
                 <a:solidFill>
                   <a:schemeClr val="bg1"/>
                 </a:solidFill>
@@ -913,7 +954,7 @@
               <a:t>)</a:t>
             </a:r>
             <a:r>
-              <a:rPr lang="zh-CN" altLang="en-US" sz="1000" dirty="0" smtClean="0">
+              <a:rPr lang="zh-CN" altLang="en-US" sz="1000" dirty="0">
                 <a:solidFill>
                   <a:schemeClr val="bg1"/>
                 </a:solidFill>
@@ -923,7 +964,7 @@
               <a:t>信息服务有限公司</a:t>
             </a:r>
             <a:r>
-              <a:rPr lang="zh-CN" altLang="en-US" sz="900" dirty="0" smtClean="0">
+              <a:rPr lang="zh-CN" altLang="en-US" sz="900" dirty="0">
                 <a:solidFill>
                   <a:schemeClr val="bg1"/>
                 </a:solidFill>
@@ -933,7 +974,7 @@
               <a:t> </a:t>
             </a:r>
             <a:r>
-              <a:rPr lang="zh-CN" altLang="en-US" sz="900" dirty="0" smtClean="0">
+              <a:rPr lang="zh-CN" altLang="en-US" sz="900" dirty="0">
                 <a:solidFill>
                   <a:schemeClr val="bg1"/>
                 </a:solidFill>
@@ -941,24 +982,14 @@
               <a:t> </a:t>
             </a:r>
             <a:r>
-              <a:rPr lang="en-US" altLang="zh-CN" sz="800" dirty="0" smtClean="0">
+              <a:rPr lang="en-US" altLang="zh-CN" sz="800" dirty="0">
                 <a:solidFill>
                   <a:schemeClr val="bg1"/>
                 </a:solidFill>
                 <a:latin typeface="Arial" panose="020B0604020202020204" pitchFamily="34" charset="0"/>
                 <a:cs typeface="Arial" panose="020B0604020202020204" pitchFamily="34" charset="0"/>
               </a:rPr>
-              <a:t> THUNISOFT (DALIAN) INFORMATION SERVICE CORPORATION </a:t>
-            </a:r>
-            <a:r>
-              <a:rPr lang="en-US" altLang="zh-CN" sz="800" dirty="0">
-                <a:solidFill>
-                  <a:schemeClr val="bg1"/>
-                </a:solidFill>
-                <a:latin typeface="Arial" panose="020B0604020202020204" pitchFamily="34" charset="0"/>
-                <a:cs typeface="Arial" panose="020B0604020202020204" pitchFamily="34" charset="0"/>
-              </a:rPr>
-              <a:t>LIMITED</a:t>
+              <a:t> THUNISOFT (DALIAN) INFORMATION SERVICE CORPORATION LIMITED</a:t>
             </a:r>
             <a:endParaRPr lang="zh-CN" altLang="en-US" sz="800" dirty="0">
               <a:solidFill>
@@ -1093,6 +1124,7 @@
                 <a:latin typeface="Arial" panose="020B0604020202020204" pitchFamily="34" charset="0"/>
                 <a:cs typeface="Arial" panose="020B0604020202020204" pitchFamily="34" charset="0"/>
               </a:rPr>
+              <a:t>2020/8/9</a:t>
             </a:fld>
             <a:endParaRPr lang="zh-CN" altLang="zh-CN" dirty="0">
               <a:latin typeface="Arial" panose="020B0604020202020204" pitchFamily="34" charset="0"/>
@@ -1156,7 +1188,7 @@
           </a:lstStyle>
           <a:p>
             <a:r>
-              <a:rPr lang="zh-CN" altLang="en-US" smtClean="0"/>
+              <a:rPr lang="zh-CN" altLang="en-US"/>
               <a:t>单击此处编辑母版标题样式</a:t>
             </a:r>
             <a:endParaRPr lang="zh-CN" altLang="en-US" dirty="0"/>
@@ -1236,39 +1268,35 @@
           <a:p>
             <a:pPr lvl="0"/>
             <a:r>
-              <a:rPr lang="zh-CN" altLang="en-US" smtClean="0"/>
+              <a:rPr lang="zh-CN" altLang="en-US"/>
               <a:t>单击此处编辑母版文本样式</a:t>
             </a:r>
-            <a:endParaRPr lang="zh-CN" altLang="en-US" smtClean="0"/>
           </a:p>
           <a:p>
             <a:pPr lvl="1"/>
             <a:r>
-              <a:rPr lang="zh-CN" altLang="en-US" smtClean="0"/>
+              <a:rPr lang="zh-CN" altLang="en-US"/>
               <a:t>第二级</a:t>
             </a:r>
-            <a:endParaRPr lang="zh-CN" altLang="en-US" smtClean="0"/>
           </a:p>
           <a:p>
             <a:pPr lvl="2"/>
             <a:r>
-              <a:rPr lang="zh-CN" altLang="en-US" smtClean="0"/>
+              <a:rPr lang="zh-CN" altLang="en-US"/>
               <a:t>第三级</a:t>
             </a:r>
-            <a:endParaRPr lang="zh-CN" altLang="en-US" smtClean="0"/>
           </a:p>
           <a:p>
             <a:pPr lvl="3"/>
             <a:r>
-              <a:rPr lang="zh-CN" altLang="en-US" smtClean="0"/>
+              <a:rPr lang="zh-CN" altLang="en-US"/>
               <a:t>第四级</a:t>
             </a:r>
-            <a:endParaRPr lang="zh-CN" altLang="en-US" smtClean="0"/>
           </a:p>
           <a:p>
             <a:pPr lvl="4"/>
             <a:r>
-              <a:rPr lang="zh-CN" altLang="en-US" smtClean="0"/>
+              <a:rPr lang="zh-CN" altLang="en-US"/>
               <a:t>第五级</a:t>
             </a:r>
             <a:endParaRPr lang="zh-CN" altLang="en-US" dirty="0"/>
@@ -1292,6 +1320,7 @@
           <a:p>
             <a:fld id="{4D01DF33-5A38-4035-AC9E-B8E17EB22BE4}" type="datetime1">
               <a:rPr lang="zh-CN" altLang="en-US" smtClean="0"/>
+              <a:t>2020/8/9</a:t>
             </a:fld>
             <a:endParaRPr lang="zh-CN" altLang="en-US"/>
           </a:p>
@@ -1333,6 +1362,7 @@
           <a:p>
             <a:fld id="{5C794E63-F2AF-49E2-AE37-43481CC587E5}" type="slidenum">
               <a:rPr lang="zh-CN" altLang="en-US" smtClean="0"/>
+              <a:t>‹#›</a:t>
             </a:fld>
             <a:endParaRPr lang="zh-CN" altLang="en-US"/>
           </a:p>
@@ -1347,7 +1377,7 @@
 </file>
 
 <file path=ppt/slideLayouts/slideLayout3.xml><?xml version="1.0" encoding="utf-8"?>
-<p:sldLayout xmlns:a="http://schemas.openxmlformats.org/drawingml/2006/main" xmlns:r="http://schemas.openxmlformats.org/officeDocument/2006/relationships" xmlns:p="http://schemas.openxmlformats.org/presentationml/2006/main" preserve="1" showMasterSp="0" userDrawn="1">
+<p:sldLayout xmlns:a="http://schemas.openxmlformats.org/drawingml/2006/main" xmlns:r="http://schemas.openxmlformats.org/officeDocument/2006/relationships" xmlns:p="http://schemas.openxmlformats.org/presentationml/2006/main" showMasterSp="0" preserve="1" userDrawn="1">
   <p:cSld name="节标题">
     <p:spTree>
       <p:nvGrpSpPr>
@@ -1594,7 +1624,7 @@
           <a:p>
             <a:pPr algn="ctr" defTabSz="821055"/>
             <a:r>
-              <a:rPr lang="zh-CN" altLang="en-US" sz="1000" dirty="0" smtClean="0">
+              <a:rPr lang="zh-CN" altLang="en-US" sz="1000" dirty="0">
                 <a:solidFill>
                   <a:schemeClr val="bg1"/>
                 </a:solidFill>
@@ -1604,7 +1634,7 @@
               <a:t>华宇</a:t>
             </a:r>
             <a:r>
-              <a:rPr lang="en-US" altLang="zh-CN" sz="1000" dirty="0" smtClean="0">
+              <a:rPr lang="en-US" altLang="zh-CN" sz="1000" dirty="0">
                 <a:solidFill>
                   <a:schemeClr val="bg1"/>
                 </a:solidFill>
@@ -1614,7 +1644,7 @@
               <a:t>(</a:t>
             </a:r>
             <a:r>
-              <a:rPr lang="zh-CN" altLang="en-US" sz="1000" dirty="0" smtClean="0">
+              <a:rPr lang="zh-CN" altLang="en-US" sz="1000" dirty="0">
                 <a:solidFill>
                   <a:schemeClr val="bg1"/>
                 </a:solidFill>
@@ -1624,7 +1654,7 @@
               <a:t>大连</a:t>
             </a:r>
             <a:r>
-              <a:rPr lang="en-US" altLang="zh-CN" sz="1000" dirty="0" smtClean="0">
+              <a:rPr lang="en-US" altLang="zh-CN" sz="1000" dirty="0">
                 <a:solidFill>
                   <a:schemeClr val="bg1"/>
                 </a:solidFill>
@@ -1634,7 +1664,7 @@
               <a:t>)</a:t>
             </a:r>
             <a:r>
-              <a:rPr lang="zh-CN" altLang="en-US" sz="1000" dirty="0" smtClean="0">
+              <a:rPr lang="zh-CN" altLang="en-US" sz="1000" dirty="0">
                 <a:solidFill>
                   <a:schemeClr val="bg1"/>
                 </a:solidFill>
@@ -1644,7 +1674,7 @@
               <a:t>信息服务有限公司  </a:t>
             </a:r>
             <a:r>
-              <a:rPr lang="en-US" altLang="zh-CN" sz="800" dirty="0" smtClean="0">
+              <a:rPr lang="en-US" altLang="zh-CN" sz="800" dirty="0">
                 <a:solidFill>
                   <a:schemeClr val="bg1"/>
                 </a:solidFill>
@@ -1652,18 +1682,7 @@
                 <a:ea typeface="微软雅黑" panose="020B0503020204020204" charset="-122"/>
                 <a:cs typeface="Arial" panose="020B0604020202020204" pitchFamily="34" charset="0"/>
               </a:rPr>
-              <a:t>THUNISOFT (DALIAN) INFORMATION SERVICE CORPORATION </a:t>
-            </a:r>
-            <a:r>
-              <a:rPr lang="en-US" altLang="zh-CN" sz="800" dirty="0">
-                <a:solidFill>
-                  <a:schemeClr val="bg1"/>
-                </a:solidFill>
-                <a:latin typeface="Arial" panose="020B0604020202020204" pitchFamily="34" charset="0"/>
-                <a:ea typeface="微软雅黑" panose="020B0503020204020204" charset="-122"/>
-                <a:cs typeface="Arial" panose="020B0604020202020204" pitchFamily="34" charset="0"/>
-              </a:rPr>
-              <a:t>LIMITED</a:t>
+              <a:t>THUNISOFT (DALIAN) INFORMATION SERVICE CORPORATION LIMITED</a:t>
             </a:r>
             <a:endParaRPr lang="zh-CN" altLang="en-US" sz="800" dirty="0">
               <a:solidFill>
@@ -1763,7 +1782,7 @@
           </a:lstStyle>
           <a:p>
             <a:r>
-              <a:rPr lang="zh-CN" altLang="en-US" smtClean="0"/>
+              <a:rPr lang="zh-CN" altLang="en-US"/>
               <a:t>单击此处编辑母版标题样式</a:t>
             </a:r>
             <a:endParaRPr lang="zh-CN" altLang="en-US" dirty="0"/>
@@ -1812,6 +1831,7 @@
           <a:p>
             <a:fld id="{C1D3EEC2-3DBC-43AD-837B-AE7C27033FDD}" type="datetime1">
               <a:rPr lang="zh-CN" altLang="en-US" smtClean="0"/>
+              <a:t>2020/8/9</a:t>
             </a:fld>
             <a:endParaRPr lang="zh-CN" altLang="en-US" dirty="0"/>
           </a:p>
@@ -1853,6 +1873,7 @@
           <a:p>
             <a:fld id="{5C794E63-F2AF-49E2-AE37-43481CC587E5}" type="slidenum">
               <a:rPr lang="zh-CN" altLang="en-US" smtClean="0"/>
+              <a:t>‹#›</a:t>
             </a:fld>
             <a:endParaRPr lang="zh-CN" altLang="en-US" dirty="0"/>
           </a:p>
@@ -1914,10 +1935,9 @@
           <a:lstStyle/>
           <a:p>
             <a:r>
-              <a:rPr lang="zh-CN" altLang="en-US" dirty="0" smtClean="0"/>
+              <a:rPr lang="zh-CN" altLang="en-US" dirty="0"/>
               <a:t>单击此处编辑母版标题样式</a:t>
             </a:r>
-            <a:endParaRPr lang="zh-CN" altLang="en-US" dirty="0"/>
           </a:p>
         </p:txBody>
       </p:sp>
@@ -1948,42 +1968,37 @@
           <a:p>
             <a:pPr lvl="0"/>
             <a:r>
-              <a:rPr lang="zh-CN" altLang="en-US" dirty="0" smtClean="0"/>
+              <a:rPr lang="zh-CN" altLang="en-US" dirty="0"/>
               <a:t>单击此处编辑母版文本样式</a:t>
             </a:r>
-            <a:endParaRPr lang="zh-CN" altLang="en-US" dirty="0" smtClean="0"/>
           </a:p>
           <a:p>
             <a:pPr lvl="1"/>
             <a:r>
-              <a:rPr lang="zh-CN" altLang="en-US" dirty="0" smtClean="0"/>
+              <a:rPr lang="zh-CN" altLang="en-US" dirty="0"/>
               <a:t>第二级</a:t>
             </a:r>
-            <a:endParaRPr lang="zh-CN" altLang="en-US" dirty="0" smtClean="0"/>
           </a:p>
           <a:p>
             <a:pPr lvl="2"/>
             <a:r>
-              <a:rPr lang="zh-CN" altLang="en-US" dirty="0" smtClean="0"/>
+              <a:rPr lang="zh-CN" altLang="en-US" dirty="0"/>
               <a:t>第三级</a:t>
             </a:r>
-            <a:endParaRPr lang="zh-CN" altLang="en-US" dirty="0" smtClean="0"/>
           </a:p>
           <a:p>
             <a:pPr lvl="3"/>
             <a:r>
-              <a:rPr lang="zh-CN" altLang="en-US" dirty="0" smtClean="0"/>
+              <a:rPr lang="zh-CN" altLang="en-US" dirty="0"/>
               <a:t>第四级</a:t>
             </a:r>
-            <a:endParaRPr lang="zh-CN" altLang="en-US" dirty="0" smtClean="0"/>
           </a:p>
           <a:p>
             <a:pPr lvl="4"/>
             <a:r>
-              <a:rPr lang="zh-CN" altLang="en-US" dirty="0" smtClean="0"/>
+              <a:rPr lang="zh-CN" altLang="en-US" dirty="0"/>
               <a:t>第五级</a:t>
             </a:r>
-            <a:endParaRPr lang="zh-CN" altLang="en-US" dirty="0"/>
           </a:p>
         </p:txBody>
       </p:sp>
@@ -2022,6 +2037,7 @@
           <a:p>
             <a:fld id="{C1D3EEC2-3DBC-43AD-837B-AE7C27033FDD}" type="datetime1">
               <a:rPr lang="zh-CN" altLang="en-US" smtClean="0"/>
+              <a:t>2020/8/9</a:t>
             </a:fld>
             <a:endParaRPr lang="zh-CN" altLang="en-US" dirty="0"/>
           </a:p>
@@ -2099,6 +2115,7 @@
           <a:p>
             <a:fld id="{5C794E63-F2AF-49E2-AE37-43481CC587E5}" type="slidenum">
               <a:rPr lang="zh-CN" altLang="en-US" smtClean="0"/>
+              <a:t>‹#›</a:t>
             </a:fld>
             <a:endParaRPr lang="zh-CN" altLang="en-US" dirty="0"/>
           </a:p>
@@ -2296,7 +2313,7 @@
           <p:nvPr/>
         </p:nvPicPr>
         <p:blipFill>
-          <a:blip r:embed="rId5" cstate="print">
+          <a:blip r:embed="rId6" cstate="print">
             <a:extLst>
               <a:ext uri="{28A0092B-C50C-407E-A947-70E740481C1C}">
                 <a14:useLocalDpi xmlns:a14="http://schemas.microsoft.com/office/drawing/2010/main" val="0"/>
@@ -2671,16 +2688,16 @@
           <a:lstStyle/>
           <a:p>
             <a:br>
-              <a:rPr lang="en-US" altLang="zh-CN" b="1" dirty="0" smtClean="0"/>
+              <a:rPr lang="en-US" altLang="zh-CN" b="1" dirty="0"/>
             </a:br>
             <a:br>
-              <a:rPr lang="en-US" altLang="zh-CN" b="1" dirty="0" smtClean="0"/>
+              <a:rPr lang="en-US" altLang="zh-CN" b="1" dirty="0"/>
             </a:br>
             <a:br>
-              <a:rPr lang="en-US" altLang="zh-CN" b="1" dirty="0" smtClean="0"/>
+              <a:rPr lang="en-US" altLang="zh-CN" b="1" dirty="0"/>
             </a:br>
             <a:r>
-              <a:rPr lang="en-US" altLang="zh-CN" b="1" dirty="0" smtClean="0"/>
+              <a:rPr lang="en-US" altLang="zh-CN" b="1" dirty="0"/>
               <a:t>Css</a:t>
             </a:r>
             <a:br>
@@ -2726,10 +2743,9 @@
           <a:lstStyle/>
           <a:p>
             <a:r>
-              <a:rPr lang="zh-CN" altLang="en-US" dirty="0" smtClean="0"/>
+              <a:rPr lang="zh-CN" altLang="en-US" dirty="0"/>
               <a:t>。</a:t>
             </a:r>
-            <a:endParaRPr lang="zh-CN" altLang="en-US" dirty="0"/>
           </a:p>
         </p:txBody>
       </p:sp>
@@ -2738,13 +2754,928 @@
   <p:clrMapOvr>
     <a:masterClrMapping/>
   </p:clrMapOvr>
-  <p:timing>
-    <p:tnLst>
-      <p:par>
-        <p:cTn id="1" dur="indefinite" restart="never" nodeType="tmRoot"/>
-      </p:par>
-    </p:tnLst>
-  </p:timing>
+</p:sld>
+</file>
+
+<file path=ppt/slides/slide10.xml><?xml version="1.0" encoding="utf-8"?>
+<p:sld xmlns:a="http://schemas.openxmlformats.org/drawingml/2006/main" xmlns:r="http://schemas.openxmlformats.org/officeDocument/2006/relationships" xmlns:p="http://schemas.openxmlformats.org/presentationml/2006/main">
+  <p:cSld>
+    <p:spTree>
+      <p:nvGrpSpPr>
+        <p:cNvPr id="1" name=""/>
+        <p:cNvGrpSpPr/>
+        <p:nvPr/>
+      </p:nvGrpSpPr>
+      <p:grpSpPr>
+        <a:xfrm>
+          <a:off x="0" y="0"/>
+          <a:ext cx="0" cy="0"/>
+          <a:chOff x="0" y="0"/>
+          <a:chExt cx="0" cy="0"/>
+        </a:xfrm>
+      </p:grpSpPr>
+      <p:sp>
+        <p:nvSpPr>
+          <p:cNvPr id="2" name="标题 1">
+            <a:extLst>
+              <a:ext uri="{FF2B5EF4-FFF2-40B4-BE49-F238E27FC236}">
+                <a16:creationId xmlns:a16="http://schemas.microsoft.com/office/drawing/2014/main" id="{A97B54B6-D1D3-4161-9DF2-19635F147FC8}"/>
+              </a:ext>
+            </a:extLst>
+          </p:cNvPr>
+          <p:cNvSpPr>
+            <a:spLocks noGrp="1"/>
+          </p:cNvSpPr>
+          <p:nvPr>
+            <p:ph type="title"/>
+          </p:nvPr>
+        </p:nvSpPr>
+        <p:spPr/>
+        <p:txBody>
+          <a:bodyPr/>
+          <a:lstStyle/>
+          <a:p>
+            <a:r>
+              <a:rPr lang="zh-CN" altLang="en-US" dirty="0"/>
+              <a:t>弹性盒 布局</a:t>
+            </a:r>
+          </a:p>
+        </p:txBody>
+      </p:sp>
+      <p:sp>
+        <p:nvSpPr>
+          <p:cNvPr id="3" name="内容占位符 2">
+            <a:extLst>
+              <a:ext uri="{FF2B5EF4-FFF2-40B4-BE49-F238E27FC236}">
+                <a16:creationId xmlns:a16="http://schemas.microsoft.com/office/drawing/2014/main" id="{3246FBEC-1ED7-47E5-95AB-5665919DF8A0}"/>
+              </a:ext>
+            </a:extLst>
+          </p:cNvPr>
+          <p:cNvSpPr>
+            <a:spLocks noGrp="1"/>
+          </p:cNvSpPr>
+          <p:nvPr>
+            <p:ph idx="1"/>
+          </p:nvPr>
+        </p:nvSpPr>
+        <p:spPr/>
+        <p:txBody>
+          <a:bodyPr>
+            <a:normAutofit/>
+          </a:bodyPr>
+          <a:lstStyle/>
+          <a:p>
+            <a:r>
+              <a:rPr lang="zh-CN" altLang="en-US" sz="1600" dirty="0"/>
+              <a:t>父：</a:t>
+            </a:r>
+            <a:r>
+              <a:rPr lang="en-US" altLang="zh-CN" sz="1600" dirty="0"/>
+              <a:t>display: flex;</a:t>
+            </a:r>
+          </a:p>
+          <a:p>
+            <a:r>
+              <a:rPr lang="zh-CN" altLang="en-US" sz="1600" b="0" i="0" dirty="0">
+                <a:solidFill>
+                  <a:srgbClr val="494949"/>
+                </a:solidFill>
+                <a:effectLst/>
+                <a:latin typeface="楷体" panose="02010609060101010101" pitchFamily="49" charset="-122"/>
+                <a:ea typeface="楷体" panose="02010609060101010101" pitchFamily="49" charset="-122"/>
+              </a:rPr>
+              <a:t>是设置父元素成为一个弹性盒子；里边的子元素符合弹性布局</a:t>
+            </a:r>
+            <a:endParaRPr lang="en-US" altLang="zh-CN" sz="1600" b="0" i="0" dirty="0">
+              <a:solidFill>
+                <a:srgbClr val="494949"/>
+              </a:solidFill>
+              <a:effectLst/>
+              <a:latin typeface="楷体" panose="02010609060101010101" pitchFamily="49" charset="-122"/>
+              <a:ea typeface="楷体" panose="02010609060101010101" pitchFamily="49" charset="-122"/>
+            </a:endParaRPr>
+          </a:p>
+          <a:p>
+            <a:endParaRPr lang="en-US" altLang="zh-CN" sz="1600" b="0" i="0" dirty="0">
+              <a:solidFill>
+                <a:srgbClr val="494949"/>
+              </a:solidFill>
+              <a:effectLst/>
+              <a:latin typeface="楷体" panose="02010609060101010101" pitchFamily="49" charset="-122"/>
+              <a:ea typeface="楷体" panose="02010609060101010101" pitchFamily="49" charset="-122"/>
+            </a:endParaRPr>
+          </a:p>
+          <a:p>
+            <a:r>
+              <a:rPr lang="en-US" altLang="zh-CN" sz="1600" dirty="0">
+                <a:solidFill>
+                  <a:srgbClr val="494949"/>
+                </a:solidFill>
+                <a:latin typeface="楷体" panose="02010609060101010101" pitchFamily="49" charset="-122"/>
+                <a:ea typeface="楷体" panose="02010609060101010101" pitchFamily="49" charset="-122"/>
+              </a:rPr>
+              <a:t>flex-direction: </a:t>
+            </a:r>
+            <a:r>
+              <a:rPr lang="en-US" altLang="zh-CN" sz="1600" dirty="0" err="1">
+                <a:solidFill>
+                  <a:srgbClr val="494949"/>
+                </a:solidFill>
+                <a:latin typeface="楷体" panose="02010609060101010101" pitchFamily="49" charset="-122"/>
+                <a:ea typeface="楷体" panose="02010609060101010101" pitchFamily="49" charset="-122"/>
+              </a:rPr>
+              <a:t>row|row-reverse|column|column-reverse</a:t>
+            </a:r>
+            <a:r>
+              <a:rPr lang="en-US" altLang="zh-CN" sz="1600" dirty="0">
+                <a:solidFill>
+                  <a:srgbClr val="494949"/>
+                </a:solidFill>
+                <a:latin typeface="楷体" panose="02010609060101010101" pitchFamily="49" charset="-122"/>
+                <a:ea typeface="楷体" panose="02010609060101010101" pitchFamily="49" charset="-122"/>
+              </a:rPr>
+              <a:t>; </a:t>
+            </a:r>
+          </a:p>
+          <a:p>
+            <a:r>
+              <a:rPr lang="zh-CN" altLang="en-US" sz="1600" dirty="0">
+                <a:solidFill>
+                  <a:srgbClr val="494949"/>
+                </a:solidFill>
+                <a:latin typeface="楷体" panose="02010609060101010101" pitchFamily="49" charset="-122"/>
+                <a:ea typeface="楷体" panose="02010609060101010101" pitchFamily="49" charset="-122"/>
+              </a:rPr>
+              <a:t>指定子元素在父容器的位置</a:t>
+            </a:r>
+            <a:endParaRPr lang="en-US" altLang="zh-CN" sz="1600" dirty="0">
+              <a:solidFill>
+                <a:srgbClr val="494949"/>
+              </a:solidFill>
+              <a:latin typeface="楷体" panose="02010609060101010101" pitchFamily="49" charset="-122"/>
+              <a:ea typeface="楷体" panose="02010609060101010101" pitchFamily="49" charset="-122"/>
+            </a:endParaRPr>
+          </a:p>
+          <a:p>
+            <a:endParaRPr lang="en-US" altLang="zh-CN" sz="1600" dirty="0">
+              <a:solidFill>
+                <a:srgbClr val="494949"/>
+              </a:solidFill>
+              <a:latin typeface="楷体" panose="02010609060101010101" pitchFamily="49" charset="-122"/>
+              <a:ea typeface="楷体" panose="02010609060101010101" pitchFamily="49" charset="-122"/>
+            </a:endParaRPr>
+          </a:p>
+          <a:p>
+            <a:r>
+              <a:rPr lang="en-US" altLang="zh-CN" sz="1600" dirty="0">
+                <a:solidFill>
+                  <a:srgbClr val="494949"/>
+                </a:solidFill>
+                <a:latin typeface="楷体" panose="02010609060101010101" pitchFamily="49" charset="-122"/>
+                <a:ea typeface="楷体" panose="02010609060101010101" pitchFamily="49" charset="-122"/>
+              </a:rPr>
+              <a:t>Justify-content: </a:t>
+            </a:r>
+            <a:r>
+              <a:rPr lang="en-US" altLang="zh-CN" sz="1600" b="0" i="0" dirty="0" err="1">
+                <a:solidFill>
+                  <a:srgbClr val="494949"/>
+                </a:solidFill>
+                <a:effectLst/>
+                <a:latin typeface="楷体" panose="02010609060101010101" pitchFamily="49" charset="-122"/>
+                <a:ea typeface="楷体" panose="02010609060101010101" pitchFamily="49" charset="-122"/>
+              </a:rPr>
+              <a:t>flex-start|flex-end|center|space-around|space-between</a:t>
+            </a:r>
+            <a:endParaRPr lang="en-US" altLang="zh-CN" sz="1600" b="0" i="0" dirty="0">
+              <a:solidFill>
+                <a:srgbClr val="494949"/>
+              </a:solidFill>
+              <a:effectLst/>
+              <a:latin typeface="楷体" panose="02010609060101010101" pitchFamily="49" charset="-122"/>
+              <a:ea typeface="楷体" panose="02010609060101010101" pitchFamily="49" charset="-122"/>
+            </a:endParaRPr>
+          </a:p>
+          <a:p>
+            <a:r>
+              <a:rPr lang="zh-CN" altLang="en-US" sz="1600" b="0" i="0" dirty="0">
+                <a:solidFill>
+                  <a:srgbClr val="494949"/>
+                </a:solidFill>
+                <a:effectLst/>
+                <a:latin typeface="楷体" panose="02010609060101010101" pitchFamily="49" charset="-122"/>
+                <a:ea typeface="楷体" panose="02010609060101010101" pitchFamily="49" charset="-122"/>
+              </a:rPr>
+              <a:t>设置弹性子元素在主轴线上的排列方式</a:t>
+            </a:r>
+            <a:endParaRPr lang="en-US" altLang="zh-CN" sz="1600" dirty="0">
+              <a:solidFill>
+                <a:srgbClr val="494949"/>
+              </a:solidFill>
+              <a:latin typeface="楷体" panose="02010609060101010101" pitchFamily="49" charset="-122"/>
+              <a:ea typeface="楷体" panose="02010609060101010101" pitchFamily="49" charset="-122"/>
+            </a:endParaRPr>
+          </a:p>
+          <a:p>
+            <a:endParaRPr lang="en-US" altLang="zh-CN" sz="1600" dirty="0">
+              <a:solidFill>
+                <a:srgbClr val="494949"/>
+              </a:solidFill>
+              <a:latin typeface="楷体" panose="02010609060101010101" pitchFamily="49" charset="-122"/>
+              <a:ea typeface="楷体" panose="02010609060101010101" pitchFamily="49" charset="-122"/>
+            </a:endParaRPr>
+          </a:p>
+          <a:p>
+            <a:r>
+              <a:rPr lang="en-US" altLang="zh-CN" sz="1600" b="0" i="0" dirty="0">
+                <a:solidFill>
+                  <a:srgbClr val="494949"/>
+                </a:solidFill>
+                <a:effectLst/>
+                <a:latin typeface="楷体" panose="02010609060101010101" pitchFamily="49" charset="-122"/>
+                <a:ea typeface="楷体" panose="02010609060101010101" pitchFamily="49" charset="-122"/>
+              </a:rPr>
+              <a:t>align-items: </a:t>
+            </a:r>
+            <a:r>
+              <a:rPr lang="en-US" altLang="zh-CN" sz="1600" b="0" i="0" dirty="0" err="1">
+                <a:solidFill>
+                  <a:srgbClr val="494949"/>
+                </a:solidFill>
+                <a:effectLst/>
+                <a:latin typeface="楷体" panose="02010609060101010101" pitchFamily="49" charset="-122"/>
+                <a:ea typeface="楷体" panose="02010609060101010101" pitchFamily="49" charset="-122"/>
+              </a:rPr>
+              <a:t>flex-start|flex-end|center</a:t>
+            </a:r>
+            <a:endParaRPr lang="en-US" altLang="zh-CN" sz="1600" b="0" i="0" dirty="0">
+              <a:solidFill>
+                <a:srgbClr val="494949"/>
+              </a:solidFill>
+              <a:effectLst/>
+              <a:latin typeface="楷体" panose="02010609060101010101" pitchFamily="49" charset="-122"/>
+              <a:ea typeface="楷体" panose="02010609060101010101" pitchFamily="49" charset="-122"/>
+            </a:endParaRPr>
+          </a:p>
+          <a:p>
+            <a:r>
+              <a:rPr lang="zh-CN" altLang="en-US" sz="1600" b="0" i="0" dirty="0">
+                <a:solidFill>
+                  <a:srgbClr val="494949"/>
+                </a:solidFill>
+                <a:effectLst/>
+                <a:latin typeface="楷体" panose="02010609060101010101" pitchFamily="49" charset="-122"/>
+                <a:ea typeface="楷体" panose="02010609060101010101" pitchFamily="49" charset="-122"/>
+              </a:rPr>
+              <a:t>设置弹性子元素在纵轴上的排列方式</a:t>
+            </a:r>
+            <a:endParaRPr lang="en-US" altLang="zh-CN" sz="1600" b="0" i="0" dirty="0">
+              <a:solidFill>
+                <a:srgbClr val="494949"/>
+              </a:solidFill>
+              <a:effectLst/>
+              <a:latin typeface="楷体" panose="02010609060101010101" pitchFamily="49" charset="-122"/>
+              <a:ea typeface="楷体" panose="02010609060101010101" pitchFamily="49" charset="-122"/>
+            </a:endParaRPr>
+          </a:p>
+          <a:p>
+            <a:endParaRPr lang="en-US" altLang="zh-CN" sz="1600" dirty="0">
+              <a:solidFill>
+                <a:srgbClr val="494949"/>
+              </a:solidFill>
+              <a:latin typeface="楷体" panose="02010609060101010101" pitchFamily="49" charset="-122"/>
+              <a:ea typeface="楷体" panose="02010609060101010101" pitchFamily="49" charset="-122"/>
+            </a:endParaRPr>
+          </a:p>
+          <a:p>
+            <a:r>
+              <a:rPr lang="en-US" altLang="zh-CN" sz="1600" b="0" i="0" dirty="0">
+                <a:solidFill>
+                  <a:srgbClr val="494949"/>
+                </a:solidFill>
+                <a:effectLst/>
+                <a:latin typeface="楷体" panose="02010609060101010101" pitchFamily="49" charset="-122"/>
+                <a:ea typeface="楷体" panose="02010609060101010101" pitchFamily="49" charset="-122"/>
+              </a:rPr>
+              <a:t>flex-wrap: </a:t>
+            </a:r>
+            <a:r>
+              <a:rPr lang="en-US" altLang="zh-CN" sz="1600" b="0" i="0" dirty="0" err="1">
+                <a:solidFill>
+                  <a:srgbClr val="494949"/>
+                </a:solidFill>
+                <a:effectLst/>
+                <a:latin typeface="楷体" panose="02010609060101010101" pitchFamily="49" charset="-122"/>
+                <a:ea typeface="楷体" panose="02010609060101010101" pitchFamily="49" charset="-122"/>
+              </a:rPr>
+              <a:t>nowrap|wrap|wrap-reverse</a:t>
+            </a:r>
+            <a:endParaRPr lang="en-US" altLang="zh-CN" sz="1600" b="0" i="0" dirty="0">
+              <a:solidFill>
+                <a:srgbClr val="494949"/>
+              </a:solidFill>
+              <a:effectLst/>
+              <a:latin typeface="楷体" panose="02010609060101010101" pitchFamily="49" charset="-122"/>
+              <a:ea typeface="楷体" panose="02010609060101010101" pitchFamily="49" charset="-122"/>
+            </a:endParaRPr>
+          </a:p>
+          <a:p>
+            <a:r>
+              <a:rPr lang="zh-CN" altLang="en-US" sz="1600" b="0" i="0" dirty="0">
+                <a:solidFill>
+                  <a:srgbClr val="494949"/>
+                </a:solidFill>
+                <a:effectLst/>
+                <a:latin typeface="楷体" panose="02010609060101010101" pitchFamily="49" charset="-122"/>
+                <a:ea typeface="楷体" panose="02010609060101010101" pitchFamily="49" charset="-122"/>
+              </a:rPr>
+              <a:t>指定弹性盒子的子元素换行方式</a:t>
+            </a:r>
+            <a:endParaRPr lang="zh-CN" altLang="en-US" sz="1600" dirty="0"/>
+          </a:p>
+        </p:txBody>
+      </p:sp>
+      <p:sp>
+        <p:nvSpPr>
+          <p:cNvPr id="4" name="日期占位符 3">
+            <a:extLst>
+              <a:ext uri="{FF2B5EF4-FFF2-40B4-BE49-F238E27FC236}">
+                <a16:creationId xmlns:a16="http://schemas.microsoft.com/office/drawing/2014/main" id="{1687F8F9-D89A-4E73-A369-4D1685050B74}"/>
+              </a:ext>
+            </a:extLst>
+          </p:cNvPr>
+          <p:cNvSpPr>
+            <a:spLocks noGrp="1"/>
+          </p:cNvSpPr>
+          <p:nvPr>
+            <p:ph type="dt" sz="half" idx="10"/>
+          </p:nvPr>
+        </p:nvSpPr>
+        <p:spPr/>
+        <p:txBody>
+          <a:bodyPr/>
+          <a:lstStyle/>
+          <a:p>
+            <a:fld id="{4D01DF33-5A38-4035-AC9E-B8E17EB22BE4}" type="datetime1">
+              <a:rPr lang="zh-CN" altLang="en-US" smtClean="0"/>
+              <a:t>2020/8/10</a:t>
+            </a:fld>
+            <a:endParaRPr lang="zh-CN" altLang="en-US"/>
+          </a:p>
+        </p:txBody>
+      </p:sp>
+      <p:sp>
+        <p:nvSpPr>
+          <p:cNvPr id="5" name="灯片编号占位符 4">
+            <a:extLst>
+              <a:ext uri="{FF2B5EF4-FFF2-40B4-BE49-F238E27FC236}">
+                <a16:creationId xmlns:a16="http://schemas.microsoft.com/office/drawing/2014/main" id="{CD84103F-70F3-48CF-8867-039CADE97342}"/>
+              </a:ext>
+            </a:extLst>
+          </p:cNvPr>
+          <p:cNvSpPr>
+            <a:spLocks noGrp="1"/>
+          </p:cNvSpPr>
+          <p:nvPr>
+            <p:ph type="sldNum" sz="quarter" idx="12"/>
+          </p:nvPr>
+        </p:nvSpPr>
+        <p:spPr/>
+        <p:txBody>
+          <a:bodyPr/>
+          <a:lstStyle/>
+          <a:p>
+            <a:fld id="{5C794E63-F2AF-49E2-AE37-43481CC587E5}" type="slidenum">
+              <a:rPr lang="zh-CN" altLang="en-US" smtClean="0"/>
+              <a:t>10</a:t>
+            </a:fld>
+            <a:endParaRPr lang="zh-CN" altLang="en-US"/>
+          </a:p>
+        </p:txBody>
+      </p:sp>
+    </p:spTree>
+    <p:extLst>
+      <p:ext uri="{BB962C8B-B14F-4D97-AF65-F5344CB8AC3E}">
+        <p14:creationId xmlns:p14="http://schemas.microsoft.com/office/powerpoint/2010/main" val="2456308560"/>
+      </p:ext>
+    </p:extLst>
+  </p:cSld>
+  <p:clrMapOvr>
+    <a:masterClrMapping/>
+  </p:clrMapOvr>
+</p:sld>
+</file>
+
+<file path=ppt/slides/slide11.xml><?xml version="1.0" encoding="utf-8"?>
+<p:sld xmlns:a="http://schemas.openxmlformats.org/drawingml/2006/main" xmlns:r="http://schemas.openxmlformats.org/officeDocument/2006/relationships" xmlns:p="http://schemas.openxmlformats.org/presentationml/2006/main">
+  <p:cSld>
+    <p:spTree>
+      <p:nvGrpSpPr>
+        <p:cNvPr id="1" name=""/>
+        <p:cNvGrpSpPr/>
+        <p:nvPr/>
+      </p:nvGrpSpPr>
+      <p:grpSpPr>
+        <a:xfrm>
+          <a:off x="0" y="0"/>
+          <a:ext cx="0" cy="0"/>
+          <a:chOff x="0" y="0"/>
+          <a:chExt cx="0" cy="0"/>
+        </a:xfrm>
+      </p:grpSpPr>
+      <p:sp>
+        <p:nvSpPr>
+          <p:cNvPr id="2" name="标题 1">
+            <a:extLst>
+              <a:ext uri="{FF2B5EF4-FFF2-40B4-BE49-F238E27FC236}">
+                <a16:creationId xmlns:a16="http://schemas.microsoft.com/office/drawing/2014/main" id="{A86D3E35-B98C-4FA6-9D78-B30E4395403E}"/>
+              </a:ext>
+            </a:extLst>
+          </p:cNvPr>
+          <p:cNvSpPr>
+            <a:spLocks noGrp="1"/>
+          </p:cNvSpPr>
+          <p:nvPr>
+            <p:ph type="title"/>
+          </p:nvPr>
+        </p:nvSpPr>
+        <p:spPr/>
+        <p:txBody>
+          <a:bodyPr/>
+          <a:lstStyle/>
+          <a:p>
+            <a:r>
+              <a:rPr lang="zh-CN" altLang="en-US" dirty="0"/>
+              <a:t>弹性盒布局</a:t>
+            </a:r>
+          </a:p>
+        </p:txBody>
+      </p:sp>
+      <p:sp>
+        <p:nvSpPr>
+          <p:cNvPr id="3" name="内容占位符 2">
+            <a:extLst>
+              <a:ext uri="{FF2B5EF4-FFF2-40B4-BE49-F238E27FC236}">
+                <a16:creationId xmlns:a16="http://schemas.microsoft.com/office/drawing/2014/main" id="{81268C98-4DC2-415C-8106-A45FCC0E7CED}"/>
+              </a:ext>
+            </a:extLst>
+          </p:cNvPr>
+          <p:cNvSpPr>
+            <a:spLocks noGrp="1"/>
+          </p:cNvSpPr>
+          <p:nvPr>
+            <p:ph idx="1"/>
+          </p:nvPr>
+        </p:nvSpPr>
+        <p:spPr/>
+        <p:txBody>
+          <a:bodyPr>
+            <a:normAutofit/>
+          </a:bodyPr>
+          <a:lstStyle/>
+          <a:p>
+            <a:r>
+              <a:rPr lang="en-US" altLang="zh-CN" sz="1600" b="0" i="0" dirty="0">
+                <a:solidFill>
+                  <a:srgbClr val="494949"/>
+                </a:solidFill>
+                <a:effectLst/>
+                <a:latin typeface="楷体" panose="02010609060101010101" pitchFamily="49" charset="-122"/>
+                <a:ea typeface="楷体" panose="02010609060101010101" pitchFamily="49" charset="-122"/>
+              </a:rPr>
+              <a:t>align-content</a:t>
+            </a:r>
+            <a:r>
+              <a:rPr lang="zh-CN" altLang="en-US" sz="1600" b="0" i="0" dirty="0">
+                <a:solidFill>
+                  <a:srgbClr val="494949"/>
+                </a:solidFill>
+                <a:effectLst/>
+                <a:latin typeface="楷体" panose="02010609060101010101" pitchFamily="49" charset="-122"/>
+                <a:ea typeface="楷体" panose="02010609060101010101" pitchFamily="49" charset="-122"/>
+              </a:rPr>
+              <a:t>：</a:t>
+            </a:r>
+            <a:r>
+              <a:rPr lang="en-US" altLang="zh-CN" sz="1600" b="0" i="0" dirty="0" err="1">
+                <a:solidFill>
+                  <a:srgbClr val="494949"/>
+                </a:solidFill>
+                <a:effectLst/>
+                <a:latin typeface="楷体" panose="02010609060101010101" pitchFamily="49" charset="-122"/>
+                <a:ea typeface="楷体" panose="02010609060101010101" pitchFamily="49" charset="-122"/>
+              </a:rPr>
+              <a:t>flex-start|flex-end|space-between|space-around</a:t>
+            </a:r>
+            <a:endParaRPr lang="en-US" altLang="zh-CN" sz="1600" b="0" i="0" dirty="0">
+              <a:solidFill>
+                <a:srgbClr val="494949"/>
+              </a:solidFill>
+              <a:effectLst/>
+              <a:latin typeface="楷体" panose="02010609060101010101" pitchFamily="49" charset="-122"/>
+              <a:ea typeface="楷体" panose="02010609060101010101" pitchFamily="49" charset="-122"/>
+            </a:endParaRPr>
+          </a:p>
+          <a:p>
+            <a:endParaRPr lang="en-US" altLang="zh-CN" sz="1600" dirty="0">
+              <a:solidFill>
+                <a:srgbClr val="494949"/>
+              </a:solidFill>
+              <a:latin typeface="楷体" panose="02010609060101010101" pitchFamily="49" charset="-122"/>
+              <a:ea typeface="楷体" panose="02010609060101010101" pitchFamily="49" charset="-122"/>
+            </a:endParaRPr>
+          </a:p>
+          <a:p>
+            <a:r>
+              <a:rPr lang="zh-CN" altLang="en-US" sz="1600" dirty="0">
+                <a:solidFill>
+                  <a:srgbClr val="494949"/>
+                </a:solidFill>
+                <a:latin typeface="楷体" panose="02010609060101010101" pitchFamily="49" charset="-122"/>
+                <a:ea typeface="楷体" panose="02010609060101010101" pitchFamily="49" charset="-122"/>
+              </a:rPr>
+              <a:t>属性：</a:t>
+            </a:r>
+            <a:endParaRPr lang="en-US" altLang="zh-CN" sz="1600" dirty="0">
+              <a:solidFill>
+                <a:srgbClr val="494949"/>
+              </a:solidFill>
+              <a:latin typeface="楷体" panose="02010609060101010101" pitchFamily="49" charset="-122"/>
+              <a:ea typeface="楷体" panose="02010609060101010101" pitchFamily="49" charset="-122"/>
+            </a:endParaRPr>
+          </a:p>
+          <a:p>
+            <a:r>
+              <a:rPr lang="en-US" altLang="zh-CN" sz="1600" b="0" i="0" dirty="0">
+                <a:solidFill>
+                  <a:srgbClr val="494949"/>
+                </a:solidFill>
+                <a:effectLst/>
+                <a:latin typeface="楷体" panose="02010609060101010101" pitchFamily="49" charset="-122"/>
+                <a:ea typeface="楷体" panose="02010609060101010101" pitchFamily="49" charset="-122"/>
+              </a:rPr>
+              <a:t>Order</a:t>
+            </a:r>
+            <a:r>
+              <a:rPr lang="zh-CN" altLang="en-US" sz="1600" b="0" i="0" dirty="0">
+                <a:solidFill>
+                  <a:srgbClr val="494949"/>
+                </a:solidFill>
+                <a:effectLst/>
+                <a:latin typeface="楷体" panose="02010609060101010101" pitchFamily="49" charset="-122"/>
+                <a:ea typeface="楷体" panose="02010609060101010101" pitchFamily="49" charset="-122"/>
+              </a:rPr>
+              <a:t>： 小在前 大在后</a:t>
+            </a:r>
+            <a:endParaRPr lang="en-US" altLang="zh-CN" sz="1600" b="0" i="0" dirty="0">
+              <a:solidFill>
+                <a:srgbClr val="494949"/>
+              </a:solidFill>
+              <a:effectLst/>
+              <a:latin typeface="楷体" panose="02010609060101010101" pitchFamily="49" charset="-122"/>
+              <a:ea typeface="楷体" panose="02010609060101010101" pitchFamily="49" charset="-122"/>
+            </a:endParaRPr>
+          </a:p>
+          <a:p>
+            <a:endParaRPr lang="en-US" altLang="zh-CN" sz="1600" b="0" i="0" dirty="0">
+              <a:solidFill>
+                <a:srgbClr val="494949"/>
+              </a:solidFill>
+              <a:effectLst/>
+              <a:latin typeface="楷体" panose="02010609060101010101" pitchFamily="49" charset="-122"/>
+              <a:ea typeface="楷体" panose="02010609060101010101" pitchFamily="49" charset="-122"/>
+            </a:endParaRPr>
+          </a:p>
+          <a:p>
+            <a:r>
+              <a:rPr lang="en-US" altLang="zh-CN" sz="1600" b="0" i="0" dirty="0">
+                <a:solidFill>
+                  <a:srgbClr val="494949"/>
+                </a:solidFill>
+                <a:effectLst/>
+                <a:latin typeface="楷体" panose="02010609060101010101" pitchFamily="49" charset="-122"/>
+                <a:ea typeface="楷体" panose="02010609060101010101" pitchFamily="49" charset="-122"/>
+              </a:rPr>
+              <a:t>align-self</a:t>
+            </a:r>
+            <a:r>
+              <a:rPr lang="zh-CN" altLang="en-US" sz="1600" b="0" i="0" dirty="0">
+                <a:solidFill>
+                  <a:srgbClr val="494949"/>
+                </a:solidFill>
+                <a:effectLst/>
+                <a:latin typeface="楷体" panose="02010609060101010101" pitchFamily="49" charset="-122"/>
+                <a:ea typeface="楷体" panose="02010609060101010101" pitchFamily="49" charset="-122"/>
+              </a:rPr>
+              <a:t>： </a:t>
+            </a:r>
+            <a:r>
+              <a:rPr lang="en-US" altLang="zh-CN" sz="1600" b="0" i="0" dirty="0" err="1">
+                <a:solidFill>
+                  <a:srgbClr val="494949"/>
+                </a:solidFill>
+                <a:effectLst/>
+                <a:latin typeface="楷体" panose="02010609060101010101" pitchFamily="49" charset="-122"/>
+                <a:ea typeface="楷体" panose="02010609060101010101" pitchFamily="49" charset="-122"/>
+              </a:rPr>
+              <a:t>auto|flex-start|flex-end|center</a:t>
+            </a:r>
+            <a:endParaRPr lang="en-US" altLang="zh-CN" sz="1600" b="0" i="0" dirty="0">
+              <a:solidFill>
+                <a:srgbClr val="494949"/>
+              </a:solidFill>
+              <a:effectLst/>
+              <a:latin typeface="楷体" panose="02010609060101010101" pitchFamily="49" charset="-122"/>
+              <a:ea typeface="楷体" panose="02010609060101010101" pitchFamily="49" charset="-122"/>
+            </a:endParaRPr>
+          </a:p>
+          <a:p>
+            <a:r>
+              <a:rPr lang="zh-CN" altLang="en-US" sz="1600" b="0" i="0" dirty="0">
+                <a:solidFill>
+                  <a:srgbClr val="494949"/>
+                </a:solidFill>
+                <a:effectLst/>
+                <a:latin typeface="楷体" panose="02010609060101010101" pitchFamily="49" charset="-122"/>
+                <a:ea typeface="楷体" panose="02010609060101010101" pitchFamily="49" charset="-122"/>
+              </a:rPr>
+              <a:t>设置弹性元素自身在侧轴（纵轴）方向上的对齐方式</a:t>
+            </a:r>
+            <a:endParaRPr lang="en-US" altLang="zh-CN" sz="1600" b="0" i="0" dirty="0">
+              <a:solidFill>
+                <a:srgbClr val="494949"/>
+              </a:solidFill>
+              <a:effectLst/>
+              <a:latin typeface="楷体" panose="02010609060101010101" pitchFamily="49" charset="-122"/>
+              <a:ea typeface="楷体" panose="02010609060101010101" pitchFamily="49" charset="-122"/>
+            </a:endParaRPr>
+          </a:p>
+          <a:p>
+            <a:endParaRPr lang="en-US" altLang="zh-CN" sz="1600" dirty="0">
+              <a:solidFill>
+                <a:srgbClr val="494949"/>
+              </a:solidFill>
+              <a:latin typeface="楷体" panose="02010609060101010101" pitchFamily="49" charset="-122"/>
+              <a:ea typeface="楷体" panose="02010609060101010101" pitchFamily="49" charset="-122"/>
+            </a:endParaRPr>
+          </a:p>
+          <a:p>
+            <a:r>
+              <a:rPr lang="en-US" altLang="zh-CN" sz="1600" b="0" i="0" u="none" strike="noStrike" dirty="0">
+                <a:solidFill>
+                  <a:srgbClr val="000000"/>
+                </a:solidFill>
+                <a:effectLst/>
+                <a:latin typeface="Georgia" panose="02040502050405020303" pitchFamily="18" charset="0"/>
+              </a:rPr>
+              <a:t>flex-grow</a:t>
+            </a:r>
+          </a:p>
+          <a:p>
+            <a:r>
+              <a:rPr lang="zh-CN" altLang="en-US" sz="1600" b="0" i="0" dirty="0">
+                <a:solidFill>
+                  <a:srgbClr val="111111"/>
+                </a:solidFill>
+                <a:effectLst/>
+                <a:latin typeface="Georgia" panose="02040502050405020303" pitchFamily="18" charset="0"/>
+              </a:rPr>
+              <a:t>属性定义项目的放大比例</a:t>
+            </a:r>
+            <a:endParaRPr lang="en-US" altLang="zh-CN" sz="1600" b="0" i="0" u="none" strike="noStrike" dirty="0">
+              <a:solidFill>
+                <a:srgbClr val="000000"/>
+              </a:solidFill>
+              <a:effectLst/>
+              <a:latin typeface="Georgia" panose="02040502050405020303" pitchFamily="18" charset="0"/>
+            </a:endParaRPr>
+          </a:p>
+          <a:p>
+            <a:endParaRPr lang="en-US" altLang="zh-CN" sz="1600" dirty="0">
+              <a:solidFill>
+                <a:srgbClr val="000000"/>
+              </a:solidFill>
+              <a:latin typeface="Georgia" panose="02040502050405020303" pitchFamily="18" charset="0"/>
+            </a:endParaRPr>
+          </a:p>
+          <a:p>
+            <a:r>
+              <a:rPr lang="en-US" altLang="zh-CN" sz="1600" b="0" i="0" u="none" strike="noStrike" dirty="0">
+                <a:solidFill>
+                  <a:srgbClr val="000000"/>
+                </a:solidFill>
+                <a:effectLst/>
+                <a:latin typeface="Georgia" panose="02040502050405020303" pitchFamily="18" charset="0"/>
+              </a:rPr>
+              <a:t>flex-shrink</a:t>
+            </a:r>
+          </a:p>
+          <a:p>
+            <a:r>
+              <a:rPr lang="zh-CN" altLang="en-US" sz="1600" b="0" i="0" dirty="0">
+                <a:solidFill>
+                  <a:srgbClr val="111111"/>
+                </a:solidFill>
+                <a:effectLst/>
+                <a:latin typeface="Georgia" panose="02040502050405020303" pitchFamily="18" charset="0"/>
+              </a:rPr>
+              <a:t>属性定义了项目的缩小比例，默认为</a:t>
+            </a:r>
+            <a:r>
+              <a:rPr lang="en-US" altLang="zh-CN" sz="1600" b="0" i="0" dirty="0">
+                <a:solidFill>
+                  <a:srgbClr val="111111"/>
+                </a:solidFill>
+                <a:effectLst/>
+                <a:latin typeface="Georgia" panose="02040502050405020303" pitchFamily="18" charset="0"/>
+              </a:rPr>
+              <a:t>1</a:t>
+            </a:r>
+            <a:r>
+              <a:rPr lang="zh-CN" altLang="en-US" sz="1600" b="0" i="0" dirty="0">
+                <a:solidFill>
+                  <a:srgbClr val="111111"/>
+                </a:solidFill>
+                <a:effectLst/>
+                <a:latin typeface="Georgia" panose="02040502050405020303" pitchFamily="18" charset="0"/>
+              </a:rPr>
+              <a:t>，即如果空间不足，该项目将缩小</a:t>
+            </a:r>
+            <a:endParaRPr lang="zh-CN" altLang="en-US" sz="1600" dirty="0"/>
+          </a:p>
+        </p:txBody>
+      </p:sp>
+      <p:sp>
+        <p:nvSpPr>
+          <p:cNvPr id="4" name="日期占位符 3">
+            <a:extLst>
+              <a:ext uri="{FF2B5EF4-FFF2-40B4-BE49-F238E27FC236}">
+                <a16:creationId xmlns:a16="http://schemas.microsoft.com/office/drawing/2014/main" id="{8FBCB98F-A76D-4514-AFA5-EE48A6BE093C}"/>
+              </a:ext>
+            </a:extLst>
+          </p:cNvPr>
+          <p:cNvSpPr>
+            <a:spLocks noGrp="1"/>
+          </p:cNvSpPr>
+          <p:nvPr>
+            <p:ph type="dt" sz="half" idx="10"/>
+          </p:nvPr>
+        </p:nvSpPr>
+        <p:spPr/>
+        <p:txBody>
+          <a:bodyPr/>
+          <a:lstStyle/>
+          <a:p>
+            <a:fld id="{4D01DF33-5A38-4035-AC9E-B8E17EB22BE4}" type="datetime1">
+              <a:rPr lang="zh-CN" altLang="en-US" smtClean="0"/>
+              <a:t>2020/8/10</a:t>
+            </a:fld>
+            <a:endParaRPr lang="zh-CN" altLang="en-US"/>
+          </a:p>
+        </p:txBody>
+      </p:sp>
+      <p:sp>
+        <p:nvSpPr>
+          <p:cNvPr id="5" name="灯片编号占位符 4">
+            <a:extLst>
+              <a:ext uri="{FF2B5EF4-FFF2-40B4-BE49-F238E27FC236}">
+                <a16:creationId xmlns:a16="http://schemas.microsoft.com/office/drawing/2014/main" id="{1487FDA2-412A-438D-88E9-D35FA16CF4BA}"/>
+              </a:ext>
+            </a:extLst>
+          </p:cNvPr>
+          <p:cNvSpPr>
+            <a:spLocks noGrp="1"/>
+          </p:cNvSpPr>
+          <p:nvPr>
+            <p:ph type="sldNum" sz="quarter" idx="12"/>
+          </p:nvPr>
+        </p:nvSpPr>
+        <p:spPr/>
+        <p:txBody>
+          <a:bodyPr/>
+          <a:lstStyle/>
+          <a:p>
+            <a:fld id="{5C794E63-F2AF-49E2-AE37-43481CC587E5}" type="slidenum">
+              <a:rPr lang="zh-CN" altLang="en-US" smtClean="0"/>
+              <a:t>11</a:t>
+            </a:fld>
+            <a:endParaRPr lang="zh-CN" altLang="en-US"/>
+          </a:p>
+        </p:txBody>
+      </p:sp>
+    </p:spTree>
+    <p:extLst>
+      <p:ext uri="{BB962C8B-B14F-4D97-AF65-F5344CB8AC3E}">
+        <p14:creationId xmlns:p14="http://schemas.microsoft.com/office/powerpoint/2010/main" val="3035049834"/>
+      </p:ext>
+    </p:extLst>
+  </p:cSld>
+  <p:clrMapOvr>
+    <a:masterClrMapping/>
+  </p:clrMapOvr>
+</p:sld>
+</file>
+
+<file path=ppt/slides/slide12.xml><?xml version="1.0" encoding="utf-8"?>
+<p:sld xmlns:a="http://schemas.openxmlformats.org/drawingml/2006/main" xmlns:r="http://schemas.openxmlformats.org/officeDocument/2006/relationships" xmlns:p="http://schemas.openxmlformats.org/presentationml/2006/main">
+  <p:cSld>
+    <p:spTree>
+      <p:nvGrpSpPr>
+        <p:cNvPr id="1" name=""/>
+        <p:cNvGrpSpPr/>
+        <p:nvPr/>
+      </p:nvGrpSpPr>
+      <p:grpSpPr>
+        <a:xfrm>
+          <a:off x="0" y="0"/>
+          <a:ext cx="0" cy="0"/>
+          <a:chOff x="0" y="0"/>
+          <a:chExt cx="0" cy="0"/>
+        </a:xfrm>
+      </p:grpSpPr>
+      <p:sp>
+        <p:nvSpPr>
+          <p:cNvPr id="4" name="标题 3"/>
+          <p:cNvSpPr>
+            <a:spLocks noGrp="1"/>
+          </p:cNvSpPr>
+          <p:nvPr>
+            <p:ph type="title"/>
+          </p:nvPr>
+        </p:nvSpPr>
+        <p:spPr/>
+        <p:txBody>
+          <a:bodyPr/>
+          <a:lstStyle/>
+          <a:p>
+            <a:r>
+              <a:rPr lang="zh-CN" altLang="en-US"/>
+              <a:t>谢谢</a:t>
+            </a:r>
+          </a:p>
+        </p:txBody>
+      </p:sp>
+      <p:sp>
+        <p:nvSpPr>
+          <p:cNvPr id="2" name="日期占位符 1"/>
+          <p:cNvSpPr>
+            <a:spLocks noGrp="1"/>
+          </p:cNvSpPr>
+          <p:nvPr>
+            <p:ph type="dt" sz="half" idx="4294967295"/>
+          </p:nvPr>
+        </p:nvSpPr>
+        <p:spPr>
+          <a:xfrm>
+            <a:off x="0" y="6356350"/>
+            <a:ext cx="2133600" cy="365125"/>
+          </a:xfrm>
+        </p:spPr>
+        <p:txBody>
+          <a:bodyPr/>
+          <a:lstStyle/>
+          <a:p>
+            <a:fld id="{C1D3EEC2-3DBC-43AD-837B-AE7C27033FDD}" type="datetime1">
+              <a:rPr lang="zh-CN" altLang="en-US" smtClean="0"/>
+              <a:t>2020/8/9</a:t>
+            </a:fld>
+            <a:endParaRPr lang="zh-CN" altLang="en-US" dirty="0"/>
+          </a:p>
+        </p:txBody>
+      </p:sp>
+      <p:sp>
+        <p:nvSpPr>
+          <p:cNvPr id="3" name="灯片编号占位符 2"/>
+          <p:cNvSpPr>
+            <a:spLocks noGrp="1"/>
+          </p:cNvSpPr>
+          <p:nvPr>
+            <p:ph type="sldNum" sz="quarter" idx="4294967295"/>
+          </p:nvPr>
+        </p:nvSpPr>
+        <p:spPr>
+          <a:xfrm>
+            <a:off x="7010400" y="6356350"/>
+            <a:ext cx="2133600" cy="365125"/>
+          </a:xfrm>
+        </p:spPr>
+        <p:txBody>
+          <a:bodyPr/>
+          <a:lstStyle/>
+          <a:p>
+            <a:fld id="{5C794E63-F2AF-49E2-AE37-43481CC587E5}" type="slidenum">
+              <a:rPr lang="zh-CN" altLang="en-US" smtClean="0"/>
+              <a:t>12</a:t>
+            </a:fld>
+            <a:endParaRPr lang="zh-CN" altLang="en-US" dirty="0"/>
+          </a:p>
+        </p:txBody>
+      </p:sp>
+    </p:spTree>
+  </p:cSld>
+  <p:clrMapOvr>
+    <a:masterClrMapping/>
+  </p:clrMapOvr>
 </p:sld>
 </file>
 
@@ -2767,7 +3698,13 @@
       </p:grpSpPr>
       <p:sp>
         <p:nvSpPr>
-          <p:cNvPr id="2" name="标题 1"/>
+          <p:cNvPr id="2" name="标题 1">
+            <a:extLst>
+              <a:ext uri="{FF2B5EF4-FFF2-40B4-BE49-F238E27FC236}">
+                <a16:creationId xmlns:a16="http://schemas.microsoft.com/office/drawing/2014/main" id="{198C6A22-32CE-4D94-A2DB-018DF868093B}"/>
+              </a:ext>
+            </a:extLst>
+          </p:cNvPr>
           <p:cNvSpPr>
             <a:spLocks noGrp="1"/>
           </p:cNvSpPr>
@@ -2777,183 +3714,514 @@
         </p:nvSpPr>
         <p:spPr/>
         <p:txBody>
+          <a:bodyPr/>
+          <a:lstStyle/>
+          <a:p>
+            <a:r>
+              <a:rPr lang="zh-CN" altLang="en-US" dirty="0"/>
+              <a:t>字体</a:t>
+            </a:r>
+          </a:p>
+        </p:txBody>
+      </p:sp>
+      <p:sp>
+        <p:nvSpPr>
+          <p:cNvPr id="3" name="内容占位符 2">
+            <a:extLst>
+              <a:ext uri="{FF2B5EF4-FFF2-40B4-BE49-F238E27FC236}">
+                <a16:creationId xmlns:a16="http://schemas.microsoft.com/office/drawing/2014/main" id="{2BFD79DA-2B9B-44A7-B527-A15303DA0313}"/>
+              </a:ext>
+            </a:extLst>
+          </p:cNvPr>
+          <p:cNvSpPr>
+            <a:spLocks noGrp="1"/>
+          </p:cNvSpPr>
+          <p:nvPr>
+            <p:ph idx="1"/>
+          </p:nvPr>
+        </p:nvSpPr>
+        <p:spPr/>
+        <p:txBody>
           <a:bodyPr>
-            <a:normAutofit fontScale="90000"/>
+            <a:normAutofit/>
           </a:bodyPr>
           <a:lstStyle/>
           <a:p>
-            <a:br>
-              <a:rPr lang="zh-CN" altLang="en-US" b="1" dirty="0"/>
-            </a:br>
-            <a:r>
-              <a:rPr lang="en-US" altLang="zh-CN" b="1" dirty="0"/>
-              <a:t>CSS3</a:t>
-            </a:r>
-            <a:r>
-              <a:rPr lang="zh-CN" altLang="en-US" b="1" dirty="0"/>
-              <a:t>选择器</a:t>
-            </a:r>
-            <a:br>
-              <a:rPr lang="zh-CN" altLang="en-US" b="1" dirty="0"/>
-            </a:br>
-            <a:endParaRPr lang="zh-CN" altLang="en-US" dirty="0"/>
-          </a:p>
-        </p:txBody>
-      </p:sp>
-      <p:sp>
-        <p:nvSpPr>
-          <p:cNvPr id="3" name="内容占位符 2"/>
+            <a:r>
+              <a:rPr lang="en-US" altLang="zh-CN" sz="1800" b="0" i="0" dirty="0">
+                <a:solidFill>
+                  <a:srgbClr val="000000"/>
+                </a:solidFill>
+                <a:effectLst/>
+                <a:latin typeface="Menlo"/>
+              </a:rPr>
+              <a:t>font-family  </a:t>
+            </a:r>
+            <a:r>
+              <a:rPr lang="zh-CN" altLang="en-US" sz="1800" b="0" i="0" dirty="0">
+                <a:solidFill>
+                  <a:srgbClr val="000000"/>
+                </a:solidFill>
+                <a:effectLst/>
+                <a:latin typeface="Menlo"/>
+              </a:rPr>
+              <a:t>设置字体 可多个</a:t>
+            </a:r>
+            <a:endParaRPr lang="en-US" altLang="zh-CN" sz="1800" b="0" i="0" dirty="0">
+              <a:solidFill>
+                <a:srgbClr val="000000"/>
+              </a:solidFill>
+              <a:effectLst/>
+              <a:latin typeface="Menlo"/>
+            </a:endParaRPr>
+          </a:p>
+          <a:p>
+            <a:r>
+              <a:rPr lang="en-US" altLang="zh-CN" sz="1800" b="0" i="0" dirty="0">
+                <a:solidFill>
+                  <a:srgbClr val="000000"/>
+                </a:solidFill>
+                <a:effectLst/>
+                <a:latin typeface="Menlo"/>
+              </a:rPr>
+              <a:t>p{</a:t>
+            </a:r>
+            <a:r>
+              <a:rPr lang="en-US" altLang="zh-CN" sz="1800" b="0" i="0" dirty="0" err="1">
+                <a:solidFill>
+                  <a:srgbClr val="000000"/>
+                </a:solidFill>
+                <a:effectLst/>
+                <a:latin typeface="Menlo"/>
+              </a:rPr>
+              <a:t>font-family:"Times</a:t>
+            </a:r>
+            <a:r>
+              <a:rPr lang="en-US" altLang="zh-CN" sz="1800" b="0" i="0" dirty="0">
+                <a:solidFill>
+                  <a:srgbClr val="000000"/>
+                </a:solidFill>
+                <a:effectLst/>
+                <a:latin typeface="Menlo"/>
+              </a:rPr>
+              <a:t> New Roman", Times, serif;}</a:t>
+            </a:r>
+            <a:endParaRPr lang="en-US" altLang="zh-CN" sz="1800" dirty="0">
+              <a:solidFill>
+                <a:srgbClr val="000000"/>
+              </a:solidFill>
+              <a:latin typeface="Menlo"/>
+            </a:endParaRPr>
+          </a:p>
+          <a:p>
+            <a:r>
+              <a:rPr lang="en-US" altLang="zh-CN" sz="1800" b="0" i="0" dirty="0">
+                <a:solidFill>
+                  <a:srgbClr val="000000"/>
+                </a:solidFill>
+                <a:effectLst/>
+                <a:latin typeface="Menlo"/>
+              </a:rPr>
+              <a:t>font-size </a:t>
+            </a:r>
+            <a:r>
+              <a:rPr lang="zh-CN" altLang="en-US" sz="1800" b="0" i="0" dirty="0">
+                <a:solidFill>
+                  <a:srgbClr val="000000"/>
+                </a:solidFill>
+                <a:effectLst/>
+                <a:latin typeface="Menlo"/>
+              </a:rPr>
+              <a:t>设置字体大小</a:t>
+            </a:r>
+            <a:endParaRPr lang="en-US" altLang="zh-CN" sz="1800" b="0" i="0" dirty="0">
+              <a:solidFill>
+                <a:srgbClr val="000000"/>
+              </a:solidFill>
+              <a:effectLst/>
+              <a:latin typeface="Menlo"/>
+            </a:endParaRPr>
+          </a:p>
+          <a:p>
+            <a:r>
+              <a:rPr lang="en-US" altLang="zh-CN" sz="1800" b="0" i="0" dirty="0">
+                <a:solidFill>
+                  <a:srgbClr val="000000"/>
+                </a:solidFill>
+                <a:effectLst/>
+                <a:latin typeface="Menlo"/>
+              </a:rPr>
+              <a:t>h2 {font-size:30px;}</a:t>
+            </a:r>
+          </a:p>
+          <a:p>
+            <a:r>
+              <a:rPr lang="en-US" altLang="zh-CN" sz="1800" dirty="0">
+                <a:solidFill>
+                  <a:srgbClr val="000000"/>
+                </a:solidFill>
+                <a:latin typeface="Menlo"/>
+              </a:rPr>
+              <a:t>font-weight  </a:t>
+            </a:r>
+            <a:r>
+              <a:rPr lang="zh-CN" altLang="en-US" sz="1800" dirty="0">
+                <a:solidFill>
+                  <a:srgbClr val="000000"/>
+                </a:solidFill>
+                <a:latin typeface="Menlo"/>
+              </a:rPr>
+              <a:t>字体粗细</a:t>
+            </a:r>
+            <a:endParaRPr lang="en-US" altLang="zh-CN" sz="1800" dirty="0">
+              <a:solidFill>
+                <a:srgbClr val="000000"/>
+              </a:solidFill>
+              <a:latin typeface="Menlo"/>
+            </a:endParaRPr>
+          </a:p>
+          <a:p>
+            <a:r>
+              <a:rPr lang="en-US" altLang="zh-CN" sz="1800" dirty="0">
+                <a:solidFill>
+                  <a:srgbClr val="000000"/>
+                </a:solidFill>
+                <a:latin typeface="Menlo"/>
+              </a:rPr>
+              <a:t>font-weight: 100 – 1000/blob;</a:t>
+            </a:r>
+          </a:p>
+          <a:p>
+            <a:r>
+              <a:rPr lang="en-US" altLang="zh-CN" sz="1800" dirty="0">
+                <a:solidFill>
+                  <a:srgbClr val="000000"/>
+                </a:solidFill>
+                <a:latin typeface="Menlo"/>
+              </a:rPr>
+              <a:t>Text-decoration: </a:t>
+            </a:r>
+            <a:r>
+              <a:rPr lang="zh-CN" altLang="en-US" sz="1800" dirty="0">
+                <a:solidFill>
+                  <a:srgbClr val="000000"/>
+                </a:solidFill>
+                <a:latin typeface="Menlo"/>
+              </a:rPr>
+              <a:t>文字样式</a:t>
+            </a:r>
+            <a:endParaRPr lang="en-US" altLang="zh-CN" sz="1800" dirty="0">
+              <a:solidFill>
+                <a:srgbClr val="000000"/>
+              </a:solidFill>
+              <a:latin typeface="Menlo"/>
+            </a:endParaRPr>
+          </a:p>
+          <a:p>
+            <a:pPr marL="342900" indent="-342900">
+              <a:buFont typeface="+mj-lt"/>
+              <a:buAutoNum type="arabicPeriod"/>
+            </a:pPr>
+            <a:r>
+              <a:rPr lang="en-US" altLang="zh-CN" sz="1600" b="0" i="0" dirty="0">
+                <a:solidFill>
+                  <a:srgbClr val="000000"/>
+                </a:solidFill>
+                <a:effectLst/>
+                <a:latin typeface="PingFangSC-Regular"/>
+              </a:rPr>
+              <a:t>None     </a:t>
+            </a:r>
+            <a:r>
+              <a:rPr lang="zh-CN" altLang="en-US" sz="1600" b="0" i="0" dirty="0">
+                <a:solidFill>
+                  <a:srgbClr val="000000"/>
+                </a:solidFill>
+                <a:effectLst/>
+                <a:latin typeface="PingFangSC-Regular"/>
+              </a:rPr>
+              <a:t>默认</a:t>
+            </a:r>
+            <a:endParaRPr lang="en-US" altLang="zh-CN" sz="1600" b="0" i="0" dirty="0">
+              <a:solidFill>
+                <a:srgbClr val="000000"/>
+              </a:solidFill>
+              <a:effectLst/>
+              <a:latin typeface="PingFangSC-Regular"/>
+            </a:endParaRPr>
+          </a:p>
+          <a:p>
+            <a:pPr marL="342900" indent="-342900">
+              <a:buFont typeface="+mj-lt"/>
+              <a:buAutoNum type="arabicPeriod"/>
+            </a:pPr>
+            <a:r>
+              <a:rPr lang="en-US" altLang="zh-CN" sz="1600" b="0" i="0" u="sng" dirty="0">
+                <a:solidFill>
+                  <a:srgbClr val="000000"/>
+                </a:solidFill>
+                <a:effectLst/>
+                <a:latin typeface="PingFangSC-Regular"/>
+              </a:rPr>
+              <a:t>Underline</a:t>
+            </a:r>
+            <a:r>
+              <a:rPr lang="en-US" altLang="zh-CN" sz="1600" b="0" i="0" dirty="0">
+                <a:solidFill>
+                  <a:srgbClr val="000000"/>
+                </a:solidFill>
+                <a:effectLst/>
+                <a:latin typeface="PingFangSC-Regular"/>
+              </a:rPr>
+              <a:t>    </a:t>
+            </a:r>
+            <a:r>
+              <a:rPr lang="zh-CN" altLang="en-US" sz="1600" b="0" i="0" dirty="0">
+                <a:solidFill>
+                  <a:srgbClr val="000000"/>
+                </a:solidFill>
+                <a:effectLst/>
+                <a:latin typeface="PingFangSC-Regular"/>
+              </a:rPr>
+              <a:t>下划线</a:t>
+            </a:r>
+            <a:endParaRPr lang="en-US" altLang="zh-CN" sz="1600" dirty="0">
+              <a:solidFill>
+                <a:srgbClr val="000000"/>
+              </a:solidFill>
+              <a:latin typeface="PingFangSC-Regular"/>
+            </a:endParaRPr>
+          </a:p>
+          <a:p>
+            <a:pPr marL="342900" indent="-342900">
+              <a:buFont typeface="+mj-lt"/>
+              <a:buAutoNum type="arabicPeriod"/>
+            </a:pPr>
+            <a:r>
+              <a:rPr lang="en-US" altLang="zh-CN" sz="1600" b="0" i="0" dirty="0">
+                <a:solidFill>
+                  <a:srgbClr val="000000"/>
+                </a:solidFill>
+                <a:effectLst/>
+                <a:latin typeface="PingFangSC-Regular"/>
+              </a:rPr>
+              <a:t>Overline   </a:t>
+            </a:r>
+            <a:r>
+              <a:rPr lang="zh-CN" altLang="en-US" sz="1600" b="0" i="0" dirty="0">
+                <a:solidFill>
+                  <a:srgbClr val="000000"/>
+                </a:solidFill>
+                <a:effectLst/>
+                <a:latin typeface="PingFangSC-Regular"/>
+              </a:rPr>
+              <a:t>上划线</a:t>
+            </a:r>
+            <a:endParaRPr lang="en-US" altLang="zh-CN" sz="1600" b="0" i="0" dirty="0">
+              <a:solidFill>
+                <a:srgbClr val="000000"/>
+              </a:solidFill>
+              <a:effectLst/>
+              <a:latin typeface="PingFangSC-Regular"/>
+            </a:endParaRPr>
+          </a:p>
+          <a:p>
+            <a:pPr marL="342900" indent="-342900">
+              <a:buFont typeface="+mj-lt"/>
+              <a:buAutoNum type="arabicPeriod"/>
+            </a:pPr>
+            <a:r>
+              <a:rPr lang="en-US" altLang="zh-CN" sz="1600" b="0" i="0" dirty="0">
+                <a:solidFill>
+                  <a:srgbClr val="000000"/>
+                </a:solidFill>
+                <a:effectLst/>
+                <a:latin typeface="PingFangSC-Regular"/>
+              </a:rPr>
+              <a:t>line-through  </a:t>
+            </a:r>
+            <a:r>
+              <a:rPr lang="zh-CN" altLang="en-US" sz="1600" b="0" i="0" dirty="0">
+                <a:solidFill>
+                  <a:srgbClr val="000000"/>
+                </a:solidFill>
+                <a:effectLst/>
+                <a:latin typeface="PingFangSC-Regular"/>
+              </a:rPr>
+              <a:t>中线</a:t>
+            </a:r>
+            <a:endParaRPr lang="en-US" altLang="zh-CN" sz="1600" b="0" i="0" dirty="0">
+              <a:solidFill>
+                <a:srgbClr val="000000"/>
+              </a:solidFill>
+              <a:effectLst/>
+              <a:latin typeface="PingFangSC-Regular"/>
+            </a:endParaRPr>
+          </a:p>
+          <a:p>
+            <a:pPr marL="342900" indent="-342900">
+              <a:buFont typeface="+mj-lt"/>
+              <a:buAutoNum type="arabicPeriod"/>
+            </a:pPr>
+            <a:r>
+              <a:rPr lang="en-US" altLang="zh-CN" sz="1600" b="0" i="0" dirty="0">
+                <a:solidFill>
+                  <a:srgbClr val="000000"/>
+                </a:solidFill>
+                <a:effectLst/>
+                <a:latin typeface="PingFangSC-Regular"/>
+              </a:rPr>
+              <a:t>Blink    </a:t>
+            </a:r>
+            <a:r>
+              <a:rPr lang="zh-CN" altLang="en-US" sz="1600" b="0" i="0" dirty="0">
+                <a:solidFill>
+                  <a:srgbClr val="000000"/>
+                </a:solidFill>
+                <a:effectLst/>
+                <a:latin typeface="PingFangSC-Regular"/>
+              </a:rPr>
+              <a:t>闪烁</a:t>
+            </a:r>
+            <a:endParaRPr lang="en-US" altLang="zh-CN" sz="1600" b="0" i="0" dirty="0">
+              <a:solidFill>
+                <a:srgbClr val="000000"/>
+              </a:solidFill>
+              <a:effectLst/>
+              <a:latin typeface="PingFangSC-Regular"/>
+            </a:endParaRPr>
+          </a:p>
+          <a:p>
+            <a:pPr marL="342900" indent="-342900">
+              <a:buFont typeface="+mj-lt"/>
+              <a:buAutoNum type="arabicPeriod"/>
+            </a:pPr>
+            <a:r>
+              <a:rPr lang="en-US" altLang="zh-CN" sz="1600" b="0" i="0" dirty="0">
+                <a:solidFill>
+                  <a:srgbClr val="000000"/>
+                </a:solidFill>
+                <a:effectLst/>
+                <a:latin typeface="PingFangSC-Regular"/>
+              </a:rPr>
+              <a:t>Inherit   </a:t>
+            </a:r>
+            <a:r>
+              <a:rPr lang="zh-CN" altLang="en-US" sz="1600" b="0" i="0" dirty="0">
+                <a:solidFill>
+                  <a:srgbClr val="000000"/>
+                </a:solidFill>
+                <a:effectLst/>
+                <a:latin typeface="PingFangSC-Regular"/>
+              </a:rPr>
+              <a:t>继承</a:t>
+            </a:r>
+            <a:endParaRPr lang="en-US" altLang="zh-CN" sz="1600" dirty="0">
+              <a:solidFill>
+                <a:srgbClr val="000000"/>
+              </a:solidFill>
+              <a:latin typeface="Menlo"/>
+            </a:endParaRPr>
+          </a:p>
+          <a:p>
+            <a:endParaRPr lang="en-US" altLang="zh-CN" sz="1800" dirty="0">
+              <a:solidFill>
+                <a:srgbClr val="000000"/>
+              </a:solidFill>
+              <a:latin typeface="Menlo"/>
+            </a:endParaRPr>
+          </a:p>
+          <a:p>
+            <a:endParaRPr lang="en-US" altLang="zh-CN" sz="1800" b="0" i="0" dirty="0">
+              <a:solidFill>
+                <a:srgbClr val="000000"/>
+              </a:solidFill>
+              <a:effectLst/>
+              <a:latin typeface="Menlo"/>
+            </a:endParaRPr>
+          </a:p>
+          <a:p>
+            <a:endParaRPr lang="zh-CN" altLang="en-US" sz="1800" b="1" i="0" dirty="0">
+              <a:solidFill>
+                <a:srgbClr val="333333"/>
+              </a:solidFill>
+              <a:effectLst/>
+              <a:latin typeface="Helvetica Neue"/>
+            </a:endParaRPr>
+          </a:p>
+          <a:p>
+            <a:endParaRPr lang="zh-CN" altLang="en-US" sz="1800" dirty="0"/>
+          </a:p>
+        </p:txBody>
+      </p:sp>
+      <p:sp>
+        <p:nvSpPr>
+          <p:cNvPr id="4" name="日期占位符 3">
+            <a:extLst>
+              <a:ext uri="{FF2B5EF4-FFF2-40B4-BE49-F238E27FC236}">
+                <a16:creationId xmlns:a16="http://schemas.microsoft.com/office/drawing/2014/main" id="{8A3774CA-7FAC-4B79-B53C-F4122E76E804}"/>
+              </a:ext>
+            </a:extLst>
+          </p:cNvPr>
           <p:cNvSpPr>
             <a:spLocks noGrp="1"/>
           </p:cNvSpPr>
           <p:nvPr>
-            <p:ph idx="1"/>
+            <p:ph type="dt" sz="half" idx="10"/>
           </p:nvPr>
         </p:nvSpPr>
         <p:spPr/>
         <p:txBody>
-          <a:bodyPr>
-            <a:normAutofit fontScale="70000"/>
-          </a:bodyPr>
+          <a:bodyPr/>
           <a:lstStyle/>
           <a:p>
-            <a:r>
-              <a:rPr lang="zh-CN" altLang="en-US" sz="2000" dirty="0"/>
-              <a:t>：</a:t>
-            </a:r>
-            <a:r>
-              <a:rPr lang="en-US" altLang="zh-CN" sz="2000" dirty="0"/>
-              <a:t>root</a:t>
-            </a:r>
-            <a:endParaRPr lang="en-US" altLang="zh-CN" sz="2000" dirty="0"/>
-          </a:p>
-          <a:p>
-            <a:endParaRPr lang="en-US" altLang="zh-CN" sz="2000" dirty="0"/>
-          </a:p>
-          <a:p>
-            <a:r>
-              <a:rPr lang="zh-CN" altLang="en-US" sz="2000" dirty="0"/>
-              <a:t>语法</a:t>
-            </a:r>
-            <a:endParaRPr lang="zh-CN" altLang="en-US" sz="2000" dirty="0"/>
-          </a:p>
-          <a:p>
-            <a:r>
-              <a:rPr lang="zh-CN" altLang="en-US" sz="2000" dirty="0"/>
-              <a:t>:root{</a:t>
-            </a:r>
-            <a:endParaRPr lang="zh-CN" altLang="en-US" sz="2000" dirty="0"/>
-          </a:p>
-          <a:p>
-            <a:r>
-              <a:rPr lang="zh-CN" altLang="en-US" sz="2000" dirty="0"/>
-              <a:t>  css语法;</a:t>
-            </a:r>
-            <a:endParaRPr lang="zh-CN" altLang="en-US" sz="2000" dirty="0"/>
-          </a:p>
-          <a:p>
-            <a:r>
-              <a:rPr lang="zh-CN" altLang="en-US" sz="2000" dirty="0"/>
-              <a:t>}</a:t>
-            </a:r>
-            <a:endParaRPr lang="zh-CN" altLang="en-US" sz="2000" dirty="0"/>
-          </a:p>
-          <a:p>
-            <a:endParaRPr lang="zh-CN" altLang="en-US" sz="2000" dirty="0"/>
-          </a:p>
-          <a:p>
-            <a:r>
-              <a:rPr lang="zh-CN" altLang="en-US" sz="2000" dirty="0"/>
-              <a:t>作用</a:t>
-            </a:r>
-            <a:r>
-              <a:rPr lang="en-US" altLang="zh-CN" sz="2000" dirty="0"/>
-              <a:t>:  </a:t>
-            </a:r>
-            <a:r>
-              <a:rPr lang="zh-CN" altLang="en-US" sz="2000" dirty="0"/>
-              <a:t>代表根 一般值</a:t>
-            </a:r>
-            <a:r>
-              <a:rPr lang="en-US" altLang="zh-CN" sz="2000" dirty="0"/>
-              <a:t>html </a:t>
-            </a:r>
-            <a:r>
-              <a:rPr lang="zh-CN" altLang="en-US" sz="2000" dirty="0"/>
-              <a:t>优先级更高，可以在内部声明全局</a:t>
-            </a:r>
-            <a:r>
-              <a:rPr lang="en-US" altLang="zh-CN" sz="2000" dirty="0"/>
-              <a:t>css</a:t>
-            </a:r>
-            <a:endParaRPr lang="en-US" altLang="zh-CN" sz="2000" dirty="0"/>
-          </a:p>
-          <a:p>
-            <a:endParaRPr lang="en-US" altLang="zh-CN" sz="2000" dirty="0"/>
-          </a:p>
-          <a:p>
-            <a:r>
-              <a:rPr lang="en-US" altLang="zh-CN" sz="2000" dirty="0"/>
-              <a:t>:root {</a:t>
-            </a:r>
-            <a:endParaRPr lang="en-US" altLang="zh-CN" sz="2000" dirty="0"/>
-          </a:p>
-          <a:p>
-            <a:r>
-              <a:rPr lang="en-US" altLang="zh-CN" sz="2000" dirty="0"/>
-              <a:t>  --ck-highlight-pen-red: #e91314;</a:t>
-            </a:r>
-            <a:endParaRPr lang="en-US" altLang="zh-CN" sz="2000" dirty="0"/>
-          </a:p>
-          <a:p>
-            <a:r>
-              <a:rPr lang="en-US" altLang="zh-CN" sz="2000" dirty="0"/>
-              <a:t>}</a:t>
-            </a:r>
-            <a:endParaRPr lang="en-US" altLang="zh-CN" sz="2000" dirty="0"/>
-          </a:p>
-          <a:p>
-            <a:r>
-              <a:rPr lang="en-US" altLang="zh-CN" sz="2000" dirty="0"/>
-              <a:t> </a:t>
-            </a:r>
-            <a:endParaRPr lang="en-US" altLang="zh-CN" sz="2000" dirty="0"/>
-          </a:p>
-          <a:p>
-            <a:r>
-              <a:rPr lang="en-US" altLang="zh-CN" sz="2000" dirty="0"/>
-              <a:t>.pen-black {</a:t>
-            </a:r>
-            <a:endParaRPr lang="en-US" altLang="zh-CN" sz="2000" dirty="0"/>
-          </a:p>
-          <a:p>
-            <a:r>
-              <a:rPr lang="en-US" altLang="zh-CN" sz="2000" dirty="0"/>
-              <a:t>  color: var(--ck-highlight-pen-black);</a:t>
-            </a:r>
-            <a:endParaRPr lang="en-US" altLang="zh-CN" sz="2000" dirty="0"/>
-          </a:p>
-          <a:p>
-            <a:r>
-              <a:rPr lang="en-US" altLang="zh-CN" sz="2000" dirty="0"/>
-              <a:t>}</a:t>
-            </a:r>
-            <a:endParaRPr lang="en-US" altLang="zh-CN" sz="2000" dirty="0"/>
+            <a:fld id="{4D01DF33-5A38-4035-AC9E-B8E17EB22BE4}" type="datetime1">
+              <a:rPr lang="zh-CN" altLang="en-US" smtClean="0"/>
+              <a:t>2020/8/9</a:t>
+            </a:fld>
+            <a:endParaRPr lang="zh-CN" altLang="en-US"/>
+          </a:p>
+        </p:txBody>
+      </p:sp>
+      <p:sp>
+        <p:nvSpPr>
+          <p:cNvPr id="5" name="灯片编号占位符 4">
+            <a:extLst>
+              <a:ext uri="{FF2B5EF4-FFF2-40B4-BE49-F238E27FC236}">
+                <a16:creationId xmlns:a16="http://schemas.microsoft.com/office/drawing/2014/main" id="{638D3D74-70CD-4749-BEC1-97C0A5D212FB}"/>
+              </a:ext>
+            </a:extLst>
+          </p:cNvPr>
+          <p:cNvSpPr>
+            <a:spLocks noGrp="1"/>
+          </p:cNvSpPr>
+          <p:nvPr>
+            <p:ph type="sldNum" sz="quarter" idx="12"/>
+          </p:nvPr>
+        </p:nvSpPr>
+        <p:spPr/>
+        <p:txBody>
+          <a:bodyPr/>
+          <a:lstStyle/>
+          <a:p>
+            <a:fld id="{5C794E63-F2AF-49E2-AE37-43481CC587E5}" type="slidenum">
+              <a:rPr lang="zh-CN" altLang="en-US" smtClean="0"/>
+              <a:t>2</a:t>
+            </a:fld>
+            <a:endParaRPr lang="zh-CN" altLang="en-US"/>
           </a:p>
         </p:txBody>
       </p:sp>
     </p:spTree>
+    <p:extLst>
+      <p:ext uri="{BB962C8B-B14F-4D97-AF65-F5344CB8AC3E}">
+        <p14:creationId xmlns:p14="http://schemas.microsoft.com/office/powerpoint/2010/main" val="2017188498"/>
+      </p:ext>
+    </p:extLst>
   </p:cSld>
   <p:clrMapOvr>
     <a:masterClrMapping/>
   </p:clrMapOvr>
-  <p:timing>
-    <p:tnLst>
-      <p:par>
-        <p:cTn id="1" dur="indefinite" restart="never" nodeType="tmRoot"/>
-      </p:par>
-    </p:tnLst>
-  </p:timing>
 </p:sld>
 </file>
 
@@ -2966,7 +4234,14 @@
         <p:cNvGrpSpPr/>
         <p:nvPr/>
       </p:nvGrpSpPr>
-      <p:grpSpPr/>
+      <p:grpSpPr>
+        <a:xfrm>
+          <a:off x="0" y="0"/>
+          <a:ext cx="0" cy="0"/>
+          <a:chOff x="0" y="0"/>
+          <a:chExt cx="0" cy="0"/>
+        </a:xfrm>
+      </p:grpSpPr>
       <p:sp>
         <p:nvSpPr>
           <p:cNvPr id="2" name="标题 1"/>
@@ -2977,28 +4252,28 @@
             <p:ph type="title"/>
           </p:nvPr>
         </p:nvSpPr>
-        <p:spPr>
-          <a:xfrm>
-            <a:off x="719572" y="145016"/>
-            <a:ext cx="5472608" cy="490066"/>
-          </a:xfrm>
-        </p:spPr>
-        <p:txBody>
-          <a:bodyPr/>
-          <a:p>
-            <a:r>
-              <a:rPr lang="en-US" altLang="zh-CN" b="1" dirty="0">
-                <a:sym typeface="+mn-ea"/>
-              </a:rPr>
+        <p:spPr/>
+        <p:txBody>
+          <a:bodyPr>
+            <a:normAutofit fontScale="90000"/>
+          </a:bodyPr>
+          <a:lstStyle/>
+          <a:p>
+            <a:br>
+              <a:rPr lang="zh-CN" altLang="en-US" b="1" dirty="0"/>
+            </a:br>
+            <a:r>
+              <a:rPr lang="en-US" altLang="zh-CN" b="1" dirty="0"/>
               <a:t>CSS3</a:t>
             </a:r>
             <a:r>
-              <a:rPr lang="zh-CN" altLang="en-US" b="1" dirty="0">
-                <a:sym typeface="+mn-ea"/>
-              </a:rPr>
+              <a:rPr lang="zh-CN" altLang="en-US" b="1" dirty="0"/>
               <a:t>选择器</a:t>
             </a:r>
-            <a:endParaRPr lang="zh-CN" altLang="en-US"/>
+            <a:br>
+              <a:rPr lang="zh-CN" altLang="en-US" b="1" dirty="0"/>
+            </a:br>
+            <a:endParaRPr lang="zh-CN" altLang="en-US" dirty="0"/>
           </a:p>
         </p:txBody>
       </p:sp>
@@ -3014,194 +4289,120 @@
         </p:nvSpPr>
         <p:spPr/>
         <p:txBody>
-          <a:bodyPr/>
-          <a:p>
-            <a:r>
-              <a:rPr lang="zh-CN" altLang="en-US" sz="1400"/>
+          <a:bodyPr>
+            <a:normAutofit fontScale="77500" lnSpcReduction="10000"/>
+          </a:bodyPr>
+          <a:lstStyle/>
+          <a:p>
+            <a:r>
+              <a:rPr lang="zh-CN" altLang="en-US" sz="2000" dirty="0"/>
               <a:t>：</a:t>
             </a:r>
             <a:r>
-              <a:rPr lang="en-US" altLang="zh-CN" sz="1400"/>
-              <a:t>not</a:t>
-            </a:r>
-            <a:endParaRPr lang="en-US" altLang="zh-CN" sz="1400"/>
-          </a:p>
-          <a:p>
-            <a:endParaRPr lang="en-US" altLang="zh-CN" sz="1400"/>
-          </a:p>
-          <a:p>
-            <a:r>
-              <a:rPr lang="zh-CN" altLang="en-US" sz="1400"/>
+              <a:rPr lang="en-US" altLang="zh-CN" sz="2000" dirty="0"/>
+              <a:t>root</a:t>
+            </a:r>
+          </a:p>
+          <a:p>
+            <a:endParaRPr lang="en-US" altLang="zh-CN" sz="2000" dirty="0"/>
+          </a:p>
+          <a:p>
+            <a:r>
+              <a:rPr lang="zh-CN" altLang="en-US" sz="2000" dirty="0"/>
               <a:t>语法</a:t>
             </a:r>
-            <a:endParaRPr lang="zh-CN" altLang="en-US" sz="1400"/>
-          </a:p>
-          <a:p>
-            <a:r>
-              <a:rPr lang="en-US" altLang="zh-CN" sz="1400"/>
-              <a:t>:not(selector)  选择器匹配每个元素是不是指定的元素/选择器</a:t>
-            </a:r>
-            <a:endParaRPr lang="en-US" altLang="zh-CN" sz="1400"/>
-          </a:p>
-          <a:p>
-            <a:endParaRPr lang="en-US" altLang="zh-CN" sz="1400"/>
-          </a:p>
-          <a:p>
-            <a:r>
-              <a:rPr lang="zh-CN" altLang="en-US" sz="1400"/>
-              <a:t>可以接收</a:t>
-            </a:r>
-            <a:endParaRPr lang="zh-CN" altLang="en-US" sz="1400"/>
-          </a:p>
-          <a:p>
-            <a:r>
-              <a:rPr lang="zh-CN" altLang="en-US" sz="1400"/>
-              <a:t>标签选择器  </a:t>
-            </a:r>
-            <a:r>
-              <a:rPr lang="en-US" altLang="zh-CN" sz="1400"/>
-              <a:t>:</a:t>
-            </a:r>
-            <a:r>
-              <a:rPr lang="en-US" altLang="zh-CN" sz="1400"/>
-              <a:t>not(p)</a:t>
-            </a:r>
-            <a:endParaRPr lang="en-US" altLang="zh-CN" sz="1400"/>
-          </a:p>
-          <a:p>
-            <a:r>
-              <a:rPr lang="zh-CN" altLang="en-US" sz="1400"/>
-              <a:t>类选择 </a:t>
-            </a:r>
-            <a:r>
-              <a:rPr lang="en-US" altLang="zh-CN" sz="1400"/>
-              <a:t>:</a:t>
-            </a:r>
-            <a:r>
-              <a:rPr lang="en-US" altLang="zh-CN" sz="1400"/>
-              <a:t>not(.class)</a:t>
-            </a:r>
-            <a:endParaRPr lang="en-US" altLang="zh-CN" sz="1400"/>
-          </a:p>
-          <a:p>
-            <a:r>
-              <a:rPr lang="en-US" altLang="zh-CN" sz="1400"/>
-              <a:t>ID</a:t>
-            </a:r>
-            <a:r>
-              <a:rPr lang="zh-CN" altLang="en-US" sz="1400"/>
-              <a:t>选择器 </a:t>
-            </a:r>
-            <a:r>
-              <a:rPr lang="en-US" altLang="zh-CN" sz="1400"/>
-              <a:t>:</a:t>
-            </a:r>
-            <a:r>
-              <a:rPr lang="en-US" altLang="zh-CN" sz="1400"/>
-              <a:t>not(#app)</a:t>
-            </a:r>
-            <a:endParaRPr lang="en-US" altLang="zh-CN" sz="1400"/>
-          </a:p>
-          <a:p>
-            <a:r>
-              <a:rPr lang="zh-CN" altLang="en-US" sz="1400"/>
-              <a:t>伪类选择器 </a:t>
-            </a:r>
-            <a:r>
-              <a:rPr lang="en-US" altLang="zh-CN" sz="1400"/>
-              <a:t>:</a:t>
-            </a:r>
-            <a:r>
-              <a:rPr lang="en-US" altLang="zh-CN" sz="1400"/>
-              <a:t>not(:first-child)</a:t>
-            </a:r>
-            <a:endParaRPr lang="en-US" altLang="zh-CN" sz="1400"/>
-          </a:p>
-          <a:p>
-            <a:r>
-              <a:rPr lang="zh-CN" altLang="en-US" sz="1400"/>
-              <a:t>属性选择器 </a:t>
-            </a:r>
-            <a:r>
-              <a:rPr lang="en-US" altLang="zh-CN" sz="1400"/>
-              <a:t>:not([type='checkbox'])</a:t>
-            </a:r>
-            <a:endParaRPr lang="en-US" altLang="zh-CN" sz="1400"/>
-          </a:p>
-          <a:p>
-            <a:endParaRPr lang="en-US" altLang="zh-CN" sz="1400"/>
-          </a:p>
-          <a:p>
-            <a:r>
-              <a:rPr lang="zh-CN" altLang="en-US" sz="1400"/>
-              <a:t>不支持伪类 不支持伪类 不支持伪类</a:t>
-            </a:r>
-            <a:endParaRPr lang="zh-CN" altLang="en-US" sz="1400"/>
-          </a:p>
-          <a:p>
-            <a:r>
-              <a:rPr lang="en-US" altLang="zh-CN" sz="1400"/>
-              <a:t>:not(::before) </a:t>
-            </a:r>
-            <a:endParaRPr lang="en-US" altLang="zh-CN" sz="1400"/>
-          </a:p>
-          <a:p>
-            <a:r>
-              <a:rPr lang="en-US" altLang="zh-CN" sz="1400"/>
-              <a:t>:not(:not())</a:t>
-            </a:r>
-            <a:endParaRPr lang="en-US" altLang="zh-CN" sz="1400"/>
-          </a:p>
-          <a:p>
-            <a:endParaRPr lang="en-US" altLang="zh-CN" sz="1400"/>
-          </a:p>
-          <a:p>
-            <a:endParaRPr lang="en-US" altLang="zh-CN" sz="1400"/>
-          </a:p>
-          <a:p>
-            <a:endParaRPr lang="en-US" altLang="zh-CN" sz="1400"/>
-          </a:p>
-        </p:txBody>
-      </p:sp>
-      <p:sp>
-        <p:nvSpPr>
-          <p:cNvPr id="4" name="日期占位符 3"/>
-          <p:cNvSpPr>
-            <a:spLocks noGrp="1"/>
-          </p:cNvSpPr>
-          <p:nvPr>
-            <p:ph type="dt" sz="half" idx="10"/>
-          </p:nvPr>
-        </p:nvSpPr>
-        <p:spPr/>
-        <p:txBody>
-          <a:bodyPr/>
-          <a:p>
-            <a:fld id="{4D01DF33-5A38-4035-AC9E-B8E17EB22BE4}" type="datetime1">
-              <a:rPr lang="zh-CN" altLang="en-US" smtClean="0"/>
-            </a:fld>
-            <a:endParaRPr lang="zh-CN" altLang="en-US"/>
-          </a:p>
-        </p:txBody>
-      </p:sp>
-      <p:sp>
-        <p:nvSpPr>
-          <p:cNvPr id="5" name="灯片编号占位符 4"/>
-          <p:cNvSpPr>
-            <a:spLocks noGrp="1"/>
-          </p:cNvSpPr>
-          <p:nvPr>
-            <p:ph type="sldNum" sz="quarter" idx="12"/>
-          </p:nvPr>
-        </p:nvSpPr>
-        <p:spPr/>
-        <p:txBody>
-          <a:bodyPr/>
-          <a:p>
-            <a:fld id="{5C794E63-F2AF-49E2-AE37-43481CC587E5}" type="slidenum">
-              <a:rPr lang="zh-CN" altLang="en-US" smtClean="0"/>
-            </a:fld>
-            <a:endParaRPr lang="zh-CN" altLang="en-US"/>
+          </a:p>
+          <a:p>
+            <a:r>
+              <a:rPr lang="zh-CN" altLang="en-US" sz="2000" dirty="0"/>
+              <a:t>:root{</a:t>
+            </a:r>
+          </a:p>
+          <a:p>
+            <a:r>
+              <a:rPr lang="zh-CN" altLang="en-US" sz="2000" dirty="0"/>
+              <a:t>  css语法;</a:t>
+            </a:r>
+          </a:p>
+          <a:p>
+            <a:r>
+              <a:rPr lang="zh-CN" altLang="en-US" sz="2000" dirty="0"/>
+              <a:t>}</a:t>
+            </a:r>
+          </a:p>
+          <a:p>
+            <a:endParaRPr lang="zh-CN" altLang="en-US" sz="2000" dirty="0"/>
+          </a:p>
+          <a:p>
+            <a:r>
+              <a:rPr lang="zh-CN" altLang="en-US" sz="2000" dirty="0"/>
+              <a:t>作用</a:t>
+            </a:r>
+            <a:r>
+              <a:rPr lang="en-US" altLang="zh-CN" sz="2000" dirty="0"/>
+              <a:t>:  </a:t>
+            </a:r>
+            <a:r>
+              <a:rPr lang="zh-CN" altLang="en-US" sz="2000" dirty="0"/>
+              <a:t>代表根 一般值</a:t>
+            </a:r>
+            <a:r>
+              <a:rPr lang="en-US" altLang="zh-CN" sz="2000" dirty="0"/>
+              <a:t>html </a:t>
+            </a:r>
+            <a:r>
+              <a:rPr lang="zh-CN" altLang="en-US" sz="2000" dirty="0"/>
+              <a:t>优先级更高，可以在内部声明全局</a:t>
+            </a:r>
+            <a:r>
+              <a:rPr lang="en-US" altLang="zh-CN" sz="2000" dirty="0"/>
+              <a:t>css</a:t>
+            </a:r>
+          </a:p>
+          <a:p>
+            <a:endParaRPr lang="en-US" altLang="zh-CN" sz="2000" dirty="0"/>
+          </a:p>
+          <a:p>
+            <a:r>
+              <a:rPr lang="en-US" altLang="zh-CN" sz="2000" dirty="0"/>
+              <a:t>:root {</a:t>
+            </a:r>
+          </a:p>
+          <a:p>
+            <a:r>
+              <a:rPr lang="en-US" altLang="zh-CN" sz="2000" dirty="0"/>
+              <a:t>  --ck-highlight-pen-red: #e91314;</a:t>
+            </a:r>
+          </a:p>
+          <a:p>
+            <a:r>
+              <a:rPr lang="en-US" altLang="zh-CN" sz="2000" dirty="0"/>
+              <a:t>}</a:t>
+            </a:r>
+          </a:p>
+          <a:p>
+            <a:r>
+              <a:rPr lang="en-US" altLang="zh-CN" sz="2000" dirty="0"/>
+              <a:t> </a:t>
+            </a:r>
+          </a:p>
+          <a:p>
+            <a:r>
+              <a:rPr lang="en-US" altLang="zh-CN" sz="2000" dirty="0"/>
+              <a:t>.pen-black {</a:t>
+            </a:r>
+          </a:p>
+          <a:p>
+            <a:r>
+              <a:rPr lang="en-US" altLang="zh-CN" sz="2000" dirty="0"/>
+              <a:t>  color: var(--ck-highlight-pen-black);</a:t>
+            </a:r>
+          </a:p>
+          <a:p>
+            <a:r>
+              <a:rPr lang="en-US" altLang="zh-CN" sz="2000" dirty="0"/>
+              <a:t>}</a:t>
+            </a:r>
           </a:p>
         </p:txBody>
       </p:sp>
@@ -3222,7 +4423,14 @@
         <p:cNvGrpSpPr/>
         <p:nvPr/>
       </p:nvGrpSpPr>
-      <p:grpSpPr/>
+      <p:grpSpPr>
+        <a:xfrm>
+          <a:off x="0" y="0"/>
+          <a:ext cx="0" cy="0"/>
+          <a:chOff x="0" y="0"/>
+          <a:chExt cx="0" cy="0"/>
+        </a:xfrm>
+      </p:grpSpPr>
       <p:sp>
         <p:nvSpPr>
           <p:cNvPr id="2" name="标题 1"/>
@@ -3233,9 +4441,15 @@
             <p:ph type="title"/>
           </p:nvPr>
         </p:nvSpPr>
-        <p:spPr/>
+        <p:spPr>
+          <a:xfrm>
+            <a:off x="719572" y="145016"/>
+            <a:ext cx="5472608" cy="490066"/>
+          </a:xfrm>
+        </p:spPr>
         <p:txBody>
           <a:bodyPr/>
+          <a:lstStyle/>
           <a:p>
             <a:r>
               <a:rPr lang="en-US" altLang="zh-CN" b="1" dirty="0">
@@ -3266,95 +4480,124 @@
         <p:spPr/>
         <p:txBody>
           <a:bodyPr/>
+          <a:lstStyle/>
           <a:p>
             <a:r>
               <a:rPr lang="zh-CN" altLang="en-US" sz="1400"/>
-              <a:t>：empty</a:t>
-            </a:r>
-            <a:endParaRPr lang="zh-CN" altLang="en-US" sz="1400"/>
-          </a:p>
-          <a:p>
-            <a:endParaRPr lang="zh-CN" altLang="en-US" sz="1400"/>
+              <a:t>：</a:t>
+            </a:r>
+            <a:r>
+              <a:rPr lang="en-US" altLang="zh-CN" sz="1400"/>
+              <a:t>not</a:t>
+            </a:r>
+          </a:p>
+          <a:p>
+            <a:endParaRPr lang="en-US" altLang="zh-CN" sz="1400"/>
           </a:p>
           <a:p>
             <a:r>
               <a:rPr lang="zh-CN" altLang="en-US" sz="1400"/>
-              <a:t>:empty选择器选择每个没有任何子级的元素（</a:t>
-            </a:r>
-            <a:r>
-              <a:rPr lang="zh-CN" altLang="en-US" sz="1400" b="1"/>
-              <a:t>包括文本节点</a:t>
-            </a:r>
+              <a:t>语法</a:t>
+            </a:r>
+          </a:p>
+          <a:p>
+            <a:r>
+              <a:rPr lang="en-US" altLang="zh-CN" sz="1400"/>
+              <a:t>:not(selector)  选择器匹配每个元素是不是指定的元素/选择器</a:t>
+            </a:r>
+          </a:p>
+          <a:p>
+            <a:endParaRPr lang="en-US" altLang="zh-CN" sz="1400"/>
+          </a:p>
+          <a:p>
             <a:r>
               <a:rPr lang="zh-CN" altLang="en-US" sz="1400"/>
-              <a:t>）</a:t>
-            </a:r>
-            <a:endParaRPr lang="zh-CN" altLang="en-US" sz="1400"/>
-          </a:p>
-          <a:p>
-            <a:endParaRPr lang="zh-CN" altLang="en-US" sz="1400"/>
-          </a:p>
-          <a:p>
+              <a:t>可以接收</a:t>
+            </a:r>
+          </a:p>
+          <a:p>
+            <a:r>
+              <a:rPr lang="zh-CN" altLang="en-US" sz="1400"/>
+              <a:t>标签选择器  </a:t>
+            </a:r>
             <a:r>
               <a:rPr lang="en-US" altLang="zh-CN" sz="1400"/>
-              <a:t>p:empty {</a:t>
-            </a:r>
+              <a:t>:not(p)</a:t>
+            </a:r>
+          </a:p>
+          <a:p>
+            <a:r>
+              <a:rPr lang="zh-CN" altLang="en-US" sz="1400"/>
+              <a:t>类选择 </a:t>
+            </a:r>
+            <a:r>
+              <a:rPr lang="en-US" altLang="zh-CN" sz="1400"/>
+              <a:t>:not(.class)</a:t>
+            </a:r>
+          </a:p>
+          <a:p>
+            <a:r>
+              <a:rPr lang="en-US" altLang="zh-CN" sz="1400"/>
+              <a:t>ID</a:t>
+            </a:r>
+            <a:r>
+              <a:rPr lang="zh-CN" altLang="en-US" sz="1400"/>
+              <a:t>选择器 </a:t>
+            </a:r>
+            <a:r>
+              <a:rPr lang="en-US" altLang="zh-CN" sz="1400"/>
+              <a:t>:not(#app)</a:t>
+            </a:r>
+          </a:p>
+          <a:p>
+            <a:r>
+              <a:rPr lang="zh-CN" altLang="en-US" sz="1400"/>
+              <a:t>伪类选择器 </a:t>
+            </a:r>
+            <a:r>
+              <a:rPr lang="en-US" altLang="zh-CN" sz="1400"/>
+              <a:t>:not(:first-child)</a:t>
+            </a:r>
+          </a:p>
+          <a:p>
+            <a:r>
+              <a:rPr lang="zh-CN" altLang="en-US" sz="1400"/>
+              <a:t>属性选择器 </a:t>
+            </a:r>
+            <a:r>
+              <a:rPr lang="en-US" altLang="zh-CN" sz="1400"/>
+              <a:t>:not([type='checkbox'])</a:t>
+            </a:r>
+          </a:p>
+          <a:p>
             <a:endParaRPr lang="en-US" altLang="zh-CN" sz="1400"/>
           </a:p>
           <a:p>
             <a:r>
+              <a:rPr lang="zh-CN" altLang="en-US" sz="1400"/>
+              <a:t>不支持伪类 不支持伪类 不支持伪类</a:t>
+            </a:r>
+          </a:p>
+          <a:p>
+            <a:r>
               <a:rPr lang="en-US" altLang="zh-CN" sz="1400"/>
-              <a:t>  background-color: red;</a:t>
-            </a:r>
+              <a:t>:not(::before) </a:t>
+            </a:r>
+          </a:p>
+          <a:p>
+            <a:r>
+              <a:rPr lang="en-US" altLang="zh-CN" sz="1400"/>
+              <a:t>:not(:not())</a:t>
+            </a:r>
+          </a:p>
+          <a:p>
             <a:endParaRPr lang="en-US" altLang="zh-CN" sz="1400"/>
           </a:p>
           <a:p>
-            <a:r>
-              <a:rPr lang="en-US" altLang="zh-CN" sz="1400"/>
-              <a:t>}</a:t>
-            </a:r>
-            <a:endParaRPr lang="zh-CN" altLang="en-US" sz="1400"/>
-          </a:p>
-          <a:p>
-            <a:endParaRPr lang="zh-CN" altLang="en-US" sz="1400"/>
-          </a:p>
-          <a:p>
-            <a:r>
-              <a:rPr lang="en-US" altLang="zh-CN" sz="1400"/>
-              <a:t>&lt;p&gt;123321&lt;/p&gt;</a:t>
-            </a:r>
             <a:endParaRPr lang="en-US" altLang="zh-CN" sz="1400"/>
           </a:p>
           <a:p>
-            <a:r>
-              <a:rPr lang="en-US" altLang="zh-CN" sz="1400"/>
-              <a:t>&lt;p&gt;&lt;/p&gt;</a:t>
-            </a:r>
             <a:endParaRPr lang="en-US" altLang="zh-CN" sz="1400"/>
-          </a:p>
-          <a:p>
-            <a:r>
-              <a:rPr lang="en-US" altLang="zh-CN" sz="1400"/>
-              <a:t>&lt;p&gt;</a:t>
-            </a:r>
-            <a:endParaRPr lang="en-US" altLang="zh-CN" sz="1400"/>
-          </a:p>
-          <a:p>
-            <a:r>
-              <a:rPr lang="en-US" altLang="zh-CN" sz="1400"/>
-              <a:t>  &lt;span&gt;&lt;/span&gt;</a:t>
-            </a:r>
-            <a:endParaRPr lang="en-US" altLang="zh-CN" sz="1400"/>
-          </a:p>
-          <a:p>
-            <a:r>
-              <a:rPr lang="en-US" altLang="zh-CN" sz="1400"/>
-              <a:t>&lt;/p&gt;</a:t>
-            </a:r>
-            <a:endParaRPr lang="zh-CN" altLang="en-US" sz="1400"/>
-          </a:p>
-          <a:p>
-            <a:endParaRPr lang="zh-CN" altLang="en-US" sz="1400"/>
           </a:p>
         </p:txBody>
       </p:sp>
@@ -3371,9 +4614,11 @@
         <p:spPr/>
         <p:txBody>
           <a:bodyPr/>
+          <a:lstStyle/>
           <a:p>
             <a:fld id="{4D01DF33-5A38-4035-AC9E-B8E17EB22BE4}" type="datetime1">
               <a:rPr lang="zh-CN" altLang="en-US" smtClean="0"/>
+              <a:t>2020/8/9</a:t>
             </a:fld>
             <a:endParaRPr lang="zh-CN" altLang="en-US"/>
           </a:p>
@@ -3392,9 +4637,11 @@
         <p:spPr/>
         <p:txBody>
           <a:bodyPr/>
+          <a:lstStyle/>
           <a:p>
             <a:fld id="{5C794E63-F2AF-49E2-AE37-43481CC587E5}" type="slidenum">
               <a:rPr lang="zh-CN" altLang="en-US" smtClean="0"/>
+              <a:t>4</a:t>
             </a:fld>
             <a:endParaRPr lang="zh-CN" altLang="en-US"/>
           </a:p>
@@ -3427,7 +4674,7 @@
       </p:grpSpPr>
       <p:sp>
         <p:nvSpPr>
-          <p:cNvPr id="4" name="标题 3"/>
+          <p:cNvPr id="2" name="标题 1"/>
           <p:cNvSpPr>
             <a:spLocks noGrp="1"/>
           </p:cNvSpPr>
@@ -3441,8 +4688,16 @@
           <a:lstStyle/>
           <a:p>
             <a:r>
-              <a:rPr lang="zh-CN" altLang="en-US"/>
-              <a:t>谢谢</a:t>
+              <a:rPr lang="en-US" altLang="zh-CN" b="1" dirty="0">
+                <a:sym typeface="+mn-ea"/>
+              </a:rPr>
+              <a:t>CSS3</a:t>
+            </a:r>
+            <a:r>
+              <a:rPr lang="zh-CN" altLang="en-US" b="1" dirty="0">
+                <a:sym typeface="+mn-ea"/>
+              </a:rPr>
+              <a:t>选择器</a:t>
             </a:r>
             <a:endParaRPr lang="zh-CN" altLang="en-US"/>
           </a:p>
@@ -3450,59 +4705,1010 @@
       </p:sp>
       <p:sp>
         <p:nvSpPr>
-          <p:cNvPr id="2" name="日期占位符 1"/>
+          <p:cNvPr id="3" name="内容占位符 2"/>
           <p:cNvSpPr>
             <a:spLocks noGrp="1"/>
           </p:cNvSpPr>
           <p:nvPr>
-            <p:ph type="dt" sz="half" idx="4294967295"/>
-          </p:nvPr>
-        </p:nvSpPr>
+            <p:ph idx="1"/>
+          </p:nvPr>
+        </p:nvSpPr>
+        <p:spPr/>
+        <p:txBody>
+          <a:bodyPr/>
+          <a:lstStyle/>
+          <a:p>
+            <a:r>
+              <a:rPr lang="zh-CN" altLang="en-US" sz="1400" dirty="0"/>
+              <a:t>：empty</a:t>
+            </a:r>
+          </a:p>
+          <a:p>
+            <a:endParaRPr lang="zh-CN" altLang="en-US" sz="1400" dirty="0"/>
+          </a:p>
+          <a:p>
+            <a:r>
+              <a:rPr lang="zh-CN" altLang="en-US" sz="1400" dirty="0"/>
+              <a:t>:empty选择器选择每个没有任何子级的元素（</a:t>
+            </a:r>
+            <a:r>
+              <a:rPr lang="zh-CN" altLang="en-US" sz="1400" b="1" dirty="0"/>
+              <a:t>包括文本节点</a:t>
+            </a:r>
+            <a:r>
+              <a:rPr lang="zh-CN" altLang="en-US" sz="1400" dirty="0"/>
+              <a:t>）</a:t>
+            </a:r>
+          </a:p>
+          <a:p>
+            <a:endParaRPr lang="zh-CN" altLang="en-US" sz="1400" dirty="0"/>
+          </a:p>
+          <a:p>
+            <a:r>
+              <a:rPr lang="en-US" altLang="zh-CN" sz="1400" dirty="0"/>
+              <a:t>p:empty {</a:t>
+            </a:r>
+          </a:p>
+          <a:p>
+            <a:r>
+              <a:rPr lang="en-US" altLang="zh-CN" sz="1400" dirty="0"/>
+              <a:t>  background-color: red;</a:t>
+            </a:r>
+          </a:p>
+          <a:p>
+            <a:r>
+              <a:rPr lang="en-US" altLang="zh-CN" sz="1400" dirty="0"/>
+              <a:t>}</a:t>
+            </a:r>
+            <a:endParaRPr lang="zh-CN" altLang="en-US" sz="1400" dirty="0"/>
+          </a:p>
+          <a:p>
+            <a:endParaRPr lang="zh-CN" altLang="en-US" sz="1400" dirty="0"/>
+          </a:p>
+          <a:p>
+            <a:r>
+              <a:rPr lang="en-US" altLang="zh-CN" sz="1400" dirty="0"/>
+              <a:t>&lt;p&gt;123321&lt;/p&gt;</a:t>
+            </a:r>
+          </a:p>
+          <a:p>
+            <a:r>
+              <a:rPr lang="en-US" altLang="zh-CN" sz="1400" dirty="0"/>
+              <a:t>&lt;p&gt;&lt;/p&gt;</a:t>
+            </a:r>
+          </a:p>
+          <a:p>
+            <a:r>
+              <a:rPr lang="en-US" altLang="zh-CN" sz="1400" dirty="0"/>
+              <a:t>&lt;p&gt;</a:t>
+            </a:r>
+          </a:p>
+          <a:p>
+            <a:r>
+              <a:rPr lang="en-US" altLang="zh-CN" sz="1400" dirty="0"/>
+              <a:t>  &lt;span&gt;&lt;/span&gt;</a:t>
+            </a:r>
+          </a:p>
+          <a:p>
+            <a:r>
+              <a:rPr lang="en-US" altLang="zh-CN" sz="1400" dirty="0"/>
+              <a:t>&lt;/p&gt;</a:t>
+            </a:r>
+            <a:endParaRPr lang="zh-CN" altLang="en-US" sz="1400" dirty="0"/>
+          </a:p>
+          <a:p>
+            <a:endParaRPr lang="zh-CN" altLang="en-US" sz="1400" dirty="0"/>
+          </a:p>
+        </p:txBody>
+      </p:sp>
+      <p:sp>
+        <p:nvSpPr>
+          <p:cNvPr id="4" name="日期占位符 3"/>
+          <p:cNvSpPr>
+            <a:spLocks noGrp="1"/>
+          </p:cNvSpPr>
+          <p:nvPr>
+            <p:ph type="dt" sz="half" idx="10"/>
+          </p:nvPr>
+        </p:nvSpPr>
+        <p:spPr/>
+        <p:txBody>
+          <a:bodyPr/>
+          <a:lstStyle/>
+          <a:p>
+            <a:fld id="{4D01DF33-5A38-4035-AC9E-B8E17EB22BE4}" type="datetime1">
+              <a:rPr lang="zh-CN" altLang="en-US" smtClean="0"/>
+              <a:t>2020/8/9</a:t>
+            </a:fld>
+            <a:endParaRPr lang="zh-CN" altLang="en-US"/>
+          </a:p>
+        </p:txBody>
+      </p:sp>
+      <p:sp>
+        <p:nvSpPr>
+          <p:cNvPr id="5" name="灯片编号占位符 4"/>
+          <p:cNvSpPr>
+            <a:spLocks noGrp="1"/>
+          </p:cNvSpPr>
+          <p:nvPr>
+            <p:ph type="sldNum" sz="quarter" idx="12"/>
+          </p:nvPr>
+        </p:nvSpPr>
+        <p:spPr/>
+        <p:txBody>
+          <a:bodyPr/>
+          <a:lstStyle/>
+          <a:p>
+            <a:fld id="{5C794E63-F2AF-49E2-AE37-43481CC587E5}" type="slidenum">
+              <a:rPr lang="zh-CN" altLang="en-US" smtClean="0"/>
+              <a:t>5</a:t>
+            </a:fld>
+            <a:endParaRPr lang="zh-CN" altLang="en-US"/>
+          </a:p>
+        </p:txBody>
+      </p:sp>
+    </p:spTree>
+  </p:cSld>
+  <p:clrMapOvr>
+    <a:masterClrMapping/>
+  </p:clrMapOvr>
+</p:sld>
+</file>
+
+<file path=ppt/slides/slide6.xml><?xml version="1.0" encoding="utf-8"?>
+<p:sld xmlns:a="http://schemas.openxmlformats.org/drawingml/2006/main" xmlns:r="http://schemas.openxmlformats.org/officeDocument/2006/relationships" xmlns:p="http://schemas.openxmlformats.org/presentationml/2006/main">
+  <p:cSld>
+    <p:spTree>
+      <p:nvGrpSpPr>
+        <p:cNvPr id="1" name=""/>
+        <p:cNvGrpSpPr/>
+        <p:nvPr/>
+      </p:nvGrpSpPr>
+      <p:grpSpPr>
+        <a:xfrm>
+          <a:off x="0" y="0"/>
+          <a:ext cx="0" cy="0"/>
+          <a:chOff x="0" y="0"/>
+          <a:chExt cx="0" cy="0"/>
+        </a:xfrm>
+      </p:grpSpPr>
+      <p:sp>
+        <p:nvSpPr>
+          <p:cNvPr id="2" name="标题 1">
+            <a:extLst>
+              <a:ext uri="{FF2B5EF4-FFF2-40B4-BE49-F238E27FC236}">
+                <a16:creationId xmlns:a16="http://schemas.microsoft.com/office/drawing/2014/main" id="{252B05FB-F1E9-47B7-A8EA-7AEE00BF4CA3}"/>
+              </a:ext>
+            </a:extLst>
+          </p:cNvPr>
+          <p:cNvSpPr>
+            <a:spLocks noGrp="1"/>
+          </p:cNvSpPr>
+          <p:nvPr>
+            <p:ph type="title"/>
+          </p:nvPr>
+        </p:nvSpPr>
+        <p:spPr/>
+        <p:txBody>
+          <a:bodyPr/>
+          <a:lstStyle/>
+          <a:p>
+            <a:r>
+              <a:rPr lang="en-US" altLang="zh-CN" dirty="0"/>
+              <a:t>first/last-child</a:t>
+            </a:r>
+            <a:endParaRPr lang="zh-CN" altLang="en-US" dirty="0"/>
+          </a:p>
+        </p:txBody>
+      </p:sp>
+      <p:sp>
+        <p:nvSpPr>
+          <p:cNvPr id="3" name="内容占位符 2">
+            <a:extLst>
+              <a:ext uri="{FF2B5EF4-FFF2-40B4-BE49-F238E27FC236}">
+                <a16:creationId xmlns:a16="http://schemas.microsoft.com/office/drawing/2014/main" id="{E8F03F59-12C6-4450-AA6F-4123166D3898}"/>
+              </a:ext>
+            </a:extLst>
+          </p:cNvPr>
+          <p:cNvSpPr>
+            <a:spLocks noGrp="1"/>
+          </p:cNvSpPr>
+          <p:nvPr>
+            <p:ph idx="1"/>
+          </p:nvPr>
+        </p:nvSpPr>
+        <p:spPr/>
+        <p:txBody>
+          <a:bodyPr>
+            <a:normAutofit/>
+          </a:bodyPr>
+          <a:lstStyle/>
+          <a:p>
+            <a:r>
+              <a:rPr lang="en-US" altLang="zh-CN" sz="2000" dirty="0"/>
+              <a:t>P:first-child</a:t>
+            </a:r>
+          </a:p>
+          <a:p>
+            <a:r>
+              <a:rPr lang="zh-CN" altLang="en-US" sz="2000" b="0" i="0" dirty="0">
+                <a:solidFill>
+                  <a:srgbClr val="000000"/>
+                </a:solidFill>
+                <a:effectLst/>
+                <a:latin typeface="PingFangSC-Regular"/>
+              </a:rPr>
+              <a:t>选择器用于选取属于其父元素的首个子元素的指定选择器</a:t>
+            </a:r>
+            <a:endParaRPr lang="en-US" altLang="zh-CN" sz="2000" b="0" i="0" dirty="0">
+              <a:solidFill>
+                <a:srgbClr val="000000"/>
+              </a:solidFill>
+              <a:effectLst/>
+              <a:latin typeface="PingFangSC-Regular"/>
+            </a:endParaRPr>
+          </a:p>
+          <a:p>
+            <a:r>
+              <a:rPr lang="en-US" altLang="zh-CN" sz="2000" dirty="0">
+                <a:solidFill>
+                  <a:srgbClr val="000000"/>
+                </a:solidFill>
+                <a:latin typeface="PingFangSC-Regular"/>
+              </a:rPr>
+              <a:t>P:last-child</a:t>
+            </a:r>
+          </a:p>
+          <a:p>
+            <a:r>
+              <a:rPr lang="zh-CN" altLang="en-US" sz="2000" b="0" i="0" dirty="0">
+                <a:solidFill>
+                  <a:srgbClr val="000000"/>
+                </a:solidFill>
+                <a:effectLst/>
+                <a:latin typeface="PingFangSC-Regular"/>
+              </a:rPr>
+              <a:t>选择属于其父元素最后一个子元素每个 </a:t>
+            </a:r>
+            <a:r>
+              <a:rPr lang="en-US" altLang="zh-CN" sz="2000" b="0" i="0" dirty="0">
+                <a:solidFill>
+                  <a:srgbClr val="000000"/>
+                </a:solidFill>
+                <a:effectLst/>
+                <a:latin typeface="PingFangSC-Regular"/>
+              </a:rPr>
+              <a:t>&lt;p&gt; </a:t>
+            </a:r>
+            <a:r>
+              <a:rPr lang="zh-CN" altLang="en-US" sz="2000" b="0" i="0" dirty="0">
+                <a:solidFill>
+                  <a:srgbClr val="000000"/>
+                </a:solidFill>
+                <a:effectLst/>
+                <a:latin typeface="PingFangSC-Regular"/>
+              </a:rPr>
+              <a:t>元素。</a:t>
+            </a:r>
+            <a:endParaRPr lang="en-US" altLang="zh-CN" sz="2000" dirty="0">
+              <a:solidFill>
+                <a:srgbClr val="000000"/>
+              </a:solidFill>
+              <a:latin typeface="PingFangSC-Regular"/>
+            </a:endParaRPr>
+          </a:p>
+          <a:p>
+            <a:endParaRPr lang="zh-CN" altLang="en-US" sz="2000" dirty="0"/>
+          </a:p>
+        </p:txBody>
+      </p:sp>
+      <p:sp>
+        <p:nvSpPr>
+          <p:cNvPr id="4" name="日期占位符 3">
+            <a:extLst>
+              <a:ext uri="{FF2B5EF4-FFF2-40B4-BE49-F238E27FC236}">
+                <a16:creationId xmlns:a16="http://schemas.microsoft.com/office/drawing/2014/main" id="{2C29EF8E-A1A9-40D7-8CD7-52C3A3EF44FA}"/>
+              </a:ext>
+            </a:extLst>
+          </p:cNvPr>
+          <p:cNvSpPr>
+            <a:spLocks noGrp="1"/>
+          </p:cNvSpPr>
+          <p:nvPr>
+            <p:ph type="dt" sz="half" idx="10"/>
+          </p:nvPr>
+        </p:nvSpPr>
+        <p:spPr/>
+        <p:txBody>
+          <a:bodyPr/>
+          <a:lstStyle/>
+          <a:p>
+            <a:fld id="{4D01DF33-5A38-4035-AC9E-B8E17EB22BE4}" type="datetime1">
+              <a:rPr lang="zh-CN" altLang="en-US" smtClean="0"/>
+              <a:t>2020/8/9</a:t>
+            </a:fld>
+            <a:endParaRPr lang="zh-CN" altLang="en-US"/>
+          </a:p>
+        </p:txBody>
+      </p:sp>
+      <p:sp>
+        <p:nvSpPr>
+          <p:cNvPr id="5" name="灯片编号占位符 4">
+            <a:extLst>
+              <a:ext uri="{FF2B5EF4-FFF2-40B4-BE49-F238E27FC236}">
+                <a16:creationId xmlns:a16="http://schemas.microsoft.com/office/drawing/2014/main" id="{B4A93762-62CA-4A7D-A482-F7B91A4C0545}"/>
+              </a:ext>
+            </a:extLst>
+          </p:cNvPr>
+          <p:cNvSpPr>
+            <a:spLocks noGrp="1"/>
+          </p:cNvSpPr>
+          <p:nvPr>
+            <p:ph type="sldNum" sz="quarter" idx="12"/>
+          </p:nvPr>
+        </p:nvSpPr>
+        <p:spPr/>
+        <p:txBody>
+          <a:bodyPr/>
+          <a:lstStyle/>
+          <a:p>
+            <a:fld id="{5C794E63-F2AF-49E2-AE37-43481CC587E5}" type="slidenum">
+              <a:rPr lang="zh-CN" altLang="en-US" smtClean="0"/>
+              <a:t>6</a:t>
+            </a:fld>
+            <a:endParaRPr lang="zh-CN" altLang="en-US"/>
+          </a:p>
+        </p:txBody>
+      </p:sp>
+    </p:spTree>
+    <p:extLst>
+      <p:ext uri="{BB962C8B-B14F-4D97-AF65-F5344CB8AC3E}">
+        <p14:creationId xmlns:p14="http://schemas.microsoft.com/office/powerpoint/2010/main" val="3451195717"/>
+      </p:ext>
+    </p:extLst>
+  </p:cSld>
+  <p:clrMapOvr>
+    <a:masterClrMapping/>
+  </p:clrMapOvr>
+</p:sld>
+</file>
+
+<file path=ppt/slides/slide7.xml><?xml version="1.0" encoding="utf-8"?>
+<p:sld xmlns:a="http://schemas.openxmlformats.org/drawingml/2006/main" xmlns:r="http://schemas.openxmlformats.org/officeDocument/2006/relationships" xmlns:p="http://schemas.openxmlformats.org/presentationml/2006/main">
+  <p:cSld>
+    <p:spTree>
+      <p:nvGrpSpPr>
+        <p:cNvPr id="1" name=""/>
+        <p:cNvGrpSpPr/>
+        <p:nvPr/>
+      </p:nvGrpSpPr>
+      <p:grpSpPr>
+        <a:xfrm>
+          <a:off x="0" y="0"/>
+          <a:ext cx="0" cy="0"/>
+          <a:chOff x="0" y="0"/>
+          <a:chExt cx="0" cy="0"/>
+        </a:xfrm>
+      </p:grpSpPr>
+      <p:sp>
+        <p:nvSpPr>
+          <p:cNvPr id="2" name="标题 1">
+            <a:extLst>
+              <a:ext uri="{FF2B5EF4-FFF2-40B4-BE49-F238E27FC236}">
+                <a16:creationId xmlns:a16="http://schemas.microsoft.com/office/drawing/2014/main" id="{CB368C74-37BF-41BA-BA20-B6C983930673}"/>
+              </a:ext>
+            </a:extLst>
+          </p:cNvPr>
+          <p:cNvSpPr>
+            <a:spLocks noGrp="1"/>
+          </p:cNvSpPr>
+          <p:nvPr>
+            <p:ph type="title"/>
+          </p:nvPr>
+        </p:nvSpPr>
+        <p:spPr/>
+        <p:txBody>
+          <a:bodyPr/>
+          <a:lstStyle/>
+          <a:p>
+            <a:r>
+              <a:rPr lang="en-US" altLang="zh-CN" dirty="0"/>
+              <a:t>Nth-child</a:t>
+            </a:r>
+            <a:endParaRPr lang="zh-CN" altLang="en-US" dirty="0"/>
+          </a:p>
+        </p:txBody>
+      </p:sp>
+      <p:sp>
+        <p:nvSpPr>
+          <p:cNvPr id="3" name="内容占位符 2">
+            <a:extLst>
+              <a:ext uri="{FF2B5EF4-FFF2-40B4-BE49-F238E27FC236}">
+                <a16:creationId xmlns:a16="http://schemas.microsoft.com/office/drawing/2014/main" id="{FA67E873-231D-449D-9A52-36934FDDA7A8}"/>
+              </a:ext>
+            </a:extLst>
+          </p:cNvPr>
+          <p:cNvSpPr>
+            <a:spLocks noGrp="1"/>
+          </p:cNvSpPr>
+          <p:nvPr>
+            <p:ph idx="1"/>
+          </p:nvPr>
+        </p:nvSpPr>
+        <p:spPr/>
+        <p:txBody>
+          <a:bodyPr/>
+          <a:lstStyle/>
+          <a:p>
+            <a:r>
+              <a:rPr lang="en-US" altLang="zh-CN" dirty="0"/>
+              <a:t>p:nth-child(n) </a:t>
+            </a:r>
+            <a:r>
+              <a:rPr lang="zh-CN" altLang="en-US" dirty="0"/>
+              <a:t>选择其父元素的第几个子元素</a:t>
+            </a:r>
+            <a:endParaRPr lang="en-US" altLang="zh-CN" dirty="0"/>
+          </a:p>
+          <a:p>
+            <a:endParaRPr lang="en-US" altLang="zh-CN" dirty="0"/>
+          </a:p>
+          <a:p>
+            <a:r>
+              <a:rPr lang="zh-CN" altLang="en-US" dirty="0"/>
+              <a:t>用法 </a:t>
+            </a:r>
+            <a:r>
+              <a:rPr lang="en-US" altLang="zh-CN" dirty="0"/>
+              <a:t>p:nth-child(n) {</a:t>
+            </a:r>
+          </a:p>
+          <a:p>
+            <a:r>
+              <a:rPr lang="en-US" altLang="zh-CN" dirty="0"/>
+              <a:t>	background: yellow;</a:t>
+            </a:r>
+          </a:p>
+          <a:p>
+            <a:r>
+              <a:rPr lang="en-US" altLang="zh-CN" dirty="0"/>
+              <a:t>}</a:t>
+            </a:r>
+          </a:p>
+          <a:p>
+            <a:endParaRPr lang="en-US" altLang="zh-CN" dirty="0"/>
+          </a:p>
+          <a:p>
+            <a:r>
+              <a:rPr lang="en-US" altLang="zh-CN" kern="100" dirty="0">
+                <a:effectLst/>
+                <a:latin typeface="Calibri" panose="020F0502020204030204" pitchFamily="34" charset="0"/>
+                <a:ea typeface="宋体" panose="02010600030101010101" pitchFamily="2" charset="-122"/>
+                <a:cs typeface="Times New Roman" panose="02020603050405020304" pitchFamily="18" charset="0"/>
+              </a:rPr>
+              <a:t>nth-last-child  </a:t>
+            </a:r>
+            <a:r>
+              <a:rPr lang="zh-CN" altLang="en-US" kern="100" dirty="0">
+                <a:effectLst/>
+                <a:latin typeface="Calibri" panose="020F0502020204030204" pitchFamily="34" charset="0"/>
+                <a:ea typeface="宋体" panose="02010600030101010101" pitchFamily="2" charset="-122"/>
+                <a:cs typeface="Times New Roman" panose="02020603050405020304" pitchFamily="18" charset="0"/>
+              </a:rPr>
+              <a:t>相反计算。。</a:t>
+            </a:r>
+            <a:endParaRPr lang="zh-CN" altLang="en-US" dirty="0"/>
+          </a:p>
+        </p:txBody>
+      </p:sp>
+      <p:sp>
+        <p:nvSpPr>
+          <p:cNvPr id="4" name="日期占位符 3">
+            <a:extLst>
+              <a:ext uri="{FF2B5EF4-FFF2-40B4-BE49-F238E27FC236}">
+                <a16:creationId xmlns:a16="http://schemas.microsoft.com/office/drawing/2014/main" id="{ED8E8DA3-5FEE-4486-8035-DBD32399A0C2}"/>
+              </a:ext>
+            </a:extLst>
+          </p:cNvPr>
+          <p:cNvSpPr>
+            <a:spLocks noGrp="1"/>
+          </p:cNvSpPr>
+          <p:nvPr>
+            <p:ph type="dt" sz="half" idx="10"/>
+          </p:nvPr>
+        </p:nvSpPr>
+        <p:spPr/>
+        <p:txBody>
+          <a:bodyPr/>
+          <a:lstStyle/>
+          <a:p>
+            <a:fld id="{4D01DF33-5A38-4035-AC9E-B8E17EB22BE4}" type="datetime1">
+              <a:rPr lang="zh-CN" altLang="en-US" smtClean="0"/>
+              <a:t>2020/8/9</a:t>
+            </a:fld>
+            <a:endParaRPr lang="zh-CN" altLang="en-US"/>
+          </a:p>
+        </p:txBody>
+      </p:sp>
+      <p:sp>
+        <p:nvSpPr>
+          <p:cNvPr id="5" name="灯片编号占位符 4">
+            <a:extLst>
+              <a:ext uri="{FF2B5EF4-FFF2-40B4-BE49-F238E27FC236}">
+                <a16:creationId xmlns:a16="http://schemas.microsoft.com/office/drawing/2014/main" id="{4D3BFC04-194A-4239-A23E-276FC2DEF1F6}"/>
+              </a:ext>
+            </a:extLst>
+          </p:cNvPr>
+          <p:cNvSpPr>
+            <a:spLocks noGrp="1"/>
+          </p:cNvSpPr>
+          <p:nvPr>
+            <p:ph type="sldNum" sz="quarter" idx="12"/>
+          </p:nvPr>
+        </p:nvSpPr>
+        <p:spPr/>
+        <p:txBody>
+          <a:bodyPr/>
+          <a:lstStyle/>
+          <a:p>
+            <a:fld id="{5C794E63-F2AF-49E2-AE37-43481CC587E5}" type="slidenum">
+              <a:rPr lang="zh-CN" altLang="en-US" smtClean="0"/>
+              <a:t>7</a:t>
+            </a:fld>
+            <a:endParaRPr lang="zh-CN" altLang="en-US"/>
+          </a:p>
+        </p:txBody>
+      </p:sp>
+    </p:spTree>
+    <p:extLst>
+      <p:ext uri="{BB962C8B-B14F-4D97-AF65-F5344CB8AC3E}">
+        <p14:creationId xmlns:p14="http://schemas.microsoft.com/office/powerpoint/2010/main" val="40907907"/>
+      </p:ext>
+    </p:extLst>
+  </p:cSld>
+  <p:clrMapOvr>
+    <a:masterClrMapping/>
+  </p:clrMapOvr>
+</p:sld>
+</file>
+
+<file path=ppt/slides/slide8.xml><?xml version="1.0" encoding="utf-8"?>
+<p:sld xmlns:a="http://schemas.openxmlformats.org/drawingml/2006/main" xmlns:r="http://schemas.openxmlformats.org/officeDocument/2006/relationships" xmlns:p="http://schemas.openxmlformats.org/presentationml/2006/main">
+  <p:cSld>
+    <p:spTree>
+      <p:nvGrpSpPr>
+        <p:cNvPr id="1" name=""/>
+        <p:cNvGrpSpPr/>
+        <p:nvPr/>
+      </p:nvGrpSpPr>
+      <p:grpSpPr>
+        <a:xfrm>
+          <a:off x="0" y="0"/>
+          <a:ext cx="0" cy="0"/>
+          <a:chOff x="0" y="0"/>
+          <a:chExt cx="0" cy="0"/>
+        </a:xfrm>
+      </p:grpSpPr>
+      <p:sp>
+        <p:nvSpPr>
+          <p:cNvPr id="2" name="标题 1">
+            <a:extLst>
+              <a:ext uri="{FF2B5EF4-FFF2-40B4-BE49-F238E27FC236}">
+                <a16:creationId xmlns:a16="http://schemas.microsoft.com/office/drawing/2014/main" id="{75FE66A7-50E1-458B-BD5B-E178367552BB}"/>
+              </a:ext>
+            </a:extLst>
+          </p:cNvPr>
+          <p:cNvSpPr>
+            <a:spLocks noGrp="1"/>
+          </p:cNvSpPr>
+          <p:nvPr>
+            <p:ph type="title"/>
+          </p:nvPr>
+        </p:nvSpPr>
+        <p:spPr/>
+        <p:txBody>
+          <a:bodyPr/>
+          <a:lstStyle/>
+          <a:p>
+            <a:r>
+              <a:rPr lang="zh-CN" altLang="en-US" dirty="0"/>
+              <a:t>伪类选择器</a:t>
+            </a:r>
+          </a:p>
+        </p:txBody>
+      </p:sp>
+      <p:sp>
+        <p:nvSpPr>
+          <p:cNvPr id="3" name="内容占位符 2">
+            <a:extLst>
+              <a:ext uri="{FF2B5EF4-FFF2-40B4-BE49-F238E27FC236}">
+                <a16:creationId xmlns:a16="http://schemas.microsoft.com/office/drawing/2014/main" id="{9FCF5826-3DF7-42A4-A61E-E2DEA3121396}"/>
+              </a:ext>
+            </a:extLst>
+          </p:cNvPr>
+          <p:cNvSpPr>
+            <a:spLocks noGrp="1"/>
+          </p:cNvSpPr>
+          <p:nvPr>
+            <p:ph idx="1"/>
+          </p:nvPr>
+        </p:nvSpPr>
+        <p:spPr/>
+        <p:txBody>
+          <a:bodyPr/>
+          <a:lstStyle/>
+          <a:p>
+            <a:r>
+              <a:rPr lang="en-US" altLang="zh-CN" dirty="0" err="1"/>
+              <a:t>emelent:before</a:t>
+            </a:r>
+            <a:r>
+              <a:rPr lang="en-US" altLang="zh-CN" dirty="0"/>
+              <a:t> {}</a:t>
+            </a:r>
+          </a:p>
+          <a:p>
+            <a:endParaRPr lang="en-US" altLang="zh-CN" dirty="0"/>
+          </a:p>
+          <a:p>
+            <a:r>
+              <a:rPr lang="en-US" altLang="zh-CN" dirty="0" err="1"/>
+              <a:t>element:after</a:t>
+            </a:r>
+            <a:r>
+              <a:rPr lang="en-US" altLang="zh-CN" dirty="0"/>
+              <a:t> {}</a:t>
+            </a:r>
+            <a:endParaRPr lang="zh-CN" altLang="en-US" dirty="0"/>
+          </a:p>
+        </p:txBody>
+      </p:sp>
+      <p:sp>
+        <p:nvSpPr>
+          <p:cNvPr id="4" name="日期占位符 3">
+            <a:extLst>
+              <a:ext uri="{FF2B5EF4-FFF2-40B4-BE49-F238E27FC236}">
+                <a16:creationId xmlns:a16="http://schemas.microsoft.com/office/drawing/2014/main" id="{76C70FD8-5356-4E52-AB72-02F6D7E06F4B}"/>
+              </a:ext>
+            </a:extLst>
+          </p:cNvPr>
+          <p:cNvSpPr>
+            <a:spLocks noGrp="1"/>
+          </p:cNvSpPr>
+          <p:nvPr>
+            <p:ph type="dt" sz="half" idx="10"/>
+          </p:nvPr>
+        </p:nvSpPr>
+        <p:spPr/>
+        <p:txBody>
+          <a:bodyPr/>
+          <a:lstStyle/>
+          <a:p>
+            <a:fld id="{4D01DF33-5A38-4035-AC9E-B8E17EB22BE4}" type="datetime1">
+              <a:rPr lang="zh-CN" altLang="en-US" smtClean="0"/>
+              <a:t>2020/8/10</a:t>
+            </a:fld>
+            <a:endParaRPr lang="zh-CN" altLang="en-US"/>
+          </a:p>
+        </p:txBody>
+      </p:sp>
+      <p:sp>
+        <p:nvSpPr>
+          <p:cNvPr id="5" name="灯片编号占位符 4">
+            <a:extLst>
+              <a:ext uri="{FF2B5EF4-FFF2-40B4-BE49-F238E27FC236}">
+                <a16:creationId xmlns:a16="http://schemas.microsoft.com/office/drawing/2014/main" id="{A9520A35-962C-400D-A5B8-999FA3EF4E3E}"/>
+              </a:ext>
+            </a:extLst>
+          </p:cNvPr>
+          <p:cNvSpPr>
+            <a:spLocks noGrp="1"/>
+          </p:cNvSpPr>
+          <p:nvPr>
+            <p:ph type="sldNum" sz="quarter" idx="12"/>
+          </p:nvPr>
+        </p:nvSpPr>
+        <p:spPr/>
+        <p:txBody>
+          <a:bodyPr/>
+          <a:lstStyle/>
+          <a:p>
+            <a:fld id="{5C794E63-F2AF-49E2-AE37-43481CC587E5}" type="slidenum">
+              <a:rPr lang="zh-CN" altLang="en-US" smtClean="0"/>
+              <a:t>8</a:t>
+            </a:fld>
+            <a:endParaRPr lang="zh-CN" altLang="en-US"/>
+          </a:p>
+        </p:txBody>
+      </p:sp>
+    </p:spTree>
+    <p:extLst>
+      <p:ext uri="{BB962C8B-B14F-4D97-AF65-F5344CB8AC3E}">
+        <p14:creationId xmlns:p14="http://schemas.microsoft.com/office/powerpoint/2010/main" val="769377859"/>
+      </p:ext>
+    </p:extLst>
+  </p:cSld>
+  <p:clrMapOvr>
+    <a:masterClrMapping/>
+  </p:clrMapOvr>
+</p:sld>
+</file>
+
+<file path=ppt/slides/slide9.xml><?xml version="1.0" encoding="utf-8"?>
+<p:sld xmlns:a="http://schemas.openxmlformats.org/drawingml/2006/main" xmlns:r="http://schemas.openxmlformats.org/officeDocument/2006/relationships" xmlns:p="http://schemas.openxmlformats.org/presentationml/2006/main">
+  <p:cSld>
+    <p:spTree>
+      <p:nvGrpSpPr>
+        <p:cNvPr id="1" name=""/>
+        <p:cNvGrpSpPr/>
+        <p:nvPr/>
+      </p:nvGrpSpPr>
+      <p:grpSpPr>
+        <a:xfrm>
+          <a:off x="0" y="0"/>
+          <a:ext cx="0" cy="0"/>
+          <a:chOff x="0" y="0"/>
+          <a:chExt cx="0" cy="0"/>
+        </a:xfrm>
+      </p:grpSpPr>
+      <p:sp>
+        <p:nvSpPr>
+          <p:cNvPr id="2" name="标题 1">
+            <a:extLst>
+              <a:ext uri="{FF2B5EF4-FFF2-40B4-BE49-F238E27FC236}">
+                <a16:creationId xmlns:a16="http://schemas.microsoft.com/office/drawing/2014/main" id="{6734C848-8356-4AF3-88E0-BFF0461DB0CA}"/>
+              </a:ext>
+            </a:extLst>
+          </p:cNvPr>
+          <p:cNvSpPr>
+            <a:spLocks noGrp="1"/>
+          </p:cNvSpPr>
+          <p:nvPr>
+            <p:ph type="title"/>
+          </p:nvPr>
+        </p:nvSpPr>
+        <p:spPr/>
+        <p:txBody>
+          <a:bodyPr/>
+          <a:lstStyle/>
+          <a:p>
+            <a:r>
+              <a:rPr lang="zh-CN" altLang="en-US" dirty="0"/>
+              <a:t>弹性盒布局</a:t>
+            </a:r>
+          </a:p>
+        </p:txBody>
+      </p:sp>
+      <p:sp>
+        <p:nvSpPr>
+          <p:cNvPr id="3" name="内容占位符 2">
+            <a:extLst>
+              <a:ext uri="{FF2B5EF4-FFF2-40B4-BE49-F238E27FC236}">
+                <a16:creationId xmlns:a16="http://schemas.microsoft.com/office/drawing/2014/main" id="{5A03A2E3-FD43-42FE-8F14-44CB4AD9632A}"/>
+              </a:ext>
+            </a:extLst>
+          </p:cNvPr>
+          <p:cNvSpPr>
+            <a:spLocks noGrp="1"/>
+          </p:cNvSpPr>
+          <p:nvPr>
+            <p:ph idx="1"/>
+          </p:nvPr>
+        </p:nvSpPr>
+        <p:spPr/>
+        <p:txBody>
+          <a:bodyPr>
+            <a:normAutofit/>
+          </a:bodyPr>
+          <a:lstStyle/>
+          <a:p>
+            <a:pPr algn="l"/>
+            <a:r>
+              <a:rPr lang="zh-CN" altLang="en-US" sz="1600" b="0" i="0" dirty="0">
+                <a:solidFill>
+                  <a:srgbClr val="586F76"/>
+                </a:solidFill>
+                <a:effectLst/>
+                <a:latin typeface="Verdana" panose="020B0604030504040204" pitchFamily="34" charset="0"/>
+              </a:rPr>
+              <a:t>弹性盒子是 </a:t>
+            </a:r>
+            <a:r>
+              <a:rPr lang="en-US" altLang="zh-CN" sz="1600" b="0" i="0" dirty="0">
+                <a:solidFill>
+                  <a:srgbClr val="586F76"/>
+                </a:solidFill>
+                <a:effectLst/>
+                <a:latin typeface="Verdana" panose="020B0604030504040204" pitchFamily="34" charset="0"/>
+              </a:rPr>
+              <a:t>CSS3 </a:t>
+            </a:r>
+            <a:r>
+              <a:rPr lang="zh-CN" altLang="en-US" sz="1600" b="0" i="0" dirty="0">
+                <a:solidFill>
+                  <a:srgbClr val="586F76"/>
+                </a:solidFill>
+                <a:effectLst/>
+                <a:latin typeface="Verdana" panose="020B0604030504040204" pitchFamily="34" charset="0"/>
+              </a:rPr>
+              <a:t>的一种新的布局模式。</a:t>
+            </a:r>
+          </a:p>
+          <a:p>
+            <a:pPr algn="l"/>
+            <a:r>
+              <a:rPr lang="en-US" altLang="zh-CN" sz="1600" b="0" i="0" dirty="0">
+                <a:solidFill>
+                  <a:srgbClr val="586F76"/>
+                </a:solidFill>
+                <a:effectLst/>
+                <a:latin typeface="Verdana" panose="020B0604030504040204" pitchFamily="34" charset="0"/>
+              </a:rPr>
+              <a:t>CSS3 </a:t>
+            </a:r>
+            <a:r>
+              <a:rPr lang="zh-CN" altLang="en-US" sz="1600" b="0" i="0" dirty="0">
+                <a:solidFill>
+                  <a:srgbClr val="586F76"/>
+                </a:solidFill>
+                <a:effectLst/>
+                <a:latin typeface="Verdana" panose="020B0604030504040204" pitchFamily="34" charset="0"/>
+              </a:rPr>
+              <a:t>弹性盒（ </a:t>
+            </a:r>
+            <a:r>
+              <a:rPr lang="en-US" altLang="zh-CN" sz="1600" b="0" i="0" dirty="0">
+                <a:solidFill>
+                  <a:srgbClr val="586F76"/>
+                </a:solidFill>
+                <a:effectLst/>
+                <a:latin typeface="Verdana" panose="020B0604030504040204" pitchFamily="34" charset="0"/>
+              </a:rPr>
+              <a:t>Flexible Box </a:t>
+            </a:r>
+            <a:r>
+              <a:rPr lang="zh-CN" altLang="en-US" sz="1600" b="0" i="0" dirty="0">
+                <a:solidFill>
+                  <a:srgbClr val="586F76"/>
+                </a:solidFill>
+                <a:effectLst/>
+                <a:latin typeface="Verdana" panose="020B0604030504040204" pitchFamily="34" charset="0"/>
+              </a:rPr>
+              <a:t>或 </a:t>
+            </a:r>
+            <a:r>
+              <a:rPr lang="en-US" altLang="zh-CN" sz="1600" b="0" i="0" dirty="0">
+                <a:solidFill>
+                  <a:srgbClr val="586F76"/>
+                </a:solidFill>
+                <a:effectLst/>
+                <a:latin typeface="Verdana" panose="020B0604030504040204" pitchFamily="34" charset="0"/>
+              </a:rPr>
+              <a:t>flexbox</a:t>
+            </a:r>
+            <a:r>
+              <a:rPr lang="zh-CN" altLang="en-US" sz="1600" b="0" i="0" dirty="0">
+                <a:solidFill>
+                  <a:srgbClr val="586F76"/>
+                </a:solidFill>
+                <a:effectLst/>
+                <a:latin typeface="Verdana" panose="020B0604030504040204" pitchFamily="34" charset="0"/>
+              </a:rPr>
+              <a:t>），是一种当页面需要适应不同的屏幕大小以及设备类型时确保元素拥有恰当的行为的布局方式。</a:t>
+            </a:r>
+          </a:p>
+          <a:p>
+            <a:pPr algn="l"/>
+            <a:r>
+              <a:rPr lang="zh-CN" altLang="en-US" sz="1600" b="0" i="0" dirty="0">
+                <a:solidFill>
+                  <a:srgbClr val="586F76"/>
+                </a:solidFill>
+                <a:effectLst/>
+                <a:latin typeface="Verdana" panose="020B0604030504040204" pitchFamily="34" charset="0"/>
+              </a:rPr>
+              <a:t>引入弹性盒布局模型的目的是提供一种更加有效的方式来对一个容器中的子元素进行排列、对齐和分配空白空间。</a:t>
+            </a:r>
+          </a:p>
+          <a:p>
+            <a:endParaRPr lang="zh-CN" altLang="en-US" sz="1600" dirty="0"/>
+          </a:p>
+        </p:txBody>
+      </p:sp>
+      <p:sp>
+        <p:nvSpPr>
+          <p:cNvPr id="4" name="日期占位符 3">
+            <a:extLst>
+              <a:ext uri="{FF2B5EF4-FFF2-40B4-BE49-F238E27FC236}">
+                <a16:creationId xmlns:a16="http://schemas.microsoft.com/office/drawing/2014/main" id="{268517A0-4EC0-4F93-A6FA-F5629BE2A75B}"/>
+              </a:ext>
+            </a:extLst>
+          </p:cNvPr>
+          <p:cNvSpPr>
+            <a:spLocks noGrp="1"/>
+          </p:cNvSpPr>
+          <p:nvPr>
+            <p:ph type="dt" sz="half" idx="10"/>
+          </p:nvPr>
+        </p:nvSpPr>
+        <p:spPr/>
+        <p:txBody>
+          <a:bodyPr/>
+          <a:lstStyle/>
+          <a:p>
+            <a:fld id="{4D01DF33-5A38-4035-AC9E-B8E17EB22BE4}" type="datetime1">
+              <a:rPr lang="zh-CN" altLang="en-US" smtClean="0"/>
+              <a:t>2020/8/10</a:t>
+            </a:fld>
+            <a:endParaRPr lang="zh-CN" altLang="en-US"/>
+          </a:p>
+        </p:txBody>
+      </p:sp>
+      <p:sp>
+        <p:nvSpPr>
+          <p:cNvPr id="5" name="灯片编号占位符 4">
+            <a:extLst>
+              <a:ext uri="{FF2B5EF4-FFF2-40B4-BE49-F238E27FC236}">
+                <a16:creationId xmlns:a16="http://schemas.microsoft.com/office/drawing/2014/main" id="{BC079F47-CA97-4BDC-A326-F9E1D43DF4F3}"/>
+              </a:ext>
+            </a:extLst>
+          </p:cNvPr>
+          <p:cNvSpPr>
+            <a:spLocks noGrp="1"/>
+          </p:cNvSpPr>
+          <p:nvPr>
+            <p:ph type="sldNum" sz="quarter" idx="12"/>
+          </p:nvPr>
+        </p:nvSpPr>
+        <p:spPr/>
+        <p:txBody>
+          <a:bodyPr/>
+          <a:lstStyle/>
+          <a:p>
+            <a:fld id="{5C794E63-F2AF-49E2-AE37-43481CC587E5}" type="slidenum">
+              <a:rPr lang="zh-CN" altLang="en-US" smtClean="0"/>
+              <a:t>9</a:t>
+            </a:fld>
+            <a:endParaRPr lang="zh-CN" altLang="en-US"/>
+          </a:p>
+        </p:txBody>
+      </p:sp>
+      <p:pic>
+        <p:nvPicPr>
+          <p:cNvPr id="6" name="图片 5">
+            <a:extLst>
+              <a:ext uri="{FF2B5EF4-FFF2-40B4-BE49-F238E27FC236}">
+                <a16:creationId xmlns:a16="http://schemas.microsoft.com/office/drawing/2014/main" id="{D4DAB09E-DEDE-46F9-9FD9-8778327D65A9}"/>
+              </a:ext>
+            </a:extLst>
+          </p:cNvPr>
+          <p:cNvPicPr>
+            <a:picLocks noChangeAspect="1"/>
+          </p:cNvPicPr>
+          <p:nvPr/>
+        </p:nvPicPr>
+        <p:blipFill>
+          <a:blip r:embed="rId2"/>
+          <a:stretch>
+            <a:fillRect/>
+          </a:stretch>
+        </p:blipFill>
         <p:spPr>
           <a:xfrm>
-            <a:off x="0" y="6356350"/>
-            <a:ext cx="2133600" cy="365125"/>
+            <a:off x="575556" y="3717032"/>
+            <a:ext cx="8048625" cy="2228850"/>
           </a:xfrm>
+          <a:prstGeom prst="rect">
+            <a:avLst/>
+          </a:prstGeom>
         </p:spPr>
-        <p:txBody>
-          <a:bodyPr/>
-          <a:lstStyle/>
-          <a:p>
-            <a:fld id="{C1D3EEC2-3DBC-43AD-837B-AE7C27033FDD}" type="datetime1">
-              <a:rPr lang="zh-CN" altLang="en-US" smtClean="0"/>
-            </a:fld>
-            <a:endParaRPr lang="zh-CN" altLang="en-US" dirty="0"/>
-          </a:p>
-        </p:txBody>
-      </p:sp>
-      <p:sp>
-        <p:nvSpPr>
-          <p:cNvPr id="3" name="灯片编号占位符 2"/>
-          <p:cNvSpPr>
-            <a:spLocks noGrp="1"/>
-          </p:cNvSpPr>
-          <p:nvPr>
-            <p:ph type="sldNum" sz="quarter" idx="4294967295"/>
-          </p:nvPr>
-        </p:nvSpPr>
-        <p:spPr>
-          <a:xfrm>
-            <a:off x="7010400" y="6356350"/>
-            <a:ext cx="2133600" cy="365125"/>
-          </a:xfrm>
-        </p:spPr>
-        <p:txBody>
-          <a:bodyPr/>
-          <a:lstStyle/>
-          <a:p>
-            <a:fld id="{5C794E63-F2AF-49E2-AE37-43481CC587E5}" type="slidenum">
-              <a:rPr lang="zh-CN" altLang="en-US" smtClean="0"/>
-            </a:fld>
-            <a:endParaRPr lang="zh-CN" altLang="en-US" dirty="0"/>
-          </a:p>
-        </p:txBody>
-      </p:sp>
+      </p:pic>
     </p:spTree>
+    <p:extLst>
+      <p:ext uri="{BB962C8B-B14F-4D97-AF65-F5344CB8AC3E}">
+        <p14:creationId xmlns:p14="http://schemas.microsoft.com/office/powerpoint/2010/main" val="3408189945"/>
+      </p:ext>
+    </p:extLst>
   </p:cSld>
   <p:clrMapOvr>
     <a:masterClrMapping/>
@@ -3790,6 +5996,8 @@
       </a:bgFillStyleLst>
     </a:fmtScheme>
   </a:themeElements>
+  <a:objectDefaults/>
+  <a:extraClrSchemeLst/>
   <a:extLst>
     <a:ext uri="{05A4C25C-085E-4340-85A3-A5531E510DB2}">
       <thm15:themeFamily xmlns:thm15="http://schemas.microsoft.com/office/thememl/2012/main" name="Office Theme" id="{62F939B6-93AF-4DB8-9C6B-D6C7DFDC589F}" vid="{4A3C46E8-61CC-4603-A589-7422A47A8E4A}"/>
@@ -4078,6 +6286,8 @@
       </a:bgFillStyleLst>
     </a:fmtScheme>
   </a:themeElements>
+  <a:objectDefaults/>
+  <a:extraClrSchemeLst/>
   <a:extLst>
     <a:ext uri="{05A4C25C-085E-4340-85A3-A5531E510DB2}">
       <thm15:themeFamily xmlns:thm15="http://schemas.microsoft.com/office/thememl/2012/main" name="Office Theme" id="{62F939B6-93AF-4DB8-9C6B-D6C7DFDC589F}" vid="{4A3C46E8-61CC-4603-A589-7422A47A8E4A}"/>

--- a/css教案（修改版）.pptx
+++ b/css教案（修改版）.pptx
@@ -5,21 +5,24 @@
     <p:sldMasterId id="2147483648" r:id="rId1"/>
   </p:sldMasterIdLst>
   <p:handoutMasterIdLst>
-    <p:handoutMasterId r:id="rId14"/>
+    <p:handoutMasterId r:id="rId17"/>
   </p:handoutMasterIdLst>
   <p:sldIdLst>
     <p:sldId id="256" r:id="rId2"/>
-    <p:sldId id="372" r:id="rId3"/>
-    <p:sldId id="257" r:id="rId4"/>
-    <p:sldId id="370" r:id="rId5"/>
-    <p:sldId id="371" r:id="rId6"/>
-    <p:sldId id="373" r:id="rId7"/>
-    <p:sldId id="374" r:id="rId8"/>
-    <p:sldId id="375" r:id="rId9"/>
-    <p:sldId id="378" r:id="rId10"/>
-    <p:sldId id="376" r:id="rId11"/>
-    <p:sldId id="377" r:id="rId12"/>
-    <p:sldId id="369" r:id="rId13"/>
+    <p:sldId id="257" r:id="rId3"/>
+    <p:sldId id="370" r:id="rId4"/>
+    <p:sldId id="371" r:id="rId5"/>
+    <p:sldId id="373" r:id="rId6"/>
+    <p:sldId id="374" r:id="rId7"/>
+    <p:sldId id="375" r:id="rId8"/>
+    <p:sldId id="378" r:id="rId9"/>
+    <p:sldId id="376" r:id="rId10"/>
+    <p:sldId id="377" r:id="rId11"/>
+    <p:sldId id="379" r:id="rId12"/>
+    <p:sldId id="380" r:id="rId13"/>
+    <p:sldId id="381" r:id="rId14"/>
+    <p:sldId id="382" r:id="rId15"/>
+    <p:sldId id="369" r:id="rId16"/>
   </p:sldIdLst>
   <p:sldSz cx="9144000" cy="6858000" type="screen4x3"/>
   <p:notesSz cx="6858000" cy="9144000"/>
@@ -233,7 +236,7 @@
           <a:p>
             <a:fld id="{E9AD6EE2-A988-47A8-A809-1DCAB739DC56}" type="datetimeFigureOut">
               <a:rPr lang="zh-CN" altLang="en-US" smtClean="0"/>
-              <a:t>2020/8/9</a:t>
+              <a:t>2020/8/13</a:t>
             </a:fld>
             <a:endParaRPr lang="zh-CN" altLang="en-US"/>
           </a:p>
@@ -575,7 +578,7 @@
           <a:p>
             <a:fld id="{CD81A037-8D57-41A5-A253-A9E887D684E4}" type="datetime1">
               <a:rPr lang="zh-CN" altLang="en-US" smtClean="0"/>
-              <a:t>2020/8/9</a:t>
+              <a:t>2020/8/13</a:t>
             </a:fld>
             <a:endParaRPr lang="zh-CN" altLang="en-US" dirty="0"/>
           </a:p>
@@ -1124,7 +1127,7 @@
                 <a:latin typeface="Arial" panose="020B0604020202020204" pitchFamily="34" charset="0"/>
                 <a:cs typeface="Arial" panose="020B0604020202020204" pitchFamily="34" charset="0"/>
               </a:rPr>
-              <a:t>2020/8/9</a:t>
+              <a:t>2020/8/13</a:t>
             </a:fld>
             <a:endParaRPr lang="zh-CN" altLang="zh-CN" dirty="0">
               <a:latin typeface="Arial" panose="020B0604020202020204" pitchFamily="34" charset="0"/>
@@ -1320,7 +1323,7 @@
           <a:p>
             <a:fld id="{4D01DF33-5A38-4035-AC9E-B8E17EB22BE4}" type="datetime1">
               <a:rPr lang="zh-CN" altLang="en-US" smtClean="0"/>
-              <a:t>2020/8/9</a:t>
+              <a:t>2020/8/13</a:t>
             </a:fld>
             <a:endParaRPr lang="zh-CN" altLang="en-US"/>
           </a:p>
@@ -1831,7 +1834,7 @@
           <a:p>
             <a:fld id="{C1D3EEC2-3DBC-43AD-837B-AE7C27033FDD}" type="datetime1">
               <a:rPr lang="zh-CN" altLang="en-US" smtClean="0"/>
-              <a:t>2020/8/9</a:t>
+              <a:t>2020/8/13</a:t>
             </a:fld>
             <a:endParaRPr lang="zh-CN" altLang="en-US" dirty="0"/>
           </a:p>
@@ -2037,7 +2040,7 @@
           <a:p>
             <a:fld id="{C1D3EEC2-3DBC-43AD-837B-AE7C27033FDD}" type="datetime1">
               <a:rPr lang="zh-CN" altLang="en-US" smtClean="0"/>
-              <a:t>2020/8/9</a:t>
+              <a:t>2020/8/13</a:t>
             </a:fld>
             <a:endParaRPr lang="zh-CN" altLang="en-US" dirty="0"/>
           </a:p>
@@ -2779,7 +2782,7 @@
           <p:cNvPr id="2" name="标题 1">
             <a:extLst>
               <a:ext uri="{FF2B5EF4-FFF2-40B4-BE49-F238E27FC236}">
-                <a16:creationId xmlns:a16="http://schemas.microsoft.com/office/drawing/2014/main" id="{A97B54B6-D1D3-4161-9DF2-19635F147FC8}"/>
+                <a16:creationId xmlns:a16="http://schemas.microsoft.com/office/drawing/2014/main" id="{A86D3E35-B98C-4FA6-9D78-B30E4395403E}"/>
               </a:ext>
             </a:extLst>
           </p:cNvPr>
@@ -2797,7 +2800,7 @@
           <a:p>
             <a:r>
               <a:rPr lang="zh-CN" altLang="en-US" dirty="0"/>
-              <a:t>弹性盒 布局</a:t>
+              <a:t>弹性盒布局</a:t>
             </a:r>
           </a:p>
         </p:txBody>
@@ -2807,7 +2810,7 @@
           <p:cNvPr id="3" name="内容占位符 2">
             <a:extLst>
               <a:ext uri="{FF2B5EF4-FFF2-40B4-BE49-F238E27FC236}">
-                <a16:creationId xmlns:a16="http://schemas.microsoft.com/office/drawing/2014/main" id="{3246FBEC-1ED7-47E5-95AB-5665919DF8A0}"/>
+                <a16:creationId xmlns:a16="http://schemas.microsoft.com/office/drawing/2014/main" id="{81268C98-4DC2-415C-8106-A45FCC0E7CED}"/>
               </a:ext>
             </a:extLst>
           </p:cNvPr>
@@ -2826,94 +2829,209 @@
           <a:lstStyle/>
           <a:p>
             <a:r>
-              <a:rPr lang="zh-CN" altLang="en-US" sz="1600" dirty="0"/>
-              <a:t>父：</a:t>
-            </a:r>
-            <a:r>
-              <a:rPr lang="en-US" altLang="zh-CN" sz="1600" dirty="0"/>
-              <a:t>display: flex;</a:t>
-            </a:r>
-          </a:p>
-          <a:p>
-            <a:r>
-              <a:rPr lang="zh-CN" altLang="en-US" sz="1600" b="0" i="0" dirty="0">
+              <a:rPr lang="en-US" altLang="zh-CN" sz="1600" i="0" dirty="0">
                 <a:solidFill>
                   <a:srgbClr val="494949"/>
                 </a:solidFill>
                 <a:effectLst/>
-                <a:latin typeface="楷体" panose="02010609060101010101" pitchFamily="49" charset="-122"/>
-                <a:ea typeface="楷体" panose="02010609060101010101" pitchFamily="49" charset="-122"/>
-              </a:rPr>
-              <a:t>是设置父元素成为一个弹性盒子；里边的子元素符合弹性布局</a:t>
-            </a:r>
-            <a:endParaRPr lang="en-US" altLang="zh-CN" sz="1600" b="0" i="0" dirty="0">
+                <a:latin typeface="+mn-ea"/>
+                <a:ea typeface="+mn-ea"/>
+              </a:rPr>
+              <a:t>align-content</a:t>
+            </a:r>
+            <a:r>
+              <a:rPr lang="zh-CN" altLang="en-US" sz="1600" i="0" dirty="0">
+                <a:solidFill>
+                  <a:srgbClr val="494949"/>
+                </a:solidFill>
+                <a:effectLst/>
+                <a:latin typeface="+mn-ea"/>
+                <a:ea typeface="+mn-ea"/>
+              </a:rPr>
+              <a:t>：</a:t>
+            </a:r>
+            <a:r>
+              <a:rPr lang="en-US" altLang="zh-CN" sz="1600" i="0" dirty="0" err="1">
+                <a:solidFill>
+                  <a:srgbClr val="494949"/>
+                </a:solidFill>
+                <a:effectLst/>
+                <a:latin typeface="+mn-ea"/>
+                <a:ea typeface="+mn-ea"/>
+              </a:rPr>
+              <a:t>flex-start|flex-end|space-between|space-around</a:t>
+            </a:r>
+            <a:endParaRPr lang="en-US" altLang="zh-CN" sz="1600" i="0" dirty="0">
               <a:solidFill>
                 <a:srgbClr val="494949"/>
               </a:solidFill>
               <a:effectLst/>
-              <a:latin typeface="楷体" panose="02010609060101010101" pitchFamily="49" charset="-122"/>
-              <a:ea typeface="楷体" panose="02010609060101010101" pitchFamily="49" charset="-122"/>
+              <a:latin typeface="+mn-ea"/>
+              <a:ea typeface="+mn-ea"/>
             </a:endParaRPr>
           </a:p>
           <a:p>
-            <a:endParaRPr lang="en-US" altLang="zh-CN" sz="1600" b="0" i="0" dirty="0">
+            <a:endParaRPr lang="en-US" altLang="zh-CN" sz="1600" dirty="0">
+              <a:solidFill>
+                <a:srgbClr val="494949"/>
+              </a:solidFill>
+              <a:latin typeface="+mn-ea"/>
+              <a:ea typeface="+mn-ea"/>
+            </a:endParaRPr>
+          </a:p>
+          <a:p>
+            <a:r>
+              <a:rPr lang="zh-CN" altLang="en-US" sz="1600" dirty="0">
+                <a:solidFill>
+                  <a:srgbClr val="494949"/>
+                </a:solidFill>
+                <a:latin typeface="+mn-ea"/>
+                <a:ea typeface="+mn-ea"/>
+              </a:rPr>
+              <a:t>属性：</a:t>
+            </a:r>
+            <a:endParaRPr lang="en-US" altLang="zh-CN" sz="1600" dirty="0">
+              <a:solidFill>
+                <a:srgbClr val="494949"/>
+              </a:solidFill>
+              <a:latin typeface="+mn-ea"/>
+              <a:ea typeface="+mn-ea"/>
+            </a:endParaRPr>
+          </a:p>
+          <a:p>
+            <a:r>
+              <a:rPr lang="en-US" altLang="zh-CN" sz="1600" i="0" dirty="0">
+                <a:solidFill>
+                  <a:srgbClr val="494949"/>
+                </a:solidFill>
+                <a:effectLst/>
+                <a:latin typeface="+mn-ea"/>
+                <a:ea typeface="+mn-ea"/>
+              </a:rPr>
+              <a:t>Order</a:t>
+            </a:r>
+            <a:r>
+              <a:rPr lang="zh-CN" altLang="en-US" sz="1600" i="0" dirty="0">
+                <a:solidFill>
+                  <a:srgbClr val="494949"/>
+                </a:solidFill>
+                <a:effectLst/>
+                <a:latin typeface="+mn-ea"/>
+                <a:ea typeface="+mn-ea"/>
+              </a:rPr>
+              <a:t>： 小在前 大在后</a:t>
+            </a:r>
+            <a:endParaRPr lang="en-US" altLang="zh-CN" sz="1600" i="0" dirty="0">
               <a:solidFill>
                 <a:srgbClr val="494949"/>
               </a:solidFill>
               <a:effectLst/>
-              <a:latin typeface="楷体" panose="02010609060101010101" pitchFamily="49" charset="-122"/>
-              <a:ea typeface="楷体" panose="02010609060101010101" pitchFamily="49" charset="-122"/>
+              <a:latin typeface="+mn-ea"/>
+              <a:ea typeface="+mn-ea"/>
             </a:endParaRPr>
           </a:p>
           <a:p>
             <a:r>
-              <a:rPr lang="en-US" altLang="zh-CN" sz="1600" dirty="0">
+              <a:rPr lang="en-US" altLang="zh-CN" sz="1600" i="0" dirty="0">
                 <a:solidFill>
                   <a:srgbClr val="494949"/>
                 </a:solidFill>
-                <a:latin typeface="楷体" panose="02010609060101010101" pitchFamily="49" charset="-122"/>
-                <a:ea typeface="楷体" panose="02010609060101010101" pitchFamily="49" charset="-122"/>
-              </a:rPr>
-              <a:t>flex-direction: </a:t>
-            </a:r>
-            <a:r>
-              <a:rPr lang="en-US" altLang="zh-CN" sz="1600" dirty="0" err="1">
+                <a:effectLst/>
+                <a:latin typeface="+mn-ea"/>
+                <a:ea typeface="+mn-ea"/>
+              </a:rPr>
+              <a:t>align-self</a:t>
+            </a:r>
+            <a:r>
+              <a:rPr lang="zh-CN" altLang="en-US" sz="1600" i="0" dirty="0">
                 <a:solidFill>
                   <a:srgbClr val="494949"/>
                 </a:solidFill>
-                <a:latin typeface="楷体" panose="02010609060101010101" pitchFamily="49" charset="-122"/>
-                <a:ea typeface="楷体" panose="02010609060101010101" pitchFamily="49" charset="-122"/>
-              </a:rPr>
-              <a:t>row|row-reverse|column|column-reverse</a:t>
-            </a:r>
-            <a:r>
-              <a:rPr lang="en-US" altLang="zh-CN" sz="1600" dirty="0">
+                <a:effectLst/>
+                <a:latin typeface="+mn-ea"/>
+                <a:ea typeface="+mn-ea"/>
+              </a:rPr>
+              <a:t>： </a:t>
+            </a:r>
+            <a:r>
+              <a:rPr lang="en-US" altLang="zh-CN" sz="1600" i="0" dirty="0" err="1">
                 <a:solidFill>
                   <a:srgbClr val="494949"/>
                 </a:solidFill>
-                <a:latin typeface="楷体" panose="02010609060101010101" pitchFamily="49" charset="-122"/>
-                <a:ea typeface="楷体" panose="02010609060101010101" pitchFamily="49" charset="-122"/>
-              </a:rPr>
-              <a:t>; </a:t>
-            </a:r>
-          </a:p>
-          <a:p>
+                <a:effectLst/>
+                <a:latin typeface="+mn-ea"/>
+                <a:ea typeface="+mn-ea"/>
+              </a:rPr>
+              <a:t>auto|flex-start|flex-end|center</a:t>
+            </a:r>
+            <a:endParaRPr lang="en-US" altLang="zh-CN" sz="1600" i="0" dirty="0">
+              <a:solidFill>
+                <a:srgbClr val="494949"/>
+              </a:solidFill>
+              <a:effectLst/>
+              <a:latin typeface="+mn-ea"/>
+              <a:ea typeface="+mn-ea"/>
+            </a:endParaRPr>
+          </a:p>
+          <a:p>
+            <a:r>
+              <a:rPr lang="zh-CN" altLang="en-US" sz="1600" i="0" dirty="0">
+                <a:solidFill>
+                  <a:srgbClr val="494949"/>
+                </a:solidFill>
+                <a:effectLst/>
+                <a:latin typeface="+mn-ea"/>
+                <a:ea typeface="+mn-ea"/>
+              </a:rPr>
+              <a:t>设置弹性元素自身在侧轴（纵轴）方向上的对齐方式</a:t>
+            </a:r>
+            <a:endParaRPr lang="en-US" altLang="zh-CN" sz="1600" i="0" dirty="0">
+              <a:solidFill>
+                <a:srgbClr val="494949"/>
+              </a:solidFill>
+              <a:effectLst/>
+              <a:latin typeface="+mn-ea"/>
+              <a:ea typeface="+mn-ea"/>
+            </a:endParaRPr>
+          </a:p>
+          <a:p>
+            <a:endParaRPr lang="en-US" altLang="zh-CN" sz="1600" i="0" dirty="0">
+              <a:solidFill>
+                <a:srgbClr val="494949"/>
+              </a:solidFill>
+              <a:effectLst/>
+              <a:latin typeface="+mn-ea"/>
+              <a:ea typeface="+mn-ea"/>
+            </a:endParaRPr>
+          </a:p>
+          <a:p>
+            <a:r>
+              <a:rPr lang="en-US" altLang="zh-CN" sz="1600" i="0" dirty="0">
+                <a:solidFill>
+                  <a:srgbClr val="111111"/>
+                </a:solidFill>
+                <a:effectLst/>
+                <a:latin typeface="+mn-ea"/>
+                <a:ea typeface="+mn-ea"/>
+              </a:rPr>
+              <a:t>flex-basis   </a:t>
+            </a:r>
             <a:r>
               <a:rPr lang="zh-CN" altLang="en-US" sz="1600" dirty="0">
                 <a:solidFill>
                   <a:srgbClr val="494949"/>
                 </a:solidFill>
-                <a:latin typeface="楷体" panose="02010609060101010101" pitchFamily="49" charset="-122"/>
-                <a:ea typeface="楷体" panose="02010609060101010101" pitchFamily="49" charset="-122"/>
-              </a:rPr>
-              <a:t>指定子元素在父容器的位置</a:t>
+                <a:latin typeface="+mn-ea"/>
+                <a:ea typeface="+mn-ea"/>
+              </a:rPr>
+              <a:t>元素初始宽度</a:t>
             </a:r>
             <a:endParaRPr lang="en-US" altLang="zh-CN" sz="1600" dirty="0">
               <a:solidFill>
                 <a:srgbClr val="494949"/>
               </a:solidFill>
-              <a:latin typeface="楷体" panose="02010609060101010101" pitchFamily="49" charset="-122"/>
-              <a:ea typeface="楷体" panose="02010609060101010101" pitchFamily="49" charset="-122"/>
+              <a:latin typeface="+mn-ea"/>
+              <a:ea typeface="+mn-ea"/>
             </a:endParaRPr>
           </a:p>
           <a:p>
@@ -2921,177 +3039,110 @@
               <a:solidFill>
                 <a:srgbClr val="494949"/>
               </a:solidFill>
-              <a:latin typeface="楷体" panose="02010609060101010101" pitchFamily="49" charset="-122"/>
-              <a:ea typeface="楷体" panose="02010609060101010101" pitchFamily="49" charset="-122"/>
+              <a:latin typeface="+mn-ea"/>
+              <a:ea typeface="+mn-ea"/>
             </a:endParaRPr>
           </a:p>
           <a:p>
             <a:r>
-              <a:rPr lang="en-US" altLang="zh-CN" sz="1600" dirty="0">
-                <a:solidFill>
-                  <a:srgbClr val="494949"/>
-                </a:solidFill>
-                <a:latin typeface="楷体" panose="02010609060101010101" pitchFamily="49" charset="-122"/>
-                <a:ea typeface="楷体" panose="02010609060101010101" pitchFamily="49" charset="-122"/>
-              </a:rPr>
-              <a:t>Justify-content: </a:t>
-            </a:r>
-            <a:r>
-              <a:rPr lang="en-US" altLang="zh-CN" sz="1600" b="0" i="0" dirty="0" err="1">
-                <a:solidFill>
-                  <a:srgbClr val="494949"/>
+              <a:rPr lang="en-US" altLang="zh-CN" sz="1600" i="0" u="none" strike="noStrike" dirty="0">
+                <a:solidFill>
+                  <a:srgbClr val="000000"/>
                 </a:solidFill>
                 <a:effectLst/>
-                <a:latin typeface="楷体" panose="02010609060101010101" pitchFamily="49" charset="-122"/>
-                <a:ea typeface="楷体" panose="02010609060101010101" pitchFamily="49" charset="-122"/>
-              </a:rPr>
-              <a:t>flex-start|flex-end|center|space-around|space-between</a:t>
-            </a:r>
-            <a:endParaRPr lang="en-US" altLang="zh-CN" sz="1600" b="0" i="0" dirty="0">
+                <a:latin typeface="+mn-ea"/>
+                <a:ea typeface="+mn-ea"/>
+              </a:rPr>
+              <a:t>flex-grow   </a:t>
+            </a:r>
+            <a:r>
+              <a:rPr lang="zh-CN" altLang="en-US" sz="1600" i="0" dirty="0">
+                <a:solidFill>
+                  <a:srgbClr val="111111"/>
+                </a:solidFill>
+                <a:effectLst/>
+                <a:latin typeface="+mn-ea"/>
+                <a:ea typeface="+mn-ea"/>
+              </a:rPr>
+              <a:t>属性定义项目的放大比例</a:t>
+            </a:r>
+            <a:endParaRPr lang="en-US" altLang="zh-CN" sz="1600" dirty="0">
               <a:solidFill>
-                <a:srgbClr val="494949"/>
+                <a:srgbClr val="000000"/>
+              </a:solidFill>
+              <a:latin typeface="+mn-ea"/>
+              <a:ea typeface="+mn-ea"/>
+            </a:endParaRPr>
+          </a:p>
+          <a:p>
+            <a:endParaRPr lang="en-US" altLang="zh-CN" sz="1600" i="0" u="none" strike="noStrike" dirty="0">
+              <a:solidFill>
+                <a:srgbClr val="000000"/>
               </a:solidFill>
               <a:effectLst/>
-              <a:latin typeface="楷体" panose="02010609060101010101" pitchFamily="49" charset="-122"/>
-              <a:ea typeface="楷体" panose="02010609060101010101" pitchFamily="49" charset="-122"/>
+              <a:latin typeface="+mn-ea"/>
+              <a:ea typeface="+mn-ea"/>
             </a:endParaRPr>
           </a:p>
           <a:p>
             <a:r>
-              <a:rPr lang="zh-CN" altLang="en-US" sz="1600" b="0" i="0" dirty="0">
-                <a:solidFill>
-                  <a:srgbClr val="494949"/>
+              <a:rPr lang="en-US" altLang="zh-CN" sz="1600" i="0" u="none" strike="noStrike" dirty="0">
+                <a:solidFill>
+                  <a:srgbClr val="000000"/>
                 </a:solidFill>
                 <a:effectLst/>
-                <a:latin typeface="楷体" panose="02010609060101010101" pitchFamily="49" charset="-122"/>
-                <a:ea typeface="楷体" panose="02010609060101010101" pitchFamily="49" charset="-122"/>
-              </a:rPr>
-              <a:t>设置弹性子元素在主轴线上的排列方式</a:t>
-            </a:r>
-            <a:endParaRPr lang="en-US" altLang="zh-CN" sz="1600" dirty="0">
+                <a:latin typeface="+mn-ea"/>
+                <a:ea typeface="+mn-ea"/>
+              </a:rPr>
+              <a:t>flex-shrink   </a:t>
+            </a:r>
+            <a:r>
+              <a:rPr lang="zh-CN" altLang="en-US" sz="1600" i="0" dirty="0">
+                <a:solidFill>
+                  <a:srgbClr val="111111"/>
+                </a:solidFill>
+                <a:effectLst/>
+                <a:latin typeface="+mn-ea"/>
+                <a:ea typeface="+mn-ea"/>
+              </a:rPr>
+              <a:t>属性定义了项目的缩小比例，默认为</a:t>
+            </a:r>
+            <a:r>
+              <a:rPr lang="en-US" altLang="zh-CN" sz="1600" i="0" dirty="0">
+                <a:solidFill>
+                  <a:srgbClr val="111111"/>
+                </a:solidFill>
+                <a:effectLst/>
+                <a:latin typeface="+mn-ea"/>
+                <a:ea typeface="+mn-ea"/>
+              </a:rPr>
+              <a:t>1</a:t>
+            </a:r>
+            <a:r>
+              <a:rPr lang="zh-CN" altLang="en-US" sz="1600" i="0" dirty="0">
+                <a:solidFill>
+                  <a:srgbClr val="111111"/>
+                </a:solidFill>
+                <a:effectLst/>
+                <a:latin typeface="+mn-ea"/>
+                <a:ea typeface="+mn-ea"/>
+              </a:rPr>
+              <a:t>，即如果空间不足，该项目将缩小</a:t>
+            </a:r>
+            <a:endParaRPr lang="zh-CN" altLang="en-US" sz="1600" dirty="0">
+              <a:latin typeface="+mn-ea"/>
+              <a:ea typeface="+mn-ea"/>
+            </a:endParaRPr>
+          </a:p>
+          <a:p>
+            <a:endParaRPr lang="en-US" altLang="zh-CN" sz="1600" i="0" u="none" strike="noStrike" dirty="0">
               <a:solidFill>
-                <a:srgbClr val="494949"/>
-              </a:solidFill>
-              <a:latin typeface="楷体" panose="02010609060101010101" pitchFamily="49" charset="-122"/>
-              <a:ea typeface="楷体" panose="02010609060101010101" pitchFamily="49" charset="-122"/>
-            </a:endParaRPr>
-          </a:p>
-          <a:p>
-            <a:endParaRPr lang="en-US" altLang="zh-CN" sz="1600" dirty="0">
-              <a:solidFill>
-                <a:srgbClr val="494949"/>
-              </a:solidFill>
-              <a:latin typeface="楷体" panose="02010609060101010101" pitchFamily="49" charset="-122"/>
-              <a:ea typeface="楷体" panose="02010609060101010101" pitchFamily="49" charset="-122"/>
-            </a:endParaRPr>
-          </a:p>
-          <a:p>
-            <a:r>
-              <a:rPr lang="en-US" altLang="zh-CN" sz="1600" b="0" i="0" dirty="0">
-                <a:solidFill>
-                  <a:srgbClr val="494949"/>
-                </a:solidFill>
-                <a:effectLst/>
-                <a:latin typeface="楷体" panose="02010609060101010101" pitchFamily="49" charset="-122"/>
-                <a:ea typeface="楷体" panose="02010609060101010101" pitchFamily="49" charset="-122"/>
-              </a:rPr>
-              <a:t>align-items: </a:t>
-            </a:r>
-            <a:r>
-              <a:rPr lang="en-US" altLang="zh-CN" sz="1600" b="0" i="0" dirty="0" err="1">
-                <a:solidFill>
-                  <a:srgbClr val="494949"/>
-                </a:solidFill>
-                <a:effectLst/>
-                <a:latin typeface="楷体" panose="02010609060101010101" pitchFamily="49" charset="-122"/>
-                <a:ea typeface="楷体" panose="02010609060101010101" pitchFamily="49" charset="-122"/>
-              </a:rPr>
-              <a:t>flex-start|flex-end|center</a:t>
-            </a:r>
-            <a:endParaRPr lang="en-US" altLang="zh-CN" sz="1600" b="0" i="0" dirty="0">
-              <a:solidFill>
-                <a:srgbClr val="494949"/>
+                <a:srgbClr val="000000"/>
               </a:solidFill>
               <a:effectLst/>
-              <a:latin typeface="楷体" panose="02010609060101010101" pitchFamily="49" charset="-122"/>
-              <a:ea typeface="楷体" panose="02010609060101010101" pitchFamily="49" charset="-122"/>
+              <a:latin typeface="+mn-ea"/>
+              <a:ea typeface="+mn-ea"/>
             </a:endParaRPr>
-          </a:p>
-          <a:p>
-            <a:r>
-              <a:rPr lang="zh-CN" altLang="en-US" sz="1600" b="0" i="0" dirty="0">
-                <a:solidFill>
-                  <a:srgbClr val="494949"/>
-                </a:solidFill>
-                <a:effectLst/>
-                <a:latin typeface="楷体" panose="02010609060101010101" pitchFamily="49" charset="-122"/>
-                <a:ea typeface="楷体" panose="02010609060101010101" pitchFamily="49" charset="-122"/>
-              </a:rPr>
-              <a:t>设置弹性子元素在纵轴上的排列方式</a:t>
-            </a:r>
-            <a:endParaRPr lang="en-US" altLang="zh-CN" sz="1600" b="0" i="0" dirty="0">
-              <a:solidFill>
-                <a:srgbClr val="494949"/>
-              </a:solidFill>
-              <a:effectLst/>
-              <a:latin typeface="楷体" panose="02010609060101010101" pitchFamily="49" charset="-122"/>
-              <a:ea typeface="楷体" panose="02010609060101010101" pitchFamily="49" charset="-122"/>
-            </a:endParaRPr>
-          </a:p>
-          <a:p>
-            <a:endParaRPr lang="en-US" altLang="zh-CN" sz="1600" dirty="0">
-              <a:solidFill>
-                <a:srgbClr val="494949"/>
-              </a:solidFill>
-              <a:latin typeface="楷体" panose="02010609060101010101" pitchFamily="49" charset="-122"/>
-              <a:ea typeface="楷体" panose="02010609060101010101" pitchFamily="49" charset="-122"/>
-            </a:endParaRPr>
-          </a:p>
-          <a:p>
-            <a:r>
-              <a:rPr lang="en-US" altLang="zh-CN" sz="1600" b="0" i="0" dirty="0">
-                <a:solidFill>
-                  <a:srgbClr val="494949"/>
-                </a:solidFill>
-                <a:effectLst/>
-                <a:latin typeface="楷体" panose="02010609060101010101" pitchFamily="49" charset="-122"/>
-                <a:ea typeface="楷体" panose="02010609060101010101" pitchFamily="49" charset="-122"/>
-              </a:rPr>
-              <a:t>flex-wrap: </a:t>
-            </a:r>
-            <a:r>
-              <a:rPr lang="en-US" altLang="zh-CN" sz="1600" b="0" i="0" dirty="0" err="1">
-                <a:solidFill>
-                  <a:srgbClr val="494949"/>
-                </a:solidFill>
-                <a:effectLst/>
-                <a:latin typeface="楷体" panose="02010609060101010101" pitchFamily="49" charset="-122"/>
-                <a:ea typeface="楷体" panose="02010609060101010101" pitchFamily="49" charset="-122"/>
-              </a:rPr>
-              <a:t>nowrap|wrap|wrap-reverse</a:t>
-            </a:r>
-            <a:endParaRPr lang="en-US" altLang="zh-CN" sz="1600" b="0" i="0" dirty="0">
-              <a:solidFill>
-                <a:srgbClr val="494949"/>
-              </a:solidFill>
-              <a:effectLst/>
-              <a:latin typeface="楷体" panose="02010609060101010101" pitchFamily="49" charset="-122"/>
-              <a:ea typeface="楷体" panose="02010609060101010101" pitchFamily="49" charset="-122"/>
-            </a:endParaRPr>
-          </a:p>
-          <a:p>
-            <a:r>
-              <a:rPr lang="zh-CN" altLang="en-US" sz="1600" b="0" i="0" dirty="0">
-                <a:solidFill>
-                  <a:srgbClr val="494949"/>
-                </a:solidFill>
-                <a:effectLst/>
-                <a:latin typeface="楷体" panose="02010609060101010101" pitchFamily="49" charset="-122"/>
-                <a:ea typeface="楷体" panose="02010609060101010101" pitchFamily="49" charset="-122"/>
-              </a:rPr>
-              <a:t>指定弹性盒子的子元素换行方式</a:t>
-            </a:r>
-            <a:endParaRPr lang="zh-CN" altLang="en-US" sz="1600" dirty="0"/>
           </a:p>
         </p:txBody>
       </p:sp>
@@ -3100,7 +3151,7 @@
           <p:cNvPr id="4" name="日期占位符 3">
             <a:extLst>
               <a:ext uri="{FF2B5EF4-FFF2-40B4-BE49-F238E27FC236}">
-                <a16:creationId xmlns:a16="http://schemas.microsoft.com/office/drawing/2014/main" id="{1687F8F9-D89A-4E73-A369-4D1685050B74}"/>
+                <a16:creationId xmlns:a16="http://schemas.microsoft.com/office/drawing/2014/main" id="{8FBCB98F-A76D-4514-AFA5-EE48A6BE093C}"/>
               </a:ext>
             </a:extLst>
           </p:cNvPr>
@@ -3118,7 +3169,7 @@
           <a:p>
             <a:fld id="{4D01DF33-5A38-4035-AC9E-B8E17EB22BE4}" type="datetime1">
               <a:rPr lang="zh-CN" altLang="en-US" smtClean="0"/>
-              <a:t>2020/8/10</a:t>
+              <a:t>2020/8/13</a:t>
             </a:fld>
             <a:endParaRPr lang="zh-CN" altLang="en-US"/>
           </a:p>
@@ -3129,7 +3180,7 @@
           <p:cNvPr id="5" name="灯片编号占位符 4">
             <a:extLst>
               <a:ext uri="{FF2B5EF4-FFF2-40B4-BE49-F238E27FC236}">
-                <a16:creationId xmlns:a16="http://schemas.microsoft.com/office/drawing/2014/main" id="{CD84103F-70F3-48CF-8867-039CADE97342}"/>
+                <a16:creationId xmlns:a16="http://schemas.microsoft.com/office/drawing/2014/main" id="{1487FDA2-412A-438D-88E9-D35FA16CF4BA}"/>
               </a:ext>
             </a:extLst>
           </p:cNvPr>
@@ -3156,7 +3207,7 @@
     </p:spTree>
     <p:extLst>
       <p:ext uri="{BB962C8B-B14F-4D97-AF65-F5344CB8AC3E}">
-        <p14:creationId xmlns:p14="http://schemas.microsoft.com/office/powerpoint/2010/main" val="2456308560"/>
+        <p14:creationId xmlns:p14="http://schemas.microsoft.com/office/powerpoint/2010/main" val="3035049834"/>
       </p:ext>
     </p:extLst>
   </p:cSld>
@@ -3188,7 +3239,7 @@
           <p:cNvPr id="2" name="标题 1">
             <a:extLst>
               <a:ext uri="{FF2B5EF4-FFF2-40B4-BE49-F238E27FC236}">
-                <a16:creationId xmlns:a16="http://schemas.microsoft.com/office/drawing/2014/main" id="{A86D3E35-B98C-4FA6-9D78-B30E4395403E}"/>
+                <a16:creationId xmlns:a16="http://schemas.microsoft.com/office/drawing/2014/main" id="{2A66109F-CC52-4A30-A201-AEEB2BCA8503}"/>
               </a:ext>
             </a:extLst>
           </p:cNvPr>
@@ -3206,7 +3257,7 @@
           <a:p>
             <a:r>
               <a:rPr lang="zh-CN" altLang="en-US" dirty="0"/>
-              <a:t>弹性盒布局</a:t>
+              <a:t>响应式布局</a:t>
             </a:r>
           </a:p>
         </p:txBody>
@@ -3216,7 +3267,7 @@
           <p:cNvPr id="3" name="内容占位符 2">
             <a:extLst>
               <a:ext uri="{FF2B5EF4-FFF2-40B4-BE49-F238E27FC236}">
-                <a16:creationId xmlns:a16="http://schemas.microsoft.com/office/drawing/2014/main" id="{81268C98-4DC2-415C-8106-A45FCC0E7CED}"/>
+                <a16:creationId xmlns:a16="http://schemas.microsoft.com/office/drawing/2014/main" id="{4100B6CA-DC5A-4DCE-AF7E-859945BDBA67}"/>
               </a:ext>
             </a:extLst>
           </p:cNvPr>
@@ -3229,279 +3280,141 @@
         </p:nvSpPr>
         <p:spPr/>
         <p:txBody>
-          <a:bodyPr>
-            <a:normAutofit/>
-          </a:bodyPr>
+          <a:bodyPr/>
           <a:lstStyle/>
           <a:p>
-            <a:r>
-              <a:rPr lang="en-US" altLang="zh-CN" sz="1600" b="0" i="0" dirty="0">
-                <a:solidFill>
-                  <a:srgbClr val="494949"/>
-                </a:solidFill>
-                <a:effectLst/>
-                <a:latin typeface="楷体" panose="02010609060101010101" pitchFamily="49" charset="-122"/>
-                <a:ea typeface="楷体" panose="02010609060101010101" pitchFamily="49" charset="-122"/>
-              </a:rPr>
-              <a:t>align-content</a:t>
-            </a:r>
-            <a:r>
-              <a:rPr lang="zh-CN" altLang="en-US" sz="1600" b="0" i="0" dirty="0">
-                <a:solidFill>
-                  <a:srgbClr val="494949"/>
-                </a:solidFill>
-                <a:effectLst/>
-                <a:latin typeface="楷体" panose="02010609060101010101" pitchFamily="49" charset="-122"/>
-                <a:ea typeface="楷体" panose="02010609060101010101" pitchFamily="49" charset="-122"/>
-              </a:rPr>
-              <a:t>：</a:t>
-            </a:r>
-            <a:r>
-              <a:rPr lang="en-US" altLang="zh-CN" sz="1600" b="0" i="0" dirty="0" err="1">
-                <a:solidFill>
-                  <a:srgbClr val="494949"/>
-                </a:solidFill>
-                <a:effectLst/>
-                <a:latin typeface="楷体" panose="02010609060101010101" pitchFamily="49" charset="-122"/>
-                <a:ea typeface="楷体" panose="02010609060101010101" pitchFamily="49" charset="-122"/>
-              </a:rPr>
-              <a:t>flex-start|flex-end|space-between|space-around</a:t>
-            </a:r>
-            <a:endParaRPr lang="en-US" altLang="zh-CN" sz="1600" b="0" i="0" dirty="0">
-              <a:solidFill>
-                <a:srgbClr val="494949"/>
-              </a:solidFill>
-              <a:effectLst/>
-              <a:latin typeface="楷体" panose="02010609060101010101" pitchFamily="49" charset="-122"/>
-              <a:ea typeface="楷体" panose="02010609060101010101" pitchFamily="49" charset="-122"/>
-            </a:endParaRPr>
-          </a:p>
-          <a:p>
-            <a:endParaRPr lang="en-US" altLang="zh-CN" sz="1600" dirty="0">
-              <a:solidFill>
-                <a:srgbClr val="494949"/>
-              </a:solidFill>
-              <a:latin typeface="楷体" panose="02010609060101010101" pitchFamily="49" charset="-122"/>
-              <a:ea typeface="楷体" panose="02010609060101010101" pitchFamily="49" charset="-122"/>
-            </a:endParaRPr>
-          </a:p>
-          <a:p>
-            <a:r>
-              <a:rPr lang="zh-CN" altLang="en-US" sz="1600" dirty="0">
-                <a:solidFill>
-                  <a:srgbClr val="494949"/>
-                </a:solidFill>
-                <a:latin typeface="楷体" panose="02010609060101010101" pitchFamily="49" charset="-122"/>
-                <a:ea typeface="楷体" panose="02010609060101010101" pitchFamily="49" charset="-122"/>
-              </a:rPr>
-              <a:t>属性：</a:t>
-            </a:r>
-            <a:endParaRPr lang="en-US" altLang="zh-CN" sz="1600" dirty="0">
-              <a:solidFill>
-                <a:srgbClr val="494949"/>
-              </a:solidFill>
-              <a:latin typeface="楷体" panose="02010609060101010101" pitchFamily="49" charset="-122"/>
-              <a:ea typeface="楷体" panose="02010609060101010101" pitchFamily="49" charset="-122"/>
-            </a:endParaRPr>
-          </a:p>
-          <a:p>
-            <a:r>
-              <a:rPr lang="en-US" altLang="zh-CN" sz="1600" b="0" i="0" dirty="0">
-                <a:solidFill>
-                  <a:srgbClr val="494949"/>
-                </a:solidFill>
-                <a:effectLst/>
-                <a:latin typeface="楷体" panose="02010609060101010101" pitchFamily="49" charset="-122"/>
-                <a:ea typeface="楷体" panose="02010609060101010101" pitchFamily="49" charset="-122"/>
-              </a:rPr>
-              <a:t>Order</a:t>
-            </a:r>
-            <a:r>
-              <a:rPr lang="zh-CN" altLang="en-US" sz="1600" b="0" i="0" dirty="0">
-                <a:solidFill>
-                  <a:srgbClr val="494949"/>
-                </a:solidFill>
-                <a:effectLst/>
-                <a:latin typeface="楷体" panose="02010609060101010101" pitchFamily="49" charset="-122"/>
-                <a:ea typeface="楷体" panose="02010609060101010101" pitchFamily="49" charset="-122"/>
-              </a:rPr>
-              <a:t>： 小在前 大在后</a:t>
-            </a:r>
-            <a:endParaRPr lang="en-US" altLang="zh-CN" sz="1600" b="0" i="0" dirty="0">
-              <a:solidFill>
-                <a:srgbClr val="494949"/>
-              </a:solidFill>
-              <a:effectLst/>
-              <a:latin typeface="楷体" panose="02010609060101010101" pitchFamily="49" charset="-122"/>
-              <a:ea typeface="楷体" panose="02010609060101010101" pitchFamily="49" charset="-122"/>
-            </a:endParaRPr>
-          </a:p>
-          <a:p>
-            <a:endParaRPr lang="en-US" altLang="zh-CN" sz="1600" b="0" i="0" dirty="0">
-              <a:solidFill>
-                <a:srgbClr val="494949"/>
-              </a:solidFill>
-              <a:effectLst/>
-              <a:latin typeface="楷体" panose="02010609060101010101" pitchFamily="49" charset="-122"/>
-              <a:ea typeface="楷体" panose="02010609060101010101" pitchFamily="49" charset="-122"/>
-            </a:endParaRPr>
-          </a:p>
-          <a:p>
-            <a:r>
-              <a:rPr lang="en-US" altLang="zh-CN" sz="1600" b="0" i="0" dirty="0">
-                <a:solidFill>
-                  <a:srgbClr val="494949"/>
-                </a:solidFill>
-                <a:effectLst/>
-                <a:latin typeface="楷体" panose="02010609060101010101" pitchFamily="49" charset="-122"/>
-                <a:ea typeface="楷体" panose="02010609060101010101" pitchFamily="49" charset="-122"/>
-              </a:rPr>
-              <a:t>align-self</a:t>
-            </a:r>
-            <a:r>
-              <a:rPr lang="zh-CN" altLang="en-US" sz="1600" b="0" i="0" dirty="0">
-                <a:solidFill>
-                  <a:srgbClr val="494949"/>
-                </a:solidFill>
-                <a:effectLst/>
-                <a:latin typeface="楷体" panose="02010609060101010101" pitchFamily="49" charset="-122"/>
-                <a:ea typeface="楷体" panose="02010609060101010101" pitchFamily="49" charset="-122"/>
-              </a:rPr>
-              <a:t>： </a:t>
-            </a:r>
-            <a:r>
-              <a:rPr lang="en-US" altLang="zh-CN" sz="1600" b="0" i="0" dirty="0" err="1">
-                <a:solidFill>
-                  <a:srgbClr val="494949"/>
-                </a:solidFill>
-                <a:effectLst/>
-                <a:latin typeface="楷体" panose="02010609060101010101" pitchFamily="49" charset="-122"/>
-                <a:ea typeface="楷体" panose="02010609060101010101" pitchFamily="49" charset="-122"/>
-              </a:rPr>
-              <a:t>auto|flex-start|flex-end|center</a:t>
-            </a:r>
-            <a:endParaRPr lang="en-US" altLang="zh-CN" sz="1600" b="0" i="0" dirty="0">
-              <a:solidFill>
-                <a:srgbClr val="494949"/>
-              </a:solidFill>
-              <a:effectLst/>
-              <a:latin typeface="楷体" panose="02010609060101010101" pitchFamily="49" charset="-122"/>
-              <a:ea typeface="楷体" panose="02010609060101010101" pitchFamily="49" charset="-122"/>
-            </a:endParaRPr>
-          </a:p>
-          <a:p>
-            <a:r>
-              <a:rPr lang="zh-CN" altLang="en-US" sz="1600" b="0" i="0" dirty="0">
-                <a:solidFill>
-                  <a:srgbClr val="494949"/>
-                </a:solidFill>
-                <a:effectLst/>
-                <a:latin typeface="楷体" panose="02010609060101010101" pitchFamily="49" charset="-122"/>
-                <a:ea typeface="楷体" panose="02010609060101010101" pitchFamily="49" charset="-122"/>
-              </a:rPr>
-              <a:t>设置弹性元素自身在侧轴（纵轴）方向上的对齐方式</a:t>
-            </a:r>
-            <a:endParaRPr lang="en-US" altLang="zh-CN" sz="1600" b="0" i="0" dirty="0">
-              <a:solidFill>
-                <a:srgbClr val="494949"/>
-              </a:solidFill>
-              <a:effectLst/>
-              <a:latin typeface="楷体" panose="02010609060101010101" pitchFamily="49" charset="-122"/>
-              <a:ea typeface="楷体" panose="02010609060101010101" pitchFamily="49" charset="-122"/>
-            </a:endParaRPr>
-          </a:p>
-          <a:p>
-            <a:endParaRPr lang="en-US" altLang="zh-CN" sz="1600" dirty="0">
-              <a:solidFill>
-                <a:srgbClr val="494949"/>
-              </a:solidFill>
-              <a:latin typeface="楷体" panose="02010609060101010101" pitchFamily="49" charset="-122"/>
-              <a:ea typeface="楷体" panose="02010609060101010101" pitchFamily="49" charset="-122"/>
-            </a:endParaRPr>
-          </a:p>
-          <a:p>
-            <a:r>
-              <a:rPr lang="en-US" altLang="zh-CN" sz="1600" b="0" i="0" u="none" strike="noStrike" dirty="0">
-                <a:solidFill>
-                  <a:srgbClr val="000000"/>
-                </a:solidFill>
-                <a:effectLst/>
-                <a:latin typeface="Georgia" panose="02040502050405020303" pitchFamily="18" charset="0"/>
-              </a:rPr>
-              <a:t>flex-grow</a:t>
-            </a:r>
-          </a:p>
-          <a:p>
-            <a:r>
-              <a:rPr lang="zh-CN" altLang="en-US" sz="1600" b="0" i="0" dirty="0">
-                <a:solidFill>
-                  <a:srgbClr val="111111"/>
-                </a:solidFill>
-                <a:effectLst/>
-                <a:latin typeface="Georgia" panose="02040502050405020303" pitchFamily="18" charset="0"/>
-              </a:rPr>
-              <a:t>属性定义项目的放大比例</a:t>
-            </a:r>
-            <a:endParaRPr lang="en-US" altLang="zh-CN" sz="1600" b="0" i="0" u="none" strike="noStrike" dirty="0">
-              <a:solidFill>
-                <a:srgbClr val="000000"/>
-              </a:solidFill>
-              <a:effectLst/>
-              <a:latin typeface="Georgia" panose="02040502050405020303" pitchFamily="18" charset="0"/>
-            </a:endParaRPr>
-          </a:p>
-          <a:p>
-            <a:endParaRPr lang="en-US" altLang="zh-CN" sz="1600" dirty="0">
-              <a:solidFill>
-                <a:srgbClr val="000000"/>
-              </a:solidFill>
-              <a:latin typeface="Georgia" panose="02040502050405020303" pitchFamily="18" charset="0"/>
-            </a:endParaRPr>
-          </a:p>
-          <a:p>
-            <a:r>
-              <a:rPr lang="en-US" altLang="zh-CN" sz="1600" b="0" i="0" u="none" strike="noStrike" dirty="0">
-                <a:solidFill>
-                  <a:srgbClr val="000000"/>
-                </a:solidFill>
-                <a:effectLst/>
-                <a:latin typeface="Georgia" panose="02040502050405020303" pitchFamily="18" charset="0"/>
-              </a:rPr>
-              <a:t>flex-shrink</a:t>
-            </a:r>
-          </a:p>
-          <a:p>
-            <a:r>
-              <a:rPr lang="zh-CN" altLang="en-US" sz="1600" b="0" i="0" dirty="0">
-                <a:solidFill>
-                  <a:srgbClr val="111111"/>
-                </a:solidFill>
-                <a:effectLst/>
-                <a:latin typeface="Georgia" panose="02040502050405020303" pitchFamily="18" charset="0"/>
-              </a:rPr>
-              <a:t>属性定义了项目的缩小比例，默认为</a:t>
-            </a:r>
-            <a:r>
-              <a:rPr lang="en-US" altLang="zh-CN" sz="1600" b="0" i="0" dirty="0">
-                <a:solidFill>
-                  <a:srgbClr val="111111"/>
-                </a:solidFill>
-                <a:effectLst/>
-                <a:latin typeface="Georgia" panose="02040502050405020303" pitchFamily="18" charset="0"/>
-              </a:rPr>
-              <a:t>1</a:t>
-            </a:r>
-            <a:r>
-              <a:rPr lang="zh-CN" altLang="en-US" sz="1600" b="0" i="0" dirty="0">
-                <a:solidFill>
-                  <a:srgbClr val="111111"/>
-                </a:solidFill>
-                <a:effectLst/>
-                <a:latin typeface="Georgia" panose="02040502050405020303" pitchFamily="18" charset="0"/>
-              </a:rPr>
-              <a:t>，即如果空间不足，该项目将缩小</a:t>
-            </a:r>
-            <a:endParaRPr lang="zh-CN" altLang="en-US" sz="1600" dirty="0"/>
+            <a:pPr marL="514350" indent="-514350">
+              <a:buFont typeface="+mj-lt"/>
+              <a:buAutoNum type="arabicPeriod"/>
+            </a:pPr>
+            <a:r>
+              <a:rPr lang="zh-CN" altLang="en-US" dirty="0"/>
+              <a:t>固定宽</a:t>
+            </a:r>
+            <a:endParaRPr lang="en-US" altLang="zh-CN" dirty="0"/>
+          </a:p>
+          <a:p>
+            <a:pPr marL="514350" indent="-514350">
+              <a:buFont typeface="+mj-lt"/>
+              <a:buAutoNum type="arabicPeriod"/>
+            </a:pPr>
+            <a:r>
+              <a:rPr lang="zh-CN" altLang="en-US" dirty="0"/>
+              <a:t>等比缩放</a:t>
+            </a:r>
+            <a:r>
+              <a:rPr lang="en-US" altLang="zh-CN" dirty="0"/>
+              <a:t>rem</a:t>
+            </a:r>
+          </a:p>
+          <a:p>
+            <a:pPr marL="514350" indent="-514350">
+              <a:buFont typeface="+mj-lt"/>
+              <a:buAutoNum type="arabicPeriod"/>
+            </a:pPr>
+            <a:r>
+              <a:rPr lang="zh-CN" altLang="en-US" dirty="0"/>
+              <a:t>媒体查询</a:t>
+            </a:r>
+            <a:endParaRPr lang="en-US" altLang="zh-CN" dirty="0"/>
+          </a:p>
+          <a:p>
+            <a:pPr marL="514350" indent="-514350">
+              <a:buFont typeface="+mj-lt"/>
+              <a:buAutoNum type="arabicPeriod"/>
+            </a:pPr>
+            <a:r>
+              <a:rPr lang="zh-CN" altLang="en-US" dirty="0"/>
+              <a:t>栅格</a:t>
+            </a:r>
+            <a:endParaRPr lang="en-US" altLang="zh-CN" dirty="0"/>
+          </a:p>
+          <a:p>
+            <a:pPr marL="514350" indent="-514350">
+              <a:buFont typeface="+mj-lt"/>
+              <a:buAutoNum type="arabicPeriod"/>
+            </a:pPr>
+            <a:r>
+              <a:rPr lang="zh-CN" altLang="en-US" dirty="0"/>
+              <a:t>弹性布局</a:t>
+            </a:r>
+            <a:endParaRPr lang="en-US" altLang="zh-CN" dirty="0"/>
+          </a:p>
+          <a:p>
+            <a:pPr marL="514350" indent="-514350">
+              <a:buFont typeface="+mj-lt"/>
+              <a:buAutoNum type="arabicPeriod"/>
+            </a:pPr>
+            <a:r>
+              <a:rPr lang="zh-CN" altLang="en-US" dirty="0"/>
+              <a:t>浮动布局</a:t>
+            </a:r>
+            <a:endParaRPr lang="en-US" altLang="zh-CN" dirty="0"/>
+          </a:p>
+          <a:p>
+            <a:pPr marL="514350" indent="-514350">
+              <a:buFont typeface="+mj-lt"/>
+              <a:buAutoNum type="arabicPeriod"/>
+            </a:pPr>
+            <a:r>
+              <a:rPr lang="zh-CN" altLang="en-US" dirty="0"/>
+              <a:t>百分比</a:t>
+            </a:r>
+            <a:r>
+              <a:rPr lang="en-US" altLang="zh-CN" dirty="0"/>
+              <a:t>/</a:t>
+            </a:r>
+            <a:r>
+              <a:rPr lang="en-US" altLang="zh-CN" dirty="0" err="1"/>
+              <a:t>vw&amp;vh</a:t>
+            </a:r>
+            <a:endParaRPr lang="en-US" altLang="zh-CN" dirty="0"/>
+          </a:p>
+          <a:p>
+            <a:pPr marL="514350" indent="-514350">
+              <a:buFont typeface="+mj-lt"/>
+              <a:buAutoNum type="arabicPeriod"/>
+            </a:pPr>
+            <a:r>
+              <a:rPr lang="zh-CN" altLang="en-US" dirty="0"/>
+              <a:t>固定</a:t>
+            </a:r>
+            <a:r>
+              <a:rPr lang="en-US" altLang="zh-CN" dirty="0"/>
+              <a:t>+</a:t>
+            </a:r>
+            <a:r>
+              <a:rPr lang="zh-CN" altLang="en-US" dirty="0"/>
+              <a:t>百分比 </a:t>
+            </a:r>
+            <a:endParaRPr lang="en-US" altLang="zh-CN" dirty="0"/>
+          </a:p>
+          <a:p>
+            <a:pPr marL="514350" indent="-514350">
+              <a:buFont typeface="+mj-lt"/>
+              <a:buAutoNum type="arabicPeriod"/>
+            </a:pPr>
+            <a:r>
+              <a:rPr lang="zh-CN" altLang="en-US" dirty="0"/>
+              <a:t>圣杯布局</a:t>
+            </a:r>
+            <a:r>
+              <a:rPr lang="en-US" altLang="zh-CN" dirty="0"/>
+              <a:t>+</a:t>
+            </a:r>
+            <a:r>
+              <a:rPr lang="zh-CN" altLang="en-US" dirty="0"/>
+              <a:t>双飞翼布局（兼容性好 </a:t>
+            </a:r>
+            <a:r>
+              <a:rPr lang="en-US" altLang="zh-CN" dirty="0"/>
+              <a:t>ie6</a:t>
+            </a:r>
+            <a:r>
+              <a:rPr lang="zh-CN" altLang="en-US" dirty="0"/>
+              <a:t>）</a:t>
+            </a:r>
+            <a:endParaRPr lang="en-US" altLang="zh-CN" dirty="0"/>
           </a:p>
         </p:txBody>
       </p:sp>
@@ -3510,7 +3423,7 @@
           <p:cNvPr id="4" name="日期占位符 3">
             <a:extLst>
               <a:ext uri="{FF2B5EF4-FFF2-40B4-BE49-F238E27FC236}">
-                <a16:creationId xmlns:a16="http://schemas.microsoft.com/office/drawing/2014/main" id="{8FBCB98F-A76D-4514-AFA5-EE48A6BE093C}"/>
+                <a16:creationId xmlns:a16="http://schemas.microsoft.com/office/drawing/2014/main" id="{0EB02086-0F51-4D77-9B13-ADD9CD25476A}"/>
               </a:ext>
             </a:extLst>
           </p:cNvPr>
@@ -3528,7 +3441,7 @@
           <a:p>
             <a:fld id="{4D01DF33-5A38-4035-AC9E-B8E17EB22BE4}" type="datetime1">
               <a:rPr lang="zh-CN" altLang="en-US" smtClean="0"/>
-              <a:t>2020/8/10</a:t>
+              <a:t>2020/8/13</a:t>
             </a:fld>
             <a:endParaRPr lang="zh-CN" altLang="en-US"/>
           </a:p>
@@ -3539,7 +3452,7 @@
           <p:cNvPr id="5" name="灯片编号占位符 4">
             <a:extLst>
               <a:ext uri="{FF2B5EF4-FFF2-40B4-BE49-F238E27FC236}">
-                <a16:creationId xmlns:a16="http://schemas.microsoft.com/office/drawing/2014/main" id="{1487FDA2-412A-438D-88E9-D35FA16CF4BA}"/>
+                <a16:creationId xmlns:a16="http://schemas.microsoft.com/office/drawing/2014/main" id="{00F3650B-6D37-453B-8CBC-A20662B78AFF}"/>
               </a:ext>
             </a:extLst>
           </p:cNvPr>
@@ -3566,7 +3479,7 @@
     </p:spTree>
     <p:extLst>
       <p:ext uri="{BB962C8B-B14F-4D97-AF65-F5344CB8AC3E}">
-        <p14:creationId xmlns:p14="http://schemas.microsoft.com/office/powerpoint/2010/main" val="3035049834"/>
+        <p14:creationId xmlns:p14="http://schemas.microsoft.com/office/powerpoint/2010/main" val="130122577"/>
       </p:ext>
     </p:extLst>
   </p:cSld>
@@ -3595,6 +3508,595 @@
       </p:grpSpPr>
       <p:sp>
         <p:nvSpPr>
+          <p:cNvPr id="2" name="标题 1">
+            <a:extLst>
+              <a:ext uri="{FF2B5EF4-FFF2-40B4-BE49-F238E27FC236}">
+                <a16:creationId xmlns:a16="http://schemas.microsoft.com/office/drawing/2014/main" id="{0FBA65C6-D4D1-4965-A887-78935415D9FD}"/>
+              </a:ext>
+            </a:extLst>
+          </p:cNvPr>
+          <p:cNvSpPr>
+            <a:spLocks noGrp="1"/>
+          </p:cNvSpPr>
+          <p:nvPr>
+            <p:ph type="title"/>
+          </p:nvPr>
+        </p:nvSpPr>
+        <p:spPr/>
+        <p:txBody>
+          <a:bodyPr/>
+          <a:lstStyle/>
+          <a:p>
+            <a:r>
+              <a:rPr lang="zh-CN" altLang="en-US" dirty="0"/>
+              <a:t>兼容性</a:t>
+            </a:r>
+          </a:p>
+        </p:txBody>
+      </p:sp>
+      <p:sp>
+        <p:nvSpPr>
+          <p:cNvPr id="3" name="内容占位符 2">
+            <a:extLst>
+              <a:ext uri="{FF2B5EF4-FFF2-40B4-BE49-F238E27FC236}">
+                <a16:creationId xmlns:a16="http://schemas.microsoft.com/office/drawing/2014/main" id="{61921CA1-6746-408B-B742-3B48AB883623}"/>
+              </a:ext>
+            </a:extLst>
+          </p:cNvPr>
+          <p:cNvSpPr>
+            <a:spLocks noGrp="1"/>
+          </p:cNvSpPr>
+          <p:nvPr>
+            <p:ph idx="1"/>
+          </p:nvPr>
+        </p:nvSpPr>
+        <p:spPr/>
+        <p:txBody>
+          <a:bodyPr/>
+          <a:lstStyle/>
+          <a:p>
+            <a:r>
+              <a:rPr lang="en-US" altLang="zh-CN" dirty="0">
+                <a:hlinkClick r:id="rId2"/>
+              </a:rPr>
+              <a:t>https://caniuse.com/#home</a:t>
+            </a:r>
+            <a:endParaRPr lang="en-US" altLang="zh-CN" dirty="0"/>
+          </a:p>
+          <a:p>
+            <a:r>
+              <a:rPr lang="zh-CN" altLang="en-US" dirty="0"/>
+              <a:t>编写：</a:t>
+            </a:r>
+            <a:endParaRPr lang="en-US" altLang="zh-CN" dirty="0"/>
+          </a:p>
+          <a:p>
+            <a:r>
+              <a:rPr lang="en-US" altLang="zh-CN" dirty="0"/>
+              <a:t>Vue</a:t>
+            </a:r>
+            <a:r>
+              <a:rPr lang="zh-CN" altLang="en-US" dirty="0"/>
+              <a:t>项目中 使用</a:t>
+            </a:r>
+            <a:r>
+              <a:rPr lang="en-US" altLang="zh-CN" dirty="0"/>
+              <a:t>less/sass </a:t>
+            </a:r>
+            <a:r>
+              <a:rPr lang="zh-CN" altLang="en-US" dirty="0"/>
+              <a:t>进行</a:t>
+            </a:r>
+            <a:r>
+              <a:rPr lang="en-US" altLang="zh-CN" dirty="0" err="1"/>
+              <a:t>prefixer</a:t>
+            </a:r>
+            <a:r>
+              <a:rPr lang="zh-CN" altLang="en-US" dirty="0"/>
+              <a:t>，或者使用</a:t>
+            </a:r>
+            <a:r>
+              <a:rPr lang="en-US" altLang="zh-CN" dirty="0"/>
+              <a:t>Webpack </a:t>
+            </a:r>
+            <a:r>
+              <a:rPr lang="en-US" altLang="zh-CN" dirty="0" err="1"/>
+              <a:t>autoprefixer</a:t>
+            </a:r>
+            <a:endParaRPr lang="en-US" altLang="zh-CN" dirty="0"/>
+          </a:p>
+          <a:p>
+            <a:endParaRPr lang="en-US" altLang="zh-CN" dirty="0"/>
+          </a:p>
+          <a:p>
+            <a:r>
+              <a:rPr lang="zh-CN" altLang="en-US" dirty="0"/>
+              <a:t>通过</a:t>
+            </a:r>
+            <a:r>
+              <a:rPr lang="en-US" altLang="zh-CN" dirty="0"/>
+              <a:t>Js</a:t>
+            </a:r>
+            <a:r>
+              <a:rPr lang="zh-CN" altLang="en-US" dirty="0"/>
+              <a:t>辅助</a:t>
+            </a:r>
+            <a:r>
+              <a:rPr lang="en-US" altLang="zh-CN" dirty="0" err="1"/>
+              <a:t>css</a:t>
+            </a:r>
+            <a:endParaRPr lang="en-US" altLang="zh-CN" dirty="0"/>
+          </a:p>
+          <a:p>
+            <a:endParaRPr lang="en-US" altLang="zh-CN" dirty="0"/>
+          </a:p>
+          <a:p>
+            <a:r>
+              <a:rPr lang="en-US" altLang="zh-CN" dirty="0" err="1"/>
+              <a:t>Css</a:t>
+            </a:r>
+            <a:r>
+              <a:rPr lang="en-US" altLang="zh-CN" dirty="0"/>
+              <a:t> Hack</a:t>
+            </a:r>
+          </a:p>
+        </p:txBody>
+      </p:sp>
+      <p:sp>
+        <p:nvSpPr>
+          <p:cNvPr id="4" name="日期占位符 3">
+            <a:extLst>
+              <a:ext uri="{FF2B5EF4-FFF2-40B4-BE49-F238E27FC236}">
+                <a16:creationId xmlns:a16="http://schemas.microsoft.com/office/drawing/2014/main" id="{2C3BBAA6-6F30-4CA6-8C6E-96DAE422DC62}"/>
+              </a:ext>
+            </a:extLst>
+          </p:cNvPr>
+          <p:cNvSpPr>
+            <a:spLocks noGrp="1"/>
+          </p:cNvSpPr>
+          <p:nvPr>
+            <p:ph type="dt" sz="half" idx="10"/>
+          </p:nvPr>
+        </p:nvSpPr>
+        <p:spPr/>
+        <p:txBody>
+          <a:bodyPr/>
+          <a:lstStyle/>
+          <a:p>
+            <a:fld id="{4D01DF33-5A38-4035-AC9E-B8E17EB22BE4}" type="datetime1">
+              <a:rPr lang="zh-CN" altLang="en-US" smtClean="0"/>
+              <a:t>2020/8/13</a:t>
+            </a:fld>
+            <a:endParaRPr lang="zh-CN" altLang="en-US"/>
+          </a:p>
+        </p:txBody>
+      </p:sp>
+      <p:sp>
+        <p:nvSpPr>
+          <p:cNvPr id="5" name="灯片编号占位符 4">
+            <a:extLst>
+              <a:ext uri="{FF2B5EF4-FFF2-40B4-BE49-F238E27FC236}">
+                <a16:creationId xmlns:a16="http://schemas.microsoft.com/office/drawing/2014/main" id="{88F73E8A-0F27-4417-AD3D-8E18EB0F7587}"/>
+              </a:ext>
+            </a:extLst>
+          </p:cNvPr>
+          <p:cNvSpPr>
+            <a:spLocks noGrp="1"/>
+          </p:cNvSpPr>
+          <p:nvPr>
+            <p:ph type="sldNum" sz="quarter" idx="12"/>
+          </p:nvPr>
+        </p:nvSpPr>
+        <p:spPr/>
+        <p:txBody>
+          <a:bodyPr/>
+          <a:lstStyle/>
+          <a:p>
+            <a:fld id="{5C794E63-F2AF-49E2-AE37-43481CC587E5}" type="slidenum">
+              <a:rPr lang="zh-CN" altLang="en-US" smtClean="0"/>
+              <a:t>12</a:t>
+            </a:fld>
+            <a:endParaRPr lang="zh-CN" altLang="en-US"/>
+          </a:p>
+        </p:txBody>
+      </p:sp>
+    </p:spTree>
+    <p:extLst>
+      <p:ext uri="{BB962C8B-B14F-4D97-AF65-F5344CB8AC3E}">
+        <p14:creationId xmlns:p14="http://schemas.microsoft.com/office/powerpoint/2010/main" val="3950194608"/>
+      </p:ext>
+    </p:extLst>
+  </p:cSld>
+  <p:clrMapOvr>
+    <a:masterClrMapping/>
+  </p:clrMapOvr>
+</p:sld>
+</file>
+
+<file path=ppt/slides/slide13.xml><?xml version="1.0" encoding="utf-8"?>
+<p:sld xmlns:a="http://schemas.openxmlformats.org/drawingml/2006/main" xmlns:r="http://schemas.openxmlformats.org/officeDocument/2006/relationships" xmlns:p="http://schemas.openxmlformats.org/presentationml/2006/main">
+  <p:cSld>
+    <p:spTree>
+      <p:nvGrpSpPr>
+        <p:cNvPr id="1" name=""/>
+        <p:cNvGrpSpPr/>
+        <p:nvPr/>
+      </p:nvGrpSpPr>
+      <p:grpSpPr>
+        <a:xfrm>
+          <a:off x="0" y="0"/>
+          <a:ext cx="0" cy="0"/>
+          <a:chOff x="0" y="0"/>
+          <a:chExt cx="0" cy="0"/>
+        </a:xfrm>
+      </p:grpSpPr>
+      <p:sp>
+        <p:nvSpPr>
+          <p:cNvPr id="2" name="标题 1">
+            <a:extLst>
+              <a:ext uri="{FF2B5EF4-FFF2-40B4-BE49-F238E27FC236}">
+                <a16:creationId xmlns:a16="http://schemas.microsoft.com/office/drawing/2014/main" id="{54BEB89D-42CE-4D88-AAF9-ECA57923B012}"/>
+              </a:ext>
+            </a:extLst>
+          </p:cNvPr>
+          <p:cNvSpPr>
+            <a:spLocks noGrp="1"/>
+          </p:cNvSpPr>
+          <p:nvPr>
+            <p:ph type="title"/>
+          </p:nvPr>
+        </p:nvSpPr>
+        <p:spPr/>
+        <p:txBody>
+          <a:bodyPr/>
+          <a:lstStyle/>
+          <a:p>
+            <a:r>
+              <a:rPr lang="zh-CN" altLang="en-US" dirty="0"/>
+              <a:t>兼容性</a:t>
+            </a:r>
+          </a:p>
+        </p:txBody>
+      </p:sp>
+      <p:sp>
+        <p:nvSpPr>
+          <p:cNvPr id="3" name="内容占位符 2">
+            <a:extLst>
+              <a:ext uri="{FF2B5EF4-FFF2-40B4-BE49-F238E27FC236}">
+                <a16:creationId xmlns:a16="http://schemas.microsoft.com/office/drawing/2014/main" id="{CBE1534C-1EC6-4EFB-815C-ECB475824044}"/>
+              </a:ext>
+            </a:extLst>
+          </p:cNvPr>
+          <p:cNvSpPr>
+            <a:spLocks noGrp="1"/>
+          </p:cNvSpPr>
+          <p:nvPr>
+            <p:ph idx="1"/>
+          </p:nvPr>
+        </p:nvSpPr>
+        <p:spPr/>
+        <p:txBody>
+          <a:bodyPr/>
+          <a:lstStyle/>
+          <a:p>
+            <a:r>
+              <a:rPr lang="zh-CN" altLang="en-US" dirty="0"/>
+              <a:t>集成：</a:t>
+            </a:r>
+            <a:endParaRPr lang="en-US" altLang="zh-CN" dirty="0"/>
+          </a:p>
+          <a:p>
+            <a:r>
+              <a:rPr lang="en-US" altLang="zh-CN" dirty="0"/>
+              <a:t>Babel: </a:t>
+            </a:r>
+            <a:r>
+              <a:rPr lang="en-US" altLang="zh-CN" dirty="0" err="1"/>
+              <a:t>polyfill</a:t>
+            </a:r>
+            <a:r>
+              <a:rPr lang="en-US" altLang="zh-CN" dirty="0"/>
+              <a:t> preset-env</a:t>
+            </a:r>
+            <a:endParaRPr lang="en-US" altLang="zh-CN" sz="1600" b="1" i="0" dirty="0">
+              <a:solidFill>
+                <a:srgbClr val="404040"/>
+              </a:solidFill>
+              <a:effectLst/>
+              <a:latin typeface="+mj-ea"/>
+              <a:ea typeface="+mj-ea"/>
+            </a:endParaRPr>
+          </a:p>
+          <a:p>
+            <a:endParaRPr lang="zh-CN" altLang="en-US" dirty="0"/>
+          </a:p>
+        </p:txBody>
+      </p:sp>
+      <p:sp>
+        <p:nvSpPr>
+          <p:cNvPr id="4" name="日期占位符 3">
+            <a:extLst>
+              <a:ext uri="{FF2B5EF4-FFF2-40B4-BE49-F238E27FC236}">
+                <a16:creationId xmlns:a16="http://schemas.microsoft.com/office/drawing/2014/main" id="{D5244DE3-4654-4349-BC0F-21A7D5C6BCD8}"/>
+              </a:ext>
+            </a:extLst>
+          </p:cNvPr>
+          <p:cNvSpPr>
+            <a:spLocks noGrp="1"/>
+          </p:cNvSpPr>
+          <p:nvPr>
+            <p:ph type="dt" sz="half" idx="10"/>
+          </p:nvPr>
+        </p:nvSpPr>
+        <p:spPr/>
+        <p:txBody>
+          <a:bodyPr/>
+          <a:lstStyle/>
+          <a:p>
+            <a:fld id="{4D01DF33-5A38-4035-AC9E-B8E17EB22BE4}" type="datetime1">
+              <a:rPr lang="zh-CN" altLang="en-US" smtClean="0"/>
+              <a:t>2020/8/13</a:t>
+            </a:fld>
+            <a:endParaRPr lang="zh-CN" altLang="en-US"/>
+          </a:p>
+        </p:txBody>
+      </p:sp>
+      <p:sp>
+        <p:nvSpPr>
+          <p:cNvPr id="5" name="灯片编号占位符 4">
+            <a:extLst>
+              <a:ext uri="{FF2B5EF4-FFF2-40B4-BE49-F238E27FC236}">
+                <a16:creationId xmlns:a16="http://schemas.microsoft.com/office/drawing/2014/main" id="{CCA60F73-C518-418D-9BBF-78813435F6C5}"/>
+              </a:ext>
+            </a:extLst>
+          </p:cNvPr>
+          <p:cNvSpPr>
+            <a:spLocks noGrp="1"/>
+          </p:cNvSpPr>
+          <p:nvPr>
+            <p:ph type="sldNum" sz="quarter" idx="12"/>
+          </p:nvPr>
+        </p:nvSpPr>
+        <p:spPr/>
+        <p:txBody>
+          <a:bodyPr/>
+          <a:lstStyle/>
+          <a:p>
+            <a:fld id="{5C794E63-F2AF-49E2-AE37-43481CC587E5}" type="slidenum">
+              <a:rPr lang="zh-CN" altLang="en-US" smtClean="0"/>
+              <a:t>13</a:t>
+            </a:fld>
+            <a:endParaRPr lang="zh-CN" altLang="en-US"/>
+          </a:p>
+        </p:txBody>
+      </p:sp>
+    </p:spTree>
+    <p:extLst>
+      <p:ext uri="{BB962C8B-B14F-4D97-AF65-F5344CB8AC3E}">
+        <p14:creationId xmlns:p14="http://schemas.microsoft.com/office/powerpoint/2010/main" val="4111798786"/>
+      </p:ext>
+    </p:extLst>
+  </p:cSld>
+  <p:clrMapOvr>
+    <a:masterClrMapping/>
+  </p:clrMapOvr>
+</p:sld>
+</file>
+
+<file path=ppt/slides/slide14.xml><?xml version="1.0" encoding="utf-8"?>
+<p:sld xmlns:a="http://schemas.openxmlformats.org/drawingml/2006/main" xmlns:r="http://schemas.openxmlformats.org/officeDocument/2006/relationships" xmlns:p="http://schemas.openxmlformats.org/presentationml/2006/main">
+  <p:cSld>
+    <p:spTree>
+      <p:nvGrpSpPr>
+        <p:cNvPr id="1" name=""/>
+        <p:cNvGrpSpPr/>
+        <p:nvPr/>
+      </p:nvGrpSpPr>
+      <p:grpSpPr>
+        <a:xfrm>
+          <a:off x="0" y="0"/>
+          <a:ext cx="0" cy="0"/>
+          <a:chOff x="0" y="0"/>
+          <a:chExt cx="0" cy="0"/>
+        </a:xfrm>
+      </p:grpSpPr>
+      <p:sp>
+        <p:nvSpPr>
+          <p:cNvPr id="2" name="标题 1">
+            <a:extLst>
+              <a:ext uri="{FF2B5EF4-FFF2-40B4-BE49-F238E27FC236}">
+                <a16:creationId xmlns:a16="http://schemas.microsoft.com/office/drawing/2014/main" id="{D5A7A688-5B83-402D-A90C-787B93704CAA}"/>
+              </a:ext>
+            </a:extLst>
+          </p:cNvPr>
+          <p:cNvSpPr>
+            <a:spLocks noGrp="1"/>
+          </p:cNvSpPr>
+          <p:nvPr>
+            <p:ph type="title"/>
+          </p:nvPr>
+        </p:nvSpPr>
+        <p:spPr/>
+        <p:txBody>
+          <a:bodyPr/>
+          <a:lstStyle/>
+          <a:p>
+            <a:r>
+              <a:rPr lang="zh-CN" altLang="en-US" dirty="0"/>
+              <a:t>广告</a:t>
+            </a:r>
+          </a:p>
+        </p:txBody>
+      </p:sp>
+      <p:sp>
+        <p:nvSpPr>
+          <p:cNvPr id="3" name="内容占位符 2">
+            <a:extLst>
+              <a:ext uri="{FF2B5EF4-FFF2-40B4-BE49-F238E27FC236}">
+                <a16:creationId xmlns:a16="http://schemas.microsoft.com/office/drawing/2014/main" id="{799EE95C-D411-4E38-991A-0DDF9775D4F9}"/>
+              </a:ext>
+            </a:extLst>
+          </p:cNvPr>
+          <p:cNvSpPr>
+            <a:spLocks noGrp="1"/>
+          </p:cNvSpPr>
+          <p:nvPr>
+            <p:ph idx="1"/>
+          </p:nvPr>
+        </p:nvSpPr>
+        <p:spPr/>
+        <p:txBody>
+          <a:bodyPr/>
+          <a:lstStyle/>
+          <a:p>
+            <a:r>
+              <a:rPr lang="en-US" altLang="zh-CN" dirty="0"/>
+              <a:t>Vue</a:t>
+            </a:r>
+            <a:r>
+              <a:rPr lang="zh-CN" altLang="en-US" dirty="0"/>
+              <a:t>模板 脚手架已出</a:t>
+            </a:r>
+            <a:endParaRPr lang="en-US" altLang="zh-CN" dirty="0"/>
+          </a:p>
+          <a:p>
+            <a:endParaRPr lang="en-US" altLang="zh-CN" dirty="0"/>
+          </a:p>
+          <a:p>
+            <a:r>
+              <a:rPr lang="en-US" altLang="zh-CN" dirty="0" err="1"/>
+              <a:t>npm</a:t>
+            </a:r>
+            <a:r>
+              <a:rPr lang="en-US" altLang="zh-CN" dirty="0"/>
+              <a:t> install </a:t>
+            </a:r>
+            <a:r>
+              <a:rPr lang="en-US" altLang="zh-CN" dirty="0" err="1"/>
+              <a:t>thunisoft</a:t>
+            </a:r>
+            <a:r>
+              <a:rPr lang="en-US" altLang="zh-CN" dirty="0"/>
+              <a:t>-cli –g</a:t>
+            </a:r>
+          </a:p>
+          <a:p>
+            <a:endParaRPr lang="en-US" altLang="zh-CN" dirty="0"/>
+          </a:p>
+          <a:p>
+            <a:r>
+              <a:rPr lang="en-US" altLang="zh-CN" dirty="0" err="1"/>
+              <a:t>hsm</a:t>
+            </a:r>
+            <a:r>
+              <a:rPr lang="en-US" altLang="zh-CN" dirty="0"/>
+              <a:t> </a:t>
+            </a:r>
+            <a:r>
+              <a:rPr lang="en-US" altLang="zh-CN" dirty="0" err="1"/>
+              <a:t>init</a:t>
+            </a:r>
+            <a:r>
+              <a:rPr lang="en-US" altLang="zh-CN" dirty="0"/>
+              <a:t> </a:t>
+            </a:r>
+            <a:r>
+              <a:rPr lang="zh-CN" altLang="en-US" dirty="0"/>
+              <a:t>搭建项目</a:t>
+            </a:r>
+          </a:p>
+        </p:txBody>
+      </p:sp>
+      <p:sp>
+        <p:nvSpPr>
+          <p:cNvPr id="4" name="日期占位符 3">
+            <a:extLst>
+              <a:ext uri="{FF2B5EF4-FFF2-40B4-BE49-F238E27FC236}">
+                <a16:creationId xmlns:a16="http://schemas.microsoft.com/office/drawing/2014/main" id="{E801D188-92E6-4153-AC75-ED8D7A42E246}"/>
+              </a:ext>
+            </a:extLst>
+          </p:cNvPr>
+          <p:cNvSpPr>
+            <a:spLocks noGrp="1"/>
+          </p:cNvSpPr>
+          <p:nvPr>
+            <p:ph type="dt" sz="half" idx="10"/>
+          </p:nvPr>
+        </p:nvSpPr>
+        <p:spPr/>
+        <p:txBody>
+          <a:bodyPr/>
+          <a:lstStyle/>
+          <a:p>
+            <a:fld id="{4D01DF33-5A38-4035-AC9E-B8E17EB22BE4}" type="datetime1">
+              <a:rPr lang="zh-CN" altLang="en-US" smtClean="0"/>
+              <a:t>2020/8/13</a:t>
+            </a:fld>
+            <a:endParaRPr lang="zh-CN" altLang="en-US"/>
+          </a:p>
+        </p:txBody>
+      </p:sp>
+      <p:sp>
+        <p:nvSpPr>
+          <p:cNvPr id="5" name="灯片编号占位符 4">
+            <a:extLst>
+              <a:ext uri="{FF2B5EF4-FFF2-40B4-BE49-F238E27FC236}">
+                <a16:creationId xmlns:a16="http://schemas.microsoft.com/office/drawing/2014/main" id="{A580F71F-49F4-4615-BC94-196839DB4AAA}"/>
+              </a:ext>
+            </a:extLst>
+          </p:cNvPr>
+          <p:cNvSpPr>
+            <a:spLocks noGrp="1"/>
+          </p:cNvSpPr>
+          <p:nvPr>
+            <p:ph type="sldNum" sz="quarter" idx="12"/>
+          </p:nvPr>
+        </p:nvSpPr>
+        <p:spPr/>
+        <p:txBody>
+          <a:bodyPr/>
+          <a:lstStyle/>
+          <a:p>
+            <a:fld id="{5C794E63-F2AF-49E2-AE37-43481CC587E5}" type="slidenum">
+              <a:rPr lang="zh-CN" altLang="en-US" smtClean="0"/>
+              <a:t>14</a:t>
+            </a:fld>
+            <a:endParaRPr lang="zh-CN" altLang="en-US"/>
+          </a:p>
+        </p:txBody>
+      </p:sp>
+    </p:spTree>
+    <p:extLst>
+      <p:ext uri="{BB962C8B-B14F-4D97-AF65-F5344CB8AC3E}">
+        <p14:creationId xmlns:p14="http://schemas.microsoft.com/office/powerpoint/2010/main" val="1917177865"/>
+      </p:ext>
+    </p:extLst>
+  </p:cSld>
+  <p:clrMapOvr>
+    <a:masterClrMapping/>
+  </p:clrMapOvr>
+</p:sld>
+</file>
+
+<file path=ppt/slides/slide15.xml><?xml version="1.0" encoding="utf-8"?>
+<p:sld xmlns:a="http://schemas.openxmlformats.org/drawingml/2006/main" xmlns:r="http://schemas.openxmlformats.org/officeDocument/2006/relationships" xmlns:p="http://schemas.openxmlformats.org/presentationml/2006/main">
+  <p:cSld>
+    <p:spTree>
+      <p:nvGrpSpPr>
+        <p:cNvPr id="1" name=""/>
+        <p:cNvGrpSpPr/>
+        <p:nvPr/>
+      </p:nvGrpSpPr>
+      <p:grpSpPr>
+        <a:xfrm>
+          <a:off x="0" y="0"/>
+          <a:ext cx="0" cy="0"/>
+          <a:chOff x="0" y="0"/>
+          <a:chExt cx="0" cy="0"/>
+        </a:xfrm>
+      </p:grpSpPr>
+      <p:sp>
+        <p:nvSpPr>
           <p:cNvPr id="4" name="标题 3"/>
           <p:cNvSpPr>
             <a:spLocks noGrp="1"/>
@@ -3637,7 +4139,7 @@
           <a:p>
             <a:fld id="{C1D3EEC2-3DBC-43AD-837B-AE7C27033FDD}" type="datetime1">
               <a:rPr lang="zh-CN" altLang="en-US" smtClean="0"/>
-              <a:t>2020/8/9</a:t>
+              <a:t>2020/8/13</a:t>
             </a:fld>
             <a:endParaRPr lang="zh-CN" altLang="en-US" dirty="0"/>
           </a:p>
@@ -3665,7 +4167,7 @@
           <a:p>
             <a:fld id="{5C794E63-F2AF-49E2-AE37-43481CC587E5}" type="slidenum">
               <a:rPr lang="zh-CN" altLang="en-US" smtClean="0"/>
-              <a:t>12</a:t>
+              <a:t>15</a:t>
             </a:fld>
             <a:endParaRPr lang="zh-CN" altLang="en-US" dirty="0"/>
           </a:p>
@@ -3698,13 +4200,7 @@
       </p:grpSpPr>
       <p:sp>
         <p:nvSpPr>
-          <p:cNvPr id="2" name="标题 1">
-            <a:extLst>
-              <a:ext uri="{FF2B5EF4-FFF2-40B4-BE49-F238E27FC236}">
-                <a16:creationId xmlns:a16="http://schemas.microsoft.com/office/drawing/2014/main" id="{198C6A22-32CE-4D94-A2DB-018DF868093B}"/>
-              </a:ext>
-            </a:extLst>
-          </p:cNvPr>
+          <p:cNvPr id="2" name="标题 1"/>
           <p:cNvSpPr>
             <a:spLocks noGrp="1"/>
           </p:cNvSpPr>
@@ -3714,510 +4210,159 @@
         </p:nvSpPr>
         <p:spPr/>
         <p:txBody>
-          <a:bodyPr/>
-          <a:lstStyle/>
-          <a:p>
-            <a:r>
-              <a:rPr lang="zh-CN" altLang="en-US" dirty="0"/>
-              <a:t>字体</a:t>
-            </a:r>
-          </a:p>
-        </p:txBody>
-      </p:sp>
-      <p:sp>
-        <p:nvSpPr>
-          <p:cNvPr id="3" name="内容占位符 2">
-            <a:extLst>
-              <a:ext uri="{FF2B5EF4-FFF2-40B4-BE49-F238E27FC236}">
-                <a16:creationId xmlns:a16="http://schemas.microsoft.com/office/drawing/2014/main" id="{2BFD79DA-2B9B-44A7-B527-A15303DA0313}"/>
-              </a:ext>
-            </a:extLst>
-          </p:cNvPr>
-          <p:cNvSpPr>
-            <a:spLocks noGrp="1"/>
-          </p:cNvSpPr>
-          <p:nvPr>
-            <p:ph idx="1"/>
-          </p:nvPr>
-        </p:nvSpPr>
-        <p:spPr/>
-        <p:txBody>
           <a:bodyPr>
-            <a:normAutofit/>
+            <a:normAutofit fontScale="90000"/>
           </a:bodyPr>
           <a:lstStyle/>
           <a:p>
-            <a:r>
-              <a:rPr lang="en-US" altLang="zh-CN" sz="1800" b="0" i="0" dirty="0">
-                <a:solidFill>
-                  <a:srgbClr val="000000"/>
-                </a:solidFill>
-                <a:effectLst/>
-                <a:latin typeface="Menlo"/>
-              </a:rPr>
-              <a:t>font-family  </a:t>
-            </a:r>
-            <a:r>
-              <a:rPr lang="zh-CN" altLang="en-US" sz="1800" b="0" i="0" dirty="0">
-                <a:solidFill>
-                  <a:srgbClr val="000000"/>
-                </a:solidFill>
-                <a:effectLst/>
-                <a:latin typeface="Menlo"/>
-              </a:rPr>
-              <a:t>设置字体 可多个</a:t>
-            </a:r>
-            <a:endParaRPr lang="en-US" altLang="zh-CN" sz="1800" b="0" i="0" dirty="0">
-              <a:solidFill>
-                <a:srgbClr val="000000"/>
-              </a:solidFill>
-              <a:effectLst/>
-              <a:latin typeface="Menlo"/>
-            </a:endParaRPr>
-          </a:p>
-          <a:p>
-            <a:r>
-              <a:rPr lang="en-US" altLang="zh-CN" sz="1800" b="0" i="0" dirty="0">
-                <a:solidFill>
-                  <a:srgbClr val="000000"/>
-                </a:solidFill>
-                <a:effectLst/>
-                <a:latin typeface="Menlo"/>
-              </a:rPr>
-              <a:t>p{</a:t>
-            </a:r>
-            <a:r>
-              <a:rPr lang="en-US" altLang="zh-CN" sz="1800" b="0" i="0" dirty="0" err="1">
-                <a:solidFill>
-                  <a:srgbClr val="000000"/>
-                </a:solidFill>
-                <a:effectLst/>
-                <a:latin typeface="Menlo"/>
-              </a:rPr>
-              <a:t>font-family:"Times</a:t>
-            </a:r>
-            <a:r>
-              <a:rPr lang="en-US" altLang="zh-CN" sz="1800" b="0" i="0" dirty="0">
-                <a:solidFill>
-                  <a:srgbClr val="000000"/>
-                </a:solidFill>
-                <a:effectLst/>
-                <a:latin typeface="Menlo"/>
-              </a:rPr>
-              <a:t> New Roman", Times, serif;}</a:t>
-            </a:r>
-            <a:endParaRPr lang="en-US" altLang="zh-CN" sz="1800" dirty="0">
-              <a:solidFill>
-                <a:srgbClr val="000000"/>
-              </a:solidFill>
-              <a:latin typeface="Menlo"/>
-            </a:endParaRPr>
-          </a:p>
-          <a:p>
-            <a:r>
-              <a:rPr lang="en-US" altLang="zh-CN" sz="1800" b="0" i="0" dirty="0">
-                <a:solidFill>
-                  <a:srgbClr val="000000"/>
-                </a:solidFill>
-                <a:effectLst/>
-                <a:latin typeface="Menlo"/>
-              </a:rPr>
-              <a:t>font-size </a:t>
-            </a:r>
-            <a:r>
-              <a:rPr lang="zh-CN" altLang="en-US" sz="1800" b="0" i="0" dirty="0">
-                <a:solidFill>
-                  <a:srgbClr val="000000"/>
-                </a:solidFill>
-                <a:effectLst/>
-                <a:latin typeface="Menlo"/>
-              </a:rPr>
-              <a:t>设置字体大小</a:t>
-            </a:r>
-            <a:endParaRPr lang="en-US" altLang="zh-CN" sz="1800" b="0" i="0" dirty="0">
-              <a:solidFill>
-                <a:srgbClr val="000000"/>
-              </a:solidFill>
-              <a:effectLst/>
-              <a:latin typeface="Menlo"/>
-            </a:endParaRPr>
-          </a:p>
-          <a:p>
-            <a:r>
-              <a:rPr lang="en-US" altLang="zh-CN" sz="1800" b="0" i="0" dirty="0">
-                <a:solidFill>
-                  <a:srgbClr val="000000"/>
-                </a:solidFill>
-                <a:effectLst/>
-                <a:latin typeface="Menlo"/>
-              </a:rPr>
-              <a:t>h2 {font-size:30px;}</a:t>
-            </a:r>
-          </a:p>
-          <a:p>
-            <a:r>
-              <a:rPr lang="en-US" altLang="zh-CN" sz="1800" dirty="0">
-                <a:solidFill>
-                  <a:srgbClr val="000000"/>
-                </a:solidFill>
-                <a:latin typeface="Menlo"/>
-              </a:rPr>
-              <a:t>font-weight  </a:t>
-            </a:r>
-            <a:r>
-              <a:rPr lang="zh-CN" altLang="en-US" sz="1800" dirty="0">
-                <a:solidFill>
-                  <a:srgbClr val="000000"/>
-                </a:solidFill>
-                <a:latin typeface="Menlo"/>
-              </a:rPr>
-              <a:t>字体粗细</a:t>
-            </a:r>
-            <a:endParaRPr lang="en-US" altLang="zh-CN" sz="1800" dirty="0">
-              <a:solidFill>
-                <a:srgbClr val="000000"/>
-              </a:solidFill>
-              <a:latin typeface="Menlo"/>
-            </a:endParaRPr>
-          </a:p>
-          <a:p>
-            <a:r>
-              <a:rPr lang="en-US" altLang="zh-CN" sz="1800" dirty="0">
-                <a:solidFill>
-                  <a:srgbClr val="000000"/>
-                </a:solidFill>
-                <a:latin typeface="Menlo"/>
-              </a:rPr>
-              <a:t>font-weight: 100 – 1000/blob;</a:t>
-            </a:r>
-          </a:p>
-          <a:p>
-            <a:r>
-              <a:rPr lang="en-US" altLang="zh-CN" sz="1800" dirty="0">
-                <a:solidFill>
-                  <a:srgbClr val="000000"/>
-                </a:solidFill>
-                <a:latin typeface="Menlo"/>
-              </a:rPr>
-              <a:t>Text-decoration: </a:t>
-            </a:r>
-            <a:r>
-              <a:rPr lang="zh-CN" altLang="en-US" sz="1800" dirty="0">
-                <a:solidFill>
-                  <a:srgbClr val="000000"/>
-                </a:solidFill>
-                <a:latin typeface="Menlo"/>
-              </a:rPr>
-              <a:t>文字样式</a:t>
-            </a:r>
-            <a:endParaRPr lang="en-US" altLang="zh-CN" sz="1800" dirty="0">
-              <a:solidFill>
-                <a:srgbClr val="000000"/>
-              </a:solidFill>
-              <a:latin typeface="Menlo"/>
-            </a:endParaRPr>
-          </a:p>
-          <a:p>
-            <a:pPr marL="342900" indent="-342900">
-              <a:buFont typeface="+mj-lt"/>
-              <a:buAutoNum type="arabicPeriod"/>
-            </a:pPr>
-            <a:r>
-              <a:rPr lang="en-US" altLang="zh-CN" sz="1600" b="0" i="0" dirty="0">
-                <a:solidFill>
-                  <a:srgbClr val="000000"/>
-                </a:solidFill>
-                <a:effectLst/>
-                <a:latin typeface="PingFangSC-Regular"/>
-              </a:rPr>
-              <a:t>None     </a:t>
-            </a:r>
-            <a:r>
-              <a:rPr lang="zh-CN" altLang="en-US" sz="1600" b="0" i="0" dirty="0">
-                <a:solidFill>
-                  <a:srgbClr val="000000"/>
-                </a:solidFill>
-                <a:effectLst/>
-                <a:latin typeface="PingFangSC-Regular"/>
-              </a:rPr>
-              <a:t>默认</a:t>
-            </a:r>
-            <a:endParaRPr lang="en-US" altLang="zh-CN" sz="1600" b="0" i="0" dirty="0">
-              <a:solidFill>
-                <a:srgbClr val="000000"/>
-              </a:solidFill>
-              <a:effectLst/>
-              <a:latin typeface="PingFangSC-Regular"/>
-            </a:endParaRPr>
-          </a:p>
-          <a:p>
-            <a:pPr marL="342900" indent="-342900">
-              <a:buFont typeface="+mj-lt"/>
-              <a:buAutoNum type="arabicPeriod"/>
-            </a:pPr>
-            <a:r>
-              <a:rPr lang="en-US" altLang="zh-CN" sz="1600" b="0" i="0" u="sng" dirty="0">
-                <a:solidFill>
-                  <a:srgbClr val="000000"/>
-                </a:solidFill>
-                <a:effectLst/>
-                <a:latin typeface="PingFangSC-Regular"/>
-              </a:rPr>
-              <a:t>Underline</a:t>
-            </a:r>
-            <a:r>
-              <a:rPr lang="en-US" altLang="zh-CN" sz="1600" b="0" i="0" dirty="0">
-                <a:solidFill>
-                  <a:srgbClr val="000000"/>
-                </a:solidFill>
-                <a:effectLst/>
-                <a:latin typeface="PingFangSC-Regular"/>
-              </a:rPr>
-              <a:t>    </a:t>
-            </a:r>
-            <a:r>
-              <a:rPr lang="zh-CN" altLang="en-US" sz="1600" b="0" i="0" dirty="0">
-                <a:solidFill>
-                  <a:srgbClr val="000000"/>
-                </a:solidFill>
-                <a:effectLst/>
-                <a:latin typeface="PingFangSC-Regular"/>
-              </a:rPr>
-              <a:t>下划线</a:t>
-            </a:r>
-            <a:endParaRPr lang="en-US" altLang="zh-CN" sz="1600" dirty="0">
-              <a:solidFill>
-                <a:srgbClr val="000000"/>
-              </a:solidFill>
-              <a:latin typeface="PingFangSC-Regular"/>
-            </a:endParaRPr>
-          </a:p>
-          <a:p>
-            <a:pPr marL="342900" indent="-342900">
-              <a:buFont typeface="+mj-lt"/>
-              <a:buAutoNum type="arabicPeriod"/>
-            </a:pPr>
-            <a:r>
-              <a:rPr lang="en-US" altLang="zh-CN" sz="1600" b="0" i="0" dirty="0">
-                <a:solidFill>
-                  <a:srgbClr val="000000"/>
-                </a:solidFill>
-                <a:effectLst/>
-                <a:latin typeface="PingFangSC-Regular"/>
-              </a:rPr>
-              <a:t>Overline   </a:t>
-            </a:r>
-            <a:r>
-              <a:rPr lang="zh-CN" altLang="en-US" sz="1600" b="0" i="0" dirty="0">
-                <a:solidFill>
-                  <a:srgbClr val="000000"/>
-                </a:solidFill>
-                <a:effectLst/>
-                <a:latin typeface="PingFangSC-Regular"/>
-              </a:rPr>
-              <a:t>上划线</a:t>
-            </a:r>
-            <a:endParaRPr lang="en-US" altLang="zh-CN" sz="1600" b="0" i="0" dirty="0">
-              <a:solidFill>
-                <a:srgbClr val="000000"/>
-              </a:solidFill>
-              <a:effectLst/>
-              <a:latin typeface="PingFangSC-Regular"/>
-            </a:endParaRPr>
-          </a:p>
-          <a:p>
-            <a:pPr marL="342900" indent="-342900">
-              <a:buFont typeface="+mj-lt"/>
-              <a:buAutoNum type="arabicPeriod"/>
-            </a:pPr>
-            <a:r>
-              <a:rPr lang="en-US" altLang="zh-CN" sz="1600" b="0" i="0" dirty="0">
-                <a:solidFill>
-                  <a:srgbClr val="000000"/>
-                </a:solidFill>
-                <a:effectLst/>
-                <a:latin typeface="PingFangSC-Regular"/>
-              </a:rPr>
-              <a:t>line-through  </a:t>
-            </a:r>
-            <a:r>
-              <a:rPr lang="zh-CN" altLang="en-US" sz="1600" b="0" i="0" dirty="0">
-                <a:solidFill>
-                  <a:srgbClr val="000000"/>
-                </a:solidFill>
-                <a:effectLst/>
-                <a:latin typeface="PingFangSC-Regular"/>
-              </a:rPr>
-              <a:t>中线</a:t>
-            </a:r>
-            <a:endParaRPr lang="en-US" altLang="zh-CN" sz="1600" b="0" i="0" dirty="0">
-              <a:solidFill>
-                <a:srgbClr val="000000"/>
-              </a:solidFill>
-              <a:effectLst/>
-              <a:latin typeface="PingFangSC-Regular"/>
-            </a:endParaRPr>
-          </a:p>
-          <a:p>
-            <a:pPr marL="342900" indent="-342900">
-              <a:buFont typeface="+mj-lt"/>
-              <a:buAutoNum type="arabicPeriod"/>
-            </a:pPr>
-            <a:r>
-              <a:rPr lang="en-US" altLang="zh-CN" sz="1600" b="0" i="0" dirty="0">
-                <a:solidFill>
-                  <a:srgbClr val="000000"/>
-                </a:solidFill>
-                <a:effectLst/>
-                <a:latin typeface="PingFangSC-Regular"/>
-              </a:rPr>
-              <a:t>Blink    </a:t>
-            </a:r>
-            <a:r>
-              <a:rPr lang="zh-CN" altLang="en-US" sz="1600" b="0" i="0" dirty="0">
-                <a:solidFill>
-                  <a:srgbClr val="000000"/>
-                </a:solidFill>
-                <a:effectLst/>
-                <a:latin typeface="PingFangSC-Regular"/>
-              </a:rPr>
-              <a:t>闪烁</a:t>
-            </a:r>
-            <a:endParaRPr lang="en-US" altLang="zh-CN" sz="1600" b="0" i="0" dirty="0">
-              <a:solidFill>
-                <a:srgbClr val="000000"/>
-              </a:solidFill>
-              <a:effectLst/>
-              <a:latin typeface="PingFangSC-Regular"/>
-            </a:endParaRPr>
-          </a:p>
-          <a:p>
-            <a:pPr marL="342900" indent="-342900">
-              <a:buFont typeface="+mj-lt"/>
-              <a:buAutoNum type="arabicPeriod"/>
-            </a:pPr>
-            <a:r>
-              <a:rPr lang="en-US" altLang="zh-CN" sz="1600" b="0" i="0" dirty="0">
-                <a:solidFill>
-                  <a:srgbClr val="000000"/>
-                </a:solidFill>
-                <a:effectLst/>
-                <a:latin typeface="PingFangSC-Regular"/>
-              </a:rPr>
-              <a:t>Inherit   </a:t>
-            </a:r>
-            <a:r>
-              <a:rPr lang="zh-CN" altLang="en-US" sz="1600" b="0" i="0" dirty="0">
-                <a:solidFill>
-                  <a:srgbClr val="000000"/>
-                </a:solidFill>
-                <a:effectLst/>
-                <a:latin typeface="PingFangSC-Regular"/>
-              </a:rPr>
-              <a:t>继承</a:t>
-            </a:r>
-            <a:endParaRPr lang="en-US" altLang="zh-CN" sz="1600" dirty="0">
-              <a:solidFill>
-                <a:srgbClr val="000000"/>
-              </a:solidFill>
-              <a:latin typeface="Menlo"/>
-            </a:endParaRPr>
-          </a:p>
-          <a:p>
-            <a:endParaRPr lang="en-US" altLang="zh-CN" sz="1800" dirty="0">
-              <a:solidFill>
-                <a:srgbClr val="000000"/>
-              </a:solidFill>
-              <a:latin typeface="Menlo"/>
-            </a:endParaRPr>
-          </a:p>
-          <a:p>
-            <a:endParaRPr lang="en-US" altLang="zh-CN" sz="1800" b="0" i="0" dirty="0">
-              <a:solidFill>
-                <a:srgbClr val="000000"/>
-              </a:solidFill>
-              <a:effectLst/>
-              <a:latin typeface="Menlo"/>
-            </a:endParaRPr>
-          </a:p>
-          <a:p>
-            <a:endParaRPr lang="zh-CN" altLang="en-US" sz="1800" b="1" i="0" dirty="0">
-              <a:solidFill>
-                <a:srgbClr val="333333"/>
-              </a:solidFill>
-              <a:effectLst/>
-              <a:latin typeface="Helvetica Neue"/>
-            </a:endParaRPr>
-          </a:p>
-          <a:p>
-            <a:endParaRPr lang="zh-CN" altLang="en-US" sz="1800" dirty="0"/>
-          </a:p>
-        </p:txBody>
-      </p:sp>
-      <p:sp>
-        <p:nvSpPr>
-          <p:cNvPr id="4" name="日期占位符 3">
-            <a:extLst>
-              <a:ext uri="{FF2B5EF4-FFF2-40B4-BE49-F238E27FC236}">
-                <a16:creationId xmlns:a16="http://schemas.microsoft.com/office/drawing/2014/main" id="{8A3774CA-7FAC-4B79-B53C-F4122E76E804}"/>
-              </a:ext>
-            </a:extLst>
-          </p:cNvPr>
-          <p:cNvSpPr>
-            <a:spLocks noGrp="1"/>
-          </p:cNvSpPr>
-          <p:nvPr>
-            <p:ph type="dt" sz="half" idx="10"/>
+            <a:br>
+              <a:rPr lang="zh-CN" altLang="en-US" b="1" dirty="0"/>
+            </a:br>
+            <a:r>
+              <a:rPr lang="en-US" altLang="zh-CN" b="1" dirty="0"/>
+              <a:t>CSS3</a:t>
+            </a:r>
+            <a:r>
+              <a:rPr lang="zh-CN" altLang="en-US" b="1" dirty="0"/>
+              <a:t>选择器</a:t>
+            </a:r>
+            <a:br>
+              <a:rPr lang="zh-CN" altLang="en-US" b="1" dirty="0"/>
+            </a:br>
+            <a:endParaRPr lang="zh-CN" altLang="en-US" dirty="0"/>
+          </a:p>
+        </p:txBody>
+      </p:sp>
+      <p:sp>
+        <p:nvSpPr>
+          <p:cNvPr id="3" name="内容占位符 2"/>
+          <p:cNvSpPr>
+            <a:spLocks noGrp="1"/>
+          </p:cNvSpPr>
+          <p:nvPr>
+            <p:ph idx="1"/>
           </p:nvPr>
         </p:nvSpPr>
         <p:spPr/>
         <p:txBody>
-          <a:bodyPr/>
+          <a:bodyPr>
+            <a:normAutofit fontScale="85000" lnSpcReduction="20000"/>
+          </a:bodyPr>
           <a:lstStyle/>
           <a:p>
-            <a:fld id="{4D01DF33-5A38-4035-AC9E-B8E17EB22BE4}" type="datetime1">
-              <a:rPr lang="zh-CN" altLang="en-US" smtClean="0"/>
-              <a:t>2020/8/9</a:t>
-            </a:fld>
-            <a:endParaRPr lang="zh-CN" altLang="en-US"/>
-          </a:p>
-        </p:txBody>
-      </p:sp>
-      <p:sp>
-        <p:nvSpPr>
-          <p:cNvPr id="5" name="灯片编号占位符 4">
-            <a:extLst>
-              <a:ext uri="{FF2B5EF4-FFF2-40B4-BE49-F238E27FC236}">
-                <a16:creationId xmlns:a16="http://schemas.microsoft.com/office/drawing/2014/main" id="{638D3D74-70CD-4749-BEC1-97C0A5D212FB}"/>
-              </a:ext>
-            </a:extLst>
-          </p:cNvPr>
-          <p:cNvSpPr>
-            <a:spLocks noGrp="1"/>
-          </p:cNvSpPr>
-          <p:nvPr>
-            <p:ph type="sldNum" sz="quarter" idx="12"/>
-          </p:nvPr>
-        </p:nvSpPr>
-        <p:spPr/>
-        <p:txBody>
-          <a:bodyPr/>
-          <a:lstStyle/>
-          <a:p>
-            <a:fld id="{5C794E63-F2AF-49E2-AE37-43481CC587E5}" type="slidenum">
-              <a:rPr lang="zh-CN" altLang="en-US" smtClean="0"/>
-              <a:t>2</a:t>
-            </a:fld>
-            <a:endParaRPr lang="zh-CN" altLang="en-US"/>
+            <a:r>
+              <a:rPr lang="zh-CN" altLang="en-US" sz="2000" dirty="0"/>
+              <a:t>：</a:t>
+            </a:r>
+            <a:r>
+              <a:rPr lang="en-US" altLang="zh-CN" sz="2000" dirty="0"/>
+              <a:t>root</a:t>
+            </a:r>
+          </a:p>
+          <a:p>
+            <a:endParaRPr lang="en-US" altLang="zh-CN" sz="2000" dirty="0"/>
+          </a:p>
+          <a:p>
+            <a:r>
+              <a:rPr lang="zh-CN" altLang="en-US" sz="2000" dirty="0"/>
+              <a:t>语法</a:t>
+            </a:r>
+          </a:p>
+          <a:p>
+            <a:r>
+              <a:rPr lang="zh-CN" altLang="en-US" sz="2000" dirty="0"/>
+              <a:t>:root{</a:t>
+            </a:r>
+          </a:p>
+          <a:p>
+            <a:r>
+              <a:rPr lang="zh-CN" altLang="en-US" sz="2000" dirty="0"/>
+              <a:t>  css语法;</a:t>
+            </a:r>
+          </a:p>
+          <a:p>
+            <a:r>
+              <a:rPr lang="zh-CN" altLang="en-US" sz="2000" dirty="0"/>
+              <a:t>}</a:t>
+            </a:r>
+          </a:p>
+          <a:p>
+            <a:endParaRPr lang="zh-CN" altLang="en-US" sz="2000" dirty="0"/>
+          </a:p>
+          <a:p>
+            <a:r>
+              <a:rPr lang="zh-CN" altLang="en-US" sz="2000" dirty="0"/>
+              <a:t>作用</a:t>
+            </a:r>
+            <a:r>
+              <a:rPr lang="en-US" altLang="zh-CN" sz="2000" dirty="0"/>
+              <a:t>:  </a:t>
+            </a:r>
+            <a:r>
+              <a:rPr lang="zh-CN" altLang="en-US" sz="2000" dirty="0"/>
+              <a:t>代表根 一般值</a:t>
+            </a:r>
+            <a:r>
+              <a:rPr lang="en-US" altLang="zh-CN" sz="2000" dirty="0"/>
+              <a:t>html </a:t>
+            </a:r>
+            <a:r>
+              <a:rPr lang="zh-CN" altLang="en-US" sz="2000" dirty="0"/>
+              <a:t>优先级更高，可以在内部声明全局</a:t>
+            </a:r>
+            <a:r>
+              <a:rPr lang="en-US" altLang="zh-CN" sz="2000" dirty="0"/>
+              <a:t>css</a:t>
+            </a:r>
+          </a:p>
+          <a:p>
+            <a:endParaRPr lang="en-US" altLang="zh-CN" sz="2000" dirty="0"/>
+          </a:p>
+          <a:p>
+            <a:r>
+              <a:rPr lang="en-US" altLang="zh-CN" sz="2000" dirty="0"/>
+              <a:t>:root {</a:t>
+            </a:r>
+          </a:p>
+          <a:p>
+            <a:r>
+              <a:rPr lang="en-US" altLang="zh-CN" sz="2000" dirty="0"/>
+              <a:t>  --ck-highlight-pen-red: #e91314;</a:t>
+            </a:r>
+          </a:p>
+          <a:p>
+            <a:r>
+              <a:rPr lang="en-US" altLang="zh-CN" sz="2000" dirty="0"/>
+              <a:t>}</a:t>
+            </a:r>
+          </a:p>
+          <a:p>
+            <a:r>
+              <a:rPr lang="en-US" altLang="zh-CN" sz="2000" dirty="0"/>
+              <a:t> </a:t>
+            </a:r>
+          </a:p>
+          <a:p>
+            <a:r>
+              <a:rPr lang="en-US" altLang="zh-CN" sz="2000" dirty="0"/>
+              <a:t>.pen-black {</a:t>
+            </a:r>
+          </a:p>
+          <a:p>
+            <a:r>
+              <a:rPr lang="en-US" altLang="zh-CN" sz="2000" dirty="0"/>
+              <a:t>  color: var(--ck-highlight-pen-black);</a:t>
+            </a:r>
+          </a:p>
+          <a:p>
+            <a:r>
+              <a:rPr lang="en-US" altLang="zh-CN" sz="2000" dirty="0"/>
+              <a:t>}</a:t>
+            </a:r>
           </a:p>
         </p:txBody>
       </p:sp>
     </p:spTree>
-    <p:extLst>
-      <p:ext uri="{BB962C8B-B14F-4D97-AF65-F5344CB8AC3E}">
-        <p14:creationId xmlns:p14="http://schemas.microsoft.com/office/powerpoint/2010/main" val="2017188498"/>
-      </p:ext>
-    </p:extLst>
   </p:cSld>
   <p:clrMapOvr>
     <a:masterClrMapping/>
@@ -4252,157 +4397,224 @@
             <p:ph type="title"/>
           </p:nvPr>
         </p:nvSpPr>
+        <p:spPr>
+          <a:xfrm>
+            <a:off x="719572" y="145016"/>
+            <a:ext cx="5472608" cy="490066"/>
+          </a:xfrm>
+        </p:spPr>
+        <p:txBody>
+          <a:bodyPr/>
+          <a:lstStyle/>
+          <a:p>
+            <a:r>
+              <a:rPr lang="en-US" altLang="zh-CN" b="1" dirty="0">
+                <a:sym typeface="+mn-ea"/>
+              </a:rPr>
+              <a:t>CSS3</a:t>
+            </a:r>
+            <a:r>
+              <a:rPr lang="zh-CN" altLang="en-US" b="1" dirty="0">
+                <a:sym typeface="+mn-ea"/>
+              </a:rPr>
+              <a:t>选择器</a:t>
+            </a:r>
+            <a:endParaRPr lang="zh-CN" altLang="en-US"/>
+          </a:p>
+        </p:txBody>
+      </p:sp>
+      <p:sp>
+        <p:nvSpPr>
+          <p:cNvPr id="3" name="内容占位符 2"/>
+          <p:cNvSpPr>
+            <a:spLocks noGrp="1"/>
+          </p:cNvSpPr>
+          <p:nvPr>
+            <p:ph idx="1"/>
+          </p:nvPr>
+        </p:nvSpPr>
         <p:spPr/>
         <p:txBody>
           <a:bodyPr>
-            <a:normAutofit fontScale="90000"/>
+            <a:normAutofit/>
           </a:bodyPr>
           <a:lstStyle/>
           <a:p>
-            <a:br>
-              <a:rPr lang="zh-CN" altLang="en-US" b="1" dirty="0"/>
-            </a:br>
-            <a:r>
-              <a:rPr lang="en-US" altLang="zh-CN" b="1" dirty="0"/>
-              <a:t>CSS3</a:t>
-            </a:r>
-            <a:r>
-              <a:rPr lang="zh-CN" altLang="en-US" b="1" dirty="0"/>
+            <a:r>
+              <a:rPr lang="zh-CN" altLang="en-US" sz="1600" dirty="0"/>
+              <a:t>：</a:t>
+            </a:r>
+            <a:r>
+              <a:rPr lang="en-US" altLang="zh-CN" sz="1600" dirty="0"/>
+              <a:t>not</a:t>
+            </a:r>
+          </a:p>
+          <a:p>
+            <a:endParaRPr lang="en-US" altLang="zh-CN" sz="1600" dirty="0"/>
+          </a:p>
+          <a:p>
+            <a:r>
+              <a:rPr lang="zh-CN" altLang="en-US" sz="1600" dirty="0"/>
+              <a:t>语法</a:t>
+            </a:r>
+          </a:p>
+          <a:p>
+            <a:r>
+              <a:rPr lang="en-US" altLang="zh-CN" sz="1600" dirty="0"/>
+              <a:t>:not(selector)  </a:t>
+            </a:r>
+            <a:r>
+              <a:rPr lang="en-US" altLang="zh-CN" sz="1600" dirty="0" err="1"/>
+              <a:t>选择器匹配每个元素是不是指定的元素</a:t>
+            </a:r>
+            <a:r>
+              <a:rPr lang="en-US" altLang="zh-CN" sz="1600" dirty="0"/>
+              <a:t>/</a:t>
+            </a:r>
+            <a:r>
+              <a:rPr lang="en-US" altLang="zh-CN" sz="1600" dirty="0" err="1"/>
               <a:t>选择器</a:t>
             </a:r>
-            <a:br>
-              <a:rPr lang="zh-CN" altLang="en-US" b="1" dirty="0"/>
-            </a:br>
-            <a:endParaRPr lang="zh-CN" altLang="en-US" dirty="0"/>
-          </a:p>
-        </p:txBody>
-      </p:sp>
-      <p:sp>
-        <p:nvSpPr>
-          <p:cNvPr id="3" name="内容占位符 2"/>
-          <p:cNvSpPr>
-            <a:spLocks noGrp="1"/>
-          </p:cNvSpPr>
-          <p:nvPr>
-            <p:ph idx="1"/>
+            <a:endParaRPr lang="en-US" altLang="zh-CN" sz="1600" dirty="0"/>
+          </a:p>
+          <a:p>
+            <a:endParaRPr lang="en-US" altLang="zh-CN" sz="1600" dirty="0"/>
+          </a:p>
+          <a:p>
+            <a:r>
+              <a:rPr lang="zh-CN" altLang="en-US" sz="1600" dirty="0"/>
+              <a:t>可以接收</a:t>
+            </a:r>
+          </a:p>
+          <a:p>
+            <a:r>
+              <a:rPr lang="zh-CN" altLang="en-US" sz="1600" dirty="0"/>
+              <a:t>标签选择器  </a:t>
+            </a:r>
+            <a:r>
+              <a:rPr lang="en-US" altLang="zh-CN" sz="1600" dirty="0"/>
+              <a:t>:not(p)</a:t>
+            </a:r>
+          </a:p>
+          <a:p>
+            <a:r>
+              <a:rPr lang="zh-CN" altLang="en-US" sz="1600" dirty="0"/>
+              <a:t>类选择 </a:t>
+            </a:r>
+            <a:r>
+              <a:rPr lang="en-US" altLang="zh-CN" sz="1600" dirty="0"/>
+              <a:t>:not(.class)</a:t>
+            </a:r>
+          </a:p>
+          <a:p>
+            <a:r>
+              <a:rPr lang="en-US" altLang="zh-CN" sz="1600" dirty="0"/>
+              <a:t>ID</a:t>
+            </a:r>
+            <a:r>
+              <a:rPr lang="zh-CN" altLang="en-US" sz="1600" dirty="0"/>
+              <a:t>选择器 </a:t>
+            </a:r>
+            <a:r>
+              <a:rPr lang="en-US" altLang="zh-CN" sz="1600" dirty="0"/>
+              <a:t>:not(#app)</a:t>
+            </a:r>
+          </a:p>
+          <a:p>
+            <a:r>
+              <a:rPr lang="zh-CN" altLang="en-US" sz="1600" dirty="0"/>
+              <a:t>伪类选择器 </a:t>
+            </a:r>
+            <a:r>
+              <a:rPr lang="en-US" altLang="zh-CN" sz="1600" dirty="0"/>
+              <a:t>:not(:first-child)</a:t>
+            </a:r>
+          </a:p>
+          <a:p>
+            <a:r>
+              <a:rPr lang="zh-CN" altLang="en-US" sz="1600" dirty="0"/>
+              <a:t>属性选择器 </a:t>
+            </a:r>
+            <a:r>
+              <a:rPr lang="en-US" altLang="zh-CN" sz="1600" dirty="0"/>
+              <a:t>:not([type='checkbox'])</a:t>
+            </a:r>
+          </a:p>
+          <a:p>
+            <a:endParaRPr lang="en-US" altLang="zh-CN" sz="1600" dirty="0"/>
+          </a:p>
+          <a:p>
+            <a:r>
+              <a:rPr lang="zh-CN" altLang="en-US" sz="1600" dirty="0"/>
+              <a:t>不支持伪类 不支持伪类 不支持伪类</a:t>
+            </a:r>
+          </a:p>
+          <a:p>
+            <a:r>
+              <a:rPr lang="en-US" altLang="zh-CN" sz="1600" dirty="0"/>
+              <a:t>:not(::before) </a:t>
+            </a:r>
+          </a:p>
+          <a:p>
+            <a:r>
+              <a:rPr lang="en-US" altLang="zh-CN" sz="1600" dirty="0"/>
+              <a:t>:not(:not())</a:t>
+            </a:r>
+          </a:p>
+          <a:p>
+            <a:endParaRPr lang="en-US" altLang="zh-CN" sz="1600" dirty="0"/>
+          </a:p>
+          <a:p>
+            <a:endParaRPr lang="en-US" altLang="zh-CN" sz="1600" dirty="0"/>
+          </a:p>
+          <a:p>
+            <a:endParaRPr lang="en-US" altLang="zh-CN" sz="1600" dirty="0"/>
+          </a:p>
+        </p:txBody>
+      </p:sp>
+      <p:sp>
+        <p:nvSpPr>
+          <p:cNvPr id="4" name="日期占位符 3"/>
+          <p:cNvSpPr>
+            <a:spLocks noGrp="1"/>
+          </p:cNvSpPr>
+          <p:nvPr>
+            <p:ph type="dt" sz="half" idx="10"/>
           </p:nvPr>
         </p:nvSpPr>
         <p:spPr/>
         <p:txBody>
-          <a:bodyPr>
-            <a:normAutofit fontScale="77500" lnSpcReduction="10000"/>
-          </a:bodyPr>
+          <a:bodyPr/>
           <a:lstStyle/>
           <a:p>
-            <a:r>
-              <a:rPr lang="zh-CN" altLang="en-US" sz="2000" dirty="0"/>
-              <a:t>：</a:t>
-            </a:r>
-            <a:r>
-              <a:rPr lang="en-US" altLang="zh-CN" sz="2000" dirty="0"/>
-              <a:t>root</a:t>
-            </a:r>
-          </a:p>
-          <a:p>
-            <a:endParaRPr lang="en-US" altLang="zh-CN" sz="2000" dirty="0"/>
-          </a:p>
-          <a:p>
-            <a:r>
-              <a:rPr lang="zh-CN" altLang="en-US" sz="2000" dirty="0"/>
-              <a:t>语法</a:t>
-            </a:r>
-          </a:p>
-          <a:p>
-            <a:r>
-              <a:rPr lang="zh-CN" altLang="en-US" sz="2000" dirty="0"/>
-              <a:t>:root{</a:t>
-            </a:r>
-          </a:p>
-          <a:p>
-            <a:r>
-              <a:rPr lang="zh-CN" altLang="en-US" sz="2000" dirty="0"/>
-              <a:t>  css语法;</a:t>
-            </a:r>
-          </a:p>
-          <a:p>
-            <a:r>
-              <a:rPr lang="zh-CN" altLang="en-US" sz="2000" dirty="0"/>
-              <a:t>}</a:t>
-            </a:r>
-          </a:p>
-          <a:p>
-            <a:endParaRPr lang="zh-CN" altLang="en-US" sz="2000" dirty="0"/>
-          </a:p>
-          <a:p>
-            <a:r>
-              <a:rPr lang="zh-CN" altLang="en-US" sz="2000" dirty="0"/>
-              <a:t>作用</a:t>
-            </a:r>
-            <a:r>
-              <a:rPr lang="en-US" altLang="zh-CN" sz="2000" dirty="0"/>
-              <a:t>:  </a:t>
-            </a:r>
-            <a:r>
-              <a:rPr lang="zh-CN" altLang="en-US" sz="2000" dirty="0"/>
-              <a:t>代表根 一般值</a:t>
-            </a:r>
-            <a:r>
-              <a:rPr lang="en-US" altLang="zh-CN" sz="2000" dirty="0"/>
-              <a:t>html </a:t>
-            </a:r>
-            <a:r>
-              <a:rPr lang="zh-CN" altLang="en-US" sz="2000" dirty="0"/>
-              <a:t>优先级更高，可以在内部声明全局</a:t>
-            </a:r>
-            <a:r>
-              <a:rPr lang="en-US" altLang="zh-CN" sz="2000" dirty="0"/>
-              <a:t>css</a:t>
-            </a:r>
-          </a:p>
-          <a:p>
-            <a:endParaRPr lang="en-US" altLang="zh-CN" sz="2000" dirty="0"/>
-          </a:p>
-          <a:p>
-            <a:r>
-              <a:rPr lang="en-US" altLang="zh-CN" sz="2000" dirty="0"/>
-              <a:t>:root {</a:t>
-            </a:r>
-          </a:p>
-          <a:p>
-            <a:r>
-              <a:rPr lang="en-US" altLang="zh-CN" sz="2000" dirty="0"/>
-              <a:t>  --ck-highlight-pen-red: #e91314;</a:t>
-            </a:r>
-          </a:p>
-          <a:p>
-            <a:r>
-              <a:rPr lang="en-US" altLang="zh-CN" sz="2000" dirty="0"/>
-              <a:t>}</a:t>
-            </a:r>
-          </a:p>
-          <a:p>
-            <a:r>
-              <a:rPr lang="en-US" altLang="zh-CN" sz="2000" dirty="0"/>
-              <a:t> </a:t>
-            </a:r>
-          </a:p>
-          <a:p>
-            <a:r>
-              <a:rPr lang="en-US" altLang="zh-CN" sz="2000" dirty="0"/>
-              <a:t>.pen-black {</a:t>
-            </a:r>
-          </a:p>
-          <a:p>
-            <a:r>
-              <a:rPr lang="en-US" altLang="zh-CN" sz="2000" dirty="0"/>
-              <a:t>  color: var(--ck-highlight-pen-black);</a:t>
-            </a:r>
-          </a:p>
-          <a:p>
-            <a:r>
-              <a:rPr lang="en-US" altLang="zh-CN" sz="2000" dirty="0"/>
-              <a:t>}</a:t>
-            </a:r>
+            <a:fld id="{4D01DF33-5A38-4035-AC9E-B8E17EB22BE4}" type="datetime1">
+              <a:rPr lang="zh-CN" altLang="en-US" smtClean="0"/>
+              <a:t>2020/8/13</a:t>
+            </a:fld>
+            <a:endParaRPr lang="zh-CN" altLang="en-US"/>
+          </a:p>
+        </p:txBody>
+      </p:sp>
+      <p:sp>
+        <p:nvSpPr>
+          <p:cNvPr id="5" name="灯片编号占位符 4"/>
+          <p:cNvSpPr>
+            <a:spLocks noGrp="1"/>
+          </p:cNvSpPr>
+          <p:nvPr>
+            <p:ph type="sldNum" sz="quarter" idx="12"/>
+          </p:nvPr>
+        </p:nvSpPr>
+        <p:spPr/>
+        <p:txBody>
+          <a:bodyPr/>
+          <a:lstStyle/>
+          <a:p>
+            <a:fld id="{5C794E63-F2AF-49E2-AE37-43481CC587E5}" type="slidenum">
+              <a:rPr lang="zh-CN" altLang="en-US" smtClean="0"/>
+              <a:t>3</a:t>
+            </a:fld>
+            <a:endParaRPr lang="zh-CN" altLang="en-US"/>
           </a:p>
         </p:txBody>
       </p:sp>
@@ -4441,12 +4653,7 @@
             <p:ph type="title"/>
           </p:nvPr>
         </p:nvSpPr>
-        <p:spPr>
-          <a:xfrm>
-            <a:off x="719572" y="145016"/>
-            <a:ext cx="5472608" cy="490066"/>
-          </a:xfrm>
-        </p:spPr>
+        <p:spPr/>
         <p:txBody>
           <a:bodyPr/>
           <a:lstStyle/>
@@ -4479,146 +4686,112 @@
         </p:nvSpPr>
         <p:spPr/>
         <p:txBody>
+          <a:bodyPr>
+            <a:normAutofit/>
+          </a:bodyPr>
+          <a:lstStyle/>
+          <a:p>
+            <a:r>
+              <a:rPr lang="zh-CN" altLang="en-US" sz="1600" dirty="0"/>
+              <a:t>：empty</a:t>
+            </a:r>
+          </a:p>
+          <a:p>
+            <a:endParaRPr lang="zh-CN" altLang="en-US" sz="1600" dirty="0"/>
+          </a:p>
+          <a:p>
+            <a:r>
+              <a:rPr lang="zh-CN" altLang="en-US" sz="1600" dirty="0"/>
+              <a:t>:empty选择器选择每个没有任何子级的元素（</a:t>
+            </a:r>
+            <a:r>
+              <a:rPr lang="zh-CN" altLang="en-US" sz="1600" b="1" dirty="0"/>
+              <a:t>包括文本节点</a:t>
+            </a:r>
+            <a:r>
+              <a:rPr lang="zh-CN" altLang="en-US" sz="1600" dirty="0"/>
+              <a:t>）</a:t>
+            </a:r>
+          </a:p>
+          <a:p>
+            <a:endParaRPr lang="zh-CN" altLang="en-US" sz="1600" dirty="0"/>
+          </a:p>
+          <a:p>
+            <a:r>
+              <a:rPr lang="en-US" altLang="zh-CN" sz="1600" dirty="0"/>
+              <a:t>p:empty {</a:t>
+            </a:r>
+          </a:p>
+          <a:p>
+            <a:r>
+              <a:rPr lang="en-US" altLang="zh-CN" sz="1600" dirty="0"/>
+              <a:t>  background-color: red;</a:t>
+            </a:r>
+          </a:p>
+          <a:p>
+            <a:r>
+              <a:rPr lang="en-US" altLang="zh-CN" sz="1600" dirty="0"/>
+              <a:t>}</a:t>
+            </a:r>
+            <a:endParaRPr lang="zh-CN" altLang="en-US" sz="1600" dirty="0"/>
+          </a:p>
+          <a:p>
+            <a:endParaRPr lang="zh-CN" altLang="en-US" sz="1600" dirty="0"/>
+          </a:p>
+          <a:p>
+            <a:r>
+              <a:rPr lang="en-US" altLang="zh-CN" sz="1600" dirty="0"/>
+              <a:t>&lt;p&gt;123321&lt;/p&gt;</a:t>
+            </a:r>
+          </a:p>
+          <a:p>
+            <a:r>
+              <a:rPr lang="en-US" altLang="zh-CN" sz="1600" dirty="0"/>
+              <a:t>&lt;p&gt;&lt;/p&gt;</a:t>
+            </a:r>
+          </a:p>
+          <a:p>
+            <a:r>
+              <a:rPr lang="en-US" altLang="zh-CN" sz="1600" dirty="0"/>
+              <a:t>&lt;p&gt;</a:t>
+            </a:r>
+          </a:p>
+          <a:p>
+            <a:r>
+              <a:rPr lang="en-US" altLang="zh-CN" sz="1600" dirty="0"/>
+              <a:t>  &lt;span&gt;&lt;/span&gt;</a:t>
+            </a:r>
+          </a:p>
+          <a:p>
+            <a:r>
+              <a:rPr lang="en-US" altLang="zh-CN" sz="1600" dirty="0"/>
+              <a:t>&lt;/p&gt;</a:t>
+            </a:r>
+            <a:endParaRPr lang="zh-CN" altLang="en-US" sz="1600" dirty="0"/>
+          </a:p>
+          <a:p>
+            <a:endParaRPr lang="zh-CN" altLang="en-US" sz="1600" dirty="0"/>
+          </a:p>
+        </p:txBody>
+      </p:sp>
+      <p:sp>
+        <p:nvSpPr>
+          <p:cNvPr id="4" name="日期占位符 3"/>
+          <p:cNvSpPr>
+            <a:spLocks noGrp="1"/>
+          </p:cNvSpPr>
+          <p:nvPr>
+            <p:ph type="dt" sz="half" idx="10"/>
+          </p:nvPr>
+        </p:nvSpPr>
+        <p:spPr/>
+        <p:txBody>
           <a:bodyPr/>
           <a:lstStyle/>
           <a:p>
-            <a:r>
-              <a:rPr lang="zh-CN" altLang="en-US" sz="1400"/>
-              <a:t>：</a:t>
-            </a:r>
-            <a:r>
-              <a:rPr lang="en-US" altLang="zh-CN" sz="1400"/>
-              <a:t>not</a:t>
-            </a:r>
-          </a:p>
-          <a:p>
-            <a:endParaRPr lang="en-US" altLang="zh-CN" sz="1400"/>
-          </a:p>
-          <a:p>
-            <a:r>
-              <a:rPr lang="zh-CN" altLang="en-US" sz="1400"/>
-              <a:t>语法</a:t>
-            </a:r>
-          </a:p>
-          <a:p>
-            <a:r>
-              <a:rPr lang="en-US" altLang="zh-CN" sz="1400"/>
-              <a:t>:not(selector)  选择器匹配每个元素是不是指定的元素/选择器</a:t>
-            </a:r>
-          </a:p>
-          <a:p>
-            <a:endParaRPr lang="en-US" altLang="zh-CN" sz="1400"/>
-          </a:p>
-          <a:p>
-            <a:r>
-              <a:rPr lang="zh-CN" altLang="en-US" sz="1400"/>
-              <a:t>可以接收</a:t>
-            </a:r>
-          </a:p>
-          <a:p>
-            <a:r>
-              <a:rPr lang="zh-CN" altLang="en-US" sz="1400"/>
-              <a:t>标签选择器  </a:t>
-            </a:r>
-            <a:r>
-              <a:rPr lang="en-US" altLang="zh-CN" sz="1400"/>
-              <a:t>:not(p)</a:t>
-            </a:r>
-          </a:p>
-          <a:p>
-            <a:r>
-              <a:rPr lang="zh-CN" altLang="en-US" sz="1400"/>
-              <a:t>类选择 </a:t>
-            </a:r>
-            <a:r>
-              <a:rPr lang="en-US" altLang="zh-CN" sz="1400"/>
-              <a:t>:not(.class)</a:t>
-            </a:r>
-          </a:p>
-          <a:p>
-            <a:r>
-              <a:rPr lang="en-US" altLang="zh-CN" sz="1400"/>
-              <a:t>ID</a:t>
-            </a:r>
-            <a:r>
-              <a:rPr lang="zh-CN" altLang="en-US" sz="1400"/>
-              <a:t>选择器 </a:t>
-            </a:r>
-            <a:r>
-              <a:rPr lang="en-US" altLang="zh-CN" sz="1400"/>
-              <a:t>:not(#app)</a:t>
-            </a:r>
-          </a:p>
-          <a:p>
-            <a:r>
-              <a:rPr lang="zh-CN" altLang="en-US" sz="1400"/>
-              <a:t>伪类选择器 </a:t>
-            </a:r>
-            <a:r>
-              <a:rPr lang="en-US" altLang="zh-CN" sz="1400"/>
-              <a:t>:not(:first-child)</a:t>
-            </a:r>
-          </a:p>
-          <a:p>
-            <a:r>
-              <a:rPr lang="zh-CN" altLang="en-US" sz="1400"/>
-              <a:t>属性选择器 </a:t>
-            </a:r>
-            <a:r>
-              <a:rPr lang="en-US" altLang="zh-CN" sz="1400"/>
-              <a:t>:not([type='checkbox'])</a:t>
-            </a:r>
-          </a:p>
-          <a:p>
-            <a:endParaRPr lang="en-US" altLang="zh-CN" sz="1400"/>
-          </a:p>
-          <a:p>
-            <a:r>
-              <a:rPr lang="zh-CN" altLang="en-US" sz="1400"/>
-              <a:t>不支持伪类 不支持伪类 不支持伪类</a:t>
-            </a:r>
-          </a:p>
-          <a:p>
-            <a:r>
-              <a:rPr lang="en-US" altLang="zh-CN" sz="1400"/>
-              <a:t>:not(::before) </a:t>
-            </a:r>
-          </a:p>
-          <a:p>
-            <a:r>
-              <a:rPr lang="en-US" altLang="zh-CN" sz="1400"/>
-              <a:t>:not(:not())</a:t>
-            </a:r>
-          </a:p>
-          <a:p>
-            <a:endParaRPr lang="en-US" altLang="zh-CN" sz="1400"/>
-          </a:p>
-          <a:p>
-            <a:endParaRPr lang="en-US" altLang="zh-CN" sz="1400"/>
-          </a:p>
-          <a:p>
-            <a:endParaRPr lang="en-US" altLang="zh-CN" sz="1400"/>
-          </a:p>
-        </p:txBody>
-      </p:sp>
-      <p:sp>
-        <p:nvSpPr>
-          <p:cNvPr id="4" name="日期占位符 3"/>
-          <p:cNvSpPr>
-            <a:spLocks noGrp="1"/>
-          </p:cNvSpPr>
-          <p:nvPr>
-            <p:ph type="dt" sz="half" idx="10"/>
-          </p:nvPr>
-        </p:nvSpPr>
-        <p:spPr/>
-        <p:txBody>
-          <a:bodyPr/>
-          <a:lstStyle/>
-          <a:p>
             <a:fld id="{4D01DF33-5A38-4035-AC9E-B8E17EB22BE4}" type="datetime1">
               <a:rPr lang="zh-CN" altLang="en-US" smtClean="0"/>
-              <a:t>2020/8/9</a:t>
+              <a:t>2020/8/13</a:t>
             </a:fld>
             <a:endParaRPr lang="zh-CN" altLang="en-US"/>
           </a:p>
@@ -4674,7 +4847,13 @@
       </p:grpSpPr>
       <p:sp>
         <p:nvSpPr>
-          <p:cNvPr id="2" name="标题 1"/>
+          <p:cNvPr id="2" name="标题 1">
+            <a:extLst>
+              <a:ext uri="{FF2B5EF4-FFF2-40B4-BE49-F238E27FC236}">
+                <a16:creationId xmlns:a16="http://schemas.microsoft.com/office/drawing/2014/main" id="{252B05FB-F1E9-47B7-A8EA-7AEE00BF4CA3}"/>
+              </a:ext>
+            </a:extLst>
+          </p:cNvPr>
           <p:cNvSpPr>
             <a:spLocks noGrp="1"/>
           </p:cNvSpPr>
@@ -4688,29 +4867,128 @@
           <a:lstStyle/>
           <a:p>
             <a:r>
-              <a:rPr lang="en-US" altLang="zh-CN" b="1" dirty="0">
-                <a:sym typeface="+mn-ea"/>
-              </a:rPr>
-              <a:t>CSS3</a:t>
-            </a:r>
-            <a:r>
-              <a:rPr lang="zh-CN" altLang="en-US" b="1" dirty="0">
-                <a:sym typeface="+mn-ea"/>
-              </a:rPr>
-              <a:t>选择器</a:t>
-            </a:r>
-            <a:endParaRPr lang="zh-CN" altLang="en-US"/>
-          </a:p>
-        </p:txBody>
-      </p:sp>
-      <p:sp>
-        <p:nvSpPr>
-          <p:cNvPr id="3" name="内容占位符 2"/>
+              <a:rPr lang="en-US" altLang="zh-CN" dirty="0"/>
+              <a:t>first/last-child</a:t>
+            </a:r>
+            <a:endParaRPr lang="zh-CN" altLang="en-US" dirty="0"/>
+          </a:p>
+        </p:txBody>
+      </p:sp>
+      <p:sp>
+        <p:nvSpPr>
+          <p:cNvPr id="3" name="内容占位符 2">
+            <a:extLst>
+              <a:ext uri="{FF2B5EF4-FFF2-40B4-BE49-F238E27FC236}">
+                <a16:creationId xmlns:a16="http://schemas.microsoft.com/office/drawing/2014/main" id="{E8F03F59-12C6-4450-AA6F-4123166D3898}"/>
+              </a:ext>
+            </a:extLst>
+          </p:cNvPr>
           <p:cNvSpPr>
             <a:spLocks noGrp="1"/>
           </p:cNvSpPr>
           <p:nvPr>
             <p:ph idx="1"/>
+          </p:nvPr>
+        </p:nvSpPr>
+        <p:spPr/>
+        <p:txBody>
+          <a:bodyPr>
+            <a:normAutofit/>
+          </a:bodyPr>
+          <a:lstStyle/>
+          <a:p>
+            <a:r>
+              <a:rPr lang="en-US" altLang="zh-CN" sz="2000" dirty="0"/>
+              <a:t>P:first-child</a:t>
+            </a:r>
+          </a:p>
+          <a:p>
+            <a:r>
+              <a:rPr lang="zh-CN" altLang="en-US" sz="2000" b="0" i="0" dirty="0">
+                <a:solidFill>
+                  <a:srgbClr val="000000"/>
+                </a:solidFill>
+                <a:effectLst/>
+                <a:latin typeface="PingFangSC-Regular"/>
+              </a:rPr>
+              <a:t>选择器用于选取属于其父元素的首个子元素的指定选择器</a:t>
+            </a:r>
+            <a:endParaRPr lang="en-US" altLang="zh-CN" sz="2000" b="0" i="0" dirty="0">
+              <a:solidFill>
+                <a:srgbClr val="000000"/>
+              </a:solidFill>
+              <a:effectLst/>
+              <a:latin typeface="PingFangSC-Regular"/>
+            </a:endParaRPr>
+          </a:p>
+          <a:p>
+            <a:r>
+              <a:rPr lang="en-US" altLang="zh-CN" sz="2000" dirty="0">
+                <a:solidFill>
+                  <a:srgbClr val="000000"/>
+                </a:solidFill>
+                <a:latin typeface="PingFangSC-Regular"/>
+              </a:rPr>
+              <a:t>P:last-child</a:t>
+            </a:r>
+          </a:p>
+          <a:p>
+            <a:r>
+              <a:rPr lang="zh-CN" altLang="en-US" sz="2000" b="0" i="0" dirty="0">
+                <a:solidFill>
+                  <a:srgbClr val="000000"/>
+                </a:solidFill>
+                <a:effectLst/>
+                <a:latin typeface="PingFangSC-Regular"/>
+              </a:rPr>
+              <a:t>选择属于其父元素最后一个子元素每个 </a:t>
+            </a:r>
+            <a:r>
+              <a:rPr lang="en-US" altLang="zh-CN" sz="2000" b="0" i="0" dirty="0">
+                <a:solidFill>
+                  <a:srgbClr val="000000"/>
+                </a:solidFill>
+                <a:effectLst/>
+                <a:latin typeface="PingFangSC-Regular"/>
+              </a:rPr>
+              <a:t>&lt;p&gt; </a:t>
+            </a:r>
+            <a:r>
+              <a:rPr lang="zh-CN" altLang="en-US" sz="2000" b="0" i="0" dirty="0">
+                <a:solidFill>
+                  <a:srgbClr val="000000"/>
+                </a:solidFill>
+                <a:effectLst/>
+                <a:latin typeface="PingFangSC-Regular"/>
+              </a:rPr>
+              <a:t>元素。</a:t>
+            </a:r>
+            <a:endParaRPr lang="en-US" altLang="zh-CN" sz="2000" dirty="0">
+              <a:solidFill>
+                <a:srgbClr val="000000"/>
+              </a:solidFill>
+              <a:latin typeface="PingFangSC-Regular"/>
+            </a:endParaRPr>
+          </a:p>
+          <a:p>
+            <a:endParaRPr lang="zh-CN" altLang="en-US" sz="2000" dirty="0"/>
+          </a:p>
+        </p:txBody>
+      </p:sp>
+      <p:sp>
+        <p:nvSpPr>
+          <p:cNvPr id="4" name="日期占位符 3">
+            <a:extLst>
+              <a:ext uri="{FF2B5EF4-FFF2-40B4-BE49-F238E27FC236}">
+                <a16:creationId xmlns:a16="http://schemas.microsoft.com/office/drawing/2014/main" id="{2C29EF8E-A1A9-40D7-8CD7-52C3A3EF44FA}"/>
+              </a:ext>
+            </a:extLst>
+          </p:cNvPr>
+          <p:cNvSpPr>
+            <a:spLocks noGrp="1"/>
+          </p:cNvSpPr>
+          <p:nvPr>
+            <p:ph type="dt" sz="half" idx="10"/>
           </p:nvPr>
         </p:nvSpPr>
         <p:spPr/>
@@ -4718,107 +4996,9 @@
           <a:bodyPr/>
           <a:lstStyle/>
           <a:p>
-            <a:r>
-              <a:rPr lang="zh-CN" altLang="en-US" sz="1400" dirty="0"/>
-              <a:t>：empty</a:t>
-            </a:r>
-          </a:p>
-          <a:p>
-            <a:endParaRPr lang="zh-CN" altLang="en-US" sz="1400" dirty="0"/>
-          </a:p>
-          <a:p>
-            <a:r>
-              <a:rPr lang="zh-CN" altLang="en-US" sz="1400" dirty="0"/>
-              <a:t>:empty选择器选择每个没有任何子级的元素（</a:t>
-            </a:r>
-            <a:r>
-              <a:rPr lang="zh-CN" altLang="en-US" sz="1400" b="1" dirty="0"/>
-              <a:t>包括文本节点</a:t>
-            </a:r>
-            <a:r>
-              <a:rPr lang="zh-CN" altLang="en-US" sz="1400" dirty="0"/>
-              <a:t>）</a:t>
-            </a:r>
-          </a:p>
-          <a:p>
-            <a:endParaRPr lang="zh-CN" altLang="en-US" sz="1400" dirty="0"/>
-          </a:p>
-          <a:p>
-            <a:r>
-              <a:rPr lang="en-US" altLang="zh-CN" sz="1400" dirty="0"/>
-              <a:t>p:empty {</a:t>
-            </a:r>
-          </a:p>
-          <a:p>
-            <a:r>
-              <a:rPr lang="en-US" altLang="zh-CN" sz="1400" dirty="0"/>
-              <a:t>  background-color: red;</a:t>
-            </a:r>
-          </a:p>
-          <a:p>
-            <a:r>
-              <a:rPr lang="en-US" altLang="zh-CN" sz="1400" dirty="0"/>
-              <a:t>}</a:t>
-            </a:r>
-            <a:endParaRPr lang="zh-CN" altLang="en-US" sz="1400" dirty="0"/>
-          </a:p>
-          <a:p>
-            <a:endParaRPr lang="zh-CN" altLang="en-US" sz="1400" dirty="0"/>
-          </a:p>
-          <a:p>
-            <a:r>
-              <a:rPr lang="en-US" altLang="zh-CN" sz="1400" dirty="0"/>
-              <a:t>&lt;p&gt;123321&lt;/p&gt;</a:t>
-            </a:r>
-          </a:p>
-          <a:p>
-            <a:r>
-              <a:rPr lang="en-US" altLang="zh-CN" sz="1400" dirty="0"/>
-              <a:t>&lt;p&gt;&lt;/p&gt;</a:t>
-            </a:r>
-          </a:p>
-          <a:p>
-            <a:r>
-              <a:rPr lang="en-US" altLang="zh-CN" sz="1400" dirty="0"/>
-              <a:t>&lt;p&gt;</a:t>
-            </a:r>
-          </a:p>
-          <a:p>
-            <a:r>
-              <a:rPr lang="en-US" altLang="zh-CN" sz="1400" dirty="0"/>
-              <a:t>  &lt;span&gt;&lt;/span&gt;</a:t>
-            </a:r>
-          </a:p>
-          <a:p>
-            <a:r>
-              <a:rPr lang="en-US" altLang="zh-CN" sz="1400" dirty="0"/>
-              <a:t>&lt;/p&gt;</a:t>
-            </a:r>
-            <a:endParaRPr lang="zh-CN" altLang="en-US" sz="1400" dirty="0"/>
-          </a:p>
-          <a:p>
-            <a:endParaRPr lang="zh-CN" altLang="en-US" sz="1400" dirty="0"/>
-          </a:p>
-        </p:txBody>
-      </p:sp>
-      <p:sp>
-        <p:nvSpPr>
-          <p:cNvPr id="4" name="日期占位符 3"/>
-          <p:cNvSpPr>
-            <a:spLocks noGrp="1"/>
-          </p:cNvSpPr>
-          <p:nvPr>
-            <p:ph type="dt" sz="half" idx="10"/>
-          </p:nvPr>
-        </p:nvSpPr>
-        <p:spPr/>
-        <p:txBody>
-          <a:bodyPr/>
-          <a:lstStyle/>
-          <a:p>
             <a:fld id="{4D01DF33-5A38-4035-AC9E-B8E17EB22BE4}" type="datetime1">
               <a:rPr lang="zh-CN" altLang="en-US" smtClean="0"/>
-              <a:t>2020/8/9</a:t>
+              <a:t>2020/8/13</a:t>
             </a:fld>
             <a:endParaRPr lang="zh-CN" altLang="en-US"/>
           </a:p>
@@ -4826,7 +5006,13 @@
       </p:sp>
       <p:sp>
         <p:nvSpPr>
-          <p:cNvPr id="5" name="灯片编号占位符 4"/>
+          <p:cNvPr id="5" name="灯片编号占位符 4">
+            <a:extLst>
+              <a:ext uri="{FF2B5EF4-FFF2-40B4-BE49-F238E27FC236}">
+                <a16:creationId xmlns:a16="http://schemas.microsoft.com/office/drawing/2014/main" id="{B4A93762-62CA-4A7D-A482-F7B91A4C0545}"/>
+              </a:ext>
+            </a:extLst>
+          </p:cNvPr>
           <p:cNvSpPr>
             <a:spLocks noGrp="1"/>
           </p:cNvSpPr>
@@ -4848,6 +5034,11 @@
         </p:txBody>
       </p:sp>
     </p:spTree>
+    <p:extLst>
+      <p:ext uri="{BB962C8B-B14F-4D97-AF65-F5344CB8AC3E}">
+        <p14:creationId xmlns:p14="http://schemas.microsoft.com/office/powerpoint/2010/main" val="3451195717"/>
+      </p:ext>
+    </p:extLst>
   </p:cSld>
   <p:clrMapOvr>
     <a:masterClrMapping/>
@@ -4877,7 +5068,7 @@
           <p:cNvPr id="2" name="标题 1">
             <a:extLst>
               <a:ext uri="{FF2B5EF4-FFF2-40B4-BE49-F238E27FC236}">
-                <a16:creationId xmlns:a16="http://schemas.microsoft.com/office/drawing/2014/main" id="{252B05FB-F1E9-47B7-A8EA-7AEE00BF4CA3}"/>
+                <a16:creationId xmlns:a16="http://schemas.microsoft.com/office/drawing/2014/main" id="{CB368C74-37BF-41BA-BA20-B6C983930673}"/>
               </a:ext>
             </a:extLst>
           </p:cNvPr>
@@ -4895,7 +5086,7 @@
           <a:p>
             <a:r>
               <a:rPr lang="en-US" altLang="zh-CN" dirty="0"/>
-              <a:t>first/last-child</a:t>
+              <a:t>Nth-child</a:t>
             </a:r>
             <a:endParaRPr lang="zh-CN" altLang="en-US" dirty="0"/>
           </a:p>
@@ -4906,7 +5097,7 @@
           <p:cNvPr id="3" name="内容占位符 2">
             <a:extLst>
               <a:ext uri="{FF2B5EF4-FFF2-40B4-BE49-F238E27FC236}">
-                <a16:creationId xmlns:a16="http://schemas.microsoft.com/office/drawing/2014/main" id="{E8F03F59-12C6-4450-AA6F-4123166D3898}"/>
+                <a16:creationId xmlns:a16="http://schemas.microsoft.com/office/drawing/2014/main" id="{FA67E873-231D-449D-9A52-36934FDDA7A8}"/>
               </a:ext>
             </a:extLst>
           </p:cNvPr>
@@ -4919,86 +5110,67 @@
         </p:nvSpPr>
         <p:spPr/>
         <p:txBody>
-          <a:bodyPr>
-            <a:normAutofit/>
-          </a:bodyPr>
+          <a:bodyPr/>
           <a:lstStyle/>
           <a:p>
             <a:r>
-              <a:rPr lang="en-US" altLang="zh-CN" sz="2000" dirty="0"/>
-              <a:t>P:first-child</a:t>
-            </a:r>
-          </a:p>
-          <a:p>
-            <a:r>
-              <a:rPr lang="zh-CN" altLang="en-US" sz="2000" b="0" i="0" dirty="0">
-                <a:solidFill>
-                  <a:srgbClr val="000000"/>
-                </a:solidFill>
+              <a:rPr lang="en-US" altLang="zh-CN" dirty="0"/>
+              <a:t>p:nth-child(n) </a:t>
+            </a:r>
+            <a:r>
+              <a:rPr lang="zh-CN" altLang="en-US" dirty="0"/>
+              <a:t>选择其父元素的第几个子元素</a:t>
+            </a:r>
+            <a:endParaRPr lang="en-US" altLang="zh-CN" dirty="0"/>
+          </a:p>
+          <a:p>
+            <a:endParaRPr lang="en-US" altLang="zh-CN" dirty="0"/>
+          </a:p>
+          <a:p>
+            <a:r>
+              <a:rPr lang="zh-CN" altLang="en-US" dirty="0"/>
+              <a:t>用法 </a:t>
+            </a:r>
+            <a:r>
+              <a:rPr lang="en-US" altLang="zh-CN" dirty="0"/>
+              <a:t>p:nth-child(n) {</a:t>
+            </a:r>
+          </a:p>
+          <a:p>
+            <a:r>
+              <a:rPr lang="en-US" altLang="zh-CN" dirty="0"/>
+              <a:t>	background: yellow;</a:t>
+            </a:r>
+          </a:p>
+          <a:p>
+            <a:r>
+              <a:rPr lang="en-US" altLang="zh-CN" dirty="0"/>
+              <a:t>}</a:t>
+            </a:r>
+          </a:p>
+          <a:p>
+            <a:endParaRPr lang="en-US" altLang="zh-CN" dirty="0"/>
+          </a:p>
+          <a:p>
+            <a:r>
+              <a:rPr lang="en-US" altLang="zh-CN" kern="100" dirty="0">
                 <a:effectLst/>
-                <a:latin typeface="PingFangSC-Regular"/>
-              </a:rPr>
-              <a:t>选择器用于选取属于其父元素的首个子元素的指定选择器</a:t>
-            </a:r>
-            <a:endParaRPr lang="en-US" altLang="zh-CN" sz="2000" b="0" i="0" dirty="0">
-              <a:solidFill>
-                <a:srgbClr val="000000"/>
-              </a:solidFill>
-              <a:effectLst/>
-              <a:latin typeface="PingFangSC-Regular"/>
-            </a:endParaRPr>
-          </a:p>
-          <a:p>
-            <a:r>
-              <a:rPr lang="en-US" altLang="zh-CN" sz="2000" dirty="0">
-                <a:solidFill>
-                  <a:srgbClr val="000000"/>
-                </a:solidFill>
-                <a:latin typeface="PingFangSC-Regular"/>
-              </a:rPr>
-              <a:t>P:last-child</a:t>
-            </a:r>
-          </a:p>
-          <a:p>
-            <a:r>
-              <a:rPr lang="zh-CN" altLang="en-US" sz="2000" b="0" i="0" dirty="0">
-                <a:solidFill>
-                  <a:srgbClr val="000000"/>
-                </a:solidFill>
+                <a:latin typeface="Calibri" panose="020F0502020204030204" pitchFamily="34" charset="0"/>
+                <a:ea typeface="宋体" panose="02010600030101010101" pitchFamily="2" charset="-122"/>
+                <a:cs typeface="Times New Roman" panose="02020603050405020304" pitchFamily="18" charset="0"/>
+              </a:rPr>
+              <a:t>nth-last-child  </a:t>
+            </a:r>
+            <a:r>
+              <a:rPr lang="zh-CN" altLang="en-US" kern="100" dirty="0">
                 <a:effectLst/>
-                <a:latin typeface="PingFangSC-Regular"/>
-              </a:rPr>
-              <a:t>选择属于其父元素最后一个子元素每个 </a:t>
-            </a:r>
-            <a:r>
-              <a:rPr lang="en-US" altLang="zh-CN" sz="2000" b="0" i="0" dirty="0">
-                <a:solidFill>
-                  <a:srgbClr val="000000"/>
-                </a:solidFill>
-                <a:effectLst/>
-                <a:latin typeface="PingFangSC-Regular"/>
-              </a:rPr>
-              <a:t>&lt;p&gt; </a:t>
-            </a:r>
-            <a:r>
-              <a:rPr lang="zh-CN" altLang="en-US" sz="2000" b="0" i="0" dirty="0">
-                <a:solidFill>
-                  <a:srgbClr val="000000"/>
-                </a:solidFill>
-                <a:effectLst/>
-                <a:latin typeface="PingFangSC-Regular"/>
-              </a:rPr>
-              <a:t>元素。</a:t>
-            </a:r>
-            <a:endParaRPr lang="en-US" altLang="zh-CN" sz="2000" dirty="0">
-              <a:solidFill>
-                <a:srgbClr val="000000"/>
-              </a:solidFill>
-              <a:latin typeface="PingFangSC-Regular"/>
-            </a:endParaRPr>
-          </a:p>
-          <a:p>
-            <a:endParaRPr lang="zh-CN" altLang="en-US" sz="2000" dirty="0"/>
+                <a:latin typeface="Calibri" panose="020F0502020204030204" pitchFamily="34" charset="0"/>
+                <a:ea typeface="宋体" panose="02010600030101010101" pitchFamily="2" charset="-122"/>
+                <a:cs typeface="Times New Roman" panose="02020603050405020304" pitchFamily="18" charset="0"/>
+              </a:rPr>
+              <a:t>相反计算。。</a:t>
+            </a:r>
+            <a:endParaRPr lang="zh-CN" altLang="en-US" dirty="0"/>
           </a:p>
         </p:txBody>
       </p:sp>
@@ -5007,7 +5179,7 @@
           <p:cNvPr id="4" name="日期占位符 3">
             <a:extLst>
               <a:ext uri="{FF2B5EF4-FFF2-40B4-BE49-F238E27FC236}">
-                <a16:creationId xmlns:a16="http://schemas.microsoft.com/office/drawing/2014/main" id="{2C29EF8E-A1A9-40D7-8CD7-52C3A3EF44FA}"/>
+                <a16:creationId xmlns:a16="http://schemas.microsoft.com/office/drawing/2014/main" id="{ED8E8DA3-5FEE-4486-8035-DBD32399A0C2}"/>
               </a:ext>
             </a:extLst>
           </p:cNvPr>
@@ -5025,7 +5197,7 @@
           <a:p>
             <a:fld id="{4D01DF33-5A38-4035-AC9E-B8E17EB22BE4}" type="datetime1">
               <a:rPr lang="zh-CN" altLang="en-US" smtClean="0"/>
-              <a:t>2020/8/9</a:t>
+              <a:t>2020/8/13</a:t>
             </a:fld>
             <a:endParaRPr lang="zh-CN" altLang="en-US"/>
           </a:p>
@@ -5036,7 +5208,7 @@
           <p:cNvPr id="5" name="灯片编号占位符 4">
             <a:extLst>
               <a:ext uri="{FF2B5EF4-FFF2-40B4-BE49-F238E27FC236}">
-                <a16:creationId xmlns:a16="http://schemas.microsoft.com/office/drawing/2014/main" id="{B4A93762-62CA-4A7D-A482-F7B91A4C0545}"/>
+                <a16:creationId xmlns:a16="http://schemas.microsoft.com/office/drawing/2014/main" id="{4D3BFC04-194A-4239-A23E-276FC2DEF1F6}"/>
               </a:ext>
             </a:extLst>
           </p:cNvPr>
@@ -5063,7 +5235,7 @@
     </p:spTree>
     <p:extLst>
       <p:ext uri="{BB962C8B-B14F-4D97-AF65-F5344CB8AC3E}">
-        <p14:creationId xmlns:p14="http://schemas.microsoft.com/office/powerpoint/2010/main" val="3451195717"/>
+        <p14:creationId xmlns:p14="http://schemas.microsoft.com/office/powerpoint/2010/main" val="40907907"/>
       </p:ext>
     </p:extLst>
   </p:cSld>
@@ -5095,7 +5267,7 @@
           <p:cNvPr id="2" name="标题 1">
             <a:extLst>
               <a:ext uri="{FF2B5EF4-FFF2-40B4-BE49-F238E27FC236}">
-                <a16:creationId xmlns:a16="http://schemas.microsoft.com/office/drawing/2014/main" id="{CB368C74-37BF-41BA-BA20-B6C983930673}"/>
+                <a16:creationId xmlns:a16="http://schemas.microsoft.com/office/drawing/2014/main" id="{75FE66A7-50E1-458B-BD5B-E178367552BB}"/>
               </a:ext>
             </a:extLst>
           </p:cNvPr>
@@ -5112,10 +5284,9 @@
           <a:lstStyle/>
           <a:p>
             <a:r>
-              <a:rPr lang="en-US" altLang="zh-CN" dirty="0"/>
-              <a:t>Nth-child</a:t>
-            </a:r>
-            <a:endParaRPr lang="zh-CN" altLang="en-US" dirty="0"/>
+              <a:rPr lang="zh-CN" altLang="en-US" dirty="0"/>
+              <a:t>伪类选择器</a:t>
+            </a:r>
           </a:p>
         </p:txBody>
       </p:sp>
@@ -5124,7 +5295,7 @@
           <p:cNvPr id="3" name="内容占位符 2">
             <a:extLst>
               <a:ext uri="{FF2B5EF4-FFF2-40B4-BE49-F238E27FC236}">
-                <a16:creationId xmlns:a16="http://schemas.microsoft.com/office/drawing/2014/main" id="{FA67E873-231D-449D-9A52-36934FDDA7A8}"/>
+                <a16:creationId xmlns:a16="http://schemas.microsoft.com/office/drawing/2014/main" id="{9FCF5826-3DF7-42A4-A61E-E2DEA3121396}"/>
               </a:ext>
             </a:extLst>
           </p:cNvPr>
@@ -5141,61 +5312,25 @@
           <a:lstStyle/>
           <a:p>
             <a:r>
+              <a:rPr lang="en-US" altLang="zh-CN" dirty="0" err="1"/>
+              <a:t>emelent:before</a:t>
+            </a:r>
+            <a:r>
               <a:rPr lang="en-US" altLang="zh-CN" dirty="0"/>
-              <a:t>p:nth-child(n) </a:t>
-            </a:r>
-            <a:r>
-              <a:rPr lang="zh-CN" altLang="en-US" dirty="0"/>
-              <a:t>选择其父元素的第几个子元素</a:t>
-            </a:r>
+              <a:t> {}</a:t>
+            </a:r>
+          </a:p>
+          <a:p>
             <a:endParaRPr lang="en-US" altLang="zh-CN" dirty="0"/>
           </a:p>
           <a:p>
-            <a:endParaRPr lang="en-US" altLang="zh-CN" dirty="0"/>
-          </a:p>
-          <a:p>
-            <a:r>
-              <a:rPr lang="zh-CN" altLang="en-US" dirty="0"/>
-              <a:t>用法 </a:t>
+            <a:r>
+              <a:rPr lang="en-US" altLang="zh-CN" dirty="0" err="1"/>
+              <a:t>element:after</a:t>
             </a:r>
             <a:r>
               <a:rPr lang="en-US" altLang="zh-CN" dirty="0"/>
-              <a:t>p:nth-child(n) {</a:t>
-            </a:r>
-          </a:p>
-          <a:p>
-            <a:r>
-              <a:rPr lang="en-US" altLang="zh-CN" dirty="0"/>
-              <a:t>	background: yellow;</a:t>
-            </a:r>
-          </a:p>
-          <a:p>
-            <a:r>
-              <a:rPr lang="en-US" altLang="zh-CN" dirty="0"/>
-              <a:t>}</a:t>
-            </a:r>
-          </a:p>
-          <a:p>
-            <a:endParaRPr lang="en-US" altLang="zh-CN" dirty="0"/>
-          </a:p>
-          <a:p>
-            <a:r>
-              <a:rPr lang="en-US" altLang="zh-CN" kern="100" dirty="0">
-                <a:effectLst/>
-                <a:latin typeface="Calibri" panose="020F0502020204030204" pitchFamily="34" charset="0"/>
-                <a:ea typeface="宋体" panose="02010600030101010101" pitchFamily="2" charset="-122"/>
-                <a:cs typeface="Times New Roman" panose="02020603050405020304" pitchFamily="18" charset="0"/>
-              </a:rPr>
-              <a:t>nth-last-child  </a:t>
-            </a:r>
-            <a:r>
-              <a:rPr lang="zh-CN" altLang="en-US" kern="100" dirty="0">
-                <a:effectLst/>
-                <a:latin typeface="Calibri" panose="020F0502020204030204" pitchFamily="34" charset="0"/>
-                <a:ea typeface="宋体" panose="02010600030101010101" pitchFamily="2" charset="-122"/>
-                <a:cs typeface="Times New Roman" panose="02020603050405020304" pitchFamily="18" charset="0"/>
-              </a:rPr>
-              <a:t>相反计算。。</a:t>
+              <a:t> {}</a:t>
             </a:r>
             <a:endParaRPr lang="zh-CN" altLang="en-US" dirty="0"/>
           </a:p>
@@ -5206,7 +5341,7 @@
           <p:cNvPr id="4" name="日期占位符 3">
             <a:extLst>
               <a:ext uri="{FF2B5EF4-FFF2-40B4-BE49-F238E27FC236}">
-                <a16:creationId xmlns:a16="http://schemas.microsoft.com/office/drawing/2014/main" id="{ED8E8DA3-5FEE-4486-8035-DBD32399A0C2}"/>
+                <a16:creationId xmlns:a16="http://schemas.microsoft.com/office/drawing/2014/main" id="{76C70FD8-5356-4E52-AB72-02F6D7E06F4B}"/>
               </a:ext>
             </a:extLst>
           </p:cNvPr>
@@ -5224,7 +5359,7 @@
           <a:p>
             <a:fld id="{4D01DF33-5A38-4035-AC9E-B8E17EB22BE4}" type="datetime1">
               <a:rPr lang="zh-CN" altLang="en-US" smtClean="0"/>
-              <a:t>2020/8/9</a:t>
+              <a:t>2020/8/13</a:t>
             </a:fld>
             <a:endParaRPr lang="zh-CN" altLang="en-US"/>
           </a:p>
@@ -5235,7 +5370,7 @@
           <p:cNvPr id="5" name="灯片编号占位符 4">
             <a:extLst>
               <a:ext uri="{FF2B5EF4-FFF2-40B4-BE49-F238E27FC236}">
-                <a16:creationId xmlns:a16="http://schemas.microsoft.com/office/drawing/2014/main" id="{4D3BFC04-194A-4239-A23E-276FC2DEF1F6}"/>
+                <a16:creationId xmlns:a16="http://schemas.microsoft.com/office/drawing/2014/main" id="{A9520A35-962C-400D-A5B8-999FA3EF4E3E}"/>
               </a:ext>
             </a:extLst>
           </p:cNvPr>
@@ -5262,7 +5397,7 @@
     </p:spTree>
     <p:extLst>
       <p:ext uri="{BB962C8B-B14F-4D97-AF65-F5344CB8AC3E}">
-        <p14:creationId xmlns:p14="http://schemas.microsoft.com/office/powerpoint/2010/main" val="40907907"/>
+        <p14:creationId xmlns:p14="http://schemas.microsoft.com/office/powerpoint/2010/main" val="769377859"/>
       </p:ext>
     </p:extLst>
   </p:cSld>
@@ -5294,168 +5429,6 @@
           <p:cNvPr id="2" name="标题 1">
             <a:extLst>
               <a:ext uri="{FF2B5EF4-FFF2-40B4-BE49-F238E27FC236}">
-                <a16:creationId xmlns:a16="http://schemas.microsoft.com/office/drawing/2014/main" id="{75FE66A7-50E1-458B-BD5B-E178367552BB}"/>
-              </a:ext>
-            </a:extLst>
-          </p:cNvPr>
-          <p:cNvSpPr>
-            <a:spLocks noGrp="1"/>
-          </p:cNvSpPr>
-          <p:nvPr>
-            <p:ph type="title"/>
-          </p:nvPr>
-        </p:nvSpPr>
-        <p:spPr/>
-        <p:txBody>
-          <a:bodyPr/>
-          <a:lstStyle/>
-          <a:p>
-            <a:r>
-              <a:rPr lang="zh-CN" altLang="en-US" dirty="0"/>
-              <a:t>伪类选择器</a:t>
-            </a:r>
-          </a:p>
-        </p:txBody>
-      </p:sp>
-      <p:sp>
-        <p:nvSpPr>
-          <p:cNvPr id="3" name="内容占位符 2">
-            <a:extLst>
-              <a:ext uri="{FF2B5EF4-FFF2-40B4-BE49-F238E27FC236}">
-                <a16:creationId xmlns:a16="http://schemas.microsoft.com/office/drawing/2014/main" id="{9FCF5826-3DF7-42A4-A61E-E2DEA3121396}"/>
-              </a:ext>
-            </a:extLst>
-          </p:cNvPr>
-          <p:cNvSpPr>
-            <a:spLocks noGrp="1"/>
-          </p:cNvSpPr>
-          <p:nvPr>
-            <p:ph idx="1"/>
-          </p:nvPr>
-        </p:nvSpPr>
-        <p:spPr/>
-        <p:txBody>
-          <a:bodyPr/>
-          <a:lstStyle/>
-          <a:p>
-            <a:r>
-              <a:rPr lang="en-US" altLang="zh-CN" dirty="0" err="1"/>
-              <a:t>emelent:before</a:t>
-            </a:r>
-            <a:r>
-              <a:rPr lang="en-US" altLang="zh-CN" dirty="0"/>
-              <a:t> {}</a:t>
-            </a:r>
-          </a:p>
-          <a:p>
-            <a:endParaRPr lang="en-US" altLang="zh-CN" dirty="0"/>
-          </a:p>
-          <a:p>
-            <a:r>
-              <a:rPr lang="en-US" altLang="zh-CN" dirty="0" err="1"/>
-              <a:t>element:after</a:t>
-            </a:r>
-            <a:r>
-              <a:rPr lang="en-US" altLang="zh-CN" dirty="0"/>
-              <a:t> {}</a:t>
-            </a:r>
-            <a:endParaRPr lang="zh-CN" altLang="en-US" dirty="0"/>
-          </a:p>
-        </p:txBody>
-      </p:sp>
-      <p:sp>
-        <p:nvSpPr>
-          <p:cNvPr id="4" name="日期占位符 3">
-            <a:extLst>
-              <a:ext uri="{FF2B5EF4-FFF2-40B4-BE49-F238E27FC236}">
-                <a16:creationId xmlns:a16="http://schemas.microsoft.com/office/drawing/2014/main" id="{76C70FD8-5356-4E52-AB72-02F6D7E06F4B}"/>
-              </a:ext>
-            </a:extLst>
-          </p:cNvPr>
-          <p:cNvSpPr>
-            <a:spLocks noGrp="1"/>
-          </p:cNvSpPr>
-          <p:nvPr>
-            <p:ph type="dt" sz="half" idx="10"/>
-          </p:nvPr>
-        </p:nvSpPr>
-        <p:spPr/>
-        <p:txBody>
-          <a:bodyPr/>
-          <a:lstStyle/>
-          <a:p>
-            <a:fld id="{4D01DF33-5A38-4035-AC9E-B8E17EB22BE4}" type="datetime1">
-              <a:rPr lang="zh-CN" altLang="en-US" smtClean="0"/>
-              <a:t>2020/8/10</a:t>
-            </a:fld>
-            <a:endParaRPr lang="zh-CN" altLang="en-US"/>
-          </a:p>
-        </p:txBody>
-      </p:sp>
-      <p:sp>
-        <p:nvSpPr>
-          <p:cNvPr id="5" name="灯片编号占位符 4">
-            <a:extLst>
-              <a:ext uri="{FF2B5EF4-FFF2-40B4-BE49-F238E27FC236}">
-                <a16:creationId xmlns:a16="http://schemas.microsoft.com/office/drawing/2014/main" id="{A9520A35-962C-400D-A5B8-999FA3EF4E3E}"/>
-              </a:ext>
-            </a:extLst>
-          </p:cNvPr>
-          <p:cNvSpPr>
-            <a:spLocks noGrp="1"/>
-          </p:cNvSpPr>
-          <p:nvPr>
-            <p:ph type="sldNum" sz="quarter" idx="12"/>
-          </p:nvPr>
-        </p:nvSpPr>
-        <p:spPr/>
-        <p:txBody>
-          <a:bodyPr/>
-          <a:lstStyle/>
-          <a:p>
-            <a:fld id="{5C794E63-F2AF-49E2-AE37-43481CC587E5}" type="slidenum">
-              <a:rPr lang="zh-CN" altLang="en-US" smtClean="0"/>
-              <a:t>8</a:t>
-            </a:fld>
-            <a:endParaRPr lang="zh-CN" altLang="en-US"/>
-          </a:p>
-        </p:txBody>
-      </p:sp>
-    </p:spTree>
-    <p:extLst>
-      <p:ext uri="{BB962C8B-B14F-4D97-AF65-F5344CB8AC3E}">
-        <p14:creationId xmlns:p14="http://schemas.microsoft.com/office/powerpoint/2010/main" val="769377859"/>
-      </p:ext>
-    </p:extLst>
-  </p:cSld>
-  <p:clrMapOvr>
-    <a:masterClrMapping/>
-  </p:clrMapOvr>
-</p:sld>
-</file>
-
-<file path=ppt/slides/slide9.xml><?xml version="1.0" encoding="utf-8"?>
-<p:sld xmlns:a="http://schemas.openxmlformats.org/drawingml/2006/main" xmlns:r="http://schemas.openxmlformats.org/officeDocument/2006/relationships" xmlns:p="http://schemas.openxmlformats.org/presentationml/2006/main">
-  <p:cSld>
-    <p:spTree>
-      <p:nvGrpSpPr>
-        <p:cNvPr id="1" name=""/>
-        <p:cNvGrpSpPr/>
-        <p:nvPr/>
-      </p:nvGrpSpPr>
-      <p:grpSpPr>
-        <a:xfrm>
-          <a:off x="0" y="0"/>
-          <a:ext cx="0" cy="0"/>
-          <a:chOff x="0" y="0"/>
-          <a:chExt cx="0" cy="0"/>
-        </a:xfrm>
-      </p:grpSpPr>
-      <p:sp>
-        <p:nvSpPr>
-          <p:cNvPr id="2" name="标题 1">
-            <a:extLst>
-              <a:ext uri="{FF2B5EF4-FFF2-40B4-BE49-F238E27FC236}">
                 <a16:creationId xmlns:a16="http://schemas.microsoft.com/office/drawing/2014/main" id="{6734C848-8356-4AF3-88E0-BFF0461DB0CA}"/>
               </a:ext>
             </a:extLst>
@@ -5638,7 +5611,7 @@
           <a:p>
             <a:fld id="{4D01DF33-5A38-4035-AC9E-B8E17EB22BE4}" type="datetime1">
               <a:rPr lang="zh-CN" altLang="en-US" smtClean="0"/>
-              <a:t>2020/8/10</a:t>
+              <a:t>2020/8/13</a:t>
             </a:fld>
             <a:endParaRPr lang="zh-CN" altLang="en-US"/>
           </a:p>
@@ -5667,7 +5640,7 @@
           <a:p>
             <a:fld id="{5C794E63-F2AF-49E2-AE37-43481CC587E5}" type="slidenum">
               <a:rPr lang="zh-CN" altLang="en-US" smtClean="0"/>
-              <a:t>9</a:t>
+              <a:t>8</a:t>
             </a:fld>
             <a:endParaRPr lang="zh-CN" altLang="en-US"/>
           </a:p>
@@ -5707,6 +5680,415 @@
     <p:extLst>
       <p:ext uri="{BB962C8B-B14F-4D97-AF65-F5344CB8AC3E}">
         <p14:creationId xmlns:p14="http://schemas.microsoft.com/office/powerpoint/2010/main" val="3408189945"/>
+      </p:ext>
+    </p:extLst>
+  </p:cSld>
+  <p:clrMapOvr>
+    <a:masterClrMapping/>
+  </p:clrMapOvr>
+</p:sld>
+</file>
+
+<file path=ppt/slides/slide9.xml><?xml version="1.0" encoding="utf-8"?>
+<p:sld xmlns:a="http://schemas.openxmlformats.org/drawingml/2006/main" xmlns:r="http://schemas.openxmlformats.org/officeDocument/2006/relationships" xmlns:p="http://schemas.openxmlformats.org/presentationml/2006/main">
+  <p:cSld>
+    <p:spTree>
+      <p:nvGrpSpPr>
+        <p:cNvPr id="1" name=""/>
+        <p:cNvGrpSpPr/>
+        <p:nvPr/>
+      </p:nvGrpSpPr>
+      <p:grpSpPr>
+        <a:xfrm>
+          <a:off x="0" y="0"/>
+          <a:ext cx="0" cy="0"/>
+          <a:chOff x="0" y="0"/>
+          <a:chExt cx="0" cy="0"/>
+        </a:xfrm>
+      </p:grpSpPr>
+      <p:sp>
+        <p:nvSpPr>
+          <p:cNvPr id="2" name="标题 1">
+            <a:extLst>
+              <a:ext uri="{FF2B5EF4-FFF2-40B4-BE49-F238E27FC236}">
+                <a16:creationId xmlns:a16="http://schemas.microsoft.com/office/drawing/2014/main" id="{A97B54B6-D1D3-4161-9DF2-19635F147FC8}"/>
+              </a:ext>
+            </a:extLst>
+          </p:cNvPr>
+          <p:cNvSpPr>
+            <a:spLocks noGrp="1"/>
+          </p:cNvSpPr>
+          <p:nvPr>
+            <p:ph type="title"/>
+          </p:nvPr>
+        </p:nvSpPr>
+        <p:spPr/>
+        <p:txBody>
+          <a:bodyPr/>
+          <a:lstStyle/>
+          <a:p>
+            <a:r>
+              <a:rPr lang="zh-CN" altLang="en-US" dirty="0"/>
+              <a:t>弹性盒 布局</a:t>
+            </a:r>
+          </a:p>
+        </p:txBody>
+      </p:sp>
+      <p:sp>
+        <p:nvSpPr>
+          <p:cNvPr id="3" name="内容占位符 2">
+            <a:extLst>
+              <a:ext uri="{FF2B5EF4-FFF2-40B4-BE49-F238E27FC236}">
+                <a16:creationId xmlns:a16="http://schemas.microsoft.com/office/drawing/2014/main" id="{3246FBEC-1ED7-47E5-95AB-5665919DF8A0}"/>
+              </a:ext>
+            </a:extLst>
+          </p:cNvPr>
+          <p:cNvSpPr>
+            <a:spLocks noGrp="1"/>
+          </p:cNvSpPr>
+          <p:nvPr>
+            <p:ph idx="1"/>
+          </p:nvPr>
+        </p:nvSpPr>
+        <p:spPr/>
+        <p:txBody>
+          <a:bodyPr>
+            <a:normAutofit/>
+          </a:bodyPr>
+          <a:lstStyle/>
+          <a:p>
+            <a:r>
+              <a:rPr lang="zh-CN" altLang="en-US" sz="1600" dirty="0"/>
+              <a:t>父：</a:t>
+            </a:r>
+            <a:r>
+              <a:rPr lang="en-US" altLang="zh-CN" sz="1600" dirty="0"/>
+              <a:t>display: flex;</a:t>
+            </a:r>
+          </a:p>
+          <a:p>
+            <a:r>
+              <a:rPr lang="zh-CN" altLang="en-US" sz="1600" b="0" i="0" dirty="0">
+                <a:solidFill>
+                  <a:srgbClr val="494949"/>
+                </a:solidFill>
+                <a:effectLst/>
+                <a:latin typeface="楷体" panose="02010609060101010101" pitchFamily="49" charset="-122"/>
+                <a:ea typeface="楷体" panose="02010609060101010101" pitchFamily="49" charset="-122"/>
+              </a:rPr>
+              <a:t>是设置父元素成为一个弹性盒子；里边的子元素符合弹性布局</a:t>
+            </a:r>
+            <a:endParaRPr lang="en-US" altLang="zh-CN" sz="1600" b="0" i="0" dirty="0">
+              <a:solidFill>
+                <a:srgbClr val="494949"/>
+              </a:solidFill>
+              <a:effectLst/>
+              <a:latin typeface="楷体" panose="02010609060101010101" pitchFamily="49" charset="-122"/>
+              <a:ea typeface="楷体" panose="02010609060101010101" pitchFamily="49" charset="-122"/>
+            </a:endParaRPr>
+          </a:p>
+          <a:p>
+            <a:endParaRPr lang="en-US" altLang="zh-CN" sz="1600" b="0" i="0" dirty="0">
+              <a:solidFill>
+                <a:srgbClr val="494949"/>
+              </a:solidFill>
+              <a:effectLst/>
+              <a:latin typeface="楷体" panose="02010609060101010101" pitchFamily="49" charset="-122"/>
+              <a:ea typeface="楷体" panose="02010609060101010101" pitchFamily="49" charset="-122"/>
+            </a:endParaRPr>
+          </a:p>
+          <a:p>
+            <a:r>
+              <a:rPr lang="en-US" altLang="zh-CN" sz="1600" dirty="0">
+                <a:solidFill>
+                  <a:srgbClr val="494949"/>
+                </a:solidFill>
+                <a:latin typeface="楷体" panose="02010609060101010101" pitchFamily="49" charset="-122"/>
+                <a:ea typeface="楷体" panose="02010609060101010101" pitchFamily="49" charset="-122"/>
+              </a:rPr>
+              <a:t>flex-direction: </a:t>
+            </a:r>
+            <a:r>
+              <a:rPr lang="en-US" altLang="zh-CN" sz="1600" dirty="0" err="1">
+                <a:solidFill>
+                  <a:srgbClr val="494949"/>
+                </a:solidFill>
+                <a:latin typeface="楷体" panose="02010609060101010101" pitchFamily="49" charset="-122"/>
+                <a:ea typeface="楷体" panose="02010609060101010101" pitchFamily="49" charset="-122"/>
+              </a:rPr>
+              <a:t>row|row-reverse|column|column-reverse</a:t>
+            </a:r>
+            <a:r>
+              <a:rPr lang="en-US" altLang="zh-CN" sz="1600" dirty="0">
+                <a:solidFill>
+                  <a:srgbClr val="494949"/>
+                </a:solidFill>
+                <a:latin typeface="楷体" panose="02010609060101010101" pitchFamily="49" charset="-122"/>
+                <a:ea typeface="楷体" panose="02010609060101010101" pitchFamily="49" charset="-122"/>
+              </a:rPr>
+              <a:t>; </a:t>
+            </a:r>
+          </a:p>
+          <a:p>
+            <a:r>
+              <a:rPr lang="zh-CN" altLang="en-US" sz="1600" dirty="0">
+                <a:solidFill>
+                  <a:srgbClr val="494949"/>
+                </a:solidFill>
+                <a:latin typeface="楷体" panose="02010609060101010101" pitchFamily="49" charset="-122"/>
+                <a:ea typeface="楷体" panose="02010609060101010101" pitchFamily="49" charset="-122"/>
+              </a:rPr>
+              <a:t>指定子元素在父容器的位置</a:t>
+            </a:r>
+            <a:endParaRPr lang="en-US" altLang="zh-CN" sz="1600" dirty="0">
+              <a:solidFill>
+                <a:srgbClr val="494949"/>
+              </a:solidFill>
+              <a:latin typeface="楷体" panose="02010609060101010101" pitchFamily="49" charset="-122"/>
+              <a:ea typeface="楷体" panose="02010609060101010101" pitchFamily="49" charset="-122"/>
+            </a:endParaRPr>
+          </a:p>
+          <a:p>
+            <a:endParaRPr lang="en-US" altLang="zh-CN" sz="1600" dirty="0">
+              <a:solidFill>
+                <a:srgbClr val="494949"/>
+              </a:solidFill>
+              <a:latin typeface="楷体" panose="02010609060101010101" pitchFamily="49" charset="-122"/>
+              <a:ea typeface="楷体" panose="02010609060101010101" pitchFamily="49" charset="-122"/>
+            </a:endParaRPr>
+          </a:p>
+          <a:p>
+            <a:r>
+              <a:rPr lang="en-US" altLang="zh-CN" sz="1600" dirty="0">
+                <a:solidFill>
+                  <a:srgbClr val="494949"/>
+                </a:solidFill>
+                <a:latin typeface="楷体" panose="02010609060101010101" pitchFamily="49" charset="-122"/>
+                <a:ea typeface="楷体" panose="02010609060101010101" pitchFamily="49" charset="-122"/>
+              </a:rPr>
+              <a:t>Justify-content: </a:t>
+            </a:r>
+            <a:r>
+              <a:rPr lang="en-US" altLang="zh-CN" sz="1600" b="0" i="0" dirty="0" err="1">
+                <a:solidFill>
+                  <a:srgbClr val="494949"/>
+                </a:solidFill>
+                <a:effectLst/>
+                <a:latin typeface="楷体" panose="02010609060101010101" pitchFamily="49" charset="-122"/>
+                <a:ea typeface="楷体" panose="02010609060101010101" pitchFamily="49" charset="-122"/>
+              </a:rPr>
+              <a:t>flex-start|flex-end|center|space-around|space-between</a:t>
+            </a:r>
+            <a:endParaRPr lang="en-US" altLang="zh-CN" sz="1600" b="0" i="0" dirty="0">
+              <a:solidFill>
+                <a:srgbClr val="494949"/>
+              </a:solidFill>
+              <a:effectLst/>
+              <a:latin typeface="楷体" panose="02010609060101010101" pitchFamily="49" charset="-122"/>
+              <a:ea typeface="楷体" panose="02010609060101010101" pitchFamily="49" charset="-122"/>
+            </a:endParaRPr>
+          </a:p>
+          <a:p>
+            <a:r>
+              <a:rPr lang="zh-CN" altLang="en-US" sz="1600" b="0" i="0" dirty="0">
+                <a:solidFill>
+                  <a:srgbClr val="494949"/>
+                </a:solidFill>
+                <a:effectLst/>
+                <a:latin typeface="楷体" panose="02010609060101010101" pitchFamily="49" charset="-122"/>
+                <a:ea typeface="楷体" panose="02010609060101010101" pitchFamily="49" charset="-122"/>
+              </a:rPr>
+              <a:t>设置弹性子元素在主轴线上的排列方式</a:t>
+            </a:r>
+            <a:endParaRPr lang="en-US" altLang="zh-CN" sz="1600" dirty="0">
+              <a:solidFill>
+                <a:srgbClr val="494949"/>
+              </a:solidFill>
+              <a:latin typeface="楷体" panose="02010609060101010101" pitchFamily="49" charset="-122"/>
+              <a:ea typeface="楷体" panose="02010609060101010101" pitchFamily="49" charset="-122"/>
+            </a:endParaRPr>
+          </a:p>
+          <a:p>
+            <a:endParaRPr lang="en-US" altLang="zh-CN" sz="1600" dirty="0">
+              <a:solidFill>
+                <a:srgbClr val="494949"/>
+              </a:solidFill>
+              <a:latin typeface="楷体" panose="02010609060101010101" pitchFamily="49" charset="-122"/>
+              <a:ea typeface="楷体" panose="02010609060101010101" pitchFamily="49" charset="-122"/>
+            </a:endParaRPr>
+          </a:p>
+          <a:p>
+            <a:r>
+              <a:rPr lang="en-US" altLang="zh-CN" sz="1600" b="0" i="0" dirty="0">
+                <a:solidFill>
+                  <a:srgbClr val="494949"/>
+                </a:solidFill>
+                <a:effectLst/>
+                <a:latin typeface="楷体" panose="02010609060101010101" pitchFamily="49" charset="-122"/>
+                <a:ea typeface="楷体" panose="02010609060101010101" pitchFamily="49" charset="-122"/>
+              </a:rPr>
+              <a:t>align-items: </a:t>
+            </a:r>
+            <a:r>
+              <a:rPr lang="en-US" altLang="zh-CN" sz="1600" b="0" i="0" dirty="0" err="1">
+                <a:solidFill>
+                  <a:srgbClr val="494949"/>
+                </a:solidFill>
+                <a:effectLst/>
+                <a:latin typeface="楷体" panose="02010609060101010101" pitchFamily="49" charset="-122"/>
+                <a:ea typeface="楷体" panose="02010609060101010101" pitchFamily="49" charset="-122"/>
+              </a:rPr>
+              <a:t>flex-start|flex-end|center</a:t>
+            </a:r>
+            <a:endParaRPr lang="en-US" altLang="zh-CN" sz="1600" b="0" i="0" dirty="0">
+              <a:solidFill>
+                <a:srgbClr val="494949"/>
+              </a:solidFill>
+              <a:effectLst/>
+              <a:latin typeface="楷体" panose="02010609060101010101" pitchFamily="49" charset="-122"/>
+              <a:ea typeface="楷体" panose="02010609060101010101" pitchFamily="49" charset="-122"/>
+            </a:endParaRPr>
+          </a:p>
+          <a:p>
+            <a:r>
+              <a:rPr lang="zh-CN" altLang="en-US" sz="1600" b="0" i="0" dirty="0">
+                <a:solidFill>
+                  <a:srgbClr val="494949"/>
+                </a:solidFill>
+                <a:effectLst/>
+                <a:latin typeface="楷体" panose="02010609060101010101" pitchFamily="49" charset="-122"/>
+                <a:ea typeface="楷体" panose="02010609060101010101" pitchFamily="49" charset="-122"/>
+              </a:rPr>
+              <a:t>设置弹性子元素在纵轴上的排列方式</a:t>
+            </a:r>
+            <a:endParaRPr lang="en-US" altLang="zh-CN" sz="1600" b="0" i="0" dirty="0">
+              <a:solidFill>
+                <a:srgbClr val="494949"/>
+              </a:solidFill>
+              <a:effectLst/>
+              <a:latin typeface="楷体" panose="02010609060101010101" pitchFamily="49" charset="-122"/>
+              <a:ea typeface="楷体" panose="02010609060101010101" pitchFamily="49" charset="-122"/>
+            </a:endParaRPr>
+          </a:p>
+          <a:p>
+            <a:endParaRPr lang="en-US" altLang="zh-CN" sz="1600" dirty="0">
+              <a:solidFill>
+                <a:srgbClr val="494949"/>
+              </a:solidFill>
+              <a:latin typeface="楷体" panose="02010609060101010101" pitchFamily="49" charset="-122"/>
+              <a:ea typeface="楷体" panose="02010609060101010101" pitchFamily="49" charset="-122"/>
+            </a:endParaRPr>
+          </a:p>
+          <a:p>
+            <a:r>
+              <a:rPr lang="en-US" altLang="zh-CN" sz="1600" b="0" i="0" dirty="0">
+                <a:solidFill>
+                  <a:srgbClr val="494949"/>
+                </a:solidFill>
+                <a:effectLst/>
+                <a:latin typeface="楷体" panose="02010609060101010101" pitchFamily="49" charset="-122"/>
+                <a:ea typeface="楷体" panose="02010609060101010101" pitchFamily="49" charset="-122"/>
+              </a:rPr>
+              <a:t>flex-wrap: </a:t>
+            </a:r>
+            <a:r>
+              <a:rPr lang="en-US" altLang="zh-CN" sz="1600" b="0" i="0" dirty="0" err="1">
+                <a:solidFill>
+                  <a:srgbClr val="494949"/>
+                </a:solidFill>
+                <a:effectLst/>
+                <a:latin typeface="楷体" panose="02010609060101010101" pitchFamily="49" charset="-122"/>
+                <a:ea typeface="楷体" panose="02010609060101010101" pitchFamily="49" charset="-122"/>
+              </a:rPr>
+              <a:t>nowrap|wrap|wrap-reverse</a:t>
+            </a:r>
+            <a:endParaRPr lang="en-US" altLang="zh-CN" sz="1600" b="0" i="0" dirty="0">
+              <a:solidFill>
+                <a:srgbClr val="494949"/>
+              </a:solidFill>
+              <a:effectLst/>
+              <a:latin typeface="楷体" panose="02010609060101010101" pitchFamily="49" charset="-122"/>
+              <a:ea typeface="楷体" panose="02010609060101010101" pitchFamily="49" charset="-122"/>
+            </a:endParaRPr>
+          </a:p>
+          <a:p>
+            <a:r>
+              <a:rPr lang="zh-CN" altLang="en-US" sz="1600" b="0" i="0" dirty="0">
+                <a:solidFill>
+                  <a:srgbClr val="494949"/>
+                </a:solidFill>
+                <a:effectLst/>
+                <a:latin typeface="楷体" panose="02010609060101010101" pitchFamily="49" charset="-122"/>
+                <a:ea typeface="楷体" panose="02010609060101010101" pitchFamily="49" charset="-122"/>
+              </a:rPr>
+              <a:t>指定弹性盒子的子元素换行方式</a:t>
+            </a:r>
+            <a:endParaRPr lang="zh-CN" altLang="en-US" sz="1600" dirty="0"/>
+          </a:p>
+        </p:txBody>
+      </p:sp>
+      <p:sp>
+        <p:nvSpPr>
+          <p:cNvPr id="4" name="日期占位符 3">
+            <a:extLst>
+              <a:ext uri="{FF2B5EF4-FFF2-40B4-BE49-F238E27FC236}">
+                <a16:creationId xmlns:a16="http://schemas.microsoft.com/office/drawing/2014/main" id="{1687F8F9-D89A-4E73-A369-4D1685050B74}"/>
+              </a:ext>
+            </a:extLst>
+          </p:cNvPr>
+          <p:cNvSpPr>
+            <a:spLocks noGrp="1"/>
+          </p:cNvSpPr>
+          <p:nvPr>
+            <p:ph type="dt" sz="half" idx="10"/>
+          </p:nvPr>
+        </p:nvSpPr>
+        <p:spPr/>
+        <p:txBody>
+          <a:bodyPr/>
+          <a:lstStyle/>
+          <a:p>
+            <a:fld id="{4D01DF33-5A38-4035-AC9E-B8E17EB22BE4}" type="datetime1">
+              <a:rPr lang="zh-CN" altLang="en-US" smtClean="0"/>
+              <a:t>2020/8/13</a:t>
+            </a:fld>
+            <a:endParaRPr lang="zh-CN" altLang="en-US"/>
+          </a:p>
+        </p:txBody>
+      </p:sp>
+      <p:sp>
+        <p:nvSpPr>
+          <p:cNvPr id="5" name="灯片编号占位符 4">
+            <a:extLst>
+              <a:ext uri="{FF2B5EF4-FFF2-40B4-BE49-F238E27FC236}">
+                <a16:creationId xmlns:a16="http://schemas.microsoft.com/office/drawing/2014/main" id="{CD84103F-70F3-48CF-8867-039CADE97342}"/>
+              </a:ext>
+            </a:extLst>
+          </p:cNvPr>
+          <p:cNvSpPr>
+            <a:spLocks noGrp="1"/>
+          </p:cNvSpPr>
+          <p:nvPr>
+            <p:ph type="sldNum" sz="quarter" idx="12"/>
+          </p:nvPr>
+        </p:nvSpPr>
+        <p:spPr/>
+        <p:txBody>
+          <a:bodyPr/>
+          <a:lstStyle/>
+          <a:p>
+            <a:fld id="{5C794E63-F2AF-49E2-AE37-43481CC587E5}" type="slidenum">
+              <a:rPr lang="zh-CN" altLang="en-US" smtClean="0"/>
+              <a:t>9</a:t>
+            </a:fld>
+            <a:endParaRPr lang="zh-CN" altLang="en-US"/>
+          </a:p>
+        </p:txBody>
+      </p:sp>
+    </p:spTree>
+    <p:extLst>
+      <p:ext uri="{BB962C8B-B14F-4D97-AF65-F5344CB8AC3E}">
+        <p14:creationId xmlns:p14="http://schemas.microsoft.com/office/powerpoint/2010/main" val="2456308560"/>
       </p:ext>
     </p:extLst>
   </p:cSld>

--- a/css教案（修改版）.pptx
+++ b/css教案（修改版）.pptx
@@ -9,19 +9,19 @@
   </p:handoutMasterIdLst>
   <p:sldIdLst>
     <p:sldId id="256" r:id="rId2"/>
-    <p:sldId id="257" r:id="rId3"/>
-    <p:sldId id="370" r:id="rId4"/>
-    <p:sldId id="371" r:id="rId5"/>
-    <p:sldId id="373" r:id="rId6"/>
-    <p:sldId id="374" r:id="rId7"/>
-    <p:sldId id="375" r:id="rId8"/>
-    <p:sldId id="378" r:id="rId9"/>
-    <p:sldId id="376" r:id="rId10"/>
-    <p:sldId id="377" r:id="rId11"/>
-    <p:sldId id="379" r:id="rId12"/>
-    <p:sldId id="380" r:id="rId13"/>
-    <p:sldId id="381" r:id="rId14"/>
-    <p:sldId id="382" r:id="rId15"/>
+    <p:sldId id="384" r:id="rId3"/>
+    <p:sldId id="383" r:id="rId4"/>
+    <p:sldId id="257" r:id="rId5"/>
+    <p:sldId id="370" r:id="rId6"/>
+    <p:sldId id="371" r:id="rId7"/>
+    <p:sldId id="373" r:id="rId8"/>
+    <p:sldId id="374" r:id="rId9"/>
+    <p:sldId id="375" r:id="rId10"/>
+    <p:sldId id="378" r:id="rId11"/>
+    <p:sldId id="376" r:id="rId12"/>
+    <p:sldId id="377" r:id="rId13"/>
+    <p:sldId id="379" r:id="rId14"/>
+    <p:sldId id="380" r:id="rId15"/>
     <p:sldId id="369" r:id="rId16"/>
   </p:sldIdLst>
   <p:sldSz cx="9144000" cy="6858000" type="screen4x3"/>
@@ -236,7 +236,7 @@
           <a:p>
             <a:fld id="{E9AD6EE2-A988-47A8-A809-1DCAB739DC56}" type="datetimeFigureOut">
               <a:rPr lang="zh-CN" altLang="en-US" smtClean="0"/>
-              <a:t>2020/8/13</a:t>
+              <a:t>2020/8/14</a:t>
             </a:fld>
             <a:endParaRPr lang="zh-CN" altLang="en-US"/>
           </a:p>
@@ -578,7 +578,7 @@
           <a:p>
             <a:fld id="{CD81A037-8D57-41A5-A253-A9E887D684E4}" type="datetime1">
               <a:rPr lang="zh-CN" altLang="en-US" smtClean="0"/>
-              <a:t>2020/8/13</a:t>
+              <a:t>2020/8/14</a:t>
             </a:fld>
             <a:endParaRPr lang="zh-CN" altLang="en-US" dirty="0"/>
           </a:p>
@@ -1127,7 +1127,7 @@
                 <a:latin typeface="Arial" panose="020B0604020202020204" pitchFamily="34" charset="0"/>
                 <a:cs typeface="Arial" panose="020B0604020202020204" pitchFamily="34" charset="0"/>
               </a:rPr>
-              <a:t>2020/8/13</a:t>
+              <a:t>2020/8/14</a:t>
             </a:fld>
             <a:endParaRPr lang="zh-CN" altLang="zh-CN" dirty="0">
               <a:latin typeface="Arial" panose="020B0604020202020204" pitchFamily="34" charset="0"/>
@@ -1323,7 +1323,7 @@
           <a:p>
             <a:fld id="{4D01DF33-5A38-4035-AC9E-B8E17EB22BE4}" type="datetime1">
               <a:rPr lang="zh-CN" altLang="en-US" smtClean="0"/>
-              <a:t>2020/8/13</a:t>
+              <a:t>2020/8/14</a:t>
             </a:fld>
             <a:endParaRPr lang="zh-CN" altLang="en-US"/>
           </a:p>
@@ -1834,7 +1834,7 @@
           <a:p>
             <a:fld id="{C1D3EEC2-3DBC-43AD-837B-AE7C27033FDD}" type="datetime1">
               <a:rPr lang="zh-CN" altLang="en-US" smtClean="0"/>
-              <a:t>2020/8/13</a:t>
+              <a:t>2020/8/14</a:t>
             </a:fld>
             <a:endParaRPr lang="zh-CN" altLang="en-US" dirty="0"/>
           </a:p>
@@ -2040,7 +2040,7 @@
           <a:p>
             <a:fld id="{C1D3EEC2-3DBC-43AD-837B-AE7C27033FDD}" type="datetime1">
               <a:rPr lang="zh-CN" altLang="en-US" smtClean="0"/>
-              <a:t>2020/8/13</a:t>
+              <a:t>2020/8/14</a:t>
             </a:fld>
             <a:endParaRPr lang="zh-CN" altLang="en-US" dirty="0"/>
           </a:p>
@@ -2782,2653 +2782,6 @@
           <p:cNvPr id="2" name="标题 1">
             <a:extLst>
               <a:ext uri="{FF2B5EF4-FFF2-40B4-BE49-F238E27FC236}">
-                <a16:creationId xmlns:a16="http://schemas.microsoft.com/office/drawing/2014/main" id="{A86D3E35-B98C-4FA6-9D78-B30E4395403E}"/>
-              </a:ext>
-            </a:extLst>
-          </p:cNvPr>
-          <p:cNvSpPr>
-            <a:spLocks noGrp="1"/>
-          </p:cNvSpPr>
-          <p:nvPr>
-            <p:ph type="title"/>
-          </p:nvPr>
-        </p:nvSpPr>
-        <p:spPr/>
-        <p:txBody>
-          <a:bodyPr/>
-          <a:lstStyle/>
-          <a:p>
-            <a:r>
-              <a:rPr lang="zh-CN" altLang="en-US" dirty="0"/>
-              <a:t>弹性盒布局</a:t>
-            </a:r>
-          </a:p>
-        </p:txBody>
-      </p:sp>
-      <p:sp>
-        <p:nvSpPr>
-          <p:cNvPr id="3" name="内容占位符 2">
-            <a:extLst>
-              <a:ext uri="{FF2B5EF4-FFF2-40B4-BE49-F238E27FC236}">
-                <a16:creationId xmlns:a16="http://schemas.microsoft.com/office/drawing/2014/main" id="{81268C98-4DC2-415C-8106-A45FCC0E7CED}"/>
-              </a:ext>
-            </a:extLst>
-          </p:cNvPr>
-          <p:cNvSpPr>
-            <a:spLocks noGrp="1"/>
-          </p:cNvSpPr>
-          <p:nvPr>
-            <p:ph idx="1"/>
-          </p:nvPr>
-        </p:nvSpPr>
-        <p:spPr/>
-        <p:txBody>
-          <a:bodyPr>
-            <a:normAutofit/>
-          </a:bodyPr>
-          <a:lstStyle/>
-          <a:p>
-            <a:r>
-              <a:rPr lang="en-US" altLang="zh-CN" sz="1600" i="0" dirty="0">
-                <a:solidFill>
-                  <a:srgbClr val="494949"/>
-                </a:solidFill>
-                <a:effectLst/>
-                <a:latin typeface="+mn-ea"/>
-                <a:ea typeface="+mn-ea"/>
-              </a:rPr>
-              <a:t>align-content</a:t>
-            </a:r>
-            <a:r>
-              <a:rPr lang="zh-CN" altLang="en-US" sz="1600" i="0" dirty="0">
-                <a:solidFill>
-                  <a:srgbClr val="494949"/>
-                </a:solidFill>
-                <a:effectLst/>
-                <a:latin typeface="+mn-ea"/>
-                <a:ea typeface="+mn-ea"/>
-              </a:rPr>
-              <a:t>：</a:t>
-            </a:r>
-            <a:r>
-              <a:rPr lang="en-US" altLang="zh-CN" sz="1600" i="0" dirty="0" err="1">
-                <a:solidFill>
-                  <a:srgbClr val="494949"/>
-                </a:solidFill>
-                <a:effectLst/>
-                <a:latin typeface="+mn-ea"/>
-                <a:ea typeface="+mn-ea"/>
-              </a:rPr>
-              <a:t>flex-start|flex-end|space-between|space-around</a:t>
-            </a:r>
-            <a:endParaRPr lang="en-US" altLang="zh-CN" sz="1600" i="0" dirty="0">
-              <a:solidFill>
-                <a:srgbClr val="494949"/>
-              </a:solidFill>
-              <a:effectLst/>
-              <a:latin typeface="+mn-ea"/>
-              <a:ea typeface="+mn-ea"/>
-            </a:endParaRPr>
-          </a:p>
-          <a:p>
-            <a:endParaRPr lang="en-US" altLang="zh-CN" sz="1600" dirty="0">
-              <a:solidFill>
-                <a:srgbClr val="494949"/>
-              </a:solidFill>
-              <a:latin typeface="+mn-ea"/>
-              <a:ea typeface="+mn-ea"/>
-            </a:endParaRPr>
-          </a:p>
-          <a:p>
-            <a:r>
-              <a:rPr lang="zh-CN" altLang="en-US" sz="1600" dirty="0">
-                <a:solidFill>
-                  <a:srgbClr val="494949"/>
-                </a:solidFill>
-                <a:latin typeface="+mn-ea"/>
-                <a:ea typeface="+mn-ea"/>
-              </a:rPr>
-              <a:t>属性：</a:t>
-            </a:r>
-            <a:endParaRPr lang="en-US" altLang="zh-CN" sz="1600" dirty="0">
-              <a:solidFill>
-                <a:srgbClr val="494949"/>
-              </a:solidFill>
-              <a:latin typeface="+mn-ea"/>
-              <a:ea typeface="+mn-ea"/>
-            </a:endParaRPr>
-          </a:p>
-          <a:p>
-            <a:r>
-              <a:rPr lang="en-US" altLang="zh-CN" sz="1600" i="0" dirty="0">
-                <a:solidFill>
-                  <a:srgbClr val="494949"/>
-                </a:solidFill>
-                <a:effectLst/>
-                <a:latin typeface="+mn-ea"/>
-                <a:ea typeface="+mn-ea"/>
-              </a:rPr>
-              <a:t>Order</a:t>
-            </a:r>
-            <a:r>
-              <a:rPr lang="zh-CN" altLang="en-US" sz="1600" i="0" dirty="0">
-                <a:solidFill>
-                  <a:srgbClr val="494949"/>
-                </a:solidFill>
-                <a:effectLst/>
-                <a:latin typeface="+mn-ea"/>
-                <a:ea typeface="+mn-ea"/>
-              </a:rPr>
-              <a:t>： 小在前 大在后</a:t>
-            </a:r>
-            <a:endParaRPr lang="en-US" altLang="zh-CN" sz="1600" i="0" dirty="0">
-              <a:solidFill>
-                <a:srgbClr val="494949"/>
-              </a:solidFill>
-              <a:effectLst/>
-              <a:latin typeface="+mn-ea"/>
-              <a:ea typeface="+mn-ea"/>
-            </a:endParaRPr>
-          </a:p>
-          <a:p>
-            <a:r>
-              <a:rPr lang="en-US" altLang="zh-CN" sz="1600" i="0" dirty="0">
-                <a:solidFill>
-                  <a:srgbClr val="494949"/>
-                </a:solidFill>
-                <a:effectLst/>
-                <a:latin typeface="+mn-ea"/>
-                <a:ea typeface="+mn-ea"/>
-              </a:rPr>
-              <a:t>align-self</a:t>
-            </a:r>
-            <a:r>
-              <a:rPr lang="zh-CN" altLang="en-US" sz="1600" i="0" dirty="0">
-                <a:solidFill>
-                  <a:srgbClr val="494949"/>
-                </a:solidFill>
-                <a:effectLst/>
-                <a:latin typeface="+mn-ea"/>
-                <a:ea typeface="+mn-ea"/>
-              </a:rPr>
-              <a:t>： </a:t>
-            </a:r>
-            <a:r>
-              <a:rPr lang="en-US" altLang="zh-CN" sz="1600" i="0" dirty="0" err="1">
-                <a:solidFill>
-                  <a:srgbClr val="494949"/>
-                </a:solidFill>
-                <a:effectLst/>
-                <a:latin typeface="+mn-ea"/>
-                <a:ea typeface="+mn-ea"/>
-              </a:rPr>
-              <a:t>auto|flex-start|flex-end|center</a:t>
-            </a:r>
-            <a:endParaRPr lang="en-US" altLang="zh-CN" sz="1600" i="0" dirty="0">
-              <a:solidFill>
-                <a:srgbClr val="494949"/>
-              </a:solidFill>
-              <a:effectLst/>
-              <a:latin typeface="+mn-ea"/>
-              <a:ea typeface="+mn-ea"/>
-            </a:endParaRPr>
-          </a:p>
-          <a:p>
-            <a:r>
-              <a:rPr lang="zh-CN" altLang="en-US" sz="1600" i="0" dirty="0">
-                <a:solidFill>
-                  <a:srgbClr val="494949"/>
-                </a:solidFill>
-                <a:effectLst/>
-                <a:latin typeface="+mn-ea"/>
-                <a:ea typeface="+mn-ea"/>
-              </a:rPr>
-              <a:t>设置弹性元素自身在侧轴（纵轴）方向上的对齐方式</a:t>
-            </a:r>
-            <a:endParaRPr lang="en-US" altLang="zh-CN" sz="1600" i="0" dirty="0">
-              <a:solidFill>
-                <a:srgbClr val="494949"/>
-              </a:solidFill>
-              <a:effectLst/>
-              <a:latin typeface="+mn-ea"/>
-              <a:ea typeface="+mn-ea"/>
-            </a:endParaRPr>
-          </a:p>
-          <a:p>
-            <a:endParaRPr lang="en-US" altLang="zh-CN" sz="1600" i="0" dirty="0">
-              <a:solidFill>
-                <a:srgbClr val="494949"/>
-              </a:solidFill>
-              <a:effectLst/>
-              <a:latin typeface="+mn-ea"/>
-              <a:ea typeface="+mn-ea"/>
-            </a:endParaRPr>
-          </a:p>
-          <a:p>
-            <a:r>
-              <a:rPr lang="en-US" altLang="zh-CN" sz="1600" i="0" dirty="0">
-                <a:solidFill>
-                  <a:srgbClr val="111111"/>
-                </a:solidFill>
-                <a:effectLst/>
-                <a:latin typeface="+mn-ea"/>
-                <a:ea typeface="+mn-ea"/>
-              </a:rPr>
-              <a:t>flex-basis   </a:t>
-            </a:r>
-            <a:r>
-              <a:rPr lang="zh-CN" altLang="en-US" sz="1600" dirty="0">
-                <a:solidFill>
-                  <a:srgbClr val="494949"/>
-                </a:solidFill>
-                <a:latin typeface="+mn-ea"/>
-                <a:ea typeface="+mn-ea"/>
-              </a:rPr>
-              <a:t>元素初始宽度</a:t>
-            </a:r>
-            <a:endParaRPr lang="en-US" altLang="zh-CN" sz="1600" dirty="0">
-              <a:solidFill>
-                <a:srgbClr val="494949"/>
-              </a:solidFill>
-              <a:latin typeface="+mn-ea"/>
-              <a:ea typeface="+mn-ea"/>
-            </a:endParaRPr>
-          </a:p>
-          <a:p>
-            <a:endParaRPr lang="en-US" altLang="zh-CN" sz="1600" dirty="0">
-              <a:solidFill>
-                <a:srgbClr val="494949"/>
-              </a:solidFill>
-              <a:latin typeface="+mn-ea"/>
-              <a:ea typeface="+mn-ea"/>
-            </a:endParaRPr>
-          </a:p>
-          <a:p>
-            <a:r>
-              <a:rPr lang="en-US" altLang="zh-CN" sz="1600" i="0" u="none" strike="noStrike" dirty="0">
-                <a:solidFill>
-                  <a:srgbClr val="000000"/>
-                </a:solidFill>
-                <a:effectLst/>
-                <a:latin typeface="+mn-ea"/>
-                <a:ea typeface="+mn-ea"/>
-              </a:rPr>
-              <a:t>flex-grow   </a:t>
-            </a:r>
-            <a:r>
-              <a:rPr lang="zh-CN" altLang="en-US" sz="1600" i="0" dirty="0">
-                <a:solidFill>
-                  <a:srgbClr val="111111"/>
-                </a:solidFill>
-                <a:effectLst/>
-                <a:latin typeface="+mn-ea"/>
-                <a:ea typeface="+mn-ea"/>
-              </a:rPr>
-              <a:t>属性定义项目的放大比例</a:t>
-            </a:r>
-            <a:endParaRPr lang="en-US" altLang="zh-CN" sz="1600" dirty="0">
-              <a:solidFill>
-                <a:srgbClr val="000000"/>
-              </a:solidFill>
-              <a:latin typeface="+mn-ea"/>
-              <a:ea typeface="+mn-ea"/>
-            </a:endParaRPr>
-          </a:p>
-          <a:p>
-            <a:endParaRPr lang="en-US" altLang="zh-CN" sz="1600" i="0" u="none" strike="noStrike" dirty="0">
-              <a:solidFill>
-                <a:srgbClr val="000000"/>
-              </a:solidFill>
-              <a:effectLst/>
-              <a:latin typeface="+mn-ea"/>
-              <a:ea typeface="+mn-ea"/>
-            </a:endParaRPr>
-          </a:p>
-          <a:p>
-            <a:r>
-              <a:rPr lang="en-US" altLang="zh-CN" sz="1600" i="0" u="none" strike="noStrike" dirty="0">
-                <a:solidFill>
-                  <a:srgbClr val="000000"/>
-                </a:solidFill>
-                <a:effectLst/>
-                <a:latin typeface="+mn-ea"/>
-                <a:ea typeface="+mn-ea"/>
-              </a:rPr>
-              <a:t>flex-shrink   </a:t>
-            </a:r>
-            <a:r>
-              <a:rPr lang="zh-CN" altLang="en-US" sz="1600" i="0" dirty="0">
-                <a:solidFill>
-                  <a:srgbClr val="111111"/>
-                </a:solidFill>
-                <a:effectLst/>
-                <a:latin typeface="+mn-ea"/>
-                <a:ea typeface="+mn-ea"/>
-              </a:rPr>
-              <a:t>属性定义了项目的缩小比例，默认为</a:t>
-            </a:r>
-            <a:r>
-              <a:rPr lang="en-US" altLang="zh-CN" sz="1600" i="0" dirty="0">
-                <a:solidFill>
-                  <a:srgbClr val="111111"/>
-                </a:solidFill>
-                <a:effectLst/>
-                <a:latin typeface="+mn-ea"/>
-                <a:ea typeface="+mn-ea"/>
-              </a:rPr>
-              <a:t>1</a:t>
-            </a:r>
-            <a:r>
-              <a:rPr lang="zh-CN" altLang="en-US" sz="1600" i="0" dirty="0">
-                <a:solidFill>
-                  <a:srgbClr val="111111"/>
-                </a:solidFill>
-                <a:effectLst/>
-                <a:latin typeface="+mn-ea"/>
-                <a:ea typeface="+mn-ea"/>
-              </a:rPr>
-              <a:t>，即如果空间不足，该项目将缩小</a:t>
-            </a:r>
-            <a:endParaRPr lang="zh-CN" altLang="en-US" sz="1600" dirty="0">
-              <a:latin typeface="+mn-ea"/>
-              <a:ea typeface="+mn-ea"/>
-            </a:endParaRPr>
-          </a:p>
-          <a:p>
-            <a:endParaRPr lang="en-US" altLang="zh-CN" sz="1600" i="0" u="none" strike="noStrike" dirty="0">
-              <a:solidFill>
-                <a:srgbClr val="000000"/>
-              </a:solidFill>
-              <a:effectLst/>
-              <a:latin typeface="+mn-ea"/>
-              <a:ea typeface="+mn-ea"/>
-            </a:endParaRPr>
-          </a:p>
-        </p:txBody>
-      </p:sp>
-      <p:sp>
-        <p:nvSpPr>
-          <p:cNvPr id="4" name="日期占位符 3">
-            <a:extLst>
-              <a:ext uri="{FF2B5EF4-FFF2-40B4-BE49-F238E27FC236}">
-                <a16:creationId xmlns:a16="http://schemas.microsoft.com/office/drawing/2014/main" id="{8FBCB98F-A76D-4514-AFA5-EE48A6BE093C}"/>
-              </a:ext>
-            </a:extLst>
-          </p:cNvPr>
-          <p:cNvSpPr>
-            <a:spLocks noGrp="1"/>
-          </p:cNvSpPr>
-          <p:nvPr>
-            <p:ph type="dt" sz="half" idx="10"/>
-          </p:nvPr>
-        </p:nvSpPr>
-        <p:spPr/>
-        <p:txBody>
-          <a:bodyPr/>
-          <a:lstStyle/>
-          <a:p>
-            <a:fld id="{4D01DF33-5A38-4035-AC9E-B8E17EB22BE4}" type="datetime1">
-              <a:rPr lang="zh-CN" altLang="en-US" smtClean="0"/>
-              <a:t>2020/8/13</a:t>
-            </a:fld>
-            <a:endParaRPr lang="zh-CN" altLang="en-US"/>
-          </a:p>
-        </p:txBody>
-      </p:sp>
-      <p:sp>
-        <p:nvSpPr>
-          <p:cNvPr id="5" name="灯片编号占位符 4">
-            <a:extLst>
-              <a:ext uri="{FF2B5EF4-FFF2-40B4-BE49-F238E27FC236}">
-                <a16:creationId xmlns:a16="http://schemas.microsoft.com/office/drawing/2014/main" id="{1487FDA2-412A-438D-88E9-D35FA16CF4BA}"/>
-              </a:ext>
-            </a:extLst>
-          </p:cNvPr>
-          <p:cNvSpPr>
-            <a:spLocks noGrp="1"/>
-          </p:cNvSpPr>
-          <p:nvPr>
-            <p:ph type="sldNum" sz="quarter" idx="12"/>
-          </p:nvPr>
-        </p:nvSpPr>
-        <p:spPr/>
-        <p:txBody>
-          <a:bodyPr/>
-          <a:lstStyle/>
-          <a:p>
-            <a:fld id="{5C794E63-F2AF-49E2-AE37-43481CC587E5}" type="slidenum">
-              <a:rPr lang="zh-CN" altLang="en-US" smtClean="0"/>
-              <a:t>10</a:t>
-            </a:fld>
-            <a:endParaRPr lang="zh-CN" altLang="en-US"/>
-          </a:p>
-        </p:txBody>
-      </p:sp>
-    </p:spTree>
-    <p:extLst>
-      <p:ext uri="{BB962C8B-B14F-4D97-AF65-F5344CB8AC3E}">
-        <p14:creationId xmlns:p14="http://schemas.microsoft.com/office/powerpoint/2010/main" val="3035049834"/>
-      </p:ext>
-    </p:extLst>
-  </p:cSld>
-  <p:clrMapOvr>
-    <a:masterClrMapping/>
-  </p:clrMapOvr>
-</p:sld>
-</file>
-
-<file path=ppt/slides/slide11.xml><?xml version="1.0" encoding="utf-8"?>
-<p:sld xmlns:a="http://schemas.openxmlformats.org/drawingml/2006/main" xmlns:r="http://schemas.openxmlformats.org/officeDocument/2006/relationships" xmlns:p="http://schemas.openxmlformats.org/presentationml/2006/main">
-  <p:cSld>
-    <p:spTree>
-      <p:nvGrpSpPr>
-        <p:cNvPr id="1" name=""/>
-        <p:cNvGrpSpPr/>
-        <p:nvPr/>
-      </p:nvGrpSpPr>
-      <p:grpSpPr>
-        <a:xfrm>
-          <a:off x="0" y="0"/>
-          <a:ext cx="0" cy="0"/>
-          <a:chOff x="0" y="0"/>
-          <a:chExt cx="0" cy="0"/>
-        </a:xfrm>
-      </p:grpSpPr>
-      <p:sp>
-        <p:nvSpPr>
-          <p:cNvPr id="2" name="标题 1">
-            <a:extLst>
-              <a:ext uri="{FF2B5EF4-FFF2-40B4-BE49-F238E27FC236}">
-                <a16:creationId xmlns:a16="http://schemas.microsoft.com/office/drawing/2014/main" id="{2A66109F-CC52-4A30-A201-AEEB2BCA8503}"/>
-              </a:ext>
-            </a:extLst>
-          </p:cNvPr>
-          <p:cNvSpPr>
-            <a:spLocks noGrp="1"/>
-          </p:cNvSpPr>
-          <p:nvPr>
-            <p:ph type="title"/>
-          </p:nvPr>
-        </p:nvSpPr>
-        <p:spPr/>
-        <p:txBody>
-          <a:bodyPr/>
-          <a:lstStyle/>
-          <a:p>
-            <a:r>
-              <a:rPr lang="zh-CN" altLang="en-US" dirty="0"/>
-              <a:t>响应式布局</a:t>
-            </a:r>
-          </a:p>
-        </p:txBody>
-      </p:sp>
-      <p:sp>
-        <p:nvSpPr>
-          <p:cNvPr id="3" name="内容占位符 2">
-            <a:extLst>
-              <a:ext uri="{FF2B5EF4-FFF2-40B4-BE49-F238E27FC236}">
-                <a16:creationId xmlns:a16="http://schemas.microsoft.com/office/drawing/2014/main" id="{4100B6CA-DC5A-4DCE-AF7E-859945BDBA67}"/>
-              </a:ext>
-            </a:extLst>
-          </p:cNvPr>
-          <p:cNvSpPr>
-            <a:spLocks noGrp="1"/>
-          </p:cNvSpPr>
-          <p:nvPr>
-            <p:ph idx="1"/>
-          </p:nvPr>
-        </p:nvSpPr>
-        <p:spPr/>
-        <p:txBody>
-          <a:bodyPr/>
-          <a:lstStyle/>
-          <a:p>
-            <a:pPr marL="514350" indent="-514350">
-              <a:buFont typeface="+mj-lt"/>
-              <a:buAutoNum type="arabicPeriod"/>
-            </a:pPr>
-            <a:r>
-              <a:rPr lang="zh-CN" altLang="en-US" dirty="0"/>
-              <a:t>固定宽</a:t>
-            </a:r>
-            <a:endParaRPr lang="en-US" altLang="zh-CN" dirty="0"/>
-          </a:p>
-          <a:p>
-            <a:pPr marL="514350" indent="-514350">
-              <a:buFont typeface="+mj-lt"/>
-              <a:buAutoNum type="arabicPeriod"/>
-            </a:pPr>
-            <a:r>
-              <a:rPr lang="zh-CN" altLang="en-US" dirty="0"/>
-              <a:t>等比缩放</a:t>
-            </a:r>
-            <a:r>
-              <a:rPr lang="en-US" altLang="zh-CN" dirty="0"/>
-              <a:t>rem</a:t>
-            </a:r>
-          </a:p>
-          <a:p>
-            <a:pPr marL="514350" indent="-514350">
-              <a:buFont typeface="+mj-lt"/>
-              <a:buAutoNum type="arabicPeriod"/>
-            </a:pPr>
-            <a:r>
-              <a:rPr lang="zh-CN" altLang="en-US" dirty="0"/>
-              <a:t>媒体查询</a:t>
-            </a:r>
-            <a:endParaRPr lang="en-US" altLang="zh-CN" dirty="0"/>
-          </a:p>
-          <a:p>
-            <a:pPr marL="514350" indent="-514350">
-              <a:buFont typeface="+mj-lt"/>
-              <a:buAutoNum type="arabicPeriod"/>
-            </a:pPr>
-            <a:r>
-              <a:rPr lang="zh-CN" altLang="en-US" dirty="0"/>
-              <a:t>栅格</a:t>
-            </a:r>
-            <a:endParaRPr lang="en-US" altLang="zh-CN" dirty="0"/>
-          </a:p>
-          <a:p>
-            <a:pPr marL="514350" indent="-514350">
-              <a:buFont typeface="+mj-lt"/>
-              <a:buAutoNum type="arabicPeriod"/>
-            </a:pPr>
-            <a:r>
-              <a:rPr lang="zh-CN" altLang="en-US" dirty="0"/>
-              <a:t>弹性布局</a:t>
-            </a:r>
-            <a:endParaRPr lang="en-US" altLang="zh-CN" dirty="0"/>
-          </a:p>
-          <a:p>
-            <a:pPr marL="514350" indent="-514350">
-              <a:buFont typeface="+mj-lt"/>
-              <a:buAutoNum type="arabicPeriod"/>
-            </a:pPr>
-            <a:r>
-              <a:rPr lang="zh-CN" altLang="en-US" dirty="0"/>
-              <a:t>浮动布局</a:t>
-            </a:r>
-            <a:endParaRPr lang="en-US" altLang="zh-CN" dirty="0"/>
-          </a:p>
-          <a:p>
-            <a:pPr marL="514350" indent="-514350">
-              <a:buFont typeface="+mj-lt"/>
-              <a:buAutoNum type="arabicPeriod"/>
-            </a:pPr>
-            <a:r>
-              <a:rPr lang="zh-CN" altLang="en-US" dirty="0"/>
-              <a:t>百分比</a:t>
-            </a:r>
-            <a:r>
-              <a:rPr lang="en-US" altLang="zh-CN" dirty="0"/>
-              <a:t>/</a:t>
-            </a:r>
-            <a:r>
-              <a:rPr lang="en-US" altLang="zh-CN" dirty="0" err="1"/>
-              <a:t>vw&amp;vh</a:t>
-            </a:r>
-            <a:endParaRPr lang="en-US" altLang="zh-CN" dirty="0"/>
-          </a:p>
-          <a:p>
-            <a:pPr marL="514350" indent="-514350">
-              <a:buFont typeface="+mj-lt"/>
-              <a:buAutoNum type="arabicPeriod"/>
-            </a:pPr>
-            <a:r>
-              <a:rPr lang="zh-CN" altLang="en-US" dirty="0"/>
-              <a:t>固定</a:t>
-            </a:r>
-            <a:r>
-              <a:rPr lang="en-US" altLang="zh-CN" dirty="0"/>
-              <a:t>+</a:t>
-            </a:r>
-            <a:r>
-              <a:rPr lang="zh-CN" altLang="en-US" dirty="0"/>
-              <a:t>百分比 </a:t>
-            </a:r>
-            <a:endParaRPr lang="en-US" altLang="zh-CN" dirty="0"/>
-          </a:p>
-          <a:p>
-            <a:pPr marL="514350" indent="-514350">
-              <a:buFont typeface="+mj-lt"/>
-              <a:buAutoNum type="arabicPeriod"/>
-            </a:pPr>
-            <a:r>
-              <a:rPr lang="zh-CN" altLang="en-US" dirty="0"/>
-              <a:t>圣杯布局</a:t>
-            </a:r>
-            <a:r>
-              <a:rPr lang="en-US" altLang="zh-CN" dirty="0"/>
-              <a:t>+</a:t>
-            </a:r>
-            <a:r>
-              <a:rPr lang="zh-CN" altLang="en-US" dirty="0"/>
-              <a:t>双飞翼布局（兼容性好 </a:t>
-            </a:r>
-            <a:r>
-              <a:rPr lang="en-US" altLang="zh-CN" dirty="0"/>
-              <a:t>ie6</a:t>
-            </a:r>
-            <a:r>
-              <a:rPr lang="zh-CN" altLang="en-US" dirty="0"/>
-              <a:t>）</a:t>
-            </a:r>
-            <a:endParaRPr lang="en-US" altLang="zh-CN" dirty="0"/>
-          </a:p>
-        </p:txBody>
-      </p:sp>
-      <p:sp>
-        <p:nvSpPr>
-          <p:cNvPr id="4" name="日期占位符 3">
-            <a:extLst>
-              <a:ext uri="{FF2B5EF4-FFF2-40B4-BE49-F238E27FC236}">
-                <a16:creationId xmlns:a16="http://schemas.microsoft.com/office/drawing/2014/main" id="{0EB02086-0F51-4D77-9B13-ADD9CD25476A}"/>
-              </a:ext>
-            </a:extLst>
-          </p:cNvPr>
-          <p:cNvSpPr>
-            <a:spLocks noGrp="1"/>
-          </p:cNvSpPr>
-          <p:nvPr>
-            <p:ph type="dt" sz="half" idx="10"/>
-          </p:nvPr>
-        </p:nvSpPr>
-        <p:spPr/>
-        <p:txBody>
-          <a:bodyPr/>
-          <a:lstStyle/>
-          <a:p>
-            <a:fld id="{4D01DF33-5A38-4035-AC9E-B8E17EB22BE4}" type="datetime1">
-              <a:rPr lang="zh-CN" altLang="en-US" smtClean="0"/>
-              <a:t>2020/8/13</a:t>
-            </a:fld>
-            <a:endParaRPr lang="zh-CN" altLang="en-US"/>
-          </a:p>
-        </p:txBody>
-      </p:sp>
-      <p:sp>
-        <p:nvSpPr>
-          <p:cNvPr id="5" name="灯片编号占位符 4">
-            <a:extLst>
-              <a:ext uri="{FF2B5EF4-FFF2-40B4-BE49-F238E27FC236}">
-                <a16:creationId xmlns:a16="http://schemas.microsoft.com/office/drawing/2014/main" id="{00F3650B-6D37-453B-8CBC-A20662B78AFF}"/>
-              </a:ext>
-            </a:extLst>
-          </p:cNvPr>
-          <p:cNvSpPr>
-            <a:spLocks noGrp="1"/>
-          </p:cNvSpPr>
-          <p:nvPr>
-            <p:ph type="sldNum" sz="quarter" idx="12"/>
-          </p:nvPr>
-        </p:nvSpPr>
-        <p:spPr/>
-        <p:txBody>
-          <a:bodyPr/>
-          <a:lstStyle/>
-          <a:p>
-            <a:fld id="{5C794E63-F2AF-49E2-AE37-43481CC587E5}" type="slidenum">
-              <a:rPr lang="zh-CN" altLang="en-US" smtClean="0"/>
-              <a:t>11</a:t>
-            </a:fld>
-            <a:endParaRPr lang="zh-CN" altLang="en-US"/>
-          </a:p>
-        </p:txBody>
-      </p:sp>
-    </p:spTree>
-    <p:extLst>
-      <p:ext uri="{BB962C8B-B14F-4D97-AF65-F5344CB8AC3E}">
-        <p14:creationId xmlns:p14="http://schemas.microsoft.com/office/powerpoint/2010/main" val="130122577"/>
-      </p:ext>
-    </p:extLst>
-  </p:cSld>
-  <p:clrMapOvr>
-    <a:masterClrMapping/>
-  </p:clrMapOvr>
-</p:sld>
-</file>
-
-<file path=ppt/slides/slide12.xml><?xml version="1.0" encoding="utf-8"?>
-<p:sld xmlns:a="http://schemas.openxmlformats.org/drawingml/2006/main" xmlns:r="http://schemas.openxmlformats.org/officeDocument/2006/relationships" xmlns:p="http://schemas.openxmlformats.org/presentationml/2006/main">
-  <p:cSld>
-    <p:spTree>
-      <p:nvGrpSpPr>
-        <p:cNvPr id="1" name=""/>
-        <p:cNvGrpSpPr/>
-        <p:nvPr/>
-      </p:nvGrpSpPr>
-      <p:grpSpPr>
-        <a:xfrm>
-          <a:off x="0" y="0"/>
-          <a:ext cx="0" cy="0"/>
-          <a:chOff x="0" y="0"/>
-          <a:chExt cx="0" cy="0"/>
-        </a:xfrm>
-      </p:grpSpPr>
-      <p:sp>
-        <p:nvSpPr>
-          <p:cNvPr id="2" name="标题 1">
-            <a:extLst>
-              <a:ext uri="{FF2B5EF4-FFF2-40B4-BE49-F238E27FC236}">
-                <a16:creationId xmlns:a16="http://schemas.microsoft.com/office/drawing/2014/main" id="{0FBA65C6-D4D1-4965-A887-78935415D9FD}"/>
-              </a:ext>
-            </a:extLst>
-          </p:cNvPr>
-          <p:cNvSpPr>
-            <a:spLocks noGrp="1"/>
-          </p:cNvSpPr>
-          <p:nvPr>
-            <p:ph type="title"/>
-          </p:nvPr>
-        </p:nvSpPr>
-        <p:spPr/>
-        <p:txBody>
-          <a:bodyPr/>
-          <a:lstStyle/>
-          <a:p>
-            <a:r>
-              <a:rPr lang="zh-CN" altLang="en-US" dirty="0"/>
-              <a:t>兼容性</a:t>
-            </a:r>
-          </a:p>
-        </p:txBody>
-      </p:sp>
-      <p:sp>
-        <p:nvSpPr>
-          <p:cNvPr id="3" name="内容占位符 2">
-            <a:extLst>
-              <a:ext uri="{FF2B5EF4-FFF2-40B4-BE49-F238E27FC236}">
-                <a16:creationId xmlns:a16="http://schemas.microsoft.com/office/drawing/2014/main" id="{61921CA1-6746-408B-B742-3B48AB883623}"/>
-              </a:ext>
-            </a:extLst>
-          </p:cNvPr>
-          <p:cNvSpPr>
-            <a:spLocks noGrp="1"/>
-          </p:cNvSpPr>
-          <p:nvPr>
-            <p:ph idx="1"/>
-          </p:nvPr>
-        </p:nvSpPr>
-        <p:spPr/>
-        <p:txBody>
-          <a:bodyPr/>
-          <a:lstStyle/>
-          <a:p>
-            <a:r>
-              <a:rPr lang="en-US" altLang="zh-CN" dirty="0">
-                <a:hlinkClick r:id="rId2"/>
-              </a:rPr>
-              <a:t>https://caniuse.com/#home</a:t>
-            </a:r>
-            <a:endParaRPr lang="en-US" altLang="zh-CN" dirty="0"/>
-          </a:p>
-          <a:p>
-            <a:r>
-              <a:rPr lang="zh-CN" altLang="en-US" dirty="0"/>
-              <a:t>编写：</a:t>
-            </a:r>
-            <a:endParaRPr lang="en-US" altLang="zh-CN" dirty="0"/>
-          </a:p>
-          <a:p>
-            <a:r>
-              <a:rPr lang="en-US" altLang="zh-CN" dirty="0"/>
-              <a:t>Vue</a:t>
-            </a:r>
-            <a:r>
-              <a:rPr lang="zh-CN" altLang="en-US" dirty="0"/>
-              <a:t>项目中 使用</a:t>
-            </a:r>
-            <a:r>
-              <a:rPr lang="en-US" altLang="zh-CN" dirty="0"/>
-              <a:t>less/sass </a:t>
-            </a:r>
-            <a:r>
-              <a:rPr lang="zh-CN" altLang="en-US" dirty="0"/>
-              <a:t>进行</a:t>
-            </a:r>
-            <a:r>
-              <a:rPr lang="en-US" altLang="zh-CN" dirty="0" err="1"/>
-              <a:t>prefixer</a:t>
-            </a:r>
-            <a:r>
-              <a:rPr lang="zh-CN" altLang="en-US" dirty="0"/>
-              <a:t>，或者使用</a:t>
-            </a:r>
-            <a:r>
-              <a:rPr lang="en-US" altLang="zh-CN" dirty="0"/>
-              <a:t>Webpack </a:t>
-            </a:r>
-            <a:r>
-              <a:rPr lang="en-US" altLang="zh-CN" dirty="0" err="1"/>
-              <a:t>autoprefixer</a:t>
-            </a:r>
-            <a:endParaRPr lang="en-US" altLang="zh-CN" dirty="0"/>
-          </a:p>
-          <a:p>
-            <a:endParaRPr lang="en-US" altLang="zh-CN" dirty="0"/>
-          </a:p>
-          <a:p>
-            <a:r>
-              <a:rPr lang="zh-CN" altLang="en-US" dirty="0"/>
-              <a:t>通过</a:t>
-            </a:r>
-            <a:r>
-              <a:rPr lang="en-US" altLang="zh-CN" dirty="0"/>
-              <a:t>Js</a:t>
-            </a:r>
-            <a:r>
-              <a:rPr lang="zh-CN" altLang="en-US" dirty="0"/>
-              <a:t>辅助</a:t>
-            </a:r>
-            <a:r>
-              <a:rPr lang="en-US" altLang="zh-CN" dirty="0" err="1"/>
-              <a:t>css</a:t>
-            </a:r>
-            <a:endParaRPr lang="en-US" altLang="zh-CN" dirty="0"/>
-          </a:p>
-          <a:p>
-            <a:endParaRPr lang="en-US" altLang="zh-CN" dirty="0"/>
-          </a:p>
-          <a:p>
-            <a:r>
-              <a:rPr lang="en-US" altLang="zh-CN" dirty="0" err="1"/>
-              <a:t>Css</a:t>
-            </a:r>
-            <a:r>
-              <a:rPr lang="en-US" altLang="zh-CN" dirty="0"/>
-              <a:t> Hack</a:t>
-            </a:r>
-          </a:p>
-        </p:txBody>
-      </p:sp>
-      <p:sp>
-        <p:nvSpPr>
-          <p:cNvPr id="4" name="日期占位符 3">
-            <a:extLst>
-              <a:ext uri="{FF2B5EF4-FFF2-40B4-BE49-F238E27FC236}">
-                <a16:creationId xmlns:a16="http://schemas.microsoft.com/office/drawing/2014/main" id="{2C3BBAA6-6F30-4CA6-8C6E-96DAE422DC62}"/>
-              </a:ext>
-            </a:extLst>
-          </p:cNvPr>
-          <p:cNvSpPr>
-            <a:spLocks noGrp="1"/>
-          </p:cNvSpPr>
-          <p:nvPr>
-            <p:ph type="dt" sz="half" idx="10"/>
-          </p:nvPr>
-        </p:nvSpPr>
-        <p:spPr/>
-        <p:txBody>
-          <a:bodyPr/>
-          <a:lstStyle/>
-          <a:p>
-            <a:fld id="{4D01DF33-5A38-4035-AC9E-B8E17EB22BE4}" type="datetime1">
-              <a:rPr lang="zh-CN" altLang="en-US" smtClean="0"/>
-              <a:t>2020/8/13</a:t>
-            </a:fld>
-            <a:endParaRPr lang="zh-CN" altLang="en-US"/>
-          </a:p>
-        </p:txBody>
-      </p:sp>
-      <p:sp>
-        <p:nvSpPr>
-          <p:cNvPr id="5" name="灯片编号占位符 4">
-            <a:extLst>
-              <a:ext uri="{FF2B5EF4-FFF2-40B4-BE49-F238E27FC236}">
-                <a16:creationId xmlns:a16="http://schemas.microsoft.com/office/drawing/2014/main" id="{88F73E8A-0F27-4417-AD3D-8E18EB0F7587}"/>
-              </a:ext>
-            </a:extLst>
-          </p:cNvPr>
-          <p:cNvSpPr>
-            <a:spLocks noGrp="1"/>
-          </p:cNvSpPr>
-          <p:nvPr>
-            <p:ph type="sldNum" sz="quarter" idx="12"/>
-          </p:nvPr>
-        </p:nvSpPr>
-        <p:spPr/>
-        <p:txBody>
-          <a:bodyPr/>
-          <a:lstStyle/>
-          <a:p>
-            <a:fld id="{5C794E63-F2AF-49E2-AE37-43481CC587E5}" type="slidenum">
-              <a:rPr lang="zh-CN" altLang="en-US" smtClean="0"/>
-              <a:t>12</a:t>
-            </a:fld>
-            <a:endParaRPr lang="zh-CN" altLang="en-US"/>
-          </a:p>
-        </p:txBody>
-      </p:sp>
-    </p:spTree>
-    <p:extLst>
-      <p:ext uri="{BB962C8B-B14F-4D97-AF65-F5344CB8AC3E}">
-        <p14:creationId xmlns:p14="http://schemas.microsoft.com/office/powerpoint/2010/main" val="3950194608"/>
-      </p:ext>
-    </p:extLst>
-  </p:cSld>
-  <p:clrMapOvr>
-    <a:masterClrMapping/>
-  </p:clrMapOvr>
-</p:sld>
-</file>
-
-<file path=ppt/slides/slide13.xml><?xml version="1.0" encoding="utf-8"?>
-<p:sld xmlns:a="http://schemas.openxmlformats.org/drawingml/2006/main" xmlns:r="http://schemas.openxmlformats.org/officeDocument/2006/relationships" xmlns:p="http://schemas.openxmlformats.org/presentationml/2006/main">
-  <p:cSld>
-    <p:spTree>
-      <p:nvGrpSpPr>
-        <p:cNvPr id="1" name=""/>
-        <p:cNvGrpSpPr/>
-        <p:nvPr/>
-      </p:nvGrpSpPr>
-      <p:grpSpPr>
-        <a:xfrm>
-          <a:off x="0" y="0"/>
-          <a:ext cx="0" cy="0"/>
-          <a:chOff x="0" y="0"/>
-          <a:chExt cx="0" cy="0"/>
-        </a:xfrm>
-      </p:grpSpPr>
-      <p:sp>
-        <p:nvSpPr>
-          <p:cNvPr id="2" name="标题 1">
-            <a:extLst>
-              <a:ext uri="{FF2B5EF4-FFF2-40B4-BE49-F238E27FC236}">
-                <a16:creationId xmlns:a16="http://schemas.microsoft.com/office/drawing/2014/main" id="{54BEB89D-42CE-4D88-AAF9-ECA57923B012}"/>
-              </a:ext>
-            </a:extLst>
-          </p:cNvPr>
-          <p:cNvSpPr>
-            <a:spLocks noGrp="1"/>
-          </p:cNvSpPr>
-          <p:nvPr>
-            <p:ph type="title"/>
-          </p:nvPr>
-        </p:nvSpPr>
-        <p:spPr/>
-        <p:txBody>
-          <a:bodyPr/>
-          <a:lstStyle/>
-          <a:p>
-            <a:r>
-              <a:rPr lang="zh-CN" altLang="en-US" dirty="0"/>
-              <a:t>兼容性</a:t>
-            </a:r>
-          </a:p>
-        </p:txBody>
-      </p:sp>
-      <p:sp>
-        <p:nvSpPr>
-          <p:cNvPr id="3" name="内容占位符 2">
-            <a:extLst>
-              <a:ext uri="{FF2B5EF4-FFF2-40B4-BE49-F238E27FC236}">
-                <a16:creationId xmlns:a16="http://schemas.microsoft.com/office/drawing/2014/main" id="{CBE1534C-1EC6-4EFB-815C-ECB475824044}"/>
-              </a:ext>
-            </a:extLst>
-          </p:cNvPr>
-          <p:cNvSpPr>
-            <a:spLocks noGrp="1"/>
-          </p:cNvSpPr>
-          <p:nvPr>
-            <p:ph idx="1"/>
-          </p:nvPr>
-        </p:nvSpPr>
-        <p:spPr/>
-        <p:txBody>
-          <a:bodyPr/>
-          <a:lstStyle/>
-          <a:p>
-            <a:r>
-              <a:rPr lang="zh-CN" altLang="en-US" dirty="0"/>
-              <a:t>集成：</a:t>
-            </a:r>
-            <a:endParaRPr lang="en-US" altLang="zh-CN" dirty="0"/>
-          </a:p>
-          <a:p>
-            <a:r>
-              <a:rPr lang="en-US" altLang="zh-CN" dirty="0"/>
-              <a:t>Babel: </a:t>
-            </a:r>
-            <a:r>
-              <a:rPr lang="en-US" altLang="zh-CN" dirty="0" err="1"/>
-              <a:t>polyfill</a:t>
-            </a:r>
-            <a:r>
-              <a:rPr lang="en-US" altLang="zh-CN" dirty="0"/>
-              <a:t> preset-env</a:t>
-            </a:r>
-            <a:endParaRPr lang="en-US" altLang="zh-CN" sz="1600" b="1" i="0" dirty="0">
-              <a:solidFill>
-                <a:srgbClr val="404040"/>
-              </a:solidFill>
-              <a:effectLst/>
-              <a:latin typeface="+mj-ea"/>
-              <a:ea typeface="+mj-ea"/>
-            </a:endParaRPr>
-          </a:p>
-          <a:p>
-            <a:endParaRPr lang="zh-CN" altLang="en-US" dirty="0"/>
-          </a:p>
-        </p:txBody>
-      </p:sp>
-      <p:sp>
-        <p:nvSpPr>
-          <p:cNvPr id="4" name="日期占位符 3">
-            <a:extLst>
-              <a:ext uri="{FF2B5EF4-FFF2-40B4-BE49-F238E27FC236}">
-                <a16:creationId xmlns:a16="http://schemas.microsoft.com/office/drawing/2014/main" id="{D5244DE3-4654-4349-BC0F-21A7D5C6BCD8}"/>
-              </a:ext>
-            </a:extLst>
-          </p:cNvPr>
-          <p:cNvSpPr>
-            <a:spLocks noGrp="1"/>
-          </p:cNvSpPr>
-          <p:nvPr>
-            <p:ph type="dt" sz="half" idx="10"/>
-          </p:nvPr>
-        </p:nvSpPr>
-        <p:spPr/>
-        <p:txBody>
-          <a:bodyPr/>
-          <a:lstStyle/>
-          <a:p>
-            <a:fld id="{4D01DF33-5A38-4035-AC9E-B8E17EB22BE4}" type="datetime1">
-              <a:rPr lang="zh-CN" altLang="en-US" smtClean="0"/>
-              <a:t>2020/8/13</a:t>
-            </a:fld>
-            <a:endParaRPr lang="zh-CN" altLang="en-US"/>
-          </a:p>
-        </p:txBody>
-      </p:sp>
-      <p:sp>
-        <p:nvSpPr>
-          <p:cNvPr id="5" name="灯片编号占位符 4">
-            <a:extLst>
-              <a:ext uri="{FF2B5EF4-FFF2-40B4-BE49-F238E27FC236}">
-                <a16:creationId xmlns:a16="http://schemas.microsoft.com/office/drawing/2014/main" id="{CCA60F73-C518-418D-9BBF-78813435F6C5}"/>
-              </a:ext>
-            </a:extLst>
-          </p:cNvPr>
-          <p:cNvSpPr>
-            <a:spLocks noGrp="1"/>
-          </p:cNvSpPr>
-          <p:nvPr>
-            <p:ph type="sldNum" sz="quarter" idx="12"/>
-          </p:nvPr>
-        </p:nvSpPr>
-        <p:spPr/>
-        <p:txBody>
-          <a:bodyPr/>
-          <a:lstStyle/>
-          <a:p>
-            <a:fld id="{5C794E63-F2AF-49E2-AE37-43481CC587E5}" type="slidenum">
-              <a:rPr lang="zh-CN" altLang="en-US" smtClean="0"/>
-              <a:t>13</a:t>
-            </a:fld>
-            <a:endParaRPr lang="zh-CN" altLang="en-US"/>
-          </a:p>
-        </p:txBody>
-      </p:sp>
-    </p:spTree>
-    <p:extLst>
-      <p:ext uri="{BB962C8B-B14F-4D97-AF65-F5344CB8AC3E}">
-        <p14:creationId xmlns:p14="http://schemas.microsoft.com/office/powerpoint/2010/main" val="4111798786"/>
-      </p:ext>
-    </p:extLst>
-  </p:cSld>
-  <p:clrMapOvr>
-    <a:masterClrMapping/>
-  </p:clrMapOvr>
-</p:sld>
-</file>
-
-<file path=ppt/slides/slide14.xml><?xml version="1.0" encoding="utf-8"?>
-<p:sld xmlns:a="http://schemas.openxmlformats.org/drawingml/2006/main" xmlns:r="http://schemas.openxmlformats.org/officeDocument/2006/relationships" xmlns:p="http://schemas.openxmlformats.org/presentationml/2006/main">
-  <p:cSld>
-    <p:spTree>
-      <p:nvGrpSpPr>
-        <p:cNvPr id="1" name=""/>
-        <p:cNvGrpSpPr/>
-        <p:nvPr/>
-      </p:nvGrpSpPr>
-      <p:grpSpPr>
-        <a:xfrm>
-          <a:off x="0" y="0"/>
-          <a:ext cx="0" cy="0"/>
-          <a:chOff x="0" y="0"/>
-          <a:chExt cx="0" cy="0"/>
-        </a:xfrm>
-      </p:grpSpPr>
-      <p:sp>
-        <p:nvSpPr>
-          <p:cNvPr id="2" name="标题 1">
-            <a:extLst>
-              <a:ext uri="{FF2B5EF4-FFF2-40B4-BE49-F238E27FC236}">
-                <a16:creationId xmlns:a16="http://schemas.microsoft.com/office/drawing/2014/main" id="{D5A7A688-5B83-402D-A90C-787B93704CAA}"/>
-              </a:ext>
-            </a:extLst>
-          </p:cNvPr>
-          <p:cNvSpPr>
-            <a:spLocks noGrp="1"/>
-          </p:cNvSpPr>
-          <p:nvPr>
-            <p:ph type="title"/>
-          </p:nvPr>
-        </p:nvSpPr>
-        <p:spPr/>
-        <p:txBody>
-          <a:bodyPr/>
-          <a:lstStyle/>
-          <a:p>
-            <a:r>
-              <a:rPr lang="zh-CN" altLang="en-US" dirty="0"/>
-              <a:t>广告</a:t>
-            </a:r>
-          </a:p>
-        </p:txBody>
-      </p:sp>
-      <p:sp>
-        <p:nvSpPr>
-          <p:cNvPr id="3" name="内容占位符 2">
-            <a:extLst>
-              <a:ext uri="{FF2B5EF4-FFF2-40B4-BE49-F238E27FC236}">
-                <a16:creationId xmlns:a16="http://schemas.microsoft.com/office/drawing/2014/main" id="{799EE95C-D411-4E38-991A-0DDF9775D4F9}"/>
-              </a:ext>
-            </a:extLst>
-          </p:cNvPr>
-          <p:cNvSpPr>
-            <a:spLocks noGrp="1"/>
-          </p:cNvSpPr>
-          <p:nvPr>
-            <p:ph idx="1"/>
-          </p:nvPr>
-        </p:nvSpPr>
-        <p:spPr/>
-        <p:txBody>
-          <a:bodyPr/>
-          <a:lstStyle/>
-          <a:p>
-            <a:r>
-              <a:rPr lang="en-US" altLang="zh-CN" dirty="0"/>
-              <a:t>Vue</a:t>
-            </a:r>
-            <a:r>
-              <a:rPr lang="zh-CN" altLang="en-US" dirty="0"/>
-              <a:t>模板 脚手架已出</a:t>
-            </a:r>
-            <a:endParaRPr lang="en-US" altLang="zh-CN" dirty="0"/>
-          </a:p>
-          <a:p>
-            <a:endParaRPr lang="en-US" altLang="zh-CN" dirty="0"/>
-          </a:p>
-          <a:p>
-            <a:r>
-              <a:rPr lang="en-US" altLang="zh-CN" dirty="0" err="1"/>
-              <a:t>npm</a:t>
-            </a:r>
-            <a:r>
-              <a:rPr lang="en-US" altLang="zh-CN" dirty="0"/>
-              <a:t> install </a:t>
-            </a:r>
-            <a:r>
-              <a:rPr lang="en-US" altLang="zh-CN" dirty="0" err="1"/>
-              <a:t>thunisoft</a:t>
-            </a:r>
-            <a:r>
-              <a:rPr lang="en-US" altLang="zh-CN" dirty="0"/>
-              <a:t>-cli –g</a:t>
-            </a:r>
-          </a:p>
-          <a:p>
-            <a:endParaRPr lang="en-US" altLang="zh-CN" dirty="0"/>
-          </a:p>
-          <a:p>
-            <a:r>
-              <a:rPr lang="en-US" altLang="zh-CN" dirty="0" err="1"/>
-              <a:t>hsm</a:t>
-            </a:r>
-            <a:r>
-              <a:rPr lang="en-US" altLang="zh-CN" dirty="0"/>
-              <a:t> </a:t>
-            </a:r>
-            <a:r>
-              <a:rPr lang="en-US" altLang="zh-CN" dirty="0" err="1"/>
-              <a:t>init</a:t>
-            </a:r>
-            <a:r>
-              <a:rPr lang="en-US" altLang="zh-CN" dirty="0"/>
-              <a:t> </a:t>
-            </a:r>
-            <a:r>
-              <a:rPr lang="zh-CN" altLang="en-US" dirty="0"/>
-              <a:t>搭建项目</a:t>
-            </a:r>
-          </a:p>
-        </p:txBody>
-      </p:sp>
-      <p:sp>
-        <p:nvSpPr>
-          <p:cNvPr id="4" name="日期占位符 3">
-            <a:extLst>
-              <a:ext uri="{FF2B5EF4-FFF2-40B4-BE49-F238E27FC236}">
-                <a16:creationId xmlns:a16="http://schemas.microsoft.com/office/drawing/2014/main" id="{E801D188-92E6-4153-AC75-ED8D7A42E246}"/>
-              </a:ext>
-            </a:extLst>
-          </p:cNvPr>
-          <p:cNvSpPr>
-            <a:spLocks noGrp="1"/>
-          </p:cNvSpPr>
-          <p:nvPr>
-            <p:ph type="dt" sz="half" idx="10"/>
-          </p:nvPr>
-        </p:nvSpPr>
-        <p:spPr/>
-        <p:txBody>
-          <a:bodyPr/>
-          <a:lstStyle/>
-          <a:p>
-            <a:fld id="{4D01DF33-5A38-4035-AC9E-B8E17EB22BE4}" type="datetime1">
-              <a:rPr lang="zh-CN" altLang="en-US" smtClean="0"/>
-              <a:t>2020/8/13</a:t>
-            </a:fld>
-            <a:endParaRPr lang="zh-CN" altLang="en-US"/>
-          </a:p>
-        </p:txBody>
-      </p:sp>
-      <p:sp>
-        <p:nvSpPr>
-          <p:cNvPr id="5" name="灯片编号占位符 4">
-            <a:extLst>
-              <a:ext uri="{FF2B5EF4-FFF2-40B4-BE49-F238E27FC236}">
-                <a16:creationId xmlns:a16="http://schemas.microsoft.com/office/drawing/2014/main" id="{A580F71F-49F4-4615-BC94-196839DB4AAA}"/>
-              </a:ext>
-            </a:extLst>
-          </p:cNvPr>
-          <p:cNvSpPr>
-            <a:spLocks noGrp="1"/>
-          </p:cNvSpPr>
-          <p:nvPr>
-            <p:ph type="sldNum" sz="quarter" idx="12"/>
-          </p:nvPr>
-        </p:nvSpPr>
-        <p:spPr/>
-        <p:txBody>
-          <a:bodyPr/>
-          <a:lstStyle/>
-          <a:p>
-            <a:fld id="{5C794E63-F2AF-49E2-AE37-43481CC587E5}" type="slidenum">
-              <a:rPr lang="zh-CN" altLang="en-US" smtClean="0"/>
-              <a:t>14</a:t>
-            </a:fld>
-            <a:endParaRPr lang="zh-CN" altLang="en-US"/>
-          </a:p>
-        </p:txBody>
-      </p:sp>
-    </p:spTree>
-    <p:extLst>
-      <p:ext uri="{BB962C8B-B14F-4D97-AF65-F5344CB8AC3E}">
-        <p14:creationId xmlns:p14="http://schemas.microsoft.com/office/powerpoint/2010/main" val="1917177865"/>
-      </p:ext>
-    </p:extLst>
-  </p:cSld>
-  <p:clrMapOvr>
-    <a:masterClrMapping/>
-  </p:clrMapOvr>
-</p:sld>
-</file>
-
-<file path=ppt/slides/slide15.xml><?xml version="1.0" encoding="utf-8"?>
-<p:sld xmlns:a="http://schemas.openxmlformats.org/drawingml/2006/main" xmlns:r="http://schemas.openxmlformats.org/officeDocument/2006/relationships" xmlns:p="http://schemas.openxmlformats.org/presentationml/2006/main">
-  <p:cSld>
-    <p:spTree>
-      <p:nvGrpSpPr>
-        <p:cNvPr id="1" name=""/>
-        <p:cNvGrpSpPr/>
-        <p:nvPr/>
-      </p:nvGrpSpPr>
-      <p:grpSpPr>
-        <a:xfrm>
-          <a:off x="0" y="0"/>
-          <a:ext cx="0" cy="0"/>
-          <a:chOff x="0" y="0"/>
-          <a:chExt cx="0" cy="0"/>
-        </a:xfrm>
-      </p:grpSpPr>
-      <p:sp>
-        <p:nvSpPr>
-          <p:cNvPr id="4" name="标题 3"/>
-          <p:cNvSpPr>
-            <a:spLocks noGrp="1"/>
-          </p:cNvSpPr>
-          <p:nvPr>
-            <p:ph type="title"/>
-          </p:nvPr>
-        </p:nvSpPr>
-        <p:spPr/>
-        <p:txBody>
-          <a:bodyPr/>
-          <a:lstStyle/>
-          <a:p>
-            <a:r>
-              <a:rPr lang="zh-CN" altLang="en-US"/>
-              <a:t>谢谢</a:t>
-            </a:r>
-          </a:p>
-        </p:txBody>
-      </p:sp>
-      <p:sp>
-        <p:nvSpPr>
-          <p:cNvPr id="2" name="日期占位符 1"/>
-          <p:cNvSpPr>
-            <a:spLocks noGrp="1"/>
-          </p:cNvSpPr>
-          <p:nvPr>
-            <p:ph type="dt" sz="half" idx="4294967295"/>
-          </p:nvPr>
-        </p:nvSpPr>
-        <p:spPr>
-          <a:xfrm>
-            <a:off x="0" y="6356350"/>
-            <a:ext cx="2133600" cy="365125"/>
-          </a:xfrm>
-        </p:spPr>
-        <p:txBody>
-          <a:bodyPr/>
-          <a:lstStyle/>
-          <a:p>
-            <a:fld id="{C1D3EEC2-3DBC-43AD-837B-AE7C27033FDD}" type="datetime1">
-              <a:rPr lang="zh-CN" altLang="en-US" smtClean="0"/>
-              <a:t>2020/8/13</a:t>
-            </a:fld>
-            <a:endParaRPr lang="zh-CN" altLang="en-US" dirty="0"/>
-          </a:p>
-        </p:txBody>
-      </p:sp>
-      <p:sp>
-        <p:nvSpPr>
-          <p:cNvPr id="3" name="灯片编号占位符 2"/>
-          <p:cNvSpPr>
-            <a:spLocks noGrp="1"/>
-          </p:cNvSpPr>
-          <p:nvPr>
-            <p:ph type="sldNum" sz="quarter" idx="4294967295"/>
-          </p:nvPr>
-        </p:nvSpPr>
-        <p:spPr>
-          <a:xfrm>
-            <a:off x="7010400" y="6356350"/>
-            <a:ext cx="2133600" cy="365125"/>
-          </a:xfrm>
-        </p:spPr>
-        <p:txBody>
-          <a:bodyPr/>
-          <a:lstStyle/>
-          <a:p>
-            <a:fld id="{5C794E63-F2AF-49E2-AE37-43481CC587E5}" type="slidenum">
-              <a:rPr lang="zh-CN" altLang="en-US" smtClean="0"/>
-              <a:t>15</a:t>
-            </a:fld>
-            <a:endParaRPr lang="zh-CN" altLang="en-US" dirty="0"/>
-          </a:p>
-        </p:txBody>
-      </p:sp>
-    </p:spTree>
-  </p:cSld>
-  <p:clrMapOvr>
-    <a:masterClrMapping/>
-  </p:clrMapOvr>
-</p:sld>
-</file>
-
-<file path=ppt/slides/slide2.xml><?xml version="1.0" encoding="utf-8"?>
-<p:sld xmlns:a="http://schemas.openxmlformats.org/drawingml/2006/main" xmlns:r="http://schemas.openxmlformats.org/officeDocument/2006/relationships" xmlns:p="http://schemas.openxmlformats.org/presentationml/2006/main">
-  <p:cSld>
-    <p:spTree>
-      <p:nvGrpSpPr>
-        <p:cNvPr id="1" name=""/>
-        <p:cNvGrpSpPr/>
-        <p:nvPr/>
-      </p:nvGrpSpPr>
-      <p:grpSpPr>
-        <a:xfrm>
-          <a:off x="0" y="0"/>
-          <a:ext cx="0" cy="0"/>
-          <a:chOff x="0" y="0"/>
-          <a:chExt cx="0" cy="0"/>
-        </a:xfrm>
-      </p:grpSpPr>
-      <p:sp>
-        <p:nvSpPr>
-          <p:cNvPr id="2" name="标题 1"/>
-          <p:cNvSpPr>
-            <a:spLocks noGrp="1"/>
-          </p:cNvSpPr>
-          <p:nvPr>
-            <p:ph type="title"/>
-          </p:nvPr>
-        </p:nvSpPr>
-        <p:spPr/>
-        <p:txBody>
-          <a:bodyPr>
-            <a:normAutofit fontScale="90000"/>
-          </a:bodyPr>
-          <a:lstStyle/>
-          <a:p>
-            <a:br>
-              <a:rPr lang="zh-CN" altLang="en-US" b="1" dirty="0"/>
-            </a:br>
-            <a:r>
-              <a:rPr lang="en-US" altLang="zh-CN" b="1" dirty="0"/>
-              <a:t>CSS3</a:t>
-            </a:r>
-            <a:r>
-              <a:rPr lang="zh-CN" altLang="en-US" b="1" dirty="0"/>
-              <a:t>选择器</a:t>
-            </a:r>
-            <a:br>
-              <a:rPr lang="zh-CN" altLang="en-US" b="1" dirty="0"/>
-            </a:br>
-            <a:endParaRPr lang="zh-CN" altLang="en-US" dirty="0"/>
-          </a:p>
-        </p:txBody>
-      </p:sp>
-      <p:sp>
-        <p:nvSpPr>
-          <p:cNvPr id="3" name="内容占位符 2"/>
-          <p:cNvSpPr>
-            <a:spLocks noGrp="1"/>
-          </p:cNvSpPr>
-          <p:nvPr>
-            <p:ph idx="1"/>
-          </p:nvPr>
-        </p:nvSpPr>
-        <p:spPr/>
-        <p:txBody>
-          <a:bodyPr>
-            <a:normAutofit fontScale="85000" lnSpcReduction="20000"/>
-          </a:bodyPr>
-          <a:lstStyle/>
-          <a:p>
-            <a:r>
-              <a:rPr lang="zh-CN" altLang="en-US" sz="2000" dirty="0"/>
-              <a:t>：</a:t>
-            </a:r>
-            <a:r>
-              <a:rPr lang="en-US" altLang="zh-CN" sz="2000" dirty="0"/>
-              <a:t>root</a:t>
-            </a:r>
-          </a:p>
-          <a:p>
-            <a:endParaRPr lang="en-US" altLang="zh-CN" sz="2000" dirty="0"/>
-          </a:p>
-          <a:p>
-            <a:r>
-              <a:rPr lang="zh-CN" altLang="en-US" sz="2000" dirty="0"/>
-              <a:t>语法</a:t>
-            </a:r>
-          </a:p>
-          <a:p>
-            <a:r>
-              <a:rPr lang="zh-CN" altLang="en-US" sz="2000" dirty="0"/>
-              <a:t>:root{</a:t>
-            </a:r>
-          </a:p>
-          <a:p>
-            <a:r>
-              <a:rPr lang="zh-CN" altLang="en-US" sz="2000" dirty="0"/>
-              <a:t>  css语法;</a:t>
-            </a:r>
-          </a:p>
-          <a:p>
-            <a:r>
-              <a:rPr lang="zh-CN" altLang="en-US" sz="2000" dirty="0"/>
-              <a:t>}</a:t>
-            </a:r>
-          </a:p>
-          <a:p>
-            <a:endParaRPr lang="zh-CN" altLang="en-US" sz="2000" dirty="0"/>
-          </a:p>
-          <a:p>
-            <a:r>
-              <a:rPr lang="zh-CN" altLang="en-US" sz="2000" dirty="0"/>
-              <a:t>作用</a:t>
-            </a:r>
-            <a:r>
-              <a:rPr lang="en-US" altLang="zh-CN" sz="2000" dirty="0"/>
-              <a:t>:  </a:t>
-            </a:r>
-            <a:r>
-              <a:rPr lang="zh-CN" altLang="en-US" sz="2000" dirty="0"/>
-              <a:t>代表根 一般值</a:t>
-            </a:r>
-            <a:r>
-              <a:rPr lang="en-US" altLang="zh-CN" sz="2000" dirty="0"/>
-              <a:t>html </a:t>
-            </a:r>
-            <a:r>
-              <a:rPr lang="zh-CN" altLang="en-US" sz="2000" dirty="0"/>
-              <a:t>优先级更高，可以在内部声明全局</a:t>
-            </a:r>
-            <a:r>
-              <a:rPr lang="en-US" altLang="zh-CN" sz="2000" dirty="0"/>
-              <a:t>css</a:t>
-            </a:r>
-          </a:p>
-          <a:p>
-            <a:endParaRPr lang="en-US" altLang="zh-CN" sz="2000" dirty="0"/>
-          </a:p>
-          <a:p>
-            <a:r>
-              <a:rPr lang="en-US" altLang="zh-CN" sz="2000" dirty="0"/>
-              <a:t>:root {</a:t>
-            </a:r>
-          </a:p>
-          <a:p>
-            <a:r>
-              <a:rPr lang="en-US" altLang="zh-CN" sz="2000" dirty="0"/>
-              <a:t>  --ck-highlight-pen-red: #e91314;</a:t>
-            </a:r>
-          </a:p>
-          <a:p>
-            <a:r>
-              <a:rPr lang="en-US" altLang="zh-CN" sz="2000" dirty="0"/>
-              <a:t>}</a:t>
-            </a:r>
-          </a:p>
-          <a:p>
-            <a:r>
-              <a:rPr lang="en-US" altLang="zh-CN" sz="2000" dirty="0"/>
-              <a:t> </a:t>
-            </a:r>
-          </a:p>
-          <a:p>
-            <a:r>
-              <a:rPr lang="en-US" altLang="zh-CN" sz="2000" dirty="0"/>
-              <a:t>.pen-black {</a:t>
-            </a:r>
-          </a:p>
-          <a:p>
-            <a:r>
-              <a:rPr lang="en-US" altLang="zh-CN" sz="2000" dirty="0"/>
-              <a:t>  color: var(--ck-highlight-pen-black);</a:t>
-            </a:r>
-          </a:p>
-          <a:p>
-            <a:r>
-              <a:rPr lang="en-US" altLang="zh-CN" sz="2000" dirty="0"/>
-              <a:t>}</a:t>
-            </a:r>
-          </a:p>
-        </p:txBody>
-      </p:sp>
-    </p:spTree>
-  </p:cSld>
-  <p:clrMapOvr>
-    <a:masterClrMapping/>
-  </p:clrMapOvr>
-</p:sld>
-</file>
-
-<file path=ppt/slides/slide3.xml><?xml version="1.0" encoding="utf-8"?>
-<p:sld xmlns:a="http://schemas.openxmlformats.org/drawingml/2006/main" xmlns:r="http://schemas.openxmlformats.org/officeDocument/2006/relationships" xmlns:p="http://schemas.openxmlformats.org/presentationml/2006/main">
-  <p:cSld>
-    <p:spTree>
-      <p:nvGrpSpPr>
-        <p:cNvPr id="1" name=""/>
-        <p:cNvGrpSpPr/>
-        <p:nvPr/>
-      </p:nvGrpSpPr>
-      <p:grpSpPr>
-        <a:xfrm>
-          <a:off x="0" y="0"/>
-          <a:ext cx="0" cy="0"/>
-          <a:chOff x="0" y="0"/>
-          <a:chExt cx="0" cy="0"/>
-        </a:xfrm>
-      </p:grpSpPr>
-      <p:sp>
-        <p:nvSpPr>
-          <p:cNvPr id="2" name="标题 1"/>
-          <p:cNvSpPr>
-            <a:spLocks noGrp="1"/>
-          </p:cNvSpPr>
-          <p:nvPr>
-            <p:ph type="title"/>
-          </p:nvPr>
-        </p:nvSpPr>
-        <p:spPr>
-          <a:xfrm>
-            <a:off x="719572" y="145016"/>
-            <a:ext cx="5472608" cy="490066"/>
-          </a:xfrm>
-        </p:spPr>
-        <p:txBody>
-          <a:bodyPr/>
-          <a:lstStyle/>
-          <a:p>
-            <a:r>
-              <a:rPr lang="en-US" altLang="zh-CN" b="1" dirty="0">
-                <a:sym typeface="+mn-ea"/>
-              </a:rPr>
-              <a:t>CSS3</a:t>
-            </a:r>
-            <a:r>
-              <a:rPr lang="zh-CN" altLang="en-US" b="1" dirty="0">
-                <a:sym typeface="+mn-ea"/>
-              </a:rPr>
-              <a:t>选择器</a:t>
-            </a:r>
-            <a:endParaRPr lang="zh-CN" altLang="en-US"/>
-          </a:p>
-        </p:txBody>
-      </p:sp>
-      <p:sp>
-        <p:nvSpPr>
-          <p:cNvPr id="3" name="内容占位符 2"/>
-          <p:cNvSpPr>
-            <a:spLocks noGrp="1"/>
-          </p:cNvSpPr>
-          <p:nvPr>
-            <p:ph idx="1"/>
-          </p:nvPr>
-        </p:nvSpPr>
-        <p:spPr/>
-        <p:txBody>
-          <a:bodyPr>
-            <a:normAutofit/>
-          </a:bodyPr>
-          <a:lstStyle/>
-          <a:p>
-            <a:r>
-              <a:rPr lang="zh-CN" altLang="en-US" sz="1600" dirty="0"/>
-              <a:t>：</a:t>
-            </a:r>
-            <a:r>
-              <a:rPr lang="en-US" altLang="zh-CN" sz="1600" dirty="0"/>
-              <a:t>not</a:t>
-            </a:r>
-          </a:p>
-          <a:p>
-            <a:endParaRPr lang="en-US" altLang="zh-CN" sz="1600" dirty="0"/>
-          </a:p>
-          <a:p>
-            <a:r>
-              <a:rPr lang="zh-CN" altLang="en-US" sz="1600" dirty="0"/>
-              <a:t>语法</a:t>
-            </a:r>
-          </a:p>
-          <a:p>
-            <a:r>
-              <a:rPr lang="en-US" altLang="zh-CN" sz="1600" dirty="0"/>
-              <a:t>:not(selector)  </a:t>
-            </a:r>
-            <a:r>
-              <a:rPr lang="en-US" altLang="zh-CN" sz="1600" dirty="0" err="1"/>
-              <a:t>选择器匹配每个元素是不是指定的元素</a:t>
-            </a:r>
-            <a:r>
-              <a:rPr lang="en-US" altLang="zh-CN" sz="1600" dirty="0"/>
-              <a:t>/</a:t>
-            </a:r>
-            <a:r>
-              <a:rPr lang="en-US" altLang="zh-CN" sz="1600" dirty="0" err="1"/>
-              <a:t>选择器</a:t>
-            </a:r>
-            <a:endParaRPr lang="en-US" altLang="zh-CN" sz="1600" dirty="0"/>
-          </a:p>
-          <a:p>
-            <a:endParaRPr lang="en-US" altLang="zh-CN" sz="1600" dirty="0"/>
-          </a:p>
-          <a:p>
-            <a:r>
-              <a:rPr lang="zh-CN" altLang="en-US" sz="1600" dirty="0"/>
-              <a:t>可以接收</a:t>
-            </a:r>
-          </a:p>
-          <a:p>
-            <a:r>
-              <a:rPr lang="zh-CN" altLang="en-US" sz="1600" dirty="0"/>
-              <a:t>标签选择器  </a:t>
-            </a:r>
-            <a:r>
-              <a:rPr lang="en-US" altLang="zh-CN" sz="1600" dirty="0"/>
-              <a:t>:not(p)</a:t>
-            </a:r>
-          </a:p>
-          <a:p>
-            <a:r>
-              <a:rPr lang="zh-CN" altLang="en-US" sz="1600" dirty="0"/>
-              <a:t>类选择 </a:t>
-            </a:r>
-            <a:r>
-              <a:rPr lang="en-US" altLang="zh-CN" sz="1600" dirty="0"/>
-              <a:t>:not(.class)</a:t>
-            </a:r>
-          </a:p>
-          <a:p>
-            <a:r>
-              <a:rPr lang="en-US" altLang="zh-CN" sz="1600" dirty="0"/>
-              <a:t>ID</a:t>
-            </a:r>
-            <a:r>
-              <a:rPr lang="zh-CN" altLang="en-US" sz="1600" dirty="0"/>
-              <a:t>选择器 </a:t>
-            </a:r>
-            <a:r>
-              <a:rPr lang="en-US" altLang="zh-CN" sz="1600" dirty="0"/>
-              <a:t>:not(#app)</a:t>
-            </a:r>
-          </a:p>
-          <a:p>
-            <a:r>
-              <a:rPr lang="zh-CN" altLang="en-US" sz="1600" dirty="0"/>
-              <a:t>伪类选择器 </a:t>
-            </a:r>
-            <a:r>
-              <a:rPr lang="en-US" altLang="zh-CN" sz="1600" dirty="0"/>
-              <a:t>:not(:first-child)</a:t>
-            </a:r>
-          </a:p>
-          <a:p>
-            <a:r>
-              <a:rPr lang="zh-CN" altLang="en-US" sz="1600" dirty="0"/>
-              <a:t>属性选择器 </a:t>
-            </a:r>
-            <a:r>
-              <a:rPr lang="en-US" altLang="zh-CN" sz="1600" dirty="0"/>
-              <a:t>:not([type='checkbox'])</a:t>
-            </a:r>
-          </a:p>
-          <a:p>
-            <a:endParaRPr lang="en-US" altLang="zh-CN" sz="1600" dirty="0"/>
-          </a:p>
-          <a:p>
-            <a:r>
-              <a:rPr lang="zh-CN" altLang="en-US" sz="1600" dirty="0"/>
-              <a:t>不支持伪类 不支持伪类 不支持伪类</a:t>
-            </a:r>
-          </a:p>
-          <a:p>
-            <a:r>
-              <a:rPr lang="en-US" altLang="zh-CN" sz="1600" dirty="0"/>
-              <a:t>:not(::before) </a:t>
-            </a:r>
-          </a:p>
-          <a:p>
-            <a:r>
-              <a:rPr lang="en-US" altLang="zh-CN" sz="1600" dirty="0"/>
-              <a:t>:not(:not())</a:t>
-            </a:r>
-          </a:p>
-          <a:p>
-            <a:endParaRPr lang="en-US" altLang="zh-CN" sz="1600" dirty="0"/>
-          </a:p>
-          <a:p>
-            <a:endParaRPr lang="en-US" altLang="zh-CN" sz="1600" dirty="0"/>
-          </a:p>
-          <a:p>
-            <a:endParaRPr lang="en-US" altLang="zh-CN" sz="1600" dirty="0"/>
-          </a:p>
-        </p:txBody>
-      </p:sp>
-      <p:sp>
-        <p:nvSpPr>
-          <p:cNvPr id="4" name="日期占位符 3"/>
-          <p:cNvSpPr>
-            <a:spLocks noGrp="1"/>
-          </p:cNvSpPr>
-          <p:nvPr>
-            <p:ph type="dt" sz="half" idx="10"/>
-          </p:nvPr>
-        </p:nvSpPr>
-        <p:spPr/>
-        <p:txBody>
-          <a:bodyPr/>
-          <a:lstStyle/>
-          <a:p>
-            <a:fld id="{4D01DF33-5A38-4035-AC9E-B8E17EB22BE4}" type="datetime1">
-              <a:rPr lang="zh-CN" altLang="en-US" smtClean="0"/>
-              <a:t>2020/8/13</a:t>
-            </a:fld>
-            <a:endParaRPr lang="zh-CN" altLang="en-US"/>
-          </a:p>
-        </p:txBody>
-      </p:sp>
-      <p:sp>
-        <p:nvSpPr>
-          <p:cNvPr id="5" name="灯片编号占位符 4"/>
-          <p:cNvSpPr>
-            <a:spLocks noGrp="1"/>
-          </p:cNvSpPr>
-          <p:nvPr>
-            <p:ph type="sldNum" sz="quarter" idx="12"/>
-          </p:nvPr>
-        </p:nvSpPr>
-        <p:spPr/>
-        <p:txBody>
-          <a:bodyPr/>
-          <a:lstStyle/>
-          <a:p>
-            <a:fld id="{5C794E63-F2AF-49E2-AE37-43481CC587E5}" type="slidenum">
-              <a:rPr lang="zh-CN" altLang="en-US" smtClean="0"/>
-              <a:t>3</a:t>
-            </a:fld>
-            <a:endParaRPr lang="zh-CN" altLang="en-US"/>
-          </a:p>
-        </p:txBody>
-      </p:sp>
-    </p:spTree>
-  </p:cSld>
-  <p:clrMapOvr>
-    <a:masterClrMapping/>
-  </p:clrMapOvr>
-</p:sld>
-</file>
-
-<file path=ppt/slides/slide4.xml><?xml version="1.0" encoding="utf-8"?>
-<p:sld xmlns:a="http://schemas.openxmlformats.org/drawingml/2006/main" xmlns:r="http://schemas.openxmlformats.org/officeDocument/2006/relationships" xmlns:p="http://schemas.openxmlformats.org/presentationml/2006/main">
-  <p:cSld>
-    <p:spTree>
-      <p:nvGrpSpPr>
-        <p:cNvPr id="1" name=""/>
-        <p:cNvGrpSpPr/>
-        <p:nvPr/>
-      </p:nvGrpSpPr>
-      <p:grpSpPr>
-        <a:xfrm>
-          <a:off x="0" y="0"/>
-          <a:ext cx="0" cy="0"/>
-          <a:chOff x="0" y="0"/>
-          <a:chExt cx="0" cy="0"/>
-        </a:xfrm>
-      </p:grpSpPr>
-      <p:sp>
-        <p:nvSpPr>
-          <p:cNvPr id="2" name="标题 1"/>
-          <p:cNvSpPr>
-            <a:spLocks noGrp="1"/>
-          </p:cNvSpPr>
-          <p:nvPr>
-            <p:ph type="title"/>
-          </p:nvPr>
-        </p:nvSpPr>
-        <p:spPr/>
-        <p:txBody>
-          <a:bodyPr/>
-          <a:lstStyle/>
-          <a:p>
-            <a:r>
-              <a:rPr lang="en-US" altLang="zh-CN" b="1" dirty="0">
-                <a:sym typeface="+mn-ea"/>
-              </a:rPr>
-              <a:t>CSS3</a:t>
-            </a:r>
-            <a:r>
-              <a:rPr lang="zh-CN" altLang="en-US" b="1" dirty="0">
-                <a:sym typeface="+mn-ea"/>
-              </a:rPr>
-              <a:t>选择器</a:t>
-            </a:r>
-            <a:endParaRPr lang="zh-CN" altLang="en-US"/>
-          </a:p>
-        </p:txBody>
-      </p:sp>
-      <p:sp>
-        <p:nvSpPr>
-          <p:cNvPr id="3" name="内容占位符 2"/>
-          <p:cNvSpPr>
-            <a:spLocks noGrp="1"/>
-          </p:cNvSpPr>
-          <p:nvPr>
-            <p:ph idx="1"/>
-          </p:nvPr>
-        </p:nvSpPr>
-        <p:spPr/>
-        <p:txBody>
-          <a:bodyPr>
-            <a:normAutofit/>
-          </a:bodyPr>
-          <a:lstStyle/>
-          <a:p>
-            <a:r>
-              <a:rPr lang="zh-CN" altLang="en-US" sz="1600" dirty="0"/>
-              <a:t>：empty</a:t>
-            </a:r>
-          </a:p>
-          <a:p>
-            <a:endParaRPr lang="zh-CN" altLang="en-US" sz="1600" dirty="0"/>
-          </a:p>
-          <a:p>
-            <a:r>
-              <a:rPr lang="zh-CN" altLang="en-US" sz="1600" dirty="0"/>
-              <a:t>:empty选择器选择每个没有任何子级的元素（</a:t>
-            </a:r>
-            <a:r>
-              <a:rPr lang="zh-CN" altLang="en-US" sz="1600" b="1" dirty="0"/>
-              <a:t>包括文本节点</a:t>
-            </a:r>
-            <a:r>
-              <a:rPr lang="zh-CN" altLang="en-US" sz="1600" dirty="0"/>
-              <a:t>）</a:t>
-            </a:r>
-          </a:p>
-          <a:p>
-            <a:endParaRPr lang="zh-CN" altLang="en-US" sz="1600" dirty="0"/>
-          </a:p>
-          <a:p>
-            <a:r>
-              <a:rPr lang="en-US" altLang="zh-CN" sz="1600" dirty="0"/>
-              <a:t>p:empty {</a:t>
-            </a:r>
-          </a:p>
-          <a:p>
-            <a:r>
-              <a:rPr lang="en-US" altLang="zh-CN" sz="1600" dirty="0"/>
-              <a:t>  background-color: red;</a:t>
-            </a:r>
-          </a:p>
-          <a:p>
-            <a:r>
-              <a:rPr lang="en-US" altLang="zh-CN" sz="1600" dirty="0"/>
-              <a:t>}</a:t>
-            </a:r>
-            <a:endParaRPr lang="zh-CN" altLang="en-US" sz="1600" dirty="0"/>
-          </a:p>
-          <a:p>
-            <a:endParaRPr lang="zh-CN" altLang="en-US" sz="1600" dirty="0"/>
-          </a:p>
-          <a:p>
-            <a:r>
-              <a:rPr lang="en-US" altLang="zh-CN" sz="1600" dirty="0"/>
-              <a:t>&lt;p&gt;123321&lt;/p&gt;</a:t>
-            </a:r>
-          </a:p>
-          <a:p>
-            <a:r>
-              <a:rPr lang="en-US" altLang="zh-CN" sz="1600" dirty="0"/>
-              <a:t>&lt;p&gt;&lt;/p&gt;</a:t>
-            </a:r>
-          </a:p>
-          <a:p>
-            <a:r>
-              <a:rPr lang="en-US" altLang="zh-CN" sz="1600" dirty="0"/>
-              <a:t>&lt;p&gt;</a:t>
-            </a:r>
-          </a:p>
-          <a:p>
-            <a:r>
-              <a:rPr lang="en-US" altLang="zh-CN" sz="1600" dirty="0"/>
-              <a:t>  &lt;span&gt;&lt;/span&gt;</a:t>
-            </a:r>
-          </a:p>
-          <a:p>
-            <a:r>
-              <a:rPr lang="en-US" altLang="zh-CN" sz="1600" dirty="0"/>
-              <a:t>&lt;/p&gt;</a:t>
-            </a:r>
-            <a:endParaRPr lang="zh-CN" altLang="en-US" sz="1600" dirty="0"/>
-          </a:p>
-          <a:p>
-            <a:endParaRPr lang="zh-CN" altLang="en-US" sz="1600" dirty="0"/>
-          </a:p>
-        </p:txBody>
-      </p:sp>
-      <p:sp>
-        <p:nvSpPr>
-          <p:cNvPr id="4" name="日期占位符 3"/>
-          <p:cNvSpPr>
-            <a:spLocks noGrp="1"/>
-          </p:cNvSpPr>
-          <p:nvPr>
-            <p:ph type="dt" sz="half" idx="10"/>
-          </p:nvPr>
-        </p:nvSpPr>
-        <p:spPr/>
-        <p:txBody>
-          <a:bodyPr/>
-          <a:lstStyle/>
-          <a:p>
-            <a:fld id="{4D01DF33-5A38-4035-AC9E-B8E17EB22BE4}" type="datetime1">
-              <a:rPr lang="zh-CN" altLang="en-US" smtClean="0"/>
-              <a:t>2020/8/13</a:t>
-            </a:fld>
-            <a:endParaRPr lang="zh-CN" altLang="en-US"/>
-          </a:p>
-        </p:txBody>
-      </p:sp>
-      <p:sp>
-        <p:nvSpPr>
-          <p:cNvPr id="5" name="灯片编号占位符 4"/>
-          <p:cNvSpPr>
-            <a:spLocks noGrp="1"/>
-          </p:cNvSpPr>
-          <p:nvPr>
-            <p:ph type="sldNum" sz="quarter" idx="12"/>
-          </p:nvPr>
-        </p:nvSpPr>
-        <p:spPr/>
-        <p:txBody>
-          <a:bodyPr/>
-          <a:lstStyle/>
-          <a:p>
-            <a:fld id="{5C794E63-F2AF-49E2-AE37-43481CC587E5}" type="slidenum">
-              <a:rPr lang="zh-CN" altLang="en-US" smtClean="0"/>
-              <a:t>4</a:t>
-            </a:fld>
-            <a:endParaRPr lang="zh-CN" altLang="en-US"/>
-          </a:p>
-        </p:txBody>
-      </p:sp>
-    </p:spTree>
-  </p:cSld>
-  <p:clrMapOvr>
-    <a:masterClrMapping/>
-  </p:clrMapOvr>
-</p:sld>
-</file>
-
-<file path=ppt/slides/slide5.xml><?xml version="1.0" encoding="utf-8"?>
-<p:sld xmlns:a="http://schemas.openxmlformats.org/drawingml/2006/main" xmlns:r="http://schemas.openxmlformats.org/officeDocument/2006/relationships" xmlns:p="http://schemas.openxmlformats.org/presentationml/2006/main">
-  <p:cSld>
-    <p:spTree>
-      <p:nvGrpSpPr>
-        <p:cNvPr id="1" name=""/>
-        <p:cNvGrpSpPr/>
-        <p:nvPr/>
-      </p:nvGrpSpPr>
-      <p:grpSpPr>
-        <a:xfrm>
-          <a:off x="0" y="0"/>
-          <a:ext cx="0" cy="0"/>
-          <a:chOff x="0" y="0"/>
-          <a:chExt cx="0" cy="0"/>
-        </a:xfrm>
-      </p:grpSpPr>
-      <p:sp>
-        <p:nvSpPr>
-          <p:cNvPr id="2" name="标题 1">
-            <a:extLst>
-              <a:ext uri="{FF2B5EF4-FFF2-40B4-BE49-F238E27FC236}">
-                <a16:creationId xmlns:a16="http://schemas.microsoft.com/office/drawing/2014/main" id="{252B05FB-F1E9-47B7-A8EA-7AEE00BF4CA3}"/>
-              </a:ext>
-            </a:extLst>
-          </p:cNvPr>
-          <p:cNvSpPr>
-            <a:spLocks noGrp="1"/>
-          </p:cNvSpPr>
-          <p:nvPr>
-            <p:ph type="title"/>
-          </p:nvPr>
-        </p:nvSpPr>
-        <p:spPr/>
-        <p:txBody>
-          <a:bodyPr/>
-          <a:lstStyle/>
-          <a:p>
-            <a:r>
-              <a:rPr lang="en-US" altLang="zh-CN" dirty="0"/>
-              <a:t>first/last-child</a:t>
-            </a:r>
-            <a:endParaRPr lang="zh-CN" altLang="en-US" dirty="0"/>
-          </a:p>
-        </p:txBody>
-      </p:sp>
-      <p:sp>
-        <p:nvSpPr>
-          <p:cNvPr id="3" name="内容占位符 2">
-            <a:extLst>
-              <a:ext uri="{FF2B5EF4-FFF2-40B4-BE49-F238E27FC236}">
-                <a16:creationId xmlns:a16="http://schemas.microsoft.com/office/drawing/2014/main" id="{E8F03F59-12C6-4450-AA6F-4123166D3898}"/>
-              </a:ext>
-            </a:extLst>
-          </p:cNvPr>
-          <p:cNvSpPr>
-            <a:spLocks noGrp="1"/>
-          </p:cNvSpPr>
-          <p:nvPr>
-            <p:ph idx="1"/>
-          </p:nvPr>
-        </p:nvSpPr>
-        <p:spPr/>
-        <p:txBody>
-          <a:bodyPr>
-            <a:normAutofit/>
-          </a:bodyPr>
-          <a:lstStyle/>
-          <a:p>
-            <a:r>
-              <a:rPr lang="en-US" altLang="zh-CN" sz="2000" dirty="0"/>
-              <a:t>P:first-child</a:t>
-            </a:r>
-          </a:p>
-          <a:p>
-            <a:r>
-              <a:rPr lang="zh-CN" altLang="en-US" sz="2000" b="0" i="0" dirty="0">
-                <a:solidFill>
-                  <a:srgbClr val="000000"/>
-                </a:solidFill>
-                <a:effectLst/>
-                <a:latin typeface="PingFangSC-Regular"/>
-              </a:rPr>
-              <a:t>选择器用于选取属于其父元素的首个子元素的指定选择器</a:t>
-            </a:r>
-            <a:endParaRPr lang="en-US" altLang="zh-CN" sz="2000" b="0" i="0" dirty="0">
-              <a:solidFill>
-                <a:srgbClr val="000000"/>
-              </a:solidFill>
-              <a:effectLst/>
-              <a:latin typeface="PingFangSC-Regular"/>
-            </a:endParaRPr>
-          </a:p>
-          <a:p>
-            <a:r>
-              <a:rPr lang="en-US" altLang="zh-CN" sz="2000" dirty="0">
-                <a:solidFill>
-                  <a:srgbClr val="000000"/>
-                </a:solidFill>
-                <a:latin typeface="PingFangSC-Regular"/>
-              </a:rPr>
-              <a:t>P:last-child</a:t>
-            </a:r>
-          </a:p>
-          <a:p>
-            <a:r>
-              <a:rPr lang="zh-CN" altLang="en-US" sz="2000" b="0" i="0" dirty="0">
-                <a:solidFill>
-                  <a:srgbClr val="000000"/>
-                </a:solidFill>
-                <a:effectLst/>
-                <a:latin typeface="PingFangSC-Regular"/>
-              </a:rPr>
-              <a:t>选择属于其父元素最后一个子元素每个 </a:t>
-            </a:r>
-            <a:r>
-              <a:rPr lang="en-US" altLang="zh-CN" sz="2000" b="0" i="0" dirty="0">
-                <a:solidFill>
-                  <a:srgbClr val="000000"/>
-                </a:solidFill>
-                <a:effectLst/>
-                <a:latin typeface="PingFangSC-Regular"/>
-              </a:rPr>
-              <a:t>&lt;p&gt; </a:t>
-            </a:r>
-            <a:r>
-              <a:rPr lang="zh-CN" altLang="en-US" sz="2000" b="0" i="0" dirty="0">
-                <a:solidFill>
-                  <a:srgbClr val="000000"/>
-                </a:solidFill>
-                <a:effectLst/>
-                <a:latin typeface="PingFangSC-Regular"/>
-              </a:rPr>
-              <a:t>元素。</a:t>
-            </a:r>
-            <a:endParaRPr lang="en-US" altLang="zh-CN" sz="2000" dirty="0">
-              <a:solidFill>
-                <a:srgbClr val="000000"/>
-              </a:solidFill>
-              <a:latin typeface="PingFangSC-Regular"/>
-            </a:endParaRPr>
-          </a:p>
-          <a:p>
-            <a:endParaRPr lang="zh-CN" altLang="en-US" sz="2000" dirty="0"/>
-          </a:p>
-        </p:txBody>
-      </p:sp>
-      <p:sp>
-        <p:nvSpPr>
-          <p:cNvPr id="4" name="日期占位符 3">
-            <a:extLst>
-              <a:ext uri="{FF2B5EF4-FFF2-40B4-BE49-F238E27FC236}">
-                <a16:creationId xmlns:a16="http://schemas.microsoft.com/office/drawing/2014/main" id="{2C29EF8E-A1A9-40D7-8CD7-52C3A3EF44FA}"/>
-              </a:ext>
-            </a:extLst>
-          </p:cNvPr>
-          <p:cNvSpPr>
-            <a:spLocks noGrp="1"/>
-          </p:cNvSpPr>
-          <p:nvPr>
-            <p:ph type="dt" sz="half" idx="10"/>
-          </p:nvPr>
-        </p:nvSpPr>
-        <p:spPr/>
-        <p:txBody>
-          <a:bodyPr/>
-          <a:lstStyle/>
-          <a:p>
-            <a:fld id="{4D01DF33-5A38-4035-AC9E-B8E17EB22BE4}" type="datetime1">
-              <a:rPr lang="zh-CN" altLang="en-US" smtClean="0"/>
-              <a:t>2020/8/13</a:t>
-            </a:fld>
-            <a:endParaRPr lang="zh-CN" altLang="en-US"/>
-          </a:p>
-        </p:txBody>
-      </p:sp>
-      <p:sp>
-        <p:nvSpPr>
-          <p:cNvPr id="5" name="灯片编号占位符 4">
-            <a:extLst>
-              <a:ext uri="{FF2B5EF4-FFF2-40B4-BE49-F238E27FC236}">
-                <a16:creationId xmlns:a16="http://schemas.microsoft.com/office/drawing/2014/main" id="{B4A93762-62CA-4A7D-A482-F7B91A4C0545}"/>
-              </a:ext>
-            </a:extLst>
-          </p:cNvPr>
-          <p:cNvSpPr>
-            <a:spLocks noGrp="1"/>
-          </p:cNvSpPr>
-          <p:nvPr>
-            <p:ph type="sldNum" sz="quarter" idx="12"/>
-          </p:nvPr>
-        </p:nvSpPr>
-        <p:spPr/>
-        <p:txBody>
-          <a:bodyPr/>
-          <a:lstStyle/>
-          <a:p>
-            <a:fld id="{5C794E63-F2AF-49E2-AE37-43481CC587E5}" type="slidenum">
-              <a:rPr lang="zh-CN" altLang="en-US" smtClean="0"/>
-              <a:t>5</a:t>
-            </a:fld>
-            <a:endParaRPr lang="zh-CN" altLang="en-US"/>
-          </a:p>
-        </p:txBody>
-      </p:sp>
-    </p:spTree>
-    <p:extLst>
-      <p:ext uri="{BB962C8B-B14F-4D97-AF65-F5344CB8AC3E}">
-        <p14:creationId xmlns:p14="http://schemas.microsoft.com/office/powerpoint/2010/main" val="3451195717"/>
-      </p:ext>
-    </p:extLst>
-  </p:cSld>
-  <p:clrMapOvr>
-    <a:masterClrMapping/>
-  </p:clrMapOvr>
-</p:sld>
-</file>
-
-<file path=ppt/slides/slide6.xml><?xml version="1.0" encoding="utf-8"?>
-<p:sld xmlns:a="http://schemas.openxmlformats.org/drawingml/2006/main" xmlns:r="http://schemas.openxmlformats.org/officeDocument/2006/relationships" xmlns:p="http://schemas.openxmlformats.org/presentationml/2006/main">
-  <p:cSld>
-    <p:spTree>
-      <p:nvGrpSpPr>
-        <p:cNvPr id="1" name=""/>
-        <p:cNvGrpSpPr/>
-        <p:nvPr/>
-      </p:nvGrpSpPr>
-      <p:grpSpPr>
-        <a:xfrm>
-          <a:off x="0" y="0"/>
-          <a:ext cx="0" cy="0"/>
-          <a:chOff x="0" y="0"/>
-          <a:chExt cx="0" cy="0"/>
-        </a:xfrm>
-      </p:grpSpPr>
-      <p:sp>
-        <p:nvSpPr>
-          <p:cNvPr id="2" name="标题 1">
-            <a:extLst>
-              <a:ext uri="{FF2B5EF4-FFF2-40B4-BE49-F238E27FC236}">
-                <a16:creationId xmlns:a16="http://schemas.microsoft.com/office/drawing/2014/main" id="{CB368C74-37BF-41BA-BA20-B6C983930673}"/>
-              </a:ext>
-            </a:extLst>
-          </p:cNvPr>
-          <p:cNvSpPr>
-            <a:spLocks noGrp="1"/>
-          </p:cNvSpPr>
-          <p:nvPr>
-            <p:ph type="title"/>
-          </p:nvPr>
-        </p:nvSpPr>
-        <p:spPr/>
-        <p:txBody>
-          <a:bodyPr/>
-          <a:lstStyle/>
-          <a:p>
-            <a:r>
-              <a:rPr lang="en-US" altLang="zh-CN" dirty="0"/>
-              <a:t>Nth-child</a:t>
-            </a:r>
-            <a:endParaRPr lang="zh-CN" altLang="en-US" dirty="0"/>
-          </a:p>
-        </p:txBody>
-      </p:sp>
-      <p:sp>
-        <p:nvSpPr>
-          <p:cNvPr id="3" name="内容占位符 2">
-            <a:extLst>
-              <a:ext uri="{FF2B5EF4-FFF2-40B4-BE49-F238E27FC236}">
-                <a16:creationId xmlns:a16="http://schemas.microsoft.com/office/drawing/2014/main" id="{FA67E873-231D-449D-9A52-36934FDDA7A8}"/>
-              </a:ext>
-            </a:extLst>
-          </p:cNvPr>
-          <p:cNvSpPr>
-            <a:spLocks noGrp="1"/>
-          </p:cNvSpPr>
-          <p:nvPr>
-            <p:ph idx="1"/>
-          </p:nvPr>
-        </p:nvSpPr>
-        <p:spPr/>
-        <p:txBody>
-          <a:bodyPr/>
-          <a:lstStyle/>
-          <a:p>
-            <a:r>
-              <a:rPr lang="en-US" altLang="zh-CN" dirty="0"/>
-              <a:t>p:nth-child(n) </a:t>
-            </a:r>
-            <a:r>
-              <a:rPr lang="zh-CN" altLang="en-US" dirty="0"/>
-              <a:t>选择其父元素的第几个子元素</a:t>
-            </a:r>
-            <a:endParaRPr lang="en-US" altLang="zh-CN" dirty="0"/>
-          </a:p>
-          <a:p>
-            <a:endParaRPr lang="en-US" altLang="zh-CN" dirty="0"/>
-          </a:p>
-          <a:p>
-            <a:r>
-              <a:rPr lang="zh-CN" altLang="en-US" dirty="0"/>
-              <a:t>用法 </a:t>
-            </a:r>
-            <a:r>
-              <a:rPr lang="en-US" altLang="zh-CN" dirty="0"/>
-              <a:t>p:nth-child(n) {</a:t>
-            </a:r>
-          </a:p>
-          <a:p>
-            <a:r>
-              <a:rPr lang="en-US" altLang="zh-CN" dirty="0"/>
-              <a:t>	background: yellow;</a:t>
-            </a:r>
-          </a:p>
-          <a:p>
-            <a:r>
-              <a:rPr lang="en-US" altLang="zh-CN" dirty="0"/>
-              <a:t>}</a:t>
-            </a:r>
-          </a:p>
-          <a:p>
-            <a:endParaRPr lang="en-US" altLang="zh-CN" dirty="0"/>
-          </a:p>
-          <a:p>
-            <a:r>
-              <a:rPr lang="en-US" altLang="zh-CN" kern="100" dirty="0">
-                <a:effectLst/>
-                <a:latin typeface="Calibri" panose="020F0502020204030204" pitchFamily="34" charset="0"/>
-                <a:ea typeface="宋体" panose="02010600030101010101" pitchFamily="2" charset="-122"/>
-                <a:cs typeface="Times New Roman" panose="02020603050405020304" pitchFamily="18" charset="0"/>
-              </a:rPr>
-              <a:t>nth-last-child  </a:t>
-            </a:r>
-            <a:r>
-              <a:rPr lang="zh-CN" altLang="en-US" kern="100" dirty="0">
-                <a:effectLst/>
-                <a:latin typeface="Calibri" panose="020F0502020204030204" pitchFamily="34" charset="0"/>
-                <a:ea typeface="宋体" panose="02010600030101010101" pitchFamily="2" charset="-122"/>
-                <a:cs typeface="Times New Roman" panose="02020603050405020304" pitchFamily="18" charset="0"/>
-              </a:rPr>
-              <a:t>相反计算。。</a:t>
-            </a:r>
-            <a:endParaRPr lang="zh-CN" altLang="en-US" dirty="0"/>
-          </a:p>
-        </p:txBody>
-      </p:sp>
-      <p:sp>
-        <p:nvSpPr>
-          <p:cNvPr id="4" name="日期占位符 3">
-            <a:extLst>
-              <a:ext uri="{FF2B5EF4-FFF2-40B4-BE49-F238E27FC236}">
-                <a16:creationId xmlns:a16="http://schemas.microsoft.com/office/drawing/2014/main" id="{ED8E8DA3-5FEE-4486-8035-DBD32399A0C2}"/>
-              </a:ext>
-            </a:extLst>
-          </p:cNvPr>
-          <p:cNvSpPr>
-            <a:spLocks noGrp="1"/>
-          </p:cNvSpPr>
-          <p:nvPr>
-            <p:ph type="dt" sz="half" idx="10"/>
-          </p:nvPr>
-        </p:nvSpPr>
-        <p:spPr/>
-        <p:txBody>
-          <a:bodyPr/>
-          <a:lstStyle/>
-          <a:p>
-            <a:fld id="{4D01DF33-5A38-4035-AC9E-B8E17EB22BE4}" type="datetime1">
-              <a:rPr lang="zh-CN" altLang="en-US" smtClean="0"/>
-              <a:t>2020/8/13</a:t>
-            </a:fld>
-            <a:endParaRPr lang="zh-CN" altLang="en-US"/>
-          </a:p>
-        </p:txBody>
-      </p:sp>
-      <p:sp>
-        <p:nvSpPr>
-          <p:cNvPr id="5" name="灯片编号占位符 4">
-            <a:extLst>
-              <a:ext uri="{FF2B5EF4-FFF2-40B4-BE49-F238E27FC236}">
-                <a16:creationId xmlns:a16="http://schemas.microsoft.com/office/drawing/2014/main" id="{4D3BFC04-194A-4239-A23E-276FC2DEF1F6}"/>
-              </a:ext>
-            </a:extLst>
-          </p:cNvPr>
-          <p:cNvSpPr>
-            <a:spLocks noGrp="1"/>
-          </p:cNvSpPr>
-          <p:nvPr>
-            <p:ph type="sldNum" sz="quarter" idx="12"/>
-          </p:nvPr>
-        </p:nvSpPr>
-        <p:spPr/>
-        <p:txBody>
-          <a:bodyPr/>
-          <a:lstStyle/>
-          <a:p>
-            <a:fld id="{5C794E63-F2AF-49E2-AE37-43481CC587E5}" type="slidenum">
-              <a:rPr lang="zh-CN" altLang="en-US" smtClean="0"/>
-              <a:t>6</a:t>
-            </a:fld>
-            <a:endParaRPr lang="zh-CN" altLang="en-US"/>
-          </a:p>
-        </p:txBody>
-      </p:sp>
-    </p:spTree>
-    <p:extLst>
-      <p:ext uri="{BB962C8B-B14F-4D97-AF65-F5344CB8AC3E}">
-        <p14:creationId xmlns:p14="http://schemas.microsoft.com/office/powerpoint/2010/main" val="40907907"/>
-      </p:ext>
-    </p:extLst>
-  </p:cSld>
-  <p:clrMapOvr>
-    <a:masterClrMapping/>
-  </p:clrMapOvr>
-</p:sld>
-</file>
-
-<file path=ppt/slides/slide7.xml><?xml version="1.0" encoding="utf-8"?>
-<p:sld xmlns:a="http://schemas.openxmlformats.org/drawingml/2006/main" xmlns:r="http://schemas.openxmlformats.org/officeDocument/2006/relationships" xmlns:p="http://schemas.openxmlformats.org/presentationml/2006/main">
-  <p:cSld>
-    <p:spTree>
-      <p:nvGrpSpPr>
-        <p:cNvPr id="1" name=""/>
-        <p:cNvGrpSpPr/>
-        <p:nvPr/>
-      </p:nvGrpSpPr>
-      <p:grpSpPr>
-        <a:xfrm>
-          <a:off x="0" y="0"/>
-          <a:ext cx="0" cy="0"/>
-          <a:chOff x="0" y="0"/>
-          <a:chExt cx="0" cy="0"/>
-        </a:xfrm>
-      </p:grpSpPr>
-      <p:sp>
-        <p:nvSpPr>
-          <p:cNvPr id="2" name="标题 1">
-            <a:extLst>
-              <a:ext uri="{FF2B5EF4-FFF2-40B4-BE49-F238E27FC236}">
-                <a16:creationId xmlns:a16="http://schemas.microsoft.com/office/drawing/2014/main" id="{75FE66A7-50E1-458B-BD5B-E178367552BB}"/>
-              </a:ext>
-            </a:extLst>
-          </p:cNvPr>
-          <p:cNvSpPr>
-            <a:spLocks noGrp="1"/>
-          </p:cNvSpPr>
-          <p:nvPr>
-            <p:ph type="title"/>
-          </p:nvPr>
-        </p:nvSpPr>
-        <p:spPr/>
-        <p:txBody>
-          <a:bodyPr/>
-          <a:lstStyle/>
-          <a:p>
-            <a:r>
-              <a:rPr lang="zh-CN" altLang="en-US" dirty="0"/>
-              <a:t>伪类选择器</a:t>
-            </a:r>
-          </a:p>
-        </p:txBody>
-      </p:sp>
-      <p:sp>
-        <p:nvSpPr>
-          <p:cNvPr id="3" name="内容占位符 2">
-            <a:extLst>
-              <a:ext uri="{FF2B5EF4-FFF2-40B4-BE49-F238E27FC236}">
-                <a16:creationId xmlns:a16="http://schemas.microsoft.com/office/drawing/2014/main" id="{9FCF5826-3DF7-42A4-A61E-E2DEA3121396}"/>
-              </a:ext>
-            </a:extLst>
-          </p:cNvPr>
-          <p:cNvSpPr>
-            <a:spLocks noGrp="1"/>
-          </p:cNvSpPr>
-          <p:nvPr>
-            <p:ph idx="1"/>
-          </p:nvPr>
-        </p:nvSpPr>
-        <p:spPr/>
-        <p:txBody>
-          <a:bodyPr/>
-          <a:lstStyle/>
-          <a:p>
-            <a:r>
-              <a:rPr lang="en-US" altLang="zh-CN" dirty="0" err="1"/>
-              <a:t>emelent:before</a:t>
-            </a:r>
-            <a:r>
-              <a:rPr lang="en-US" altLang="zh-CN" dirty="0"/>
-              <a:t> {}</a:t>
-            </a:r>
-          </a:p>
-          <a:p>
-            <a:endParaRPr lang="en-US" altLang="zh-CN" dirty="0"/>
-          </a:p>
-          <a:p>
-            <a:r>
-              <a:rPr lang="en-US" altLang="zh-CN" dirty="0" err="1"/>
-              <a:t>element:after</a:t>
-            </a:r>
-            <a:r>
-              <a:rPr lang="en-US" altLang="zh-CN" dirty="0"/>
-              <a:t> {}</a:t>
-            </a:r>
-            <a:endParaRPr lang="zh-CN" altLang="en-US" dirty="0"/>
-          </a:p>
-        </p:txBody>
-      </p:sp>
-      <p:sp>
-        <p:nvSpPr>
-          <p:cNvPr id="4" name="日期占位符 3">
-            <a:extLst>
-              <a:ext uri="{FF2B5EF4-FFF2-40B4-BE49-F238E27FC236}">
-                <a16:creationId xmlns:a16="http://schemas.microsoft.com/office/drawing/2014/main" id="{76C70FD8-5356-4E52-AB72-02F6D7E06F4B}"/>
-              </a:ext>
-            </a:extLst>
-          </p:cNvPr>
-          <p:cNvSpPr>
-            <a:spLocks noGrp="1"/>
-          </p:cNvSpPr>
-          <p:nvPr>
-            <p:ph type="dt" sz="half" idx="10"/>
-          </p:nvPr>
-        </p:nvSpPr>
-        <p:spPr/>
-        <p:txBody>
-          <a:bodyPr/>
-          <a:lstStyle/>
-          <a:p>
-            <a:fld id="{4D01DF33-5A38-4035-AC9E-B8E17EB22BE4}" type="datetime1">
-              <a:rPr lang="zh-CN" altLang="en-US" smtClean="0"/>
-              <a:t>2020/8/13</a:t>
-            </a:fld>
-            <a:endParaRPr lang="zh-CN" altLang="en-US"/>
-          </a:p>
-        </p:txBody>
-      </p:sp>
-      <p:sp>
-        <p:nvSpPr>
-          <p:cNvPr id="5" name="灯片编号占位符 4">
-            <a:extLst>
-              <a:ext uri="{FF2B5EF4-FFF2-40B4-BE49-F238E27FC236}">
-                <a16:creationId xmlns:a16="http://schemas.microsoft.com/office/drawing/2014/main" id="{A9520A35-962C-400D-A5B8-999FA3EF4E3E}"/>
-              </a:ext>
-            </a:extLst>
-          </p:cNvPr>
-          <p:cNvSpPr>
-            <a:spLocks noGrp="1"/>
-          </p:cNvSpPr>
-          <p:nvPr>
-            <p:ph type="sldNum" sz="quarter" idx="12"/>
-          </p:nvPr>
-        </p:nvSpPr>
-        <p:spPr/>
-        <p:txBody>
-          <a:bodyPr/>
-          <a:lstStyle/>
-          <a:p>
-            <a:fld id="{5C794E63-F2AF-49E2-AE37-43481CC587E5}" type="slidenum">
-              <a:rPr lang="zh-CN" altLang="en-US" smtClean="0"/>
-              <a:t>7</a:t>
-            </a:fld>
-            <a:endParaRPr lang="zh-CN" altLang="en-US"/>
-          </a:p>
-        </p:txBody>
-      </p:sp>
-    </p:spTree>
-    <p:extLst>
-      <p:ext uri="{BB962C8B-B14F-4D97-AF65-F5344CB8AC3E}">
-        <p14:creationId xmlns:p14="http://schemas.microsoft.com/office/powerpoint/2010/main" val="769377859"/>
-      </p:ext>
-    </p:extLst>
-  </p:cSld>
-  <p:clrMapOvr>
-    <a:masterClrMapping/>
-  </p:clrMapOvr>
-</p:sld>
-</file>
-
-<file path=ppt/slides/slide8.xml><?xml version="1.0" encoding="utf-8"?>
-<p:sld xmlns:a="http://schemas.openxmlformats.org/drawingml/2006/main" xmlns:r="http://schemas.openxmlformats.org/officeDocument/2006/relationships" xmlns:p="http://schemas.openxmlformats.org/presentationml/2006/main">
-  <p:cSld>
-    <p:spTree>
-      <p:nvGrpSpPr>
-        <p:cNvPr id="1" name=""/>
-        <p:cNvGrpSpPr/>
-        <p:nvPr/>
-      </p:nvGrpSpPr>
-      <p:grpSpPr>
-        <a:xfrm>
-          <a:off x="0" y="0"/>
-          <a:ext cx="0" cy="0"/>
-          <a:chOff x="0" y="0"/>
-          <a:chExt cx="0" cy="0"/>
-        </a:xfrm>
-      </p:grpSpPr>
-      <p:sp>
-        <p:nvSpPr>
-          <p:cNvPr id="2" name="标题 1">
-            <a:extLst>
-              <a:ext uri="{FF2B5EF4-FFF2-40B4-BE49-F238E27FC236}">
                 <a16:creationId xmlns:a16="http://schemas.microsoft.com/office/drawing/2014/main" id="{6734C848-8356-4AF3-88E0-BFF0461DB0CA}"/>
               </a:ext>
             </a:extLst>
@@ -5611,7 +2964,7 @@
           <a:p>
             <a:fld id="{4D01DF33-5A38-4035-AC9E-B8E17EB22BE4}" type="datetime1">
               <a:rPr lang="zh-CN" altLang="en-US" smtClean="0"/>
-              <a:t>2020/8/13</a:t>
+              <a:t>2020/8/14</a:t>
             </a:fld>
             <a:endParaRPr lang="zh-CN" altLang="en-US"/>
           </a:p>
@@ -5640,7 +2993,7 @@
           <a:p>
             <a:fld id="{5C794E63-F2AF-49E2-AE37-43481CC587E5}" type="slidenum">
               <a:rPr lang="zh-CN" altLang="en-US" smtClean="0"/>
-              <a:t>8</a:t>
+              <a:t>10</a:t>
             </a:fld>
             <a:endParaRPr lang="zh-CN" altLang="en-US"/>
           </a:p>
@@ -5689,6 +3042,3027 @@
 </p:sld>
 </file>
 
+<file path=ppt/slides/slide11.xml><?xml version="1.0" encoding="utf-8"?>
+<p:sld xmlns:a="http://schemas.openxmlformats.org/drawingml/2006/main" xmlns:r="http://schemas.openxmlformats.org/officeDocument/2006/relationships" xmlns:p="http://schemas.openxmlformats.org/presentationml/2006/main">
+  <p:cSld>
+    <p:spTree>
+      <p:nvGrpSpPr>
+        <p:cNvPr id="1" name=""/>
+        <p:cNvGrpSpPr/>
+        <p:nvPr/>
+      </p:nvGrpSpPr>
+      <p:grpSpPr>
+        <a:xfrm>
+          <a:off x="0" y="0"/>
+          <a:ext cx="0" cy="0"/>
+          <a:chOff x="0" y="0"/>
+          <a:chExt cx="0" cy="0"/>
+        </a:xfrm>
+      </p:grpSpPr>
+      <p:sp>
+        <p:nvSpPr>
+          <p:cNvPr id="2" name="标题 1">
+            <a:extLst>
+              <a:ext uri="{FF2B5EF4-FFF2-40B4-BE49-F238E27FC236}">
+                <a16:creationId xmlns:a16="http://schemas.microsoft.com/office/drawing/2014/main" id="{A97B54B6-D1D3-4161-9DF2-19635F147FC8}"/>
+              </a:ext>
+            </a:extLst>
+          </p:cNvPr>
+          <p:cNvSpPr>
+            <a:spLocks noGrp="1"/>
+          </p:cNvSpPr>
+          <p:nvPr>
+            <p:ph type="title"/>
+          </p:nvPr>
+        </p:nvSpPr>
+        <p:spPr/>
+        <p:txBody>
+          <a:bodyPr/>
+          <a:lstStyle/>
+          <a:p>
+            <a:r>
+              <a:rPr lang="zh-CN" altLang="en-US" dirty="0"/>
+              <a:t>弹性盒 布局</a:t>
+            </a:r>
+          </a:p>
+        </p:txBody>
+      </p:sp>
+      <p:sp>
+        <p:nvSpPr>
+          <p:cNvPr id="3" name="内容占位符 2">
+            <a:extLst>
+              <a:ext uri="{FF2B5EF4-FFF2-40B4-BE49-F238E27FC236}">
+                <a16:creationId xmlns:a16="http://schemas.microsoft.com/office/drawing/2014/main" id="{3246FBEC-1ED7-47E5-95AB-5665919DF8A0}"/>
+              </a:ext>
+            </a:extLst>
+          </p:cNvPr>
+          <p:cNvSpPr>
+            <a:spLocks noGrp="1"/>
+          </p:cNvSpPr>
+          <p:nvPr>
+            <p:ph idx="1"/>
+          </p:nvPr>
+        </p:nvSpPr>
+        <p:spPr/>
+        <p:txBody>
+          <a:bodyPr>
+            <a:normAutofit/>
+          </a:bodyPr>
+          <a:lstStyle/>
+          <a:p>
+            <a:r>
+              <a:rPr lang="zh-CN" altLang="en-US" sz="1600" dirty="0"/>
+              <a:t>父：</a:t>
+            </a:r>
+            <a:r>
+              <a:rPr lang="en-US" altLang="zh-CN" sz="1600" dirty="0"/>
+              <a:t>display: flex;</a:t>
+            </a:r>
+          </a:p>
+          <a:p>
+            <a:r>
+              <a:rPr lang="zh-CN" altLang="en-US" sz="1600" b="0" i="0" dirty="0">
+                <a:solidFill>
+                  <a:srgbClr val="494949"/>
+                </a:solidFill>
+                <a:effectLst/>
+                <a:latin typeface="楷体" panose="02010609060101010101" pitchFamily="49" charset="-122"/>
+                <a:ea typeface="楷体" panose="02010609060101010101" pitchFamily="49" charset="-122"/>
+              </a:rPr>
+              <a:t>是设置父元素成为一个弹性盒子；里边的子元素符合弹性布局</a:t>
+            </a:r>
+            <a:endParaRPr lang="en-US" altLang="zh-CN" sz="1600" b="0" i="0" dirty="0">
+              <a:solidFill>
+                <a:srgbClr val="494949"/>
+              </a:solidFill>
+              <a:effectLst/>
+              <a:latin typeface="楷体" panose="02010609060101010101" pitchFamily="49" charset="-122"/>
+              <a:ea typeface="楷体" panose="02010609060101010101" pitchFamily="49" charset="-122"/>
+            </a:endParaRPr>
+          </a:p>
+          <a:p>
+            <a:endParaRPr lang="en-US" altLang="zh-CN" sz="1600" b="0" i="0" dirty="0">
+              <a:solidFill>
+                <a:srgbClr val="494949"/>
+              </a:solidFill>
+              <a:effectLst/>
+              <a:latin typeface="楷体" panose="02010609060101010101" pitchFamily="49" charset="-122"/>
+              <a:ea typeface="楷体" panose="02010609060101010101" pitchFamily="49" charset="-122"/>
+            </a:endParaRPr>
+          </a:p>
+          <a:p>
+            <a:r>
+              <a:rPr lang="en-US" altLang="zh-CN" sz="1600" dirty="0">
+                <a:solidFill>
+                  <a:srgbClr val="494949"/>
+                </a:solidFill>
+                <a:latin typeface="楷体" panose="02010609060101010101" pitchFamily="49" charset="-122"/>
+                <a:ea typeface="楷体" panose="02010609060101010101" pitchFamily="49" charset="-122"/>
+              </a:rPr>
+              <a:t>flex-direction: </a:t>
+            </a:r>
+            <a:r>
+              <a:rPr lang="en-US" altLang="zh-CN" sz="1600" dirty="0" err="1">
+                <a:solidFill>
+                  <a:srgbClr val="494949"/>
+                </a:solidFill>
+                <a:latin typeface="楷体" panose="02010609060101010101" pitchFamily="49" charset="-122"/>
+                <a:ea typeface="楷体" panose="02010609060101010101" pitchFamily="49" charset="-122"/>
+              </a:rPr>
+              <a:t>row|row-reverse|column|column-reverse</a:t>
+            </a:r>
+            <a:r>
+              <a:rPr lang="en-US" altLang="zh-CN" sz="1600" dirty="0">
+                <a:solidFill>
+                  <a:srgbClr val="494949"/>
+                </a:solidFill>
+                <a:latin typeface="楷体" panose="02010609060101010101" pitchFamily="49" charset="-122"/>
+                <a:ea typeface="楷体" panose="02010609060101010101" pitchFamily="49" charset="-122"/>
+              </a:rPr>
+              <a:t>; </a:t>
+            </a:r>
+          </a:p>
+          <a:p>
+            <a:r>
+              <a:rPr lang="zh-CN" altLang="en-US" sz="1600" dirty="0">
+                <a:solidFill>
+                  <a:srgbClr val="494949"/>
+                </a:solidFill>
+                <a:latin typeface="楷体" panose="02010609060101010101" pitchFamily="49" charset="-122"/>
+                <a:ea typeface="楷体" panose="02010609060101010101" pitchFamily="49" charset="-122"/>
+              </a:rPr>
+              <a:t>指定子元素在父容器的位置</a:t>
+            </a:r>
+            <a:endParaRPr lang="en-US" altLang="zh-CN" sz="1600" dirty="0">
+              <a:solidFill>
+                <a:srgbClr val="494949"/>
+              </a:solidFill>
+              <a:latin typeface="楷体" panose="02010609060101010101" pitchFamily="49" charset="-122"/>
+              <a:ea typeface="楷体" panose="02010609060101010101" pitchFamily="49" charset="-122"/>
+            </a:endParaRPr>
+          </a:p>
+          <a:p>
+            <a:endParaRPr lang="en-US" altLang="zh-CN" sz="1600" dirty="0">
+              <a:solidFill>
+                <a:srgbClr val="494949"/>
+              </a:solidFill>
+              <a:latin typeface="楷体" panose="02010609060101010101" pitchFamily="49" charset="-122"/>
+              <a:ea typeface="楷体" panose="02010609060101010101" pitchFamily="49" charset="-122"/>
+            </a:endParaRPr>
+          </a:p>
+          <a:p>
+            <a:r>
+              <a:rPr lang="en-US" altLang="zh-CN" sz="1600" dirty="0">
+                <a:solidFill>
+                  <a:srgbClr val="494949"/>
+                </a:solidFill>
+                <a:latin typeface="楷体" panose="02010609060101010101" pitchFamily="49" charset="-122"/>
+                <a:ea typeface="楷体" panose="02010609060101010101" pitchFamily="49" charset="-122"/>
+              </a:rPr>
+              <a:t>Justify-content: </a:t>
+            </a:r>
+            <a:r>
+              <a:rPr lang="en-US" altLang="zh-CN" sz="1600" b="0" i="0" dirty="0" err="1">
+                <a:solidFill>
+                  <a:srgbClr val="494949"/>
+                </a:solidFill>
+                <a:effectLst/>
+                <a:latin typeface="楷体" panose="02010609060101010101" pitchFamily="49" charset="-122"/>
+                <a:ea typeface="楷体" panose="02010609060101010101" pitchFamily="49" charset="-122"/>
+              </a:rPr>
+              <a:t>flex-start|flex-end|center|space-around|space-between</a:t>
+            </a:r>
+            <a:endParaRPr lang="en-US" altLang="zh-CN" sz="1600" b="0" i="0" dirty="0">
+              <a:solidFill>
+                <a:srgbClr val="494949"/>
+              </a:solidFill>
+              <a:effectLst/>
+              <a:latin typeface="楷体" panose="02010609060101010101" pitchFamily="49" charset="-122"/>
+              <a:ea typeface="楷体" panose="02010609060101010101" pitchFamily="49" charset="-122"/>
+            </a:endParaRPr>
+          </a:p>
+          <a:p>
+            <a:r>
+              <a:rPr lang="zh-CN" altLang="en-US" sz="1600" b="0" i="0" dirty="0">
+                <a:solidFill>
+                  <a:srgbClr val="494949"/>
+                </a:solidFill>
+                <a:effectLst/>
+                <a:latin typeface="楷体" panose="02010609060101010101" pitchFamily="49" charset="-122"/>
+                <a:ea typeface="楷体" panose="02010609060101010101" pitchFamily="49" charset="-122"/>
+              </a:rPr>
+              <a:t>设置弹性子元素在主轴线上的排列方式</a:t>
+            </a:r>
+            <a:endParaRPr lang="en-US" altLang="zh-CN" sz="1600" dirty="0">
+              <a:solidFill>
+                <a:srgbClr val="494949"/>
+              </a:solidFill>
+              <a:latin typeface="楷体" panose="02010609060101010101" pitchFamily="49" charset="-122"/>
+              <a:ea typeface="楷体" panose="02010609060101010101" pitchFamily="49" charset="-122"/>
+            </a:endParaRPr>
+          </a:p>
+          <a:p>
+            <a:endParaRPr lang="en-US" altLang="zh-CN" sz="1600" dirty="0">
+              <a:solidFill>
+                <a:srgbClr val="494949"/>
+              </a:solidFill>
+              <a:latin typeface="楷体" panose="02010609060101010101" pitchFamily="49" charset="-122"/>
+              <a:ea typeface="楷体" panose="02010609060101010101" pitchFamily="49" charset="-122"/>
+            </a:endParaRPr>
+          </a:p>
+          <a:p>
+            <a:r>
+              <a:rPr lang="en-US" altLang="zh-CN" sz="1600" b="0" i="0" dirty="0">
+                <a:solidFill>
+                  <a:srgbClr val="494949"/>
+                </a:solidFill>
+                <a:effectLst/>
+                <a:latin typeface="楷体" panose="02010609060101010101" pitchFamily="49" charset="-122"/>
+                <a:ea typeface="楷体" panose="02010609060101010101" pitchFamily="49" charset="-122"/>
+              </a:rPr>
+              <a:t>align-items: </a:t>
+            </a:r>
+            <a:r>
+              <a:rPr lang="en-US" altLang="zh-CN" sz="1600" b="0" i="0" dirty="0" err="1">
+                <a:solidFill>
+                  <a:srgbClr val="494949"/>
+                </a:solidFill>
+                <a:effectLst/>
+                <a:latin typeface="楷体" panose="02010609060101010101" pitchFamily="49" charset="-122"/>
+                <a:ea typeface="楷体" panose="02010609060101010101" pitchFamily="49" charset="-122"/>
+              </a:rPr>
+              <a:t>flex-start|flex-end|center</a:t>
+            </a:r>
+            <a:endParaRPr lang="en-US" altLang="zh-CN" sz="1600" b="0" i="0" dirty="0">
+              <a:solidFill>
+                <a:srgbClr val="494949"/>
+              </a:solidFill>
+              <a:effectLst/>
+              <a:latin typeface="楷体" panose="02010609060101010101" pitchFamily="49" charset="-122"/>
+              <a:ea typeface="楷体" panose="02010609060101010101" pitchFamily="49" charset="-122"/>
+            </a:endParaRPr>
+          </a:p>
+          <a:p>
+            <a:r>
+              <a:rPr lang="zh-CN" altLang="en-US" sz="1600" b="0" i="0" dirty="0">
+                <a:solidFill>
+                  <a:srgbClr val="494949"/>
+                </a:solidFill>
+                <a:effectLst/>
+                <a:latin typeface="楷体" panose="02010609060101010101" pitchFamily="49" charset="-122"/>
+                <a:ea typeface="楷体" panose="02010609060101010101" pitchFamily="49" charset="-122"/>
+              </a:rPr>
+              <a:t>设置弹性子元素在纵轴上的排列方式</a:t>
+            </a:r>
+            <a:endParaRPr lang="en-US" altLang="zh-CN" sz="1600" b="0" i="0" dirty="0">
+              <a:solidFill>
+                <a:srgbClr val="494949"/>
+              </a:solidFill>
+              <a:effectLst/>
+              <a:latin typeface="楷体" panose="02010609060101010101" pitchFamily="49" charset="-122"/>
+              <a:ea typeface="楷体" panose="02010609060101010101" pitchFamily="49" charset="-122"/>
+            </a:endParaRPr>
+          </a:p>
+          <a:p>
+            <a:endParaRPr lang="en-US" altLang="zh-CN" sz="1600" dirty="0">
+              <a:solidFill>
+                <a:srgbClr val="494949"/>
+              </a:solidFill>
+              <a:latin typeface="楷体" panose="02010609060101010101" pitchFamily="49" charset="-122"/>
+              <a:ea typeface="楷体" panose="02010609060101010101" pitchFamily="49" charset="-122"/>
+            </a:endParaRPr>
+          </a:p>
+          <a:p>
+            <a:r>
+              <a:rPr lang="en-US" altLang="zh-CN" sz="1600" b="0" i="0" dirty="0">
+                <a:solidFill>
+                  <a:srgbClr val="494949"/>
+                </a:solidFill>
+                <a:effectLst/>
+                <a:latin typeface="楷体" panose="02010609060101010101" pitchFamily="49" charset="-122"/>
+                <a:ea typeface="楷体" panose="02010609060101010101" pitchFamily="49" charset="-122"/>
+              </a:rPr>
+              <a:t>flex-wrap: </a:t>
+            </a:r>
+            <a:r>
+              <a:rPr lang="en-US" altLang="zh-CN" sz="1600" b="0" i="0" dirty="0" err="1">
+                <a:solidFill>
+                  <a:srgbClr val="494949"/>
+                </a:solidFill>
+                <a:effectLst/>
+                <a:latin typeface="楷体" panose="02010609060101010101" pitchFamily="49" charset="-122"/>
+                <a:ea typeface="楷体" panose="02010609060101010101" pitchFamily="49" charset="-122"/>
+              </a:rPr>
+              <a:t>nowrap|wrap|wrap-reverse</a:t>
+            </a:r>
+            <a:endParaRPr lang="en-US" altLang="zh-CN" sz="1600" b="0" i="0" dirty="0">
+              <a:solidFill>
+                <a:srgbClr val="494949"/>
+              </a:solidFill>
+              <a:effectLst/>
+              <a:latin typeface="楷体" panose="02010609060101010101" pitchFamily="49" charset="-122"/>
+              <a:ea typeface="楷体" panose="02010609060101010101" pitchFamily="49" charset="-122"/>
+            </a:endParaRPr>
+          </a:p>
+          <a:p>
+            <a:r>
+              <a:rPr lang="zh-CN" altLang="en-US" sz="1600" b="0" i="0" dirty="0">
+                <a:solidFill>
+                  <a:srgbClr val="494949"/>
+                </a:solidFill>
+                <a:effectLst/>
+                <a:latin typeface="楷体" panose="02010609060101010101" pitchFamily="49" charset="-122"/>
+                <a:ea typeface="楷体" panose="02010609060101010101" pitchFamily="49" charset="-122"/>
+              </a:rPr>
+              <a:t>指定弹性盒子的子元素换行方式</a:t>
+            </a:r>
+            <a:endParaRPr lang="zh-CN" altLang="en-US" sz="1600" dirty="0"/>
+          </a:p>
+        </p:txBody>
+      </p:sp>
+      <p:sp>
+        <p:nvSpPr>
+          <p:cNvPr id="4" name="日期占位符 3">
+            <a:extLst>
+              <a:ext uri="{FF2B5EF4-FFF2-40B4-BE49-F238E27FC236}">
+                <a16:creationId xmlns:a16="http://schemas.microsoft.com/office/drawing/2014/main" id="{1687F8F9-D89A-4E73-A369-4D1685050B74}"/>
+              </a:ext>
+            </a:extLst>
+          </p:cNvPr>
+          <p:cNvSpPr>
+            <a:spLocks noGrp="1"/>
+          </p:cNvSpPr>
+          <p:nvPr>
+            <p:ph type="dt" sz="half" idx="10"/>
+          </p:nvPr>
+        </p:nvSpPr>
+        <p:spPr/>
+        <p:txBody>
+          <a:bodyPr/>
+          <a:lstStyle/>
+          <a:p>
+            <a:fld id="{4D01DF33-5A38-4035-AC9E-B8E17EB22BE4}" type="datetime1">
+              <a:rPr lang="zh-CN" altLang="en-US" smtClean="0"/>
+              <a:t>2020/8/14</a:t>
+            </a:fld>
+            <a:endParaRPr lang="zh-CN" altLang="en-US"/>
+          </a:p>
+        </p:txBody>
+      </p:sp>
+      <p:sp>
+        <p:nvSpPr>
+          <p:cNvPr id="5" name="灯片编号占位符 4">
+            <a:extLst>
+              <a:ext uri="{FF2B5EF4-FFF2-40B4-BE49-F238E27FC236}">
+                <a16:creationId xmlns:a16="http://schemas.microsoft.com/office/drawing/2014/main" id="{CD84103F-70F3-48CF-8867-039CADE97342}"/>
+              </a:ext>
+            </a:extLst>
+          </p:cNvPr>
+          <p:cNvSpPr>
+            <a:spLocks noGrp="1"/>
+          </p:cNvSpPr>
+          <p:nvPr>
+            <p:ph type="sldNum" sz="quarter" idx="12"/>
+          </p:nvPr>
+        </p:nvSpPr>
+        <p:spPr/>
+        <p:txBody>
+          <a:bodyPr/>
+          <a:lstStyle/>
+          <a:p>
+            <a:fld id="{5C794E63-F2AF-49E2-AE37-43481CC587E5}" type="slidenum">
+              <a:rPr lang="zh-CN" altLang="en-US" smtClean="0"/>
+              <a:t>11</a:t>
+            </a:fld>
+            <a:endParaRPr lang="zh-CN" altLang="en-US"/>
+          </a:p>
+        </p:txBody>
+      </p:sp>
+    </p:spTree>
+    <p:extLst>
+      <p:ext uri="{BB962C8B-B14F-4D97-AF65-F5344CB8AC3E}">
+        <p14:creationId xmlns:p14="http://schemas.microsoft.com/office/powerpoint/2010/main" val="2456308560"/>
+      </p:ext>
+    </p:extLst>
+  </p:cSld>
+  <p:clrMapOvr>
+    <a:masterClrMapping/>
+  </p:clrMapOvr>
+</p:sld>
+</file>
+
+<file path=ppt/slides/slide12.xml><?xml version="1.0" encoding="utf-8"?>
+<p:sld xmlns:a="http://schemas.openxmlformats.org/drawingml/2006/main" xmlns:r="http://schemas.openxmlformats.org/officeDocument/2006/relationships" xmlns:p="http://schemas.openxmlformats.org/presentationml/2006/main">
+  <p:cSld>
+    <p:spTree>
+      <p:nvGrpSpPr>
+        <p:cNvPr id="1" name=""/>
+        <p:cNvGrpSpPr/>
+        <p:nvPr/>
+      </p:nvGrpSpPr>
+      <p:grpSpPr>
+        <a:xfrm>
+          <a:off x="0" y="0"/>
+          <a:ext cx="0" cy="0"/>
+          <a:chOff x="0" y="0"/>
+          <a:chExt cx="0" cy="0"/>
+        </a:xfrm>
+      </p:grpSpPr>
+      <p:sp>
+        <p:nvSpPr>
+          <p:cNvPr id="2" name="标题 1">
+            <a:extLst>
+              <a:ext uri="{FF2B5EF4-FFF2-40B4-BE49-F238E27FC236}">
+                <a16:creationId xmlns:a16="http://schemas.microsoft.com/office/drawing/2014/main" id="{A86D3E35-B98C-4FA6-9D78-B30E4395403E}"/>
+              </a:ext>
+            </a:extLst>
+          </p:cNvPr>
+          <p:cNvSpPr>
+            <a:spLocks noGrp="1"/>
+          </p:cNvSpPr>
+          <p:nvPr>
+            <p:ph type="title"/>
+          </p:nvPr>
+        </p:nvSpPr>
+        <p:spPr/>
+        <p:txBody>
+          <a:bodyPr/>
+          <a:lstStyle/>
+          <a:p>
+            <a:r>
+              <a:rPr lang="zh-CN" altLang="en-US" dirty="0"/>
+              <a:t>弹性盒布局</a:t>
+            </a:r>
+          </a:p>
+        </p:txBody>
+      </p:sp>
+      <p:sp>
+        <p:nvSpPr>
+          <p:cNvPr id="3" name="内容占位符 2">
+            <a:extLst>
+              <a:ext uri="{FF2B5EF4-FFF2-40B4-BE49-F238E27FC236}">
+                <a16:creationId xmlns:a16="http://schemas.microsoft.com/office/drawing/2014/main" id="{81268C98-4DC2-415C-8106-A45FCC0E7CED}"/>
+              </a:ext>
+            </a:extLst>
+          </p:cNvPr>
+          <p:cNvSpPr>
+            <a:spLocks noGrp="1"/>
+          </p:cNvSpPr>
+          <p:nvPr>
+            <p:ph idx="1"/>
+          </p:nvPr>
+        </p:nvSpPr>
+        <p:spPr/>
+        <p:txBody>
+          <a:bodyPr>
+            <a:normAutofit/>
+          </a:bodyPr>
+          <a:lstStyle/>
+          <a:p>
+            <a:r>
+              <a:rPr lang="en-US" altLang="zh-CN" sz="1600" i="0" dirty="0">
+                <a:solidFill>
+                  <a:srgbClr val="494949"/>
+                </a:solidFill>
+                <a:effectLst/>
+                <a:latin typeface="+mn-ea"/>
+                <a:ea typeface="+mn-ea"/>
+              </a:rPr>
+              <a:t>align-content</a:t>
+            </a:r>
+            <a:r>
+              <a:rPr lang="zh-CN" altLang="en-US" sz="1600" i="0" dirty="0">
+                <a:solidFill>
+                  <a:srgbClr val="494949"/>
+                </a:solidFill>
+                <a:effectLst/>
+                <a:latin typeface="+mn-ea"/>
+                <a:ea typeface="+mn-ea"/>
+              </a:rPr>
+              <a:t>：</a:t>
+            </a:r>
+            <a:r>
+              <a:rPr lang="en-US" altLang="zh-CN" sz="1600" i="0" dirty="0" err="1">
+                <a:solidFill>
+                  <a:srgbClr val="494949"/>
+                </a:solidFill>
+                <a:effectLst/>
+                <a:latin typeface="+mn-ea"/>
+                <a:ea typeface="+mn-ea"/>
+              </a:rPr>
+              <a:t>flex-start|flex-end|space-between|space-around</a:t>
+            </a:r>
+            <a:endParaRPr lang="en-US" altLang="zh-CN" sz="1600" i="0" dirty="0">
+              <a:solidFill>
+                <a:srgbClr val="494949"/>
+              </a:solidFill>
+              <a:effectLst/>
+              <a:latin typeface="+mn-ea"/>
+              <a:ea typeface="+mn-ea"/>
+            </a:endParaRPr>
+          </a:p>
+          <a:p>
+            <a:endParaRPr lang="en-US" altLang="zh-CN" sz="1600" dirty="0">
+              <a:solidFill>
+                <a:srgbClr val="494949"/>
+              </a:solidFill>
+              <a:latin typeface="+mn-ea"/>
+              <a:ea typeface="+mn-ea"/>
+            </a:endParaRPr>
+          </a:p>
+          <a:p>
+            <a:r>
+              <a:rPr lang="zh-CN" altLang="en-US" sz="1600" dirty="0">
+                <a:solidFill>
+                  <a:srgbClr val="494949"/>
+                </a:solidFill>
+                <a:latin typeface="+mn-ea"/>
+                <a:ea typeface="+mn-ea"/>
+              </a:rPr>
+              <a:t>属性：</a:t>
+            </a:r>
+            <a:endParaRPr lang="en-US" altLang="zh-CN" sz="1600" dirty="0">
+              <a:solidFill>
+                <a:srgbClr val="494949"/>
+              </a:solidFill>
+              <a:latin typeface="+mn-ea"/>
+              <a:ea typeface="+mn-ea"/>
+            </a:endParaRPr>
+          </a:p>
+          <a:p>
+            <a:r>
+              <a:rPr lang="en-US" altLang="zh-CN" sz="1600" i="0" dirty="0">
+                <a:solidFill>
+                  <a:srgbClr val="494949"/>
+                </a:solidFill>
+                <a:effectLst/>
+                <a:latin typeface="+mn-ea"/>
+                <a:ea typeface="+mn-ea"/>
+              </a:rPr>
+              <a:t>Order</a:t>
+            </a:r>
+            <a:r>
+              <a:rPr lang="zh-CN" altLang="en-US" sz="1600" i="0" dirty="0">
+                <a:solidFill>
+                  <a:srgbClr val="494949"/>
+                </a:solidFill>
+                <a:effectLst/>
+                <a:latin typeface="+mn-ea"/>
+                <a:ea typeface="+mn-ea"/>
+              </a:rPr>
+              <a:t>： 小在前 大在后</a:t>
+            </a:r>
+            <a:endParaRPr lang="en-US" altLang="zh-CN" sz="1600" i="0" dirty="0">
+              <a:solidFill>
+                <a:srgbClr val="494949"/>
+              </a:solidFill>
+              <a:effectLst/>
+              <a:latin typeface="+mn-ea"/>
+              <a:ea typeface="+mn-ea"/>
+            </a:endParaRPr>
+          </a:p>
+          <a:p>
+            <a:r>
+              <a:rPr lang="en-US" altLang="zh-CN" sz="1600" i="0" dirty="0">
+                <a:solidFill>
+                  <a:srgbClr val="494949"/>
+                </a:solidFill>
+                <a:effectLst/>
+                <a:latin typeface="+mn-ea"/>
+                <a:ea typeface="+mn-ea"/>
+              </a:rPr>
+              <a:t>align-self</a:t>
+            </a:r>
+            <a:r>
+              <a:rPr lang="zh-CN" altLang="en-US" sz="1600" i="0" dirty="0">
+                <a:solidFill>
+                  <a:srgbClr val="494949"/>
+                </a:solidFill>
+                <a:effectLst/>
+                <a:latin typeface="+mn-ea"/>
+                <a:ea typeface="+mn-ea"/>
+              </a:rPr>
+              <a:t>： </a:t>
+            </a:r>
+            <a:r>
+              <a:rPr lang="en-US" altLang="zh-CN" sz="1600" i="0" dirty="0" err="1">
+                <a:solidFill>
+                  <a:srgbClr val="494949"/>
+                </a:solidFill>
+                <a:effectLst/>
+                <a:latin typeface="+mn-ea"/>
+                <a:ea typeface="+mn-ea"/>
+              </a:rPr>
+              <a:t>auto|flex-start|flex-end|center</a:t>
+            </a:r>
+            <a:endParaRPr lang="en-US" altLang="zh-CN" sz="1600" i="0" dirty="0">
+              <a:solidFill>
+                <a:srgbClr val="494949"/>
+              </a:solidFill>
+              <a:effectLst/>
+              <a:latin typeface="+mn-ea"/>
+              <a:ea typeface="+mn-ea"/>
+            </a:endParaRPr>
+          </a:p>
+          <a:p>
+            <a:r>
+              <a:rPr lang="zh-CN" altLang="en-US" sz="1600" i="0" dirty="0">
+                <a:solidFill>
+                  <a:srgbClr val="494949"/>
+                </a:solidFill>
+                <a:effectLst/>
+                <a:latin typeface="+mn-ea"/>
+                <a:ea typeface="+mn-ea"/>
+              </a:rPr>
+              <a:t>设置弹性元素自身在侧轴（纵轴）方向上的对齐方式</a:t>
+            </a:r>
+            <a:endParaRPr lang="en-US" altLang="zh-CN" sz="1600" i="0" dirty="0">
+              <a:solidFill>
+                <a:srgbClr val="494949"/>
+              </a:solidFill>
+              <a:effectLst/>
+              <a:latin typeface="+mn-ea"/>
+              <a:ea typeface="+mn-ea"/>
+            </a:endParaRPr>
+          </a:p>
+          <a:p>
+            <a:endParaRPr lang="en-US" altLang="zh-CN" sz="1600" i="0" dirty="0">
+              <a:solidFill>
+                <a:srgbClr val="494949"/>
+              </a:solidFill>
+              <a:effectLst/>
+              <a:latin typeface="+mn-ea"/>
+              <a:ea typeface="+mn-ea"/>
+            </a:endParaRPr>
+          </a:p>
+          <a:p>
+            <a:r>
+              <a:rPr lang="en-US" altLang="zh-CN" sz="1600" i="0" dirty="0">
+                <a:solidFill>
+                  <a:srgbClr val="111111"/>
+                </a:solidFill>
+                <a:effectLst/>
+                <a:latin typeface="+mn-ea"/>
+                <a:ea typeface="+mn-ea"/>
+              </a:rPr>
+              <a:t>flex-basis   </a:t>
+            </a:r>
+            <a:r>
+              <a:rPr lang="zh-CN" altLang="en-US" sz="1600" dirty="0">
+                <a:solidFill>
+                  <a:srgbClr val="494949"/>
+                </a:solidFill>
+                <a:latin typeface="+mn-ea"/>
+                <a:ea typeface="+mn-ea"/>
+              </a:rPr>
+              <a:t>元素初始宽度</a:t>
+            </a:r>
+            <a:endParaRPr lang="en-US" altLang="zh-CN" sz="1600" dirty="0">
+              <a:solidFill>
+                <a:srgbClr val="494949"/>
+              </a:solidFill>
+              <a:latin typeface="+mn-ea"/>
+              <a:ea typeface="+mn-ea"/>
+            </a:endParaRPr>
+          </a:p>
+          <a:p>
+            <a:endParaRPr lang="en-US" altLang="zh-CN" sz="1600" dirty="0">
+              <a:solidFill>
+                <a:srgbClr val="494949"/>
+              </a:solidFill>
+              <a:latin typeface="+mn-ea"/>
+              <a:ea typeface="+mn-ea"/>
+            </a:endParaRPr>
+          </a:p>
+          <a:p>
+            <a:r>
+              <a:rPr lang="en-US" altLang="zh-CN" sz="1600" i="0" u="none" strike="noStrike" dirty="0">
+                <a:solidFill>
+                  <a:srgbClr val="000000"/>
+                </a:solidFill>
+                <a:effectLst/>
+                <a:latin typeface="+mn-ea"/>
+                <a:ea typeface="+mn-ea"/>
+              </a:rPr>
+              <a:t>flex-grow   </a:t>
+            </a:r>
+            <a:r>
+              <a:rPr lang="zh-CN" altLang="en-US" sz="1600" i="0" dirty="0">
+                <a:solidFill>
+                  <a:srgbClr val="111111"/>
+                </a:solidFill>
+                <a:effectLst/>
+                <a:latin typeface="+mn-ea"/>
+                <a:ea typeface="+mn-ea"/>
+              </a:rPr>
+              <a:t>属性定义项目的放大比例</a:t>
+            </a:r>
+            <a:endParaRPr lang="en-US" altLang="zh-CN" sz="1600" dirty="0">
+              <a:solidFill>
+                <a:srgbClr val="000000"/>
+              </a:solidFill>
+              <a:latin typeface="+mn-ea"/>
+              <a:ea typeface="+mn-ea"/>
+            </a:endParaRPr>
+          </a:p>
+          <a:p>
+            <a:endParaRPr lang="en-US" altLang="zh-CN" sz="1600" i="0" u="none" strike="noStrike" dirty="0">
+              <a:solidFill>
+                <a:srgbClr val="000000"/>
+              </a:solidFill>
+              <a:effectLst/>
+              <a:latin typeface="+mn-ea"/>
+              <a:ea typeface="+mn-ea"/>
+            </a:endParaRPr>
+          </a:p>
+          <a:p>
+            <a:r>
+              <a:rPr lang="en-US" altLang="zh-CN" sz="1600" i="0" u="none" strike="noStrike" dirty="0">
+                <a:solidFill>
+                  <a:srgbClr val="000000"/>
+                </a:solidFill>
+                <a:effectLst/>
+                <a:latin typeface="+mn-ea"/>
+                <a:ea typeface="+mn-ea"/>
+              </a:rPr>
+              <a:t>flex-shrink   </a:t>
+            </a:r>
+            <a:r>
+              <a:rPr lang="zh-CN" altLang="en-US" sz="1600" i="0" dirty="0">
+                <a:solidFill>
+                  <a:srgbClr val="111111"/>
+                </a:solidFill>
+                <a:effectLst/>
+                <a:latin typeface="+mn-ea"/>
+                <a:ea typeface="+mn-ea"/>
+              </a:rPr>
+              <a:t>属性定义了项目的缩小比例，默认为</a:t>
+            </a:r>
+            <a:r>
+              <a:rPr lang="en-US" altLang="zh-CN" sz="1600" i="0" dirty="0">
+                <a:solidFill>
+                  <a:srgbClr val="111111"/>
+                </a:solidFill>
+                <a:effectLst/>
+                <a:latin typeface="+mn-ea"/>
+                <a:ea typeface="+mn-ea"/>
+              </a:rPr>
+              <a:t>1</a:t>
+            </a:r>
+            <a:r>
+              <a:rPr lang="zh-CN" altLang="en-US" sz="1600" i="0" dirty="0">
+                <a:solidFill>
+                  <a:srgbClr val="111111"/>
+                </a:solidFill>
+                <a:effectLst/>
+                <a:latin typeface="+mn-ea"/>
+                <a:ea typeface="+mn-ea"/>
+              </a:rPr>
+              <a:t>，即如果空间不足，该项目将缩小</a:t>
+            </a:r>
+            <a:endParaRPr lang="zh-CN" altLang="en-US" sz="1600" dirty="0">
+              <a:latin typeface="+mn-ea"/>
+              <a:ea typeface="+mn-ea"/>
+            </a:endParaRPr>
+          </a:p>
+          <a:p>
+            <a:endParaRPr lang="en-US" altLang="zh-CN" sz="1600" i="0" u="none" strike="noStrike" dirty="0">
+              <a:solidFill>
+                <a:srgbClr val="000000"/>
+              </a:solidFill>
+              <a:effectLst/>
+              <a:latin typeface="+mn-ea"/>
+              <a:ea typeface="+mn-ea"/>
+            </a:endParaRPr>
+          </a:p>
+        </p:txBody>
+      </p:sp>
+      <p:sp>
+        <p:nvSpPr>
+          <p:cNvPr id="4" name="日期占位符 3">
+            <a:extLst>
+              <a:ext uri="{FF2B5EF4-FFF2-40B4-BE49-F238E27FC236}">
+                <a16:creationId xmlns:a16="http://schemas.microsoft.com/office/drawing/2014/main" id="{8FBCB98F-A76D-4514-AFA5-EE48A6BE093C}"/>
+              </a:ext>
+            </a:extLst>
+          </p:cNvPr>
+          <p:cNvSpPr>
+            <a:spLocks noGrp="1"/>
+          </p:cNvSpPr>
+          <p:nvPr>
+            <p:ph type="dt" sz="half" idx="10"/>
+          </p:nvPr>
+        </p:nvSpPr>
+        <p:spPr/>
+        <p:txBody>
+          <a:bodyPr/>
+          <a:lstStyle/>
+          <a:p>
+            <a:fld id="{4D01DF33-5A38-4035-AC9E-B8E17EB22BE4}" type="datetime1">
+              <a:rPr lang="zh-CN" altLang="en-US" smtClean="0"/>
+              <a:t>2020/8/14</a:t>
+            </a:fld>
+            <a:endParaRPr lang="zh-CN" altLang="en-US"/>
+          </a:p>
+        </p:txBody>
+      </p:sp>
+      <p:sp>
+        <p:nvSpPr>
+          <p:cNvPr id="5" name="灯片编号占位符 4">
+            <a:extLst>
+              <a:ext uri="{FF2B5EF4-FFF2-40B4-BE49-F238E27FC236}">
+                <a16:creationId xmlns:a16="http://schemas.microsoft.com/office/drawing/2014/main" id="{1487FDA2-412A-438D-88E9-D35FA16CF4BA}"/>
+              </a:ext>
+            </a:extLst>
+          </p:cNvPr>
+          <p:cNvSpPr>
+            <a:spLocks noGrp="1"/>
+          </p:cNvSpPr>
+          <p:nvPr>
+            <p:ph type="sldNum" sz="quarter" idx="12"/>
+          </p:nvPr>
+        </p:nvSpPr>
+        <p:spPr/>
+        <p:txBody>
+          <a:bodyPr/>
+          <a:lstStyle/>
+          <a:p>
+            <a:fld id="{5C794E63-F2AF-49E2-AE37-43481CC587E5}" type="slidenum">
+              <a:rPr lang="zh-CN" altLang="en-US" smtClean="0"/>
+              <a:t>12</a:t>
+            </a:fld>
+            <a:endParaRPr lang="zh-CN" altLang="en-US"/>
+          </a:p>
+        </p:txBody>
+      </p:sp>
+    </p:spTree>
+    <p:extLst>
+      <p:ext uri="{BB962C8B-B14F-4D97-AF65-F5344CB8AC3E}">
+        <p14:creationId xmlns:p14="http://schemas.microsoft.com/office/powerpoint/2010/main" val="3035049834"/>
+      </p:ext>
+    </p:extLst>
+  </p:cSld>
+  <p:clrMapOvr>
+    <a:masterClrMapping/>
+  </p:clrMapOvr>
+</p:sld>
+</file>
+
+<file path=ppt/slides/slide13.xml><?xml version="1.0" encoding="utf-8"?>
+<p:sld xmlns:a="http://schemas.openxmlformats.org/drawingml/2006/main" xmlns:r="http://schemas.openxmlformats.org/officeDocument/2006/relationships" xmlns:p="http://schemas.openxmlformats.org/presentationml/2006/main">
+  <p:cSld>
+    <p:spTree>
+      <p:nvGrpSpPr>
+        <p:cNvPr id="1" name=""/>
+        <p:cNvGrpSpPr/>
+        <p:nvPr/>
+      </p:nvGrpSpPr>
+      <p:grpSpPr>
+        <a:xfrm>
+          <a:off x="0" y="0"/>
+          <a:ext cx="0" cy="0"/>
+          <a:chOff x="0" y="0"/>
+          <a:chExt cx="0" cy="0"/>
+        </a:xfrm>
+      </p:grpSpPr>
+      <p:sp>
+        <p:nvSpPr>
+          <p:cNvPr id="2" name="标题 1">
+            <a:extLst>
+              <a:ext uri="{FF2B5EF4-FFF2-40B4-BE49-F238E27FC236}">
+                <a16:creationId xmlns:a16="http://schemas.microsoft.com/office/drawing/2014/main" id="{2A66109F-CC52-4A30-A201-AEEB2BCA8503}"/>
+              </a:ext>
+            </a:extLst>
+          </p:cNvPr>
+          <p:cNvSpPr>
+            <a:spLocks noGrp="1"/>
+          </p:cNvSpPr>
+          <p:nvPr>
+            <p:ph type="title"/>
+          </p:nvPr>
+        </p:nvSpPr>
+        <p:spPr/>
+        <p:txBody>
+          <a:bodyPr/>
+          <a:lstStyle/>
+          <a:p>
+            <a:r>
+              <a:rPr lang="zh-CN" altLang="en-US" dirty="0"/>
+              <a:t>响应式布局</a:t>
+            </a:r>
+          </a:p>
+        </p:txBody>
+      </p:sp>
+      <p:sp>
+        <p:nvSpPr>
+          <p:cNvPr id="3" name="内容占位符 2">
+            <a:extLst>
+              <a:ext uri="{FF2B5EF4-FFF2-40B4-BE49-F238E27FC236}">
+                <a16:creationId xmlns:a16="http://schemas.microsoft.com/office/drawing/2014/main" id="{4100B6CA-DC5A-4DCE-AF7E-859945BDBA67}"/>
+              </a:ext>
+            </a:extLst>
+          </p:cNvPr>
+          <p:cNvSpPr>
+            <a:spLocks noGrp="1"/>
+          </p:cNvSpPr>
+          <p:nvPr>
+            <p:ph idx="1"/>
+          </p:nvPr>
+        </p:nvSpPr>
+        <p:spPr/>
+        <p:txBody>
+          <a:bodyPr/>
+          <a:lstStyle/>
+          <a:p>
+            <a:pPr marL="514350" indent="-514350">
+              <a:buFont typeface="+mj-lt"/>
+              <a:buAutoNum type="arabicPeriod"/>
+            </a:pPr>
+            <a:r>
+              <a:rPr lang="zh-CN" altLang="en-US" dirty="0"/>
+              <a:t>固定宽</a:t>
+            </a:r>
+            <a:endParaRPr lang="en-US" altLang="zh-CN" dirty="0"/>
+          </a:p>
+          <a:p>
+            <a:pPr marL="514350" indent="-514350">
+              <a:buFont typeface="+mj-lt"/>
+              <a:buAutoNum type="arabicPeriod"/>
+            </a:pPr>
+            <a:r>
+              <a:rPr lang="zh-CN" altLang="en-US" dirty="0"/>
+              <a:t>等比缩放</a:t>
+            </a:r>
+            <a:r>
+              <a:rPr lang="en-US" altLang="zh-CN" dirty="0"/>
+              <a:t>rem</a:t>
+            </a:r>
+          </a:p>
+          <a:p>
+            <a:pPr marL="514350" indent="-514350">
+              <a:buFont typeface="+mj-lt"/>
+              <a:buAutoNum type="arabicPeriod"/>
+            </a:pPr>
+            <a:r>
+              <a:rPr lang="zh-CN" altLang="en-US" dirty="0"/>
+              <a:t>媒体查询</a:t>
+            </a:r>
+            <a:endParaRPr lang="en-US" altLang="zh-CN" dirty="0"/>
+          </a:p>
+          <a:p>
+            <a:pPr marL="514350" indent="-514350">
+              <a:buFont typeface="+mj-lt"/>
+              <a:buAutoNum type="arabicPeriod"/>
+            </a:pPr>
+            <a:r>
+              <a:rPr lang="zh-CN" altLang="en-US" dirty="0"/>
+              <a:t>栅格</a:t>
+            </a:r>
+            <a:endParaRPr lang="en-US" altLang="zh-CN" dirty="0"/>
+          </a:p>
+          <a:p>
+            <a:pPr marL="514350" indent="-514350">
+              <a:buFont typeface="+mj-lt"/>
+              <a:buAutoNum type="arabicPeriod"/>
+            </a:pPr>
+            <a:r>
+              <a:rPr lang="zh-CN" altLang="en-US" dirty="0"/>
+              <a:t>弹性布局</a:t>
+            </a:r>
+            <a:endParaRPr lang="en-US" altLang="zh-CN" dirty="0"/>
+          </a:p>
+          <a:p>
+            <a:pPr marL="514350" indent="-514350">
+              <a:buFont typeface="+mj-lt"/>
+              <a:buAutoNum type="arabicPeriod"/>
+            </a:pPr>
+            <a:r>
+              <a:rPr lang="zh-CN" altLang="en-US" dirty="0"/>
+              <a:t>浮动布局</a:t>
+            </a:r>
+            <a:endParaRPr lang="en-US" altLang="zh-CN" dirty="0"/>
+          </a:p>
+          <a:p>
+            <a:pPr marL="514350" indent="-514350">
+              <a:buFont typeface="+mj-lt"/>
+              <a:buAutoNum type="arabicPeriod"/>
+            </a:pPr>
+            <a:r>
+              <a:rPr lang="zh-CN" altLang="en-US" dirty="0"/>
+              <a:t>百分比</a:t>
+            </a:r>
+            <a:r>
+              <a:rPr lang="en-US" altLang="zh-CN" dirty="0"/>
+              <a:t>/</a:t>
+            </a:r>
+            <a:r>
+              <a:rPr lang="en-US" altLang="zh-CN" dirty="0" err="1"/>
+              <a:t>vw&amp;vh</a:t>
+            </a:r>
+            <a:endParaRPr lang="en-US" altLang="zh-CN" dirty="0"/>
+          </a:p>
+          <a:p>
+            <a:pPr marL="514350" indent="-514350">
+              <a:buFont typeface="+mj-lt"/>
+              <a:buAutoNum type="arabicPeriod"/>
+            </a:pPr>
+            <a:r>
+              <a:rPr lang="zh-CN" altLang="en-US" dirty="0"/>
+              <a:t>固定</a:t>
+            </a:r>
+            <a:r>
+              <a:rPr lang="en-US" altLang="zh-CN" dirty="0"/>
+              <a:t>+</a:t>
+            </a:r>
+            <a:r>
+              <a:rPr lang="zh-CN" altLang="en-US" dirty="0"/>
+              <a:t>百分比 </a:t>
+            </a:r>
+            <a:endParaRPr lang="en-US" altLang="zh-CN" dirty="0"/>
+          </a:p>
+          <a:p>
+            <a:pPr marL="514350" indent="-514350">
+              <a:buFont typeface="+mj-lt"/>
+              <a:buAutoNum type="arabicPeriod"/>
+            </a:pPr>
+            <a:r>
+              <a:rPr lang="zh-CN" altLang="en-US" dirty="0"/>
+              <a:t>圣杯布局</a:t>
+            </a:r>
+            <a:r>
+              <a:rPr lang="en-US" altLang="zh-CN" dirty="0"/>
+              <a:t>+</a:t>
+            </a:r>
+            <a:r>
+              <a:rPr lang="zh-CN" altLang="en-US" dirty="0"/>
+              <a:t>双飞翼布局（兼容性好 </a:t>
+            </a:r>
+            <a:r>
+              <a:rPr lang="en-US" altLang="zh-CN" dirty="0"/>
+              <a:t>ie6</a:t>
+            </a:r>
+            <a:r>
+              <a:rPr lang="zh-CN" altLang="en-US" dirty="0"/>
+              <a:t>）</a:t>
+            </a:r>
+            <a:endParaRPr lang="en-US" altLang="zh-CN" dirty="0"/>
+          </a:p>
+        </p:txBody>
+      </p:sp>
+      <p:sp>
+        <p:nvSpPr>
+          <p:cNvPr id="4" name="日期占位符 3">
+            <a:extLst>
+              <a:ext uri="{FF2B5EF4-FFF2-40B4-BE49-F238E27FC236}">
+                <a16:creationId xmlns:a16="http://schemas.microsoft.com/office/drawing/2014/main" id="{0EB02086-0F51-4D77-9B13-ADD9CD25476A}"/>
+              </a:ext>
+            </a:extLst>
+          </p:cNvPr>
+          <p:cNvSpPr>
+            <a:spLocks noGrp="1"/>
+          </p:cNvSpPr>
+          <p:nvPr>
+            <p:ph type="dt" sz="half" idx="10"/>
+          </p:nvPr>
+        </p:nvSpPr>
+        <p:spPr/>
+        <p:txBody>
+          <a:bodyPr/>
+          <a:lstStyle/>
+          <a:p>
+            <a:fld id="{4D01DF33-5A38-4035-AC9E-B8E17EB22BE4}" type="datetime1">
+              <a:rPr lang="zh-CN" altLang="en-US" smtClean="0"/>
+              <a:t>2020/8/14</a:t>
+            </a:fld>
+            <a:endParaRPr lang="zh-CN" altLang="en-US"/>
+          </a:p>
+        </p:txBody>
+      </p:sp>
+      <p:sp>
+        <p:nvSpPr>
+          <p:cNvPr id="5" name="灯片编号占位符 4">
+            <a:extLst>
+              <a:ext uri="{FF2B5EF4-FFF2-40B4-BE49-F238E27FC236}">
+                <a16:creationId xmlns:a16="http://schemas.microsoft.com/office/drawing/2014/main" id="{00F3650B-6D37-453B-8CBC-A20662B78AFF}"/>
+              </a:ext>
+            </a:extLst>
+          </p:cNvPr>
+          <p:cNvSpPr>
+            <a:spLocks noGrp="1"/>
+          </p:cNvSpPr>
+          <p:nvPr>
+            <p:ph type="sldNum" sz="quarter" idx="12"/>
+          </p:nvPr>
+        </p:nvSpPr>
+        <p:spPr/>
+        <p:txBody>
+          <a:bodyPr/>
+          <a:lstStyle/>
+          <a:p>
+            <a:fld id="{5C794E63-F2AF-49E2-AE37-43481CC587E5}" type="slidenum">
+              <a:rPr lang="zh-CN" altLang="en-US" smtClean="0"/>
+              <a:t>13</a:t>
+            </a:fld>
+            <a:endParaRPr lang="zh-CN" altLang="en-US"/>
+          </a:p>
+        </p:txBody>
+      </p:sp>
+    </p:spTree>
+    <p:extLst>
+      <p:ext uri="{BB962C8B-B14F-4D97-AF65-F5344CB8AC3E}">
+        <p14:creationId xmlns:p14="http://schemas.microsoft.com/office/powerpoint/2010/main" val="130122577"/>
+      </p:ext>
+    </p:extLst>
+  </p:cSld>
+  <p:clrMapOvr>
+    <a:masterClrMapping/>
+  </p:clrMapOvr>
+</p:sld>
+</file>
+
+<file path=ppt/slides/slide14.xml><?xml version="1.0" encoding="utf-8"?>
+<p:sld xmlns:a="http://schemas.openxmlformats.org/drawingml/2006/main" xmlns:r="http://schemas.openxmlformats.org/officeDocument/2006/relationships" xmlns:p="http://schemas.openxmlformats.org/presentationml/2006/main">
+  <p:cSld>
+    <p:spTree>
+      <p:nvGrpSpPr>
+        <p:cNvPr id="1" name=""/>
+        <p:cNvGrpSpPr/>
+        <p:nvPr/>
+      </p:nvGrpSpPr>
+      <p:grpSpPr>
+        <a:xfrm>
+          <a:off x="0" y="0"/>
+          <a:ext cx="0" cy="0"/>
+          <a:chOff x="0" y="0"/>
+          <a:chExt cx="0" cy="0"/>
+        </a:xfrm>
+      </p:grpSpPr>
+      <p:sp>
+        <p:nvSpPr>
+          <p:cNvPr id="2" name="标题 1">
+            <a:extLst>
+              <a:ext uri="{FF2B5EF4-FFF2-40B4-BE49-F238E27FC236}">
+                <a16:creationId xmlns:a16="http://schemas.microsoft.com/office/drawing/2014/main" id="{0FBA65C6-D4D1-4965-A887-78935415D9FD}"/>
+              </a:ext>
+            </a:extLst>
+          </p:cNvPr>
+          <p:cNvSpPr>
+            <a:spLocks noGrp="1"/>
+          </p:cNvSpPr>
+          <p:nvPr>
+            <p:ph type="title"/>
+          </p:nvPr>
+        </p:nvSpPr>
+        <p:spPr/>
+        <p:txBody>
+          <a:bodyPr/>
+          <a:lstStyle/>
+          <a:p>
+            <a:r>
+              <a:rPr lang="zh-CN" altLang="en-US" dirty="0"/>
+              <a:t>兼容性</a:t>
+            </a:r>
+          </a:p>
+        </p:txBody>
+      </p:sp>
+      <p:sp>
+        <p:nvSpPr>
+          <p:cNvPr id="3" name="内容占位符 2">
+            <a:extLst>
+              <a:ext uri="{FF2B5EF4-FFF2-40B4-BE49-F238E27FC236}">
+                <a16:creationId xmlns:a16="http://schemas.microsoft.com/office/drawing/2014/main" id="{61921CA1-6746-408B-B742-3B48AB883623}"/>
+              </a:ext>
+            </a:extLst>
+          </p:cNvPr>
+          <p:cNvSpPr>
+            <a:spLocks noGrp="1"/>
+          </p:cNvSpPr>
+          <p:nvPr>
+            <p:ph idx="1"/>
+          </p:nvPr>
+        </p:nvSpPr>
+        <p:spPr/>
+        <p:txBody>
+          <a:bodyPr>
+            <a:normAutofit/>
+          </a:bodyPr>
+          <a:lstStyle/>
+          <a:p>
+            <a:r>
+              <a:rPr lang="en-US" altLang="zh-CN" sz="1800" dirty="0">
+                <a:hlinkClick r:id="rId2"/>
+              </a:rPr>
+              <a:t>https://caniuse.com/#home</a:t>
+            </a:r>
+            <a:endParaRPr lang="en-US" altLang="zh-CN" sz="1800" dirty="0"/>
+          </a:p>
+          <a:p>
+            <a:r>
+              <a:rPr lang="zh-CN" altLang="en-US" sz="1800" dirty="0"/>
+              <a:t>编写：</a:t>
+            </a:r>
+            <a:endParaRPr lang="en-US" altLang="zh-CN" sz="1800" dirty="0"/>
+          </a:p>
+          <a:p>
+            <a:r>
+              <a:rPr lang="en-US" altLang="zh-CN" sz="1800" dirty="0"/>
+              <a:t>Flex</a:t>
+            </a:r>
+            <a:r>
+              <a:rPr lang="zh-CN" altLang="en-US" sz="1800" dirty="0"/>
+              <a:t>布局 </a:t>
+            </a:r>
+            <a:r>
+              <a:rPr lang="en-US" altLang="zh-CN" sz="1800" dirty="0"/>
+              <a:t>ie10</a:t>
+            </a:r>
+            <a:r>
+              <a:rPr lang="zh-CN" altLang="en-US" sz="1800" dirty="0"/>
+              <a:t>部分兼容 需要加 </a:t>
+            </a:r>
+            <a:r>
+              <a:rPr lang="en-US" altLang="zh-CN" sz="1800" dirty="0"/>
+              <a:t>–</a:t>
+            </a:r>
+            <a:r>
+              <a:rPr lang="en-US" altLang="zh-CN" sz="1800" dirty="0" err="1"/>
+              <a:t>ms</a:t>
+            </a:r>
+            <a:r>
+              <a:rPr lang="en-US" altLang="zh-CN" sz="1800" dirty="0"/>
+              <a:t>-</a:t>
+            </a:r>
+            <a:r>
+              <a:rPr lang="zh-CN" altLang="en-US" sz="1800" dirty="0"/>
+              <a:t>前缀 </a:t>
+            </a:r>
+            <a:r>
+              <a:rPr lang="en-US" altLang="zh-CN" sz="1800" dirty="0"/>
+              <a:t>ie9</a:t>
+            </a:r>
+            <a:r>
+              <a:rPr lang="zh-CN" altLang="en-US" sz="1800" dirty="0"/>
+              <a:t>及以下不兼容</a:t>
+            </a:r>
+            <a:endParaRPr lang="en-US" altLang="zh-CN" sz="1800" dirty="0"/>
+          </a:p>
+          <a:p>
+            <a:endParaRPr lang="en-US" altLang="zh-CN" sz="1800" dirty="0"/>
+          </a:p>
+          <a:p>
+            <a:r>
+              <a:rPr lang="en-US" altLang="zh-CN" sz="1800" dirty="0"/>
+              <a:t>Vue</a:t>
+            </a:r>
+            <a:r>
+              <a:rPr lang="zh-CN" altLang="en-US" sz="1800" dirty="0"/>
+              <a:t>项目中 使用</a:t>
+            </a:r>
+            <a:r>
+              <a:rPr lang="en-US" altLang="zh-CN" sz="1800" dirty="0"/>
+              <a:t>less/sass </a:t>
+            </a:r>
+            <a:r>
+              <a:rPr lang="zh-CN" altLang="en-US" sz="1800" dirty="0"/>
+              <a:t>进行</a:t>
+            </a:r>
+            <a:r>
+              <a:rPr lang="en-US" altLang="zh-CN" sz="1800" dirty="0" err="1"/>
+              <a:t>prefixer</a:t>
+            </a:r>
+            <a:r>
+              <a:rPr lang="zh-CN" altLang="en-US" sz="1800" dirty="0"/>
+              <a:t>，或者使用</a:t>
+            </a:r>
+            <a:r>
+              <a:rPr lang="en-US" altLang="zh-CN" sz="1800" dirty="0"/>
+              <a:t>Webpack </a:t>
+            </a:r>
+            <a:r>
+              <a:rPr lang="en-US" altLang="zh-CN" sz="1800" dirty="0" err="1"/>
+              <a:t>autoprefixer</a:t>
+            </a:r>
+            <a:endParaRPr lang="en-US" altLang="zh-CN" sz="1800" dirty="0"/>
+          </a:p>
+          <a:p>
+            <a:r>
+              <a:rPr lang="zh-CN" altLang="en-US" sz="1800" dirty="0"/>
+              <a:t>通过</a:t>
+            </a:r>
+            <a:r>
+              <a:rPr lang="en-US" altLang="zh-CN" sz="1800" dirty="0"/>
+              <a:t>Js</a:t>
+            </a:r>
+            <a:r>
+              <a:rPr lang="zh-CN" altLang="en-US" sz="1800" dirty="0"/>
+              <a:t>辅助  </a:t>
+            </a:r>
+            <a:r>
+              <a:rPr lang="en-US" altLang="zh-CN" sz="1800" dirty="0" err="1"/>
+              <a:t>window.navigator</a:t>
+            </a:r>
+            <a:endParaRPr lang="en-US" altLang="zh-CN" sz="1800" dirty="0"/>
+          </a:p>
+          <a:p>
+            <a:r>
+              <a:rPr lang="en-US" altLang="zh-CN" sz="1800" dirty="0" err="1"/>
+              <a:t>Css</a:t>
+            </a:r>
+            <a:r>
+              <a:rPr lang="en-US" altLang="zh-CN" sz="1800" dirty="0"/>
+              <a:t> Hack   </a:t>
+            </a:r>
+            <a:r>
+              <a:rPr lang="en-US" altLang="zh-CN" sz="1800" b="0" i="0" dirty="0">
+                <a:solidFill>
+                  <a:srgbClr val="1A1A1A"/>
+                </a:solidFill>
+                <a:effectLst/>
+                <a:latin typeface="-apple-system"/>
+              </a:rPr>
+              <a:t>&lt;!--[if IE 6]&gt;</a:t>
+            </a:r>
+            <a:r>
+              <a:rPr lang="zh-CN" altLang="en-US" sz="1800" b="0" i="0" dirty="0">
+                <a:solidFill>
+                  <a:srgbClr val="1A1A1A"/>
+                </a:solidFill>
+                <a:effectLst/>
+                <a:latin typeface="-apple-system"/>
+              </a:rPr>
+              <a:t>此处内容只有</a:t>
+            </a:r>
+            <a:r>
+              <a:rPr lang="en-US" altLang="zh-CN" sz="1800" b="0" i="0" dirty="0">
+                <a:solidFill>
+                  <a:srgbClr val="1A1A1A"/>
+                </a:solidFill>
+                <a:effectLst/>
+                <a:latin typeface="-apple-system"/>
+              </a:rPr>
+              <a:t>IE6.0</a:t>
+            </a:r>
+            <a:r>
+              <a:rPr lang="zh-CN" altLang="en-US" sz="1800" b="0" i="0" dirty="0">
+                <a:solidFill>
+                  <a:srgbClr val="1A1A1A"/>
+                </a:solidFill>
+                <a:effectLst/>
+                <a:latin typeface="-apple-system"/>
+              </a:rPr>
+              <a:t>可见</a:t>
+            </a:r>
+            <a:r>
+              <a:rPr lang="en-US" altLang="zh-CN" sz="1800" b="0" i="0" dirty="0">
+                <a:solidFill>
+                  <a:srgbClr val="1A1A1A"/>
+                </a:solidFill>
+                <a:effectLst/>
+                <a:latin typeface="-apple-system"/>
+              </a:rPr>
+              <a:t>&lt;![endif]--&gt;</a:t>
+            </a:r>
+            <a:endParaRPr lang="en-US" altLang="zh-CN" sz="1800" dirty="0"/>
+          </a:p>
+          <a:p>
+            <a:r>
+              <a:rPr lang="en-US" altLang="zh-CN" sz="1800" dirty="0"/>
+              <a:t> </a:t>
+            </a:r>
+          </a:p>
+          <a:p>
+            <a:r>
+              <a:rPr lang="zh-CN" altLang="en-US" sz="1800" dirty="0"/>
+              <a:t>集成：</a:t>
+            </a:r>
+            <a:endParaRPr lang="en-US" altLang="zh-CN" sz="1800" dirty="0"/>
+          </a:p>
+          <a:p>
+            <a:r>
+              <a:rPr lang="en-US" altLang="zh-CN" sz="1800" dirty="0"/>
+              <a:t>Babel: </a:t>
+            </a:r>
+            <a:r>
+              <a:rPr lang="en-US" altLang="zh-CN" sz="1800" dirty="0" err="1"/>
+              <a:t>polyfill</a:t>
+            </a:r>
+            <a:r>
+              <a:rPr lang="en-US" altLang="zh-CN" sz="1800" dirty="0"/>
+              <a:t> preset-env</a:t>
+            </a:r>
+            <a:endParaRPr lang="en-US" altLang="zh-CN" sz="1800" b="1" i="0" dirty="0">
+              <a:solidFill>
+                <a:srgbClr val="404040"/>
+              </a:solidFill>
+              <a:effectLst/>
+              <a:latin typeface="+mj-ea"/>
+              <a:ea typeface="+mj-ea"/>
+            </a:endParaRPr>
+          </a:p>
+          <a:p>
+            <a:endParaRPr lang="en-US" altLang="zh-CN" sz="1800" dirty="0"/>
+          </a:p>
+        </p:txBody>
+      </p:sp>
+      <p:sp>
+        <p:nvSpPr>
+          <p:cNvPr id="4" name="日期占位符 3">
+            <a:extLst>
+              <a:ext uri="{FF2B5EF4-FFF2-40B4-BE49-F238E27FC236}">
+                <a16:creationId xmlns:a16="http://schemas.microsoft.com/office/drawing/2014/main" id="{2C3BBAA6-6F30-4CA6-8C6E-96DAE422DC62}"/>
+              </a:ext>
+            </a:extLst>
+          </p:cNvPr>
+          <p:cNvSpPr>
+            <a:spLocks noGrp="1"/>
+          </p:cNvSpPr>
+          <p:nvPr>
+            <p:ph type="dt" sz="half" idx="10"/>
+          </p:nvPr>
+        </p:nvSpPr>
+        <p:spPr/>
+        <p:txBody>
+          <a:bodyPr/>
+          <a:lstStyle/>
+          <a:p>
+            <a:fld id="{4D01DF33-5A38-4035-AC9E-B8E17EB22BE4}" type="datetime1">
+              <a:rPr lang="zh-CN" altLang="en-US" smtClean="0"/>
+              <a:t>2020/8/14</a:t>
+            </a:fld>
+            <a:endParaRPr lang="zh-CN" altLang="en-US"/>
+          </a:p>
+        </p:txBody>
+      </p:sp>
+      <p:sp>
+        <p:nvSpPr>
+          <p:cNvPr id="5" name="灯片编号占位符 4">
+            <a:extLst>
+              <a:ext uri="{FF2B5EF4-FFF2-40B4-BE49-F238E27FC236}">
+                <a16:creationId xmlns:a16="http://schemas.microsoft.com/office/drawing/2014/main" id="{88F73E8A-0F27-4417-AD3D-8E18EB0F7587}"/>
+              </a:ext>
+            </a:extLst>
+          </p:cNvPr>
+          <p:cNvSpPr>
+            <a:spLocks noGrp="1"/>
+          </p:cNvSpPr>
+          <p:nvPr>
+            <p:ph type="sldNum" sz="quarter" idx="12"/>
+          </p:nvPr>
+        </p:nvSpPr>
+        <p:spPr/>
+        <p:txBody>
+          <a:bodyPr/>
+          <a:lstStyle/>
+          <a:p>
+            <a:fld id="{5C794E63-F2AF-49E2-AE37-43481CC587E5}" type="slidenum">
+              <a:rPr lang="zh-CN" altLang="en-US" smtClean="0"/>
+              <a:t>14</a:t>
+            </a:fld>
+            <a:endParaRPr lang="zh-CN" altLang="en-US"/>
+          </a:p>
+        </p:txBody>
+      </p:sp>
+    </p:spTree>
+    <p:extLst>
+      <p:ext uri="{BB962C8B-B14F-4D97-AF65-F5344CB8AC3E}">
+        <p14:creationId xmlns:p14="http://schemas.microsoft.com/office/powerpoint/2010/main" val="3950194608"/>
+      </p:ext>
+    </p:extLst>
+  </p:cSld>
+  <p:clrMapOvr>
+    <a:masterClrMapping/>
+  </p:clrMapOvr>
+</p:sld>
+</file>
+
+<file path=ppt/slides/slide15.xml><?xml version="1.0" encoding="utf-8"?>
+<p:sld xmlns:a="http://schemas.openxmlformats.org/drawingml/2006/main" xmlns:r="http://schemas.openxmlformats.org/officeDocument/2006/relationships" xmlns:p="http://schemas.openxmlformats.org/presentationml/2006/main">
+  <p:cSld>
+    <p:spTree>
+      <p:nvGrpSpPr>
+        <p:cNvPr id="1" name=""/>
+        <p:cNvGrpSpPr/>
+        <p:nvPr/>
+      </p:nvGrpSpPr>
+      <p:grpSpPr>
+        <a:xfrm>
+          <a:off x="0" y="0"/>
+          <a:ext cx="0" cy="0"/>
+          <a:chOff x="0" y="0"/>
+          <a:chExt cx="0" cy="0"/>
+        </a:xfrm>
+      </p:grpSpPr>
+      <p:sp>
+        <p:nvSpPr>
+          <p:cNvPr id="4" name="标题 3"/>
+          <p:cNvSpPr>
+            <a:spLocks noGrp="1"/>
+          </p:cNvSpPr>
+          <p:nvPr>
+            <p:ph type="title"/>
+          </p:nvPr>
+        </p:nvSpPr>
+        <p:spPr/>
+        <p:txBody>
+          <a:bodyPr/>
+          <a:lstStyle/>
+          <a:p>
+            <a:r>
+              <a:rPr lang="zh-CN" altLang="en-US"/>
+              <a:t>谢谢</a:t>
+            </a:r>
+          </a:p>
+        </p:txBody>
+      </p:sp>
+      <p:sp>
+        <p:nvSpPr>
+          <p:cNvPr id="2" name="日期占位符 1"/>
+          <p:cNvSpPr>
+            <a:spLocks noGrp="1"/>
+          </p:cNvSpPr>
+          <p:nvPr>
+            <p:ph type="dt" sz="half" idx="4294967295"/>
+          </p:nvPr>
+        </p:nvSpPr>
+        <p:spPr>
+          <a:xfrm>
+            <a:off x="0" y="6356350"/>
+            <a:ext cx="2133600" cy="365125"/>
+          </a:xfrm>
+        </p:spPr>
+        <p:txBody>
+          <a:bodyPr/>
+          <a:lstStyle/>
+          <a:p>
+            <a:fld id="{C1D3EEC2-3DBC-43AD-837B-AE7C27033FDD}" type="datetime1">
+              <a:rPr lang="zh-CN" altLang="en-US" smtClean="0"/>
+              <a:t>2020/8/14</a:t>
+            </a:fld>
+            <a:endParaRPr lang="zh-CN" altLang="en-US" dirty="0"/>
+          </a:p>
+        </p:txBody>
+      </p:sp>
+      <p:sp>
+        <p:nvSpPr>
+          <p:cNvPr id="3" name="灯片编号占位符 2"/>
+          <p:cNvSpPr>
+            <a:spLocks noGrp="1"/>
+          </p:cNvSpPr>
+          <p:nvPr>
+            <p:ph type="sldNum" sz="quarter" idx="4294967295"/>
+          </p:nvPr>
+        </p:nvSpPr>
+        <p:spPr>
+          <a:xfrm>
+            <a:off x="7010400" y="6356350"/>
+            <a:ext cx="2133600" cy="365125"/>
+          </a:xfrm>
+        </p:spPr>
+        <p:txBody>
+          <a:bodyPr/>
+          <a:lstStyle/>
+          <a:p>
+            <a:fld id="{5C794E63-F2AF-49E2-AE37-43481CC587E5}" type="slidenum">
+              <a:rPr lang="zh-CN" altLang="en-US" smtClean="0"/>
+              <a:t>15</a:t>
+            </a:fld>
+            <a:endParaRPr lang="zh-CN" altLang="en-US" dirty="0"/>
+          </a:p>
+        </p:txBody>
+      </p:sp>
+    </p:spTree>
+  </p:cSld>
+  <p:clrMapOvr>
+    <a:masterClrMapping/>
+  </p:clrMapOvr>
+</p:sld>
+</file>
+
+<file path=ppt/slides/slide2.xml><?xml version="1.0" encoding="utf-8"?>
+<p:sld xmlns:a="http://schemas.openxmlformats.org/drawingml/2006/main" xmlns:r="http://schemas.openxmlformats.org/officeDocument/2006/relationships" xmlns:p="http://schemas.openxmlformats.org/presentationml/2006/main">
+  <p:cSld>
+    <p:spTree>
+      <p:nvGrpSpPr>
+        <p:cNvPr id="1" name=""/>
+        <p:cNvGrpSpPr/>
+        <p:nvPr/>
+      </p:nvGrpSpPr>
+      <p:grpSpPr>
+        <a:xfrm>
+          <a:off x="0" y="0"/>
+          <a:ext cx="0" cy="0"/>
+          <a:chOff x="0" y="0"/>
+          <a:chExt cx="0" cy="0"/>
+        </a:xfrm>
+      </p:grpSpPr>
+      <p:sp>
+        <p:nvSpPr>
+          <p:cNvPr id="2" name="标题 1">
+            <a:extLst>
+              <a:ext uri="{FF2B5EF4-FFF2-40B4-BE49-F238E27FC236}">
+                <a16:creationId xmlns:a16="http://schemas.microsoft.com/office/drawing/2014/main" id="{15CC89DE-996B-4760-974E-DBDBF33257ED}"/>
+              </a:ext>
+            </a:extLst>
+          </p:cNvPr>
+          <p:cNvSpPr>
+            <a:spLocks noGrp="1"/>
+          </p:cNvSpPr>
+          <p:nvPr>
+            <p:ph type="title"/>
+          </p:nvPr>
+        </p:nvSpPr>
+        <p:spPr/>
+        <p:txBody>
+          <a:bodyPr/>
+          <a:lstStyle/>
+          <a:p>
+            <a:r>
+              <a:rPr lang="zh-CN" altLang="en-US" dirty="0"/>
+              <a:t>签到</a:t>
+            </a:r>
+          </a:p>
+        </p:txBody>
+      </p:sp>
+      <p:pic>
+        <p:nvPicPr>
+          <p:cNvPr id="7" name="内容占位符 6">
+            <a:extLst>
+              <a:ext uri="{FF2B5EF4-FFF2-40B4-BE49-F238E27FC236}">
+                <a16:creationId xmlns:a16="http://schemas.microsoft.com/office/drawing/2014/main" id="{1A9B7F05-CE59-436B-82F8-5592DF16056A}"/>
+              </a:ext>
+            </a:extLst>
+          </p:cNvPr>
+          <p:cNvPicPr>
+            <a:picLocks noGrp="1" noChangeAspect="1"/>
+          </p:cNvPicPr>
+          <p:nvPr>
+            <p:ph idx="1"/>
+          </p:nvPr>
+        </p:nvPicPr>
+        <p:blipFill>
+          <a:blip r:embed="rId2"/>
+          <a:stretch>
+            <a:fillRect/>
+          </a:stretch>
+        </p:blipFill>
+        <p:spPr>
+          <a:xfrm>
+            <a:off x="719138" y="1307118"/>
+            <a:ext cx="7848600" cy="4675563"/>
+          </a:xfrm>
+          <a:prstGeom prst="rect">
+            <a:avLst/>
+          </a:prstGeom>
+        </p:spPr>
+      </p:pic>
+      <p:sp>
+        <p:nvSpPr>
+          <p:cNvPr id="4" name="日期占位符 3">
+            <a:extLst>
+              <a:ext uri="{FF2B5EF4-FFF2-40B4-BE49-F238E27FC236}">
+                <a16:creationId xmlns:a16="http://schemas.microsoft.com/office/drawing/2014/main" id="{DE6BB19A-EB3D-4618-B769-EDB8D79DE725}"/>
+              </a:ext>
+            </a:extLst>
+          </p:cNvPr>
+          <p:cNvSpPr>
+            <a:spLocks noGrp="1"/>
+          </p:cNvSpPr>
+          <p:nvPr>
+            <p:ph type="dt" sz="half" idx="10"/>
+          </p:nvPr>
+        </p:nvSpPr>
+        <p:spPr/>
+        <p:txBody>
+          <a:bodyPr/>
+          <a:lstStyle/>
+          <a:p>
+            <a:fld id="{4D01DF33-5A38-4035-AC9E-B8E17EB22BE4}" type="datetime1">
+              <a:rPr lang="zh-CN" altLang="en-US" smtClean="0"/>
+              <a:t>2020/8/14</a:t>
+            </a:fld>
+            <a:endParaRPr lang="zh-CN" altLang="en-US"/>
+          </a:p>
+        </p:txBody>
+      </p:sp>
+      <p:sp>
+        <p:nvSpPr>
+          <p:cNvPr id="5" name="灯片编号占位符 4">
+            <a:extLst>
+              <a:ext uri="{FF2B5EF4-FFF2-40B4-BE49-F238E27FC236}">
+                <a16:creationId xmlns:a16="http://schemas.microsoft.com/office/drawing/2014/main" id="{B39DD443-289D-444B-B465-B3DF55035346}"/>
+              </a:ext>
+            </a:extLst>
+          </p:cNvPr>
+          <p:cNvSpPr>
+            <a:spLocks noGrp="1"/>
+          </p:cNvSpPr>
+          <p:nvPr>
+            <p:ph type="sldNum" sz="quarter" idx="12"/>
+          </p:nvPr>
+        </p:nvSpPr>
+        <p:spPr/>
+        <p:txBody>
+          <a:bodyPr/>
+          <a:lstStyle/>
+          <a:p>
+            <a:fld id="{5C794E63-F2AF-49E2-AE37-43481CC587E5}" type="slidenum">
+              <a:rPr lang="zh-CN" altLang="en-US" smtClean="0"/>
+              <a:t>2</a:t>
+            </a:fld>
+            <a:endParaRPr lang="zh-CN" altLang="en-US"/>
+          </a:p>
+        </p:txBody>
+      </p:sp>
+    </p:spTree>
+    <p:extLst>
+      <p:ext uri="{BB962C8B-B14F-4D97-AF65-F5344CB8AC3E}">
+        <p14:creationId xmlns:p14="http://schemas.microsoft.com/office/powerpoint/2010/main" val="1975787580"/>
+      </p:ext>
+    </p:extLst>
+  </p:cSld>
+  <p:clrMapOvr>
+    <a:masterClrMapping/>
+  </p:clrMapOvr>
+</p:sld>
+</file>
+
+<file path=ppt/slides/slide3.xml><?xml version="1.0" encoding="utf-8"?>
+<p:sld xmlns:a="http://schemas.openxmlformats.org/drawingml/2006/main" xmlns:r="http://schemas.openxmlformats.org/officeDocument/2006/relationships" xmlns:p="http://schemas.openxmlformats.org/presentationml/2006/main">
+  <p:cSld>
+    <p:spTree>
+      <p:nvGrpSpPr>
+        <p:cNvPr id="1" name=""/>
+        <p:cNvGrpSpPr/>
+        <p:nvPr/>
+      </p:nvGrpSpPr>
+      <p:grpSpPr>
+        <a:xfrm>
+          <a:off x="0" y="0"/>
+          <a:ext cx="0" cy="0"/>
+          <a:chOff x="0" y="0"/>
+          <a:chExt cx="0" cy="0"/>
+        </a:xfrm>
+      </p:grpSpPr>
+      <p:sp>
+        <p:nvSpPr>
+          <p:cNvPr id="2" name="标题 1">
+            <a:extLst>
+              <a:ext uri="{FF2B5EF4-FFF2-40B4-BE49-F238E27FC236}">
+                <a16:creationId xmlns:a16="http://schemas.microsoft.com/office/drawing/2014/main" id="{C7F56D0E-736A-4A06-A3B8-89DF95528489}"/>
+              </a:ext>
+            </a:extLst>
+          </p:cNvPr>
+          <p:cNvSpPr>
+            <a:spLocks noGrp="1"/>
+          </p:cNvSpPr>
+          <p:nvPr>
+            <p:ph type="title"/>
+          </p:nvPr>
+        </p:nvSpPr>
+        <p:spPr/>
+        <p:txBody>
+          <a:bodyPr/>
+          <a:lstStyle/>
+          <a:p>
+            <a:r>
+              <a:rPr lang="en-US" altLang="zh-CN" dirty="0"/>
+              <a:t>Background</a:t>
+            </a:r>
+            <a:endParaRPr lang="zh-CN" altLang="en-US" dirty="0"/>
+          </a:p>
+        </p:txBody>
+      </p:sp>
+      <p:sp>
+        <p:nvSpPr>
+          <p:cNvPr id="3" name="内容占位符 2">
+            <a:extLst>
+              <a:ext uri="{FF2B5EF4-FFF2-40B4-BE49-F238E27FC236}">
+                <a16:creationId xmlns:a16="http://schemas.microsoft.com/office/drawing/2014/main" id="{F9FD51CF-772A-469E-8264-97ADCA8C9320}"/>
+              </a:ext>
+            </a:extLst>
+          </p:cNvPr>
+          <p:cNvSpPr>
+            <a:spLocks noGrp="1"/>
+          </p:cNvSpPr>
+          <p:nvPr>
+            <p:ph idx="1"/>
+          </p:nvPr>
+        </p:nvSpPr>
+        <p:spPr/>
+        <p:txBody>
+          <a:bodyPr/>
+          <a:lstStyle/>
+          <a:p>
+            <a:r>
+              <a:rPr lang="en-US" altLang="zh-CN" dirty="0"/>
+              <a:t>Background</a:t>
+            </a:r>
+          </a:p>
+          <a:p>
+            <a:r>
+              <a:rPr lang="en-US" altLang="zh-CN" dirty="0"/>
+              <a:t>Background-color</a:t>
+            </a:r>
+          </a:p>
+          <a:p>
+            <a:r>
+              <a:rPr lang="en-US" altLang="zh-CN" dirty="0"/>
+              <a:t>Background-image</a:t>
+            </a:r>
+          </a:p>
+          <a:p>
+            <a:r>
+              <a:rPr lang="en-US" altLang="zh-CN" dirty="0"/>
+              <a:t>Background-position</a:t>
+            </a:r>
+          </a:p>
+          <a:p>
+            <a:r>
+              <a:rPr lang="en-US" altLang="zh-CN" dirty="0"/>
+              <a:t>Background-repeat</a:t>
+            </a:r>
+          </a:p>
+          <a:p>
+            <a:r>
+              <a:rPr lang="en-US" altLang="zh-CN" dirty="0"/>
+              <a:t>Background-size</a:t>
+            </a:r>
+          </a:p>
+          <a:p>
+            <a:r>
+              <a:rPr lang="en-US" altLang="zh-CN" dirty="0"/>
+              <a:t>Background-attachment</a:t>
+            </a:r>
+          </a:p>
+          <a:p>
+            <a:r>
+              <a:rPr lang="en-US" altLang="zh-CN" b="0" dirty="0">
+                <a:solidFill>
+                  <a:srgbClr val="56B6C2"/>
+                </a:solidFill>
+                <a:effectLst/>
+                <a:latin typeface="Consolas" panose="020B0609020204030204" pitchFamily="49" charset="0"/>
+              </a:rPr>
+              <a:t>linear-gradient </a:t>
+            </a:r>
+            <a:r>
+              <a:rPr lang="zh-CN" altLang="en-US" b="0" dirty="0">
+                <a:solidFill>
+                  <a:srgbClr val="56B6C2"/>
+                </a:solidFill>
+                <a:effectLst/>
+                <a:latin typeface="Consolas" panose="020B0609020204030204" pitchFamily="49" charset="0"/>
+              </a:rPr>
+              <a:t>渐变色</a:t>
+            </a:r>
+            <a:endParaRPr lang="en-US" altLang="zh-CN" b="0" dirty="0">
+              <a:solidFill>
+                <a:srgbClr val="ABB2BF"/>
+              </a:solidFill>
+              <a:effectLst/>
+              <a:latin typeface="Consolas" panose="020B0609020204030204" pitchFamily="49" charset="0"/>
+            </a:endParaRPr>
+          </a:p>
+          <a:p>
+            <a:endParaRPr lang="zh-CN" altLang="en-US" dirty="0"/>
+          </a:p>
+        </p:txBody>
+      </p:sp>
+      <p:sp>
+        <p:nvSpPr>
+          <p:cNvPr id="4" name="日期占位符 3">
+            <a:extLst>
+              <a:ext uri="{FF2B5EF4-FFF2-40B4-BE49-F238E27FC236}">
+                <a16:creationId xmlns:a16="http://schemas.microsoft.com/office/drawing/2014/main" id="{732B1161-73A7-4066-9648-FFC02F30036C}"/>
+              </a:ext>
+            </a:extLst>
+          </p:cNvPr>
+          <p:cNvSpPr>
+            <a:spLocks noGrp="1"/>
+          </p:cNvSpPr>
+          <p:nvPr>
+            <p:ph type="dt" sz="half" idx="10"/>
+          </p:nvPr>
+        </p:nvSpPr>
+        <p:spPr/>
+        <p:txBody>
+          <a:bodyPr/>
+          <a:lstStyle/>
+          <a:p>
+            <a:fld id="{4D01DF33-5A38-4035-AC9E-B8E17EB22BE4}" type="datetime1">
+              <a:rPr lang="zh-CN" altLang="en-US" smtClean="0"/>
+              <a:t>2020/8/14</a:t>
+            </a:fld>
+            <a:endParaRPr lang="zh-CN" altLang="en-US"/>
+          </a:p>
+        </p:txBody>
+      </p:sp>
+      <p:sp>
+        <p:nvSpPr>
+          <p:cNvPr id="5" name="灯片编号占位符 4">
+            <a:extLst>
+              <a:ext uri="{FF2B5EF4-FFF2-40B4-BE49-F238E27FC236}">
+                <a16:creationId xmlns:a16="http://schemas.microsoft.com/office/drawing/2014/main" id="{9A70213F-4905-4A9E-93A1-DA2E56145C36}"/>
+              </a:ext>
+            </a:extLst>
+          </p:cNvPr>
+          <p:cNvSpPr>
+            <a:spLocks noGrp="1"/>
+          </p:cNvSpPr>
+          <p:nvPr>
+            <p:ph type="sldNum" sz="quarter" idx="12"/>
+          </p:nvPr>
+        </p:nvSpPr>
+        <p:spPr/>
+        <p:txBody>
+          <a:bodyPr/>
+          <a:lstStyle/>
+          <a:p>
+            <a:fld id="{5C794E63-F2AF-49E2-AE37-43481CC587E5}" type="slidenum">
+              <a:rPr lang="zh-CN" altLang="en-US" smtClean="0"/>
+              <a:t>3</a:t>
+            </a:fld>
+            <a:endParaRPr lang="zh-CN" altLang="en-US"/>
+          </a:p>
+        </p:txBody>
+      </p:sp>
+    </p:spTree>
+    <p:extLst>
+      <p:ext uri="{BB962C8B-B14F-4D97-AF65-F5344CB8AC3E}">
+        <p14:creationId xmlns:p14="http://schemas.microsoft.com/office/powerpoint/2010/main" val="3219476993"/>
+      </p:ext>
+    </p:extLst>
+  </p:cSld>
+  <p:clrMapOvr>
+    <a:masterClrMapping/>
+  </p:clrMapOvr>
+</p:sld>
+</file>
+
+<file path=ppt/slides/slide4.xml><?xml version="1.0" encoding="utf-8"?>
+<p:sld xmlns:a="http://schemas.openxmlformats.org/drawingml/2006/main" xmlns:r="http://schemas.openxmlformats.org/officeDocument/2006/relationships" xmlns:p="http://schemas.openxmlformats.org/presentationml/2006/main">
+  <p:cSld>
+    <p:spTree>
+      <p:nvGrpSpPr>
+        <p:cNvPr id="1" name=""/>
+        <p:cNvGrpSpPr/>
+        <p:nvPr/>
+      </p:nvGrpSpPr>
+      <p:grpSpPr>
+        <a:xfrm>
+          <a:off x="0" y="0"/>
+          <a:ext cx="0" cy="0"/>
+          <a:chOff x="0" y="0"/>
+          <a:chExt cx="0" cy="0"/>
+        </a:xfrm>
+      </p:grpSpPr>
+      <p:sp>
+        <p:nvSpPr>
+          <p:cNvPr id="2" name="标题 1"/>
+          <p:cNvSpPr>
+            <a:spLocks noGrp="1"/>
+          </p:cNvSpPr>
+          <p:nvPr>
+            <p:ph type="title"/>
+          </p:nvPr>
+        </p:nvSpPr>
+        <p:spPr/>
+        <p:txBody>
+          <a:bodyPr>
+            <a:normAutofit fontScale="90000"/>
+          </a:bodyPr>
+          <a:lstStyle/>
+          <a:p>
+            <a:br>
+              <a:rPr lang="zh-CN" altLang="en-US" b="1" dirty="0"/>
+            </a:br>
+            <a:r>
+              <a:rPr lang="en-US" altLang="zh-CN" b="1" dirty="0"/>
+              <a:t>CSS3</a:t>
+            </a:r>
+            <a:r>
+              <a:rPr lang="zh-CN" altLang="en-US" b="1" dirty="0"/>
+              <a:t>选择器</a:t>
+            </a:r>
+            <a:br>
+              <a:rPr lang="zh-CN" altLang="en-US" b="1" dirty="0"/>
+            </a:br>
+            <a:endParaRPr lang="zh-CN" altLang="en-US" dirty="0"/>
+          </a:p>
+        </p:txBody>
+      </p:sp>
+      <p:sp>
+        <p:nvSpPr>
+          <p:cNvPr id="3" name="内容占位符 2"/>
+          <p:cNvSpPr>
+            <a:spLocks noGrp="1"/>
+          </p:cNvSpPr>
+          <p:nvPr>
+            <p:ph idx="1"/>
+          </p:nvPr>
+        </p:nvSpPr>
+        <p:spPr/>
+        <p:txBody>
+          <a:bodyPr>
+            <a:normAutofit fontScale="85000" lnSpcReduction="20000"/>
+          </a:bodyPr>
+          <a:lstStyle/>
+          <a:p>
+            <a:r>
+              <a:rPr lang="zh-CN" altLang="en-US" sz="2000" dirty="0"/>
+              <a:t>：</a:t>
+            </a:r>
+            <a:r>
+              <a:rPr lang="en-US" altLang="zh-CN" sz="2000" dirty="0"/>
+              <a:t>root</a:t>
+            </a:r>
+          </a:p>
+          <a:p>
+            <a:endParaRPr lang="en-US" altLang="zh-CN" sz="2000" dirty="0"/>
+          </a:p>
+          <a:p>
+            <a:r>
+              <a:rPr lang="zh-CN" altLang="en-US" sz="2000" dirty="0"/>
+              <a:t>语法</a:t>
+            </a:r>
+          </a:p>
+          <a:p>
+            <a:r>
+              <a:rPr lang="zh-CN" altLang="en-US" sz="2000" dirty="0"/>
+              <a:t>:root{</a:t>
+            </a:r>
+          </a:p>
+          <a:p>
+            <a:r>
+              <a:rPr lang="zh-CN" altLang="en-US" sz="2000" dirty="0"/>
+              <a:t>  css语法;</a:t>
+            </a:r>
+          </a:p>
+          <a:p>
+            <a:r>
+              <a:rPr lang="zh-CN" altLang="en-US" sz="2000" dirty="0"/>
+              <a:t>}</a:t>
+            </a:r>
+          </a:p>
+          <a:p>
+            <a:endParaRPr lang="zh-CN" altLang="en-US" sz="2000" dirty="0"/>
+          </a:p>
+          <a:p>
+            <a:r>
+              <a:rPr lang="zh-CN" altLang="en-US" sz="2000" dirty="0"/>
+              <a:t>作用</a:t>
+            </a:r>
+            <a:r>
+              <a:rPr lang="en-US" altLang="zh-CN" sz="2000" dirty="0"/>
+              <a:t>:  </a:t>
+            </a:r>
+            <a:r>
+              <a:rPr lang="zh-CN" altLang="en-US" sz="2000" dirty="0"/>
+              <a:t>代表根 一般值</a:t>
+            </a:r>
+            <a:r>
+              <a:rPr lang="en-US" altLang="zh-CN" sz="2000" dirty="0"/>
+              <a:t>html </a:t>
+            </a:r>
+            <a:r>
+              <a:rPr lang="zh-CN" altLang="en-US" sz="2000" dirty="0"/>
+              <a:t>优先级更高，可以在内部声明全局</a:t>
+            </a:r>
+            <a:r>
+              <a:rPr lang="en-US" altLang="zh-CN" sz="2000" dirty="0"/>
+              <a:t>css</a:t>
+            </a:r>
+          </a:p>
+          <a:p>
+            <a:endParaRPr lang="en-US" altLang="zh-CN" sz="2000" dirty="0"/>
+          </a:p>
+          <a:p>
+            <a:r>
+              <a:rPr lang="en-US" altLang="zh-CN" sz="2000" dirty="0"/>
+              <a:t>:root {</a:t>
+            </a:r>
+          </a:p>
+          <a:p>
+            <a:r>
+              <a:rPr lang="en-US" altLang="zh-CN" sz="2000" dirty="0"/>
+              <a:t>  --ck-highlight-pen-red: #e91314;</a:t>
+            </a:r>
+          </a:p>
+          <a:p>
+            <a:r>
+              <a:rPr lang="en-US" altLang="zh-CN" sz="2000" dirty="0"/>
+              <a:t>}</a:t>
+            </a:r>
+          </a:p>
+          <a:p>
+            <a:r>
+              <a:rPr lang="en-US" altLang="zh-CN" sz="2000" dirty="0"/>
+              <a:t> </a:t>
+            </a:r>
+          </a:p>
+          <a:p>
+            <a:r>
+              <a:rPr lang="en-US" altLang="zh-CN" sz="2000" dirty="0"/>
+              <a:t>.pen-black {</a:t>
+            </a:r>
+          </a:p>
+          <a:p>
+            <a:r>
+              <a:rPr lang="en-US" altLang="zh-CN" sz="2000" dirty="0"/>
+              <a:t>  color: var(--ck-highlight-pen-black);</a:t>
+            </a:r>
+          </a:p>
+          <a:p>
+            <a:r>
+              <a:rPr lang="en-US" altLang="zh-CN" sz="2000" dirty="0"/>
+              <a:t>}</a:t>
+            </a:r>
+          </a:p>
+        </p:txBody>
+      </p:sp>
+    </p:spTree>
+  </p:cSld>
+  <p:clrMapOvr>
+    <a:masterClrMapping/>
+  </p:clrMapOvr>
+</p:sld>
+</file>
+
+<file path=ppt/slides/slide5.xml><?xml version="1.0" encoding="utf-8"?>
+<p:sld xmlns:a="http://schemas.openxmlformats.org/drawingml/2006/main" xmlns:r="http://schemas.openxmlformats.org/officeDocument/2006/relationships" xmlns:p="http://schemas.openxmlformats.org/presentationml/2006/main">
+  <p:cSld>
+    <p:spTree>
+      <p:nvGrpSpPr>
+        <p:cNvPr id="1" name=""/>
+        <p:cNvGrpSpPr/>
+        <p:nvPr/>
+      </p:nvGrpSpPr>
+      <p:grpSpPr>
+        <a:xfrm>
+          <a:off x="0" y="0"/>
+          <a:ext cx="0" cy="0"/>
+          <a:chOff x="0" y="0"/>
+          <a:chExt cx="0" cy="0"/>
+        </a:xfrm>
+      </p:grpSpPr>
+      <p:sp>
+        <p:nvSpPr>
+          <p:cNvPr id="2" name="标题 1"/>
+          <p:cNvSpPr>
+            <a:spLocks noGrp="1"/>
+          </p:cNvSpPr>
+          <p:nvPr>
+            <p:ph type="title"/>
+          </p:nvPr>
+        </p:nvSpPr>
+        <p:spPr>
+          <a:xfrm>
+            <a:off x="719572" y="145016"/>
+            <a:ext cx="5472608" cy="490066"/>
+          </a:xfrm>
+        </p:spPr>
+        <p:txBody>
+          <a:bodyPr/>
+          <a:lstStyle/>
+          <a:p>
+            <a:r>
+              <a:rPr lang="en-US" altLang="zh-CN" b="1" dirty="0">
+                <a:sym typeface="+mn-ea"/>
+              </a:rPr>
+              <a:t>CSS3</a:t>
+            </a:r>
+            <a:r>
+              <a:rPr lang="zh-CN" altLang="en-US" b="1" dirty="0">
+                <a:sym typeface="+mn-ea"/>
+              </a:rPr>
+              <a:t>选择器</a:t>
+            </a:r>
+            <a:endParaRPr lang="zh-CN" altLang="en-US"/>
+          </a:p>
+        </p:txBody>
+      </p:sp>
+      <p:sp>
+        <p:nvSpPr>
+          <p:cNvPr id="3" name="内容占位符 2"/>
+          <p:cNvSpPr>
+            <a:spLocks noGrp="1"/>
+          </p:cNvSpPr>
+          <p:nvPr>
+            <p:ph idx="1"/>
+          </p:nvPr>
+        </p:nvSpPr>
+        <p:spPr/>
+        <p:txBody>
+          <a:bodyPr>
+            <a:normAutofit/>
+          </a:bodyPr>
+          <a:lstStyle/>
+          <a:p>
+            <a:r>
+              <a:rPr lang="zh-CN" altLang="en-US" sz="1600" dirty="0"/>
+              <a:t>：</a:t>
+            </a:r>
+            <a:r>
+              <a:rPr lang="en-US" altLang="zh-CN" sz="1600" dirty="0"/>
+              <a:t>not</a:t>
+            </a:r>
+          </a:p>
+          <a:p>
+            <a:endParaRPr lang="en-US" altLang="zh-CN" sz="1600" dirty="0"/>
+          </a:p>
+          <a:p>
+            <a:r>
+              <a:rPr lang="zh-CN" altLang="en-US" sz="1600" dirty="0"/>
+              <a:t>语法</a:t>
+            </a:r>
+          </a:p>
+          <a:p>
+            <a:r>
+              <a:rPr lang="en-US" altLang="zh-CN" sz="1600" dirty="0"/>
+              <a:t>:not(selector)  </a:t>
+            </a:r>
+            <a:r>
+              <a:rPr lang="en-US" altLang="zh-CN" sz="1600" dirty="0" err="1"/>
+              <a:t>选择器匹配每个元素是不是指定的元素</a:t>
+            </a:r>
+            <a:r>
+              <a:rPr lang="en-US" altLang="zh-CN" sz="1600" dirty="0"/>
+              <a:t>/</a:t>
+            </a:r>
+            <a:r>
+              <a:rPr lang="en-US" altLang="zh-CN" sz="1600" dirty="0" err="1"/>
+              <a:t>选择器</a:t>
+            </a:r>
+            <a:endParaRPr lang="en-US" altLang="zh-CN" sz="1600" dirty="0"/>
+          </a:p>
+          <a:p>
+            <a:endParaRPr lang="en-US" altLang="zh-CN" sz="1600" dirty="0"/>
+          </a:p>
+          <a:p>
+            <a:r>
+              <a:rPr lang="zh-CN" altLang="en-US" sz="1600" dirty="0"/>
+              <a:t>可以接收</a:t>
+            </a:r>
+          </a:p>
+          <a:p>
+            <a:r>
+              <a:rPr lang="zh-CN" altLang="en-US" sz="1600" dirty="0"/>
+              <a:t>标签选择器  </a:t>
+            </a:r>
+            <a:r>
+              <a:rPr lang="en-US" altLang="zh-CN" sz="1600" dirty="0"/>
+              <a:t>:not(p)</a:t>
+            </a:r>
+          </a:p>
+          <a:p>
+            <a:r>
+              <a:rPr lang="zh-CN" altLang="en-US" sz="1600" dirty="0"/>
+              <a:t>类选择 </a:t>
+            </a:r>
+            <a:r>
+              <a:rPr lang="en-US" altLang="zh-CN" sz="1600" dirty="0"/>
+              <a:t>:not(.class)</a:t>
+            </a:r>
+          </a:p>
+          <a:p>
+            <a:r>
+              <a:rPr lang="en-US" altLang="zh-CN" sz="1600" dirty="0"/>
+              <a:t>ID</a:t>
+            </a:r>
+            <a:r>
+              <a:rPr lang="zh-CN" altLang="en-US" sz="1600" dirty="0"/>
+              <a:t>选择器 </a:t>
+            </a:r>
+            <a:r>
+              <a:rPr lang="en-US" altLang="zh-CN" sz="1600" dirty="0"/>
+              <a:t>:not(#app)</a:t>
+            </a:r>
+          </a:p>
+          <a:p>
+            <a:r>
+              <a:rPr lang="zh-CN" altLang="en-US" sz="1600" dirty="0"/>
+              <a:t>伪类选择器 </a:t>
+            </a:r>
+            <a:r>
+              <a:rPr lang="en-US" altLang="zh-CN" sz="1600" dirty="0"/>
+              <a:t>:not(:first-child)</a:t>
+            </a:r>
+          </a:p>
+          <a:p>
+            <a:r>
+              <a:rPr lang="zh-CN" altLang="en-US" sz="1600" dirty="0"/>
+              <a:t>属性选择器 </a:t>
+            </a:r>
+            <a:r>
+              <a:rPr lang="en-US" altLang="zh-CN" sz="1600" dirty="0"/>
+              <a:t>:not([type='checkbox'])</a:t>
+            </a:r>
+          </a:p>
+          <a:p>
+            <a:endParaRPr lang="en-US" altLang="zh-CN" sz="1600" dirty="0"/>
+          </a:p>
+          <a:p>
+            <a:r>
+              <a:rPr lang="zh-CN" altLang="en-US" sz="1600" dirty="0"/>
+              <a:t>不支持伪类 不支持伪类 不支持伪类</a:t>
+            </a:r>
+          </a:p>
+          <a:p>
+            <a:r>
+              <a:rPr lang="en-US" altLang="zh-CN" sz="1600" dirty="0"/>
+              <a:t>:not(::before) </a:t>
+            </a:r>
+          </a:p>
+          <a:p>
+            <a:r>
+              <a:rPr lang="en-US" altLang="zh-CN" sz="1600" dirty="0"/>
+              <a:t>:not(:not())</a:t>
+            </a:r>
+          </a:p>
+          <a:p>
+            <a:endParaRPr lang="en-US" altLang="zh-CN" sz="1600" dirty="0"/>
+          </a:p>
+          <a:p>
+            <a:endParaRPr lang="en-US" altLang="zh-CN" sz="1600" dirty="0"/>
+          </a:p>
+          <a:p>
+            <a:endParaRPr lang="en-US" altLang="zh-CN" sz="1600" dirty="0"/>
+          </a:p>
+        </p:txBody>
+      </p:sp>
+      <p:sp>
+        <p:nvSpPr>
+          <p:cNvPr id="4" name="日期占位符 3"/>
+          <p:cNvSpPr>
+            <a:spLocks noGrp="1"/>
+          </p:cNvSpPr>
+          <p:nvPr>
+            <p:ph type="dt" sz="half" idx="10"/>
+          </p:nvPr>
+        </p:nvSpPr>
+        <p:spPr/>
+        <p:txBody>
+          <a:bodyPr/>
+          <a:lstStyle/>
+          <a:p>
+            <a:fld id="{4D01DF33-5A38-4035-AC9E-B8E17EB22BE4}" type="datetime1">
+              <a:rPr lang="zh-CN" altLang="en-US" smtClean="0"/>
+              <a:t>2020/8/14</a:t>
+            </a:fld>
+            <a:endParaRPr lang="zh-CN" altLang="en-US"/>
+          </a:p>
+        </p:txBody>
+      </p:sp>
+      <p:sp>
+        <p:nvSpPr>
+          <p:cNvPr id="5" name="灯片编号占位符 4"/>
+          <p:cNvSpPr>
+            <a:spLocks noGrp="1"/>
+          </p:cNvSpPr>
+          <p:nvPr>
+            <p:ph type="sldNum" sz="quarter" idx="12"/>
+          </p:nvPr>
+        </p:nvSpPr>
+        <p:spPr/>
+        <p:txBody>
+          <a:bodyPr/>
+          <a:lstStyle/>
+          <a:p>
+            <a:fld id="{5C794E63-F2AF-49E2-AE37-43481CC587E5}" type="slidenum">
+              <a:rPr lang="zh-CN" altLang="en-US" smtClean="0"/>
+              <a:t>5</a:t>
+            </a:fld>
+            <a:endParaRPr lang="zh-CN" altLang="en-US"/>
+          </a:p>
+        </p:txBody>
+      </p:sp>
+    </p:spTree>
+  </p:cSld>
+  <p:clrMapOvr>
+    <a:masterClrMapping/>
+  </p:clrMapOvr>
+</p:sld>
+</file>
+
+<file path=ppt/slides/slide6.xml><?xml version="1.0" encoding="utf-8"?>
+<p:sld xmlns:a="http://schemas.openxmlformats.org/drawingml/2006/main" xmlns:r="http://schemas.openxmlformats.org/officeDocument/2006/relationships" xmlns:p="http://schemas.openxmlformats.org/presentationml/2006/main">
+  <p:cSld>
+    <p:spTree>
+      <p:nvGrpSpPr>
+        <p:cNvPr id="1" name=""/>
+        <p:cNvGrpSpPr/>
+        <p:nvPr/>
+      </p:nvGrpSpPr>
+      <p:grpSpPr>
+        <a:xfrm>
+          <a:off x="0" y="0"/>
+          <a:ext cx="0" cy="0"/>
+          <a:chOff x="0" y="0"/>
+          <a:chExt cx="0" cy="0"/>
+        </a:xfrm>
+      </p:grpSpPr>
+      <p:sp>
+        <p:nvSpPr>
+          <p:cNvPr id="2" name="标题 1"/>
+          <p:cNvSpPr>
+            <a:spLocks noGrp="1"/>
+          </p:cNvSpPr>
+          <p:nvPr>
+            <p:ph type="title"/>
+          </p:nvPr>
+        </p:nvSpPr>
+        <p:spPr/>
+        <p:txBody>
+          <a:bodyPr/>
+          <a:lstStyle/>
+          <a:p>
+            <a:r>
+              <a:rPr lang="en-US" altLang="zh-CN" b="1" dirty="0">
+                <a:sym typeface="+mn-ea"/>
+              </a:rPr>
+              <a:t>CSS3</a:t>
+            </a:r>
+            <a:r>
+              <a:rPr lang="zh-CN" altLang="en-US" b="1" dirty="0">
+                <a:sym typeface="+mn-ea"/>
+              </a:rPr>
+              <a:t>选择器</a:t>
+            </a:r>
+            <a:endParaRPr lang="zh-CN" altLang="en-US"/>
+          </a:p>
+        </p:txBody>
+      </p:sp>
+      <p:sp>
+        <p:nvSpPr>
+          <p:cNvPr id="3" name="内容占位符 2"/>
+          <p:cNvSpPr>
+            <a:spLocks noGrp="1"/>
+          </p:cNvSpPr>
+          <p:nvPr>
+            <p:ph idx="1"/>
+          </p:nvPr>
+        </p:nvSpPr>
+        <p:spPr/>
+        <p:txBody>
+          <a:bodyPr>
+            <a:normAutofit/>
+          </a:bodyPr>
+          <a:lstStyle/>
+          <a:p>
+            <a:r>
+              <a:rPr lang="zh-CN" altLang="en-US" sz="1600" dirty="0"/>
+              <a:t>：empty</a:t>
+            </a:r>
+          </a:p>
+          <a:p>
+            <a:endParaRPr lang="zh-CN" altLang="en-US" sz="1600" dirty="0"/>
+          </a:p>
+          <a:p>
+            <a:r>
+              <a:rPr lang="zh-CN" altLang="en-US" sz="1600" dirty="0"/>
+              <a:t>:empty选择器选择每个没有任何子级的元素（</a:t>
+            </a:r>
+            <a:r>
+              <a:rPr lang="zh-CN" altLang="en-US" sz="1600" b="1" dirty="0"/>
+              <a:t>包括文本节点</a:t>
+            </a:r>
+            <a:r>
+              <a:rPr lang="zh-CN" altLang="en-US" sz="1600" dirty="0"/>
+              <a:t>）</a:t>
+            </a:r>
+          </a:p>
+          <a:p>
+            <a:endParaRPr lang="zh-CN" altLang="en-US" sz="1600" dirty="0"/>
+          </a:p>
+          <a:p>
+            <a:r>
+              <a:rPr lang="en-US" altLang="zh-CN" sz="1600" dirty="0"/>
+              <a:t>p:empty {</a:t>
+            </a:r>
+          </a:p>
+          <a:p>
+            <a:r>
+              <a:rPr lang="en-US" altLang="zh-CN" sz="1600" dirty="0"/>
+              <a:t>  background-color: red;</a:t>
+            </a:r>
+          </a:p>
+          <a:p>
+            <a:r>
+              <a:rPr lang="en-US" altLang="zh-CN" sz="1600" dirty="0"/>
+              <a:t>}</a:t>
+            </a:r>
+            <a:endParaRPr lang="zh-CN" altLang="en-US" sz="1600" dirty="0"/>
+          </a:p>
+          <a:p>
+            <a:endParaRPr lang="zh-CN" altLang="en-US" sz="1600" dirty="0"/>
+          </a:p>
+          <a:p>
+            <a:r>
+              <a:rPr lang="en-US" altLang="zh-CN" sz="1600" dirty="0"/>
+              <a:t>&lt;p&gt;123321&lt;/p&gt;</a:t>
+            </a:r>
+          </a:p>
+          <a:p>
+            <a:r>
+              <a:rPr lang="en-US" altLang="zh-CN" sz="1600" dirty="0"/>
+              <a:t>&lt;p&gt;&lt;/p&gt;</a:t>
+            </a:r>
+          </a:p>
+          <a:p>
+            <a:r>
+              <a:rPr lang="en-US" altLang="zh-CN" sz="1600" dirty="0"/>
+              <a:t>&lt;p&gt;</a:t>
+            </a:r>
+          </a:p>
+          <a:p>
+            <a:r>
+              <a:rPr lang="en-US" altLang="zh-CN" sz="1600" dirty="0"/>
+              <a:t>  &lt;span&gt;&lt;/span&gt;</a:t>
+            </a:r>
+          </a:p>
+          <a:p>
+            <a:r>
+              <a:rPr lang="en-US" altLang="zh-CN" sz="1600" dirty="0"/>
+              <a:t>&lt;/p&gt;</a:t>
+            </a:r>
+            <a:endParaRPr lang="zh-CN" altLang="en-US" sz="1600" dirty="0"/>
+          </a:p>
+          <a:p>
+            <a:endParaRPr lang="zh-CN" altLang="en-US" sz="1600" dirty="0"/>
+          </a:p>
+        </p:txBody>
+      </p:sp>
+      <p:sp>
+        <p:nvSpPr>
+          <p:cNvPr id="4" name="日期占位符 3"/>
+          <p:cNvSpPr>
+            <a:spLocks noGrp="1"/>
+          </p:cNvSpPr>
+          <p:nvPr>
+            <p:ph type="dt" sz="half" idx="10"/>
+          </p:nvPr>
+        </p:nvSpPr>
+        <p:spPr/>
+        <p:txBody>
+          <a:bodyPr/>
+          <a:lstStyle/>
+          <a:p>
+            <a:fld id="{4D01DF33-5A38-4035-AC9E-B8E17EB22BE4}" type="datetime1">
+              <a:rPr lang="zh-CN" altLang="en-US" smtClean="0"/>
+              <a:t>2020/8/14</a:t>
+            </a:fld>
+            <a:endParaRPr lang="zh-CN" altLang="en-US"/>
+          </a:p>
+        </p:txBody>
+      </p:sp>
+      <p:sp>
+        <p:nvSpPr>
+          <p:cNvPr id="5" name="灯片编号占位符 4"/>
+          <p:cNvSpPr>
+            <a:spLocks noGrp="1"/>
+          </p:cNvSpPr>
+          <p:nvPr>
+            <p:ph type="sldNum" sz="quarter" idx="12"/>
+          </p:nvPr>
+        </p:nvSpPr>
+        <p:spPr/>
+        <p:txBody>
+          <a:bodyPr/>
+          <a:lstStyle/>
+          <a:p>
+            <a:fld id="{5C794E63-F2AF-49E2-AE37-43481CC587E5}" type="slidenum">
+              <a:rPr lang="zh-CN" altLang="en-US" smtClean="0"/>
+              <a:t>6</a:t>
+            </a:fld>
+            <a:endParaRPr lang="zh-CN" altLang="en-US"/>
+          </a:p>
+        </p:txBody>
+      </p:sp>
+    </p:spTree>
+  </p:cSld>
+  <p:clrMapOvr>
+    <a:masterClrMapping/>
+  </p:clrMapOvr>
+</p:sld>
+</file>
+
+<file path=ppt/slides/slide7.xml><?xml version="1.0" encoding="utf-8"?>
+<p:sld xmlns:a="http://schemas.openxmlformats.org/drawingml/2006/main" xmlns:r="http://schemas.openxmlformats.org/officeDocument/2006/relationships" xmlns:p="http://schemas.openxmlformats.org/presentationml/2006/main">
+  <p:cSld>
+    <p:spTree>
+      <p:nvGrpSpPr>
+        <p:cNvPr id="1" name=""/>
+        <p:cNvGrpSpPr/>
+        <p:nvPr/>
+      </p:nvGrpSpPr>
+      <p:grpSpPr>
+        <a:xfrm>
+          <a:off x="0" y="0"/>
+          <a:ext cx="0" cy="0"/>
+          <a:chOff x="0" y="0"/>
+          <a:chExt cx="0" cy="0"/>
+        </a:xfrm>
+      </p:grpSpPr>
+      <p:sp>
+        <p:nvSpPr>
+          <p:cNvPr id="2" name="标题 1">
+            <a:extLst>
+              <a:ext uri="{FF2B5EF4-FFF2-40B4-BE49-F238E27FC236}">
+                <a16:creationId xmlns:a16="http://schemas.microsoft.com/office/drawing/2014/main" id="{252B05FB-F1E9-47B7-A8EA-7AEE00BF4CA3}"/>
+              </a:ext>
+            </a:extLst>
+          </p:cNvPr>
+          <p:cNvSpPr>
+            <a:spLocks noGrp="1"/>
+          </p:cNvSpPr>
+          <p:nvPr>
+            <p:ph type="title"/>
+          </p:nvPr>
+        </p:nvSpPr>
+        <p:spPr/>
+        <p:txBody>
+          <a:bodyPr/>
+          <a:lstStyle/>
+          <a:p>
+            <a:r>
+              <a:rPr lang="en-US" altLang="zh-CN" dirty="0"/>
+              <a:t>first/last-child</a:t>
+            </a:r>
+            <a:endParaRPr lang="zh-CN" altLang="en-US" dirty="0"/>
+          </a:p>
+        </p:txBody>
+      </p:sp>
+      <p:sp>
+        <p:nvSpPr>
+          <p:cNvPr id="3" name="内容占位符 2">
+            <a:extLst>
+              <a:ext uri="{FF2B5EF4-FFF2-40B4-BE49-F238E27FC236}">
+                <a16:creationId xmlns:a16="http://schemas.microsoft.com/office/drawing/2014/main" id="{E8F03F59-12C6-4450-AA6F-4123166D3898}"/>
+              </a:ext>
+            </a:extLst>
+          </p:cNvPr>
+          <p:cNvSpPr>
+            <a:spLocks noGrp="1"/>
+          </p:cNvSpPr>
+          <p:nvPr>
+            <p:ph idx="1"/>
+          </p:nvPr>
+        </p:nvSpPr>
+        <p:spPr/>
+        <p:txBody>
+          <a:bodyPr>
+            <a:normAutofit/>
+          </a:bodyPr>
+          <a:lstStyle/>
+          <a:p>
+            <a:r>
+              <a:rPr lang="en-US" altLang="zh-CN" sz="2000" dirty="0"/>
+              <a:t>P:first-child</a:t>
+            </a:r>
+          </a:p>
+          <a:p>
+            <a:r>
+              <a:rPr lang="zh-CN" altLang="en-US" sz="2000" b="0" i="0" dirty="0">
+                <a:solidFill>
+                  <a:srgbClr val="000000"/>
+                </a:solidFill>
+                <a:effectLst/>
+                <a:latin typeface="PingFangSC-Regular"/>
+              </a:rPr>
+              <a:t>选择器用于选取属于其父元素的首个子元素的指定选择器</a:t>
+            </a:r>
+            <a:endParaRPr lang="en-US" altLang="zh-CN" sz="2000" b="0" i="0" dirty="0">
+              <a:solidFill>
+                <a:srgbClr val="000000"/>
+              </a:solidFill>
+              <a:effectLst/>
+              <a:latin typeface="PingFangSC-Regular"/>
+            </a:endParaRPr>
+          </a:p>
+          <a:p>
+            <a:r>
+              <a:rPr lang="en-US" altLang="zh-CN" sz="2000" dirty="0">
+                <a:solidFill>
+                  <a:srgbClr val="000000"/>
+                </a:solidFill>
+                <a:latin typeface="PingFangSC-Regular"/>
+              </a:rPr>
+              <a:t>P:last-child</a:t>
+            </a:r>
+          </a:p>
+          <a:p>
+            <a:r>
+              <a:rPr lang="zh-CN" altLang="en-US" sz="2000" b="0" i="0" dirty="0">
+                <a:solidFill>
+                  <a:srgbClr val="000000"/>
+                </a:solidFill>
+                <a:effectLst/>
+                <a:latin typeface="PingFangSC-Regular"/>
+              </a:rPr>
+              <a:t>选择属于其父元素最后一个子元素每个 </a:t>
+            </a:r>
+            <a:r>
+              <a:rPr lang="en-US" altLang="zh-CN" sz="2000" b="0" i="0" dirty="0">
+                <a:solidFill>
+                  <a:srgbClr val="000000"/>
+                </a:solidFill>
+                <a:effectLst/>
+                <a:latin typeface="PingFangSC-Regular"/>
+              </a:rPr>
+              <a:t>&lt;p&gt; </a:t>
+            </a:r>
+            <a:r>
+              <a:rPr lang="zh-CN" altLang="en-US" sz="2000" b="0" i="0" dirty="0">
+                <a:solidFill>
+                  <a:srgbClr val="000000"/>
+                </a:solidFill>
+                <a:effectLst/>
+                <a:latin typeface="PingFangSC-Regular"/>
+              </a:rPr>
+              <a:t>元素。</a:t>
+            </a:r>
+            <a:endParaRPr lang="en-US" altLang="zh-CN" sz="2000" dirty="0">
+              <a:solidFill>
+                <a:srgbClr val="000000"/>
+              </a:solidFill>
+              <a:latin typeface="PingFangSC-Regular"/>
+            </a:endParaRPr>
+          </a:p>
+          <a:p>
+            <a:endParaRPr lang="zh-CN" altLang="en-US" sz="2000" dirty="0"/>
+          </a:p>
+        </p:txBody>
+      </p:sp>
+      <p:sp>
+        <p:nvSpPr>
+          <p:cNvPr id="4" name="日期占位符 3">
+            <a:extLst>
+              <a:ext uri="{FF2B5EF4-FFF2-40B4-BE49-F238E27FC236}">
+                <a16:creationId xmlns:a16="http://schemas.microsoft.com/office/drawing/2014/main" id="{2C29EF8E-A1A9-40D7-8CD7-52C3A3EF44FA}"/>
+              </a:ext>
+            </a:extLst>
+          </p:cNvPr>
+          <p:cNvSpPr>
+            <a:spLocks noGrp="1"/>
+          </p:cNvSpPr>
+          <p:nvPr>
+            <p:ph type="dt" sz="half" idx="10"/>
+          </p:nvPr>
+        </p:nvSpPr>
+        <p:spPr/>
+        <p:txBody>
+          <a:bodyPr/>
+          <a:lstStyle/>
+          <a:p>
+            <a:fld id="{4D01DF33-5A38-4035-AC9E-B8E17EB22BE4}" type="datetime1">
+              <a:rPr lang="zh-CN" altLang="en-US" smtClean="0"/>
+              <a:t>2020/8/14</a:t>
+            </a:fld>
+            <a:endParaRPr lang="zh-CN" altLang="en-US"/>
+          </a:p>
+        </p:txBody>
+      </p:sp>
+      <p:sp>
+        <p:nvSpPr>
+          <p:cNvPr id="5" name="灯片编号占位符 4">
+            <a:extLst>
+              <a:ext uri="{FF2B5EF4-FFF2-40B4-BE49-F238E27FC236}">
+                <a16:creationId xmlns:a16="http://schemas.microsoft.com/office/drawing/2014/main" id="{B4A93762-62CA-4A7D-A482-F7B91A4C0545}"/>
+              </a:ext>
+            </a:extLst>
+          </p:cNvPr>
+          <p:cNvSpPr>
+            <a:spLocks noGrp="1"/>
+          </p:cNvSpPr>
+          <p:nvPr>
+            <p:ph type="sldNum" sz="quarter" idx="12"/>
+          </p:nvPr>
+        </p:nvSpPr>
+        <p:spPr/>
+        <p:txBody>
+          <a:bodyPr/>
+          <a:lstStyle/>
+          <a:p>
+            <a:fld id="{5C794E63-F2AF-49E2-AE37-43481CC587E5}" type="slidenum">
+              <a:rPr lang="zh-CN" altLang="en-US" smtClean="0"/>
+              <a:t>7</a:t>
+            </a:fld>
+            <a:endParaRPr lang="zh-CN" altLang="en-US"/>
+          </a:p>
+        </p:txBody>
+      </p:sp>
+    </p:spTree>
+    <p:extLst>
+      <p:ext uri="{BB962C8B-B14F-4D97-AF65-F5344CB8AC3E}">
+        <p14:creationId xmlns:p14="http://schemas.microsoft.com/office/powerpoint/2010/main" val="3451195717"/>
+      </p:ext>
+    </p:extLst>
+  </p:cSld>
+  <p:clrMapOvr>
+    <a:masterClrMapping/>
+  </p:clrMapOvr>
+</p:sld>
+</file>
+
+<file path=ppt/slides/slide8.xml><?xml version="1.0" encoding="utf-8"?>
+<p:sld xmlns:a="http://schemas.openxmlformats.org/drawingml/2006/main" xmlns:r="http://schemas.openxmlformats.org/officeDocument/2006/relationships" xmlns:p="http://schemas.openxmlformats.org/presentationml/2006/main">
+  <p:cSld>
+    <p:spTree>
+      <p:nvGrpSpPr>
+        <p:cNvPr id="1" name=""/>
+        <p:cNvGrpSpPr/>
+        <p:nvPr/>
+      </p:nvGrpSpPr>
+      <p:grpSpPr>
+        <a:xfrm>
+          <a:off x="0" y="0"/>
+          <a:ext cx="0" cy="0"/>
+          <a:chOff x="0" y="0"/>
+          <a:chExt cx="0" cy="0"/>
+        </a:xfrm>
+      </p:grpSpPr>
+      <p:sp>
+        <p:nvSpPr>
+          <p:cNvPr id="2" name="标题 1">
+            <a:extLst>
+              <a:ext uri="{FF2B5EF4-FFF2-40B4-BE49-F238E27FC236}">
+                <a16:creationId xmlns:a16="http://schemas.microsoft.com/office/drawing/2014/main" id="{CB368C74-37BF-41BA-BA20-B6C983930673}"/>
+              </a:ext>
+            </a:extLst>
+          </p:cNvPr>
+          <p:cNvSpPr>
+            <a:spLocks noGrp="1"/>
+          </p:cNvSpPr>
+          <p:nvPr>
+            <p:ph type="title"/>
+          </p:nvPr>
+        </p:nvSpPr>
+        <p:spPr/>
+        <p:txBody>
+          <a:bodyPr/>
+          <a:lstStyle/>
+          <a:p>
+            <a:r>
+              <a:rPr lang="en-US" altLang="zh-CN" dirty="0"/>
+              <a:t>Nth-child</a:t>
+            </a:r>
+            <a:endParaRPr lang="zh-CN" altLang="en-US" dirty="0"/>
+          </a:p>
+        </p:txBody>
+      </p:sp>
+      <p:sp>
+        <p:nvSpPr>
+          <p:cNvPr id="3" name="内容占位符 2">
+            <a:extLst>
+              <a:ext uri="{FF2B5EF4-FFF2-40B4-BE49-F238E27FC236}">
+                <a16:creationId xmlns:a16="http://schemas.microsoft.com/office/drawing/2014/main" id="{FA67E873-231D-449D-9A52-36934FDDA7A8}"/>
+              </a:ext>
+            </a:extLst>
+          </p:cNvPr>
+          <p:cNvSpPr>
+            <a:spLocks noGrp="1"/>
+          </p:cNvSpPr>
+          <p:nvPr>
+            <p:ph idx="1"/>
+          </p:nvPr>
+        </p:nvSpPr>
+        <p:spPr/>
+        <p:txBody>
+          <a:bodyPr/>
+          <a:lstStyle/>
+          <a:p>
+            <a:r>
+              <a:rPr lang="en-US" altLang="zh-CN" dirty="0"/>
+              <a:t>p:nth-child(n) </a:t>
+            </a:r>
+            <a:r>
+              <a:rPr lang="zh-CN" altLang="en-US" dirty="0"/>
+              <a:t>选择其父元素的第几个子元素</a:t>
+            </a:r>
+            <a:endParaRPr lang="en-US" altLang="zh-CN" dirty="0"/>
+          </a:p>
+          <a:p>
+            <a:endParaRPr lang="en-US" altLang="zh-CN" dirty="0"/>
+          </a:p>
+          <a:p>
+            <a:r>
+              <a:rPr lang="zh-CN" altLang="en-US" dirty="0"/>
+              <a:t>用法 </a:t>
+            </a:r>
+            <a:r>
+              <a:rPr lang="en-US" altLang="zh-CN" dirty="0"/>
+              <a:t>p:nth-child(n) {</a:t>
+            </a:r>
+          </a:p>
+          <a:p>
+            <a:r>
+              <a:rPr lang="en-US" altLang="zh-CN" dirty="0"/>
+              <a:t>	background: yellow;</a:t>
+            </a:r>
+          </a:p>
+          <a:p>
+            <a:r>
+              <a:rPr lang="en-US" altLang="zh-CN" dirty="0"/>
+              <a:t>}</a:t>
+            </a:r>
+          </a:p>
+          <a:p>
+            <a:endParaRPr lang="en-US" altLang="zh-CN" dirty="0"/>
+          </a:p>
+          <a:p>
+            <a:r>
+              <a:rPr lang="en-US" altLang="zh-CN" kern="100" dirty="0">
+                <a:effectLst/>
+                <a:latin typeface="Calibri" panose="020F0502020204030204" pitchFamily="34" charset="0"/>
+                <a:ea typeface="宋体" panose="02010600030101010101" pitchFamily="2" charset="-122"/>
+                <a:cs typeface="Times New Roman" panose="02020603050405020304" pitchFamily="18" charset="0"/>
+              </a:rPr>
+              <a:t>nth-last-child  </a:t>
+            </a:r>
+            <a:r>
+              <a:rPr lang="zh-CN" altLang="en-US" kern="100" dirty="0">
+                <a:effectLst/>
+                <a:latin typeface="Calibri" panose="020F0502020204030204" pitchFamily="34" charset="0"/>
+                <a:ea typeface="宋体" panose="02010600030101010101" pitchFamily="2" charset="-122"/>
+                <a:cs typeface="Times New Roman" panose="02020603050405020304" pitchFamily="18" charset="0"/>
+              </a:rPr>
+              <a:t>相反计算。。</a:t>
+            </a:r>
+            <a:endParaRPr lang="zh-CN" altLang="en-US" dirty="0"/>
+          </a:p>
+        </p:txBody>
+      </p:sp>
+      <p:sp>
+        <p:nvSpPr>
+          <p:cNvPr id="4" name="日期占位符 3">
+            <a:extLst>
+              <a:ext uri="{FF2B5EF4-FFF2-40B4-BE49-F238E27FC236}">
+                <a16:creationId xmlns:a16="http://schemas.microsoft.com/office/drawing/2014/main" id="{ED8E8DA3-5FEE-4486-8035-DBD32399A0C2}"/>
+              </a:ext>
+            </a:extLst>
+          </p:cNvPr>
+          <p:cNvSpPr>
+            <a:spLocks noGrp="1"/>
+          </p:cNvSpPr>
+          <p:nvPr>
+            <p:ph type="dt" sz="half" idx="10"/>
+          </p:nvPr>
+        </p:nvSpPr>
+        <p:spPr/>
+        <p:txBody>
+          <a:bodyPr/>
+          <a:lstStyle/>
+          <a:p>
+            <a:fld id="{4D01DF33-5A38-4035-AC9E-B8E17EB22BE4}" type="datetime1">
+              <a:rPr lang="zh-CN" altLang="en-US" smtClean="0"/>
+              <a:t>2020/8/14</a:t>
+            </a:fld>
+            <a:endParaRPr lang="zh-CN" altLang="en-US"/>
+          </a:p>
+        </p:txBody>
+      </p:sp>
+      <p:sp>
+        <p:nvSpPr>
+          <p:cNvPr id="5" name="灯片编号占位符 4">
+            <a:extLst>
+              <a:ext uri="{FF2B5EF4-FFF2-40B4-BE49-F238E27FC236}">
+                <a16:creationId xmlns:a16="http://schemas.microsoft.com/office/drawing/2014/main" id="{4D3BFC04-194A-4239-A23E-276FC2DEF1F6}"/>
+              </a:ext>
+            </a:extLst>
+          </p:cNvPr>
+          <p:cNvSpPr>
+            <a:spLocks noGrp="1"/>
+          </p:cNvSpPr>
+          <p:nvPr>
+            <p:ph type="sldNum" sz="quarter" idx="12"/>
+          </p:nvPr>
+        </p:nvSpPr>
+        <p:spPr/>
+        <p:txBody>
+          <a:bodyPr/>
+          <a:lstStyle/>
+          <a:p>
+            <a:fld id="{5C794E63-F2AF-49E2-AE37-43481CC587E5}" type="slidenum">
+              <a:rPr lang="zh-CN" altLang="en-US" smtClean="0"/>
+              <a:t>8</a:t>
+            </a:fld>
+            <a:endParaRPr lang="zh-CN" altLang="en-US"/>
+          </a:p>
+        </p:txBody>
+      </p:sp>
+    </p:spTree>
+    <p:extLst>
+      <p:ext uri="{BB962C8B-B14F-4D97-AF65-F5344CB8AC3E}">
+        <p14:creationId xmlns:p14="http://schemas.microsoft.com/office/powerpoint/2010/main" val="40907907"/>
+      </p:ext>
+    </p:extLst>
+  </p:cSld>
+  <p:clrMapOvr>
+    <a:masterClrMapping/>
+  </p:clrMapOvr>
+</p:sld>
+</file>
+
 <file path=ppt/slides/slide9.xml><?xml version="1.0" encoding="utf-8"?>
 <p:sld xmlns:a="http://schemas.openxmlformats.org/drawingml/2006/main" xmlns:r="http://schemas.openxmlformats.org/officeDocument/2006/relationships" xmlns:p="http://schemas.openxmlformats.org/presentationml/2006/main">
   <p:cSld>
@@ -5711,7 +6085,7 @@
           <p:cNvPr id="2" name="标题 1">
             <a:extLst>
               <a:ext uri="{FF2B5EF4-FFF2-40B4-BE49-F238E27FC236}">
-                <a16:creationId xmlns:a16="http://schemas.microsoft.com/office/drawing/2014/main" id="{A97B54B6-D1D3-4161-9DF2-19635F147FC8}"/>
+                <a16:creationId xmlns:a16="http://schemas.microsoft.com/office/drawing/2014/main" id="{75FE66A7-50E1-458B-BD5B-E178367552BB}"/>
               </a:ext>
             </a:extLst>
           </p:cNvPr>
@@ -5729,7 +6103,7 @@
           <a:p>
             <a:r>
               <a:rPr lang="zh-CN" altLang="en-US" dirty="0"/>
-              <a:t>弹性盒 布局</a:t>
+              <a:t>伪类选择器</a:t>
             </a:r>
           </a:p>
         </p:txBody>
@@ -5739,7 +6113,7 @@
           <p:cNvPr id="3" name="内容占位符 2">
             <a:extLst>
               <a:ext uri="{FF2B5EF4-FFF2-40B4-BE49-F238E27FC236}">
-                <a16:creationId xmlns:a16="http://schemas.microsoft.com/office/drawing/2014/main" id="{3246FBEC-1ED7-47E5-95AB-5665919DF8A0}"/>
+                <a16:creationId xmlns:a16="http://schemas.microsoft.com/office/drawing/2014/main" id="{9FCF5826-3DF7-42A4-A61E-E2DEA3121396}"/>
               </a:ext>
             </a:extLst>
           </p:cNvPr>
@@ -5752,278 +6126,55 @@
         </p:nvSpPr>
         <p:spPr/>
         <p:txBody>
-          <a:bodyPr>
-            <a:normAutofit/>
-          </a:bodyPr>
+          <a:bodyPr/>
           <a:lstStyle/>
           <a:p>
             <a:r>
-              <a:rPr lang="zh-CN" altLang="en-US" sz="1600" dirty="0"/>
-              <a:t>父：</a:t>
-            </a:r>
-            <a:r>
-              <a:rPr lang="en-US" altLang="zh-CN" sz="1600" dirty="0"/>
-              <a:t>display: flex;</a:t>
-            </a:r>
-          </a:p>
-          <a:p>
-            <a:r>
-              <a:rPr lang="zh-CN" altLang="en-US" sz="1600" b="0" i="0" dirty="0">
-                <a:solidFill>
-                  <a:srgbClr val="494949"/>
-                </a:solidFill>
-                <a:effectLst/>
-                <a:latin typeface="楷体" panose="02010609060101010101" pitchFamily="49" charset="-122"/>
-                <a:ea typeface="楷体" panose="02010609060101010101" pitchFamily="49" charset="-122"/>
-              </a:rPr>
-              <a:t>是设置父元素成为一个弹性盒子；里边的子元素符合弹性布局</a:t>
-            </a:r>
-            <a:endParaRPr lang="en-US" altLang="zh-CN" sz="1600" b="0" i="0" dirty="0">
-              <a:solidFill>
-                <a:srgbClr val="494949"/>
-              </a:solidFill>
-              <a:effectLst/>
-              <a:latin typeface="楷体" panose="02010609060101010101" pitchFamily="49" charset="-122"/>
-              <a:ea typeface="楷体" panose="02010609060101010101" pitchFamily="49" charset="-122"/>
-            </a:endParaRPr>
-          </a:p>
-          <a:p>
-            <a:endParaRPr lang="en-US" altLang="zh-CN" sz="1600" b="0" i="0" dirty="0">
-              <a:solidFill>
-                <a:srgbClr val="494949"/>
-              </a:solidFill>
-              <a:effectLst/>
-              <a:latin typeface="楷体" panose="02010609060101010101" pitchFamily="49" charset="-122"/>
-              <a:ea typeface="楷体" panose="02010609060101010101" pitchFamily="49" charset="-122"/>
-            </a:endParaRPr>
-          </a:p>
-          <a:p>
-            <a:r>
-              <a:rPr lang="en-US" altLang="zh-CN" sz="1600" dirty="0">
-                <a:solidFill>
-                  <a:srgbClr val="494949"/>
-                </a:solidFill>
-                <a:latin typeface="楷体" panose="02010609060101010101" pitchFamily="49" charset="-122"/>
-                <a:ea typeface="楷体" panose="02010609060101010101" pitchFamily="49" charset="-122"/>
-              </a:rPr>
-              <a:t>flex-direction: </a:t>
-            </a:r>
-            <a:r>
-              <a:rPr lang="en-US" altLang="zh-CN" sz="1600" dirty="0" err="1">
-                <a:solidFill>
-                  <a:srgbClr val="494949"/>
-                </a:solidFill>
-                <a:latin typeface="楷体" panose="02010609060101010101" pitchFamily="49" charset="-122"/>
-                <a:ea typeface="楷体" panose="02010609060101010101" pitchFamily="49" charset="-122"/>
-              </a:rPr>
-              <a:t>row|row-reverse|column|column-reverse</a:t>
-            </a:r>
-            <a:r>
-              <a:rPr lang="en-US" altLang="zh-CN" sz="1600" dirty="0">
-                <a:solidFill>
-                  <a:srgbClr val="494949"/>
-                </a:solidFill>
-                <a:latin typeface="楷体" panose="02010609060101010101" pitchFamily="49" charset="-122"/>
-                <a:ea typeface="楷体" panose="02010609060101010101" pitchFamily="49" charset="-122"/>
-              </a:rPr>
-              <a:t>; </a:t>
-            </a:r>
-          </a:p>
-          <a:p>
-            <a:r>
-              <a:rPr lang="zh-CN" altLang="en-US" sz="1600" dirty="0">
-                <a:solidFill>
-                  <a:srgbClr val="494949"/>
-                </a:solidFill>
-                <a:latin typeface="楷体" panose="02010609060101010101" pitchFamily="49" charset="-122"/>
-                <a:ea typeface="楷体" panose="02010609060101010101" pitchFamily="49" charset="-122"/>
-              </a:rPr>
-              <a:t>指定子元素在父容器的位置</a:t>
-            </a:r>
-            <a:endParaRPr lang="en-US" altLang="zh-CN" sz="1600" dirty="0">
-              <a:solidFill>
-                <a:srgbClr val="494949"/>
-              </a:solidFill>
-              <a:latin typeface="楷体" panose="02010609060101010101" pitchFamily="49" charset="-122"/>
-              <a:ea typeface="楷体" panose="02010609060101010101" pitchFamily="49" charset="-122"/>
-            </a:endParaRPr>
-          </a:p>
-          <a:p>
-            <a:endParaRPr lang="en-US" altLang="zh-CN" sz="1600" dirty="0">
-              <a:solidFill>
-                <a:srgbClr val="494949"/>
-              </a:solidFill>
-              <a:latin typeface="楷体" panose="02010609060101010101" pitchFamily="49" charset="-122"/>
-              <a:ea typeface="楷体" panose="02010609060101010101" pitchFamily="49" charset="-122"/>
-            </a:endParaRPr>
-          </a:p>
-          <a:p>
-            <a:r>
-              <a:rPr lang="en-US" altLang="zh-CN" sz="1600" dirty="0">
-                <a:solidFill>
-                  <a:srgbClr val="494949"/>
-                </a:solidFill>
-                <a:latin typeface="楷体" panose="02010609060101010101" pitchFamily="49" charset="-122"/>
-                <a:ea typeface="楷体" panose="02010609060101010101" pitchFamily="49" charset="-122"/>
-              </a:rPr>
-              <a:t>Justify-content: </a:t>
-            </a:r>
-            <a:r>
-              <a:rPr lang="en-US" altLang="zh-CN" sz="1600" b="0" i="0" dirty="0" err="1">
-                <a:solidFill>
-                  <a:srgbClr val="494949"/>
-                </a:solidFill>
-                <a:effectLst/>
-                <a:latin typeface="楷体" panose="02010609060101010101" pitchFamily="49" charset="-122"/>
-                <a:ea typeface="楷体" panose="02010609060101010101" pitchFamily="49" charset="-122"/>
-              </a:rPr>
-              <a:t>flex-start|flex-end|center|space-around|space-between</a:t>
-            </a:r>
-            <a:endParaRPr lang="en-US" altLang="zh-CN" sz="1600" b="0" i="0" dirty="0">
-              <a:solidFill>
-                <a:srgbClr val="494949"/>
-              </a:solidFill>
-              <a:effectLst/>
-              <a:latin typeface="楷体" panose="02010609060101010101" pitchFamily="49" charset="-122"/>
-              <a:ea typeface="楷体" panose="02010609060101010101" pitchFamily="49" charset="-122"/>
-            </a:endParaRPr>
-          </a:p>
-          <a:p>
-            <a:r>
-              <a:rPr lang="zh-CN" altLang="en-US" sz="1600" b="0" i="0" dirty="0">
-                <a:solidFill>
-                  <a:srgbClr val="494949"/>
-                </a:solidFill>
-                <a:effectLst/>
-                <a:latin typeface="楷体" panose="02010609060101010101" pitchFamily="49" charset="-122"/>
-                <a:ea typeface="楷体" panose="02010609060101010101" pitchFamily="49" charset="-122"/>
-              </a:rPr>
-              <a:t>设置弹性子元素在主轴线上的排列方式</a:t>
-            </a:r>
-            <a:endParaRPr lang="en-US" altLang="zh-CN" sz="1600" dirty="0">
-              <a:solidFill>
-                <a:srgbClr val="494949"/>
-              </a:solidFill>
-              <a:latin typeface="楷体" panose="02010609060101010101" pitchFamily="49" charset="-122"/>
-              <a:ea typeface="楷体" panose="02010609060101010101" pitchFamily="49" charset="-122"/>
-            </a:endParaRPr>
-          </a:p>
-          <a:p>
-            <a:endParaRPr lang="en-US" altLang="zh-CN" sz="1600" dirty="0">
-              <a:solidFill>
-                <a:srgbClr val="494949"/>
-              </a:solidFill>
-              <a:latin typeface="楷体" panose="02010609060101010101" pitchFamily="49" charset="-122"/>
-              <a:ea typeface="楷体" panose="02010609060101010101" pitchFamily="49" charset="-122"/>
-            </a:endParaRPr>
-          </a:p>
-          <a:p>
-            <a:r>
-              <a:rPr lang="en-US" altLang="zh-CN" sz="1600" b="0" i="0" dirty="0">
-                <a:solidFill>
-                  <a:srgbClr val="494949"/>
-                </a:solidFill>
-                <a:effectLst/>
-                <a:latin typeface="楷体" panose="02010609060101010101" pitchFamily="49" charset="-122"/>
-                <a:ea typeface="楷体" panose="02010609060101010101" pitchFamily="49" charset="-122"/>
-              </a:rPr>
-              <a:t>align-items: </a:t>
-            </a:r>
-            <a:r>
-              <a:rPr lang="en-US" altLang="zh-CN" sz="1600" b="0" i="0" dirty="0" err="1">
-                <a:solidFill>
-                  <a:srgbClr val="494949"/>
-                </a:solidFill>
-                <a:effectLst/>
-                <a:latin typeface="楷体" panose="02010609060101010101" pitchFamily="49" charset="-122"/>
-                <a:ea typeface="楷体" panose="02010609060101010101" pitchFamily="49" charset="-122"/>
-              </a:rPr>
-              <a:t>flex-start|flex-end|center</a:t>
-            </a:r>
-            <a:endParaRPr lang="en-US" altLang="zh-CN" sz="1600" b="0" i="0" dirty="0">
-              <a:solidFill>
-                <a:srgbClr val="494949"/>
-              </a:solidFill>
-              <a:effectLst/>
-              <a:latin typeface="楷体" panose="02010609060101010101" pitchFamily="49" charset="-122"/>
-              <a:ea typeface="楷体" panose="02010609060101010101" pitchFamily="49" charset="-122"/>
-            </a:endParaRPr>
-          </a:p>
-          <a:p>
-            <a:r>
-              <a:rPr lang="zh-CN" altLang="en-US" sz="1600" b="0" i="0" dirty="0">
-                <a:solidFill>
-                  <a:srgbClr val="494949"/>
-                </a:solidFill>
-                <a:effectLst/>
-                <a:latin typeface="楷体" panose="02010609060101010101" pitchFamily="49" charset="-122"/>
-                <a:ea typeface="楷体" panose="02010609060101010101" pitchFamily="49" charset="-122"/>
-              </a:rPr>
-              <a:t>设置弹性子元素在纵轴上的排列方式</a:t>
-            </a:r>
-            <a:endParaRPr lang="en-US" altLang="zh-CN" sz="1600" b="0" i="0" dirty="0">
-              <a:solidFill>
-                <a:srgbClr val="494949"/>
-              </a:solidFill>
-              <a:effectLst/>
-              <a:latin typeface="楷体" panose="02010609060101010101" pitchFamily="49" charset="-122"/>
-              <a:ea typeface="楷体" panose="02010609060101010101" pitchFamily="49" charset="-122"/>
-            </a:endParaRPr>
-          </a:p>
-          <a:p>
-            <a:endParaRPr lang="en-US" altLang="zh-CN" sz="1600" dirty="0">
-              <a:solidFill>
-                <a:srgbClr val="494949"/>
-              </a:solidFill>
-              <a:latin typeface="楷体" panose="02010609060101010101" pitchFamily="49" charset="-122"/>
-              <a:ea typeface="楷体" panose="02010609060101010101" pitchFamily="49" charset="-122"/>
-            </a:endParaRPr>
-          </a:p>
-          <a:p>
-            <a:r>
-              <a:rPr lang="en-US" altLang="zh-CN" sz="1600" b="0" i="0" dirty="0">
-                <a:solidFill>
-                  <a:srgbClr val="494949"/>
-                </a:solidFill>
-                <a:effectLst/>
-                <a:latin typeface="楷体" panose="02010609060101010101" pitchFamily="49" charset="-122"/>
-                <a:ea typeface="楷体" panose="02010609060101010101" pitchFamily="49" charset="-122"/>
-              </a:rPr>
-              <a:t>flex-wrap: </a:t>
-            </a:r>
-            <a:r>
-              <a:rPr lang="en-US" altLang="zh-CN" sz="1600" b="0" i="0" dirty="0" err="1">
-                <a:solidFill>
-                  <a:srgbClr val="494949"/>
-                </a:solidFill>
-                <a:effectLst/>
-                <a:latin typeface="楷体" panose="02010609060101010101" pitchFamily="49" charset="-122"/>
-                <a:ea typeface="楷体" panose="02010609060101010101" pitchFamily="49" charset="-122"/>
-              </a:rPr>
-              <a:t>nowrap|wrap|wrap-reverse</a:t>
-            </a:r>
-            <a:endParaRPr lang="en-US" altLang="zh-CN" sz="1600" b="0" i="0" dirty="0">
-              <a:solidFill>
-                <a:srgbClr val="494949"/>
-              </a:solidFill>
-              <a:effectLst/>
-              <a:latin typeface="楷体" panose="02010609060101010101" pitchFamily="49" charset="-122"/>
-              <a:ea typeface="楷体" panose="02010609060101010101" pitchFamily="49" charset="-122"/>
-            </a:endParaRPr>
-          </a:p>
-          <a:p>
-            <a:r>
-              <a:rPr lang="zh-CN" altLang="en-US" sz="1600" b="0" i="0" dirty="0">
-                <a:solidFill>
-                  <a:srgbClr val="494949"/>
-                </a:solidFill>
-                <a:effectLst/>
-                <a:latin typeface="楷体" panose="02010609060101010101" pitchFamily="49" charset="-122"/>
-                <a:ea typeface="楷体" panose="02010609060101010101" pitchFamily="49" charset="-122"/>
-              </a:rPr>
-              <a:t>指定弹性盒子的子元素换行方式</a:t>
-            </a:r>
-            <a:endParaRPr lang="zh-CN" altLang="en-US" sz="1600" dirty="0"/>
+              <a:rPr lang="en-US" altLang="zh-CN" dirty="0" err="1"/>
+              <a:t>emelent:before</a:t>
+            </a:r>
+            <a:r>
+              <a:rPr lang="en-US" altLang="zh-CN" dirty="0"/>
+              <a:t> {</a:t>
+            </a:r>
+          </a:p>
+          <a:p>
+            <a:r>
+              <a:rPr lang="en-US" altLang="zh-CN" dirty="0"/>
+              <a:t>	content: ‘’;</a:t>
+            </a:r>
+          </a:p>
+          <a:p>
+            <a:r>
+              <a:rPr lang="en-US" altLang="zh-CN" dirty="0"/>
+              <a:t>}</a:t>
+            </a:r>
+          </a:p>
+          <a:p>
+            <a:endParaRPr lang="en-US" altLang="zh-CN" dirty="0"/>
+          </a:p>
+          <a:p>
+            <a:r>
+              <a:rPr lang="en-US" altLang="zh-CN" dirty="0" err="1"/>
+              <a:t>element:after</a:t>
+            </a:r>
+            <a:r>
+              <a:rPr lang="en-US" altLang="zh-CN" dirty="0"/>
+              <a:t> {</a:t>
+            </a:r>
+          </a:p>
+          <a:p>
+            <a:r>
+              <a:rPr lang="en-US" altLang="zh-CN" dirty="0"/>
+              <a:t>	content: ‘’;</a:t>
+            </a:r>
+          </a:p>
+          <a:p>
+            <a:r>
+              <a:rPr lang="en-US" altLang="zh-CN" dirty="0"/>
+              <a:t>}</a:t>
+            </a:r>
+            <a:endParaRPr lang="zh-CN" altLang="en-US" dirty="0"/>
           </a:p>
         </p:txBody>
       </p:sp>
@@ -6032,7 +6183,7 @@
           <p:cNvPr id="4" name="日期占位符 3">
             <a:extLst>
               <a:ext uri="{FF2B5EF4-FFF2-40B4-BE49-F238E27FC236}">
-                <a16:creationId xmlns:a16="http://schemas.microsoft.com/office/drawing/2014/main" id="{1687F8F9-D89A-4E73-A369-4D1685050B74}"/>
+                <a16:creationId xmlns:a16="http://schemas.microsoft.com/office/drawing/2014/main" id="{76C70FD8-5356-4E52-AB72-02F6D7E06F4B}"/>
               </a:ext>
             </a:extLst>
           </p:cNvPr>
@@ -6050,7 +6201,7 @@
           <a:p>
             <a:fld id="{4D01DF33-5A38-4035-AC9E-B8E17EB22BE4}" type="datetime1">
               <a:rPr lang="zh-CN" altLang="en-US" smtClean="0"/>
-              <a:t>2020/8/13</a:t>
+              <a:t>2020/8/14</a:t>
             </a:fld>
             <a:endParaRPr lang="zh-CN" altLang="en-US"/>
           </a:p>
@@ -6061,7 +6212,7 @@
           <p:cNvPr id="5" name="灯片编号占位符 4">
             <a:extLst>
               <a:ext uri="{FF2B5EF4-FFF2-40B4-BE49-F238E27FC236}">
-                <a16:creationId xmlns:a16="http://schemas.microsoft.com/office/drawing/2014/main" id="{CD84103F-70F3-48CF-8867-039CADE97342}"/>
+                <a16:creationId xmlns:a16="http://schemas.microsoft.com/office/drawing/2014/main" id="{A9520A35-962C-400D-A5B8-999FA3EF4E3E}"/>
               </a:ext>
             </a:extLst>
           </p:cNvPr>
@@ -6088,7 +6239,7 @@
     </p:spTree>
     <p:extLst>
       <p:ext uri="{BB962C8B-B14F-4D97-AF65-F5344CB8AC3E}">
-        <p14:creationId xmlns:p14="http://schemas.microsoft.com/office/powerpoint/2010/main" val="2456308560"/>
+        <p14:creationId xmlns:p14="http://schemas.microsoft.com/office/powerpoint/2010/main" val="769377859"/>
       </p:ext>
     </p:extLst>
   </p:cSld>
